--- a/SISAP/000-GERENCIA_DE_PROJETO/PPJ-PLANO_DE_PROJETO - SISAP.pptx
+++ b/SISAP/000-GERENCIA_DE_PROJETO/PPJ-PLANO_DE_PROJETO - SISAP.pptx
@@ -1,43 +1,50 @@
 
 <file path=ppt/presentation.xml><?xml version="1.0" encoding="utf-8"?>
-<p:presentation xmlns:a="http://schemas.openxmlformats.org/drawingml/2006/main" xmlns:r="http://schemas.openxmlformats.org/officeDocument/2006/relationships" xmlns:mc="http://schemas.openxmlformats.org/markup-compatibility/2006" xmlns:mv="urn:schemas-microsoft-com:mac:vml" xmlns:p="http://schemas.openxmlformats.org/presentationml/2006/main" xmlns:c="http://schemas.openxmlformats.org/drawingml/2006/chart" xmlns:dgm="http://schemas.openxmlformats.org/drawingml/2006/diagram" xmlns:o="urn:schemas-microsoft-com:office:office" xmlns:v="urn:schemas-microsoft-com:vml" xmlns:pvml="urn:schemas-microsoft-com:office:powerpoint" xmlns:com="http://schemas.openxmlformats.org/drawingml/2006/compatibility" xmlns:p14="http://schemas.microsoft.com/office/powerpoint/2010/main" autoCompressPictures="0" embedTrueTypeFonts="1" strictFirstAndLastChars="0" saveSubsetFonts="1">
+<p:presentation xmlns:a="http://schemas.openxmlformats.org/drawingml/2006/main" xmlns:r="http://schemas.openxmlformats.org/officeDocument/2006/relationships" xmlns:p="http://schemas.openxmlformats.org/presentationml/2006/main" strictFirstAndLastChars="0" embedTrueTypeFonts="1" saveSubsetFonts="1" autoCompressPictures="0">
   <p:sldMasterIdLst>
-    <p:sldMasterId id="2147483659" r:id="rId4"/>
+    <p:sldMasterId id="2147483659" r:id="rId1"/>
   </p:sldMasterIdLst>
   <p:notesMasterIdLst>
-    <p:notesMasterId r:id="rId5"/>
+    <p:notesMasterId r:id="rId13"/>
   </p:notesMasterIdLst>
   <p:sldIdLst>
-    <p:sldId id="256" r:id="rId6"/>
-    <p:sldId id="257" r:id="rId7"/>
-    <p:sldId id="258" r:id="rId8"/>
-    <p:sldId id="259" r:id="rId9"/>
-    <p:sldId id="260" r:id="rId10"/>
-    <p:sldId id="261" r:id="rId11"/>
-    <p:sldId id="262" r:id="rId12"/>
-    <p:sldId id="263" r:id="rId13"/>
-    <p:sldId id="264" r:id="rId14"/>
-    <p:sldId id="265" r:id="rId15"/>
-    <p:sldId id="266" r:id="rId16"/>
+    <p:sldId id="256" r:id="rId2"/>
+    <p:sldId id="257" r:id="rId3"/>
+    <p:sldId id="258" r:id="rId4"/>
+    <p:sldId id="259" r:id="rId5"/>
+    <p:sldId id="260" r:id="rId6"/>
+    <p:sldId id="261" r:id="rId7"/>
+    <p:sldId id="262" r:id="rId8"/>
+    <p:sldId id="263" r:id="rId9"/>
+    <p:sldId id="264" r:id="rId10"/>
+    <p:sldId id="265" r:id="rId11"/>
+    <p:sldId id="266" r:id="rId12"/>
   </p:sldIdLst>
-  <p:sldSz cy="5143500" cx="9144000"/>
+  <p:sldSz cx="9144000" cy="5143500" type="screen16x9"/>
   <p:notesSz cx="6858000" cy="9144000"/>
   <p:embeddedFontLst>
     <p:embeddedFont>
-      <p:font typeface="PT Sans Narrow"/>
-      <p:regular r:id="rId17"/>
-      <p:bold r:id="rId18"/>
+      <p:font typeface="PT Sans Narrow" charset="0"/>
+      <p:regular r:id="rId14"/>
+      <p:bold r:id="rId15"/>
     </p:embeddedFont>
     <p:embeddedFont>
-      <p:font typeface="Open Sans"/>
-      <p:regular r:id="rId19"/>
-      <p:bold r:id="rId20"/>
-      <p:italic r:id="rId21"/>
-      <p:boldItalic r:id="rId22"/>
+      <p:font typeface="Calibri" pitchFamily="34" charset="0"/>
+      <p:regular r:id="rId16"/>
+      <p:bold r:id="rId17"/>
+      <p:italic r:id="rId18"/>
+      <p:boldItalic r:id="rId19"/>
+    </p:embeddedFont>
+    <p:embeddedFont>
+      <p:font typeface="Open Sans" charset="0"/>
+      <p:regular r:id="rId20"/>
+      <p:bold r:id="rId21"/>
+      <p:italic r:id="rId22"/>
+      <p:boldItalic r:id="rId23"/>
     </p:embeddedFont>
   </p:embeddedFontLst>
   <p:defaultTextStyle>
-    <a:defPPr marR="0" rtl="0" algn="l">
+    <a:defPPr marR="0" algn="l" rtl="0">
       <a:lnSpc>
         <a:spcPct val="100000"/>
       </a:lnSpc>
@@ -48,7 +55,7 @@
         <a:spcPts val="0"/>
       </a:spcAft>
     </a:defPPr>
-    <a:lvl1pPr marR="0" rtl="0" algn="l">
+    <a:lvl1pPr marR="0" algn="l" rtl="0">
       <a:lnSpc>
         <a:spcPct val="100000"/>
       </a:lnSpc>
@@ -59,7 +66,7 @@
         <a:spcPts val="0"/>
       </a:spcAft>
       <a:buNone/>
-      <a:defRPr b="0" baseline="0" i="0" sz="1400" u="none" cap="none" strike="noStrike">
+      <a:defRPr sz="1400" b="0" i="0" u="none" strike="noStrike" cap="none" baseline="0">
         <a:solidFill>
           <a:srgbClr val="000000"/>
         </a:solidFill>
@@ -67,10 +74,9 @@
         <a:ea typeface="Arial"/>
         <a:cs typeface="Arial"/>
         <a:sym typeface="Arial"/>
-        <a:rtl val="0"/>
       </a:defRPr>
     </a:lvl1pPr>
-    <a:lvl2pPr marR="0" rtl="0" algn="l">
+    <a:lvl2pPr marR="0" algn="l" rtl="0">
       <a:lnSpc>
         <a:spcPct val="100000"/>
       </a:lnSpc>
@@ -81,7 +87,7 @@
         <a:spcPts val="0"/>
       </a:spcAft>
       <a:buNone/>
-      <a:defRPr b="0" baseline="0" i="0" sz="1400" u="none" cap="none" strike="noStrike">
+      <a:defRPr sz="1400" b="0" i="0" u="none" strike="noStrike" cap="none" baseline="0">
         <a:solidFill>
           <a:srgbClr val="000000"/>
         </a:solidFill>
@@ -89,10 +95,9 @@
         <a:ea typeface="Arial"/>
         <a:cs typeface="Arial"/>
         <a:sym typeface="Arial"/>
-        <a:rtl val="0"/>
       </a:defRPr>
     </a:lvl2pPr>
-    <a:lvl3pPr marR="0" rtl="0" algn="l">
+    <a:lvl3pPr marR="0" algn="l" rtl="0">
       <a:lnSpc>
         <a:spcPct val="100000"/>
       </a:lnSpc>
@@ -103,7 +108,7 @@
         <a:spcPts val="0"/>
       </a:spcAft>
       <a:buNone/>
-      <a:defRPr b="0" baseline="0" i="0" sz="1400" u="none" cap="none" strike="noStrike">
+      <a:defRPr sz="1400" b="0" i="0" u="none" strike="noStrike" cap="none" baseline="0">
         <a:solidFill>
           <a:srgbClr val="000000"/>
         </a:solidFill>
@@ -111,10 +116,9 @@
         <a:ea typeface="Arial"/>
         <a:cs typeface="Arial"/>
         <a:sym typeface="Arial"/>
-        <a:rtl val="0"/>
       </a:defRPr>
     </a:lvl3pPr>
-    <a:lvl4pPr marR="0" rtl="0" algn="l">
+    <a:lvl4pPr marR="0" algn="l" rtl="0">
       <a:lnSpc>
         <a:spcPct val="100000"/>
       </a:lnSpc>
@@ -125,7 +129,7 @@
         <a:spcPts val="0"/>
       </a:spcAft>
       <a:buNone/>
-      <a:defRPr b="0" baseline="0" i="0" sz="1400" u="none" cap="none" strike="noStrike">
+      <a:defRPr sz="1400" b="0" i="0" u="none" strike="noStrike" cap="none" baseline="0">
         <a:solidFill>
           <a:srgbClr val="000000"/>
         </a:solidFill>
@@ -133,10 +137,9 @@
         <a:ea typeface="Arial"/>
         <a:cs typeface="Arial"/>
         <a:sym typeface="Arial"/>
-        <a:rtl val="0"/>
       </a:defRPr>
     </a:lvl4pPr>
-    <a:lvl5pPr marR="0" rtl="0" algn="l">
+    <a:lvl5pPr marR="0" algn="l" rtl="0">
       <a:lnSpc>
         <a:spcPct val="100000"/>
       </a:lnSpc>
@@ -147,7 +150,7 @@
         <a:spcPts val="0"/>
       </a:spcAft>
       <a:buNone/>
-      <a:defRPr b="0" baseline="0" i="0" sz="1400" u="none" cap="none" strike="noStrike">
+      <a:defRPr sz="1400" b="0" i="0" u="none" strike="noStrike" cap="none" baseline="0">
         <a:solidFill>
           <a:srgbClr val="000000"/>
         </a:solidFill>
@@ -155,10 +158,9 @@
         <a:ea typeface="Arial"/>
         <a:cs typeface="Arial"/>
         <a:sym typeface="Arial"/>
-        <a:rtl val="0"/>
       </a:defRPr>
     </a:lvl5pPr>
-    <a:lvl6pPr marR="0" rtl="0" algn="l">
+    <a:lvl6pPr marR="0" algn="l" rtl="0">
       <a:lnSpc>
         <a:spcPct val="100000"/>
       </a:lnSpc>
@@ -169,7 +171,7 @@
         <a:spcPts val="0"/>
       </a:spcAft>
       <a:buNone/>
-      <a:defRPr b="0" baseline="0" i="0" sz="1400" u="none" cap="none" strike="noStrike">
+      <a:defRPr sz="1400" b="0" i="0" u="none" strike="noStrike" cap="none" baseline="0">
         <a:solidFill>
           <a:srgbClr val="000000"/>
         </a:solidFill>
@@ -177,10 +179,9 @@
         <a:ea typeface="Arial"/>
         <a:cs typeface="Arial"/>
         <a:sym typeface="Arial"/>
-        <a:rtl val="0"/>
       </a:defRPr>
     </a:lvl6pPr>
-    <a:lvl7pPr marR="0" rtl="0" algn="l">
+    <a:lvl7pPr marR="0" algn="l" rtl="0">
       <a:lnSpc>
         <a:spcPct val="100000"/>
       </a:lnSpc>
@@ -191,7 +192,7 @@
         <a:spcPts val="0"/>
       </a:spcAft>
       <a:buNone/>
-      <a:defRPr b="0" baseline="0" i="0" sz="1400" u="none" cap="none" strike="noStrike">
+      <a:defRPr sz="1400" b="0" i="0" u="none" strike="noStrike" cap="none" baseline="0">
         <a:solidFill>
           <a:srgbClr val="000000"/>
         </a:solidFill>
@@ -199,10 +200,9 @@
         <a:ea typeface="Arial"/>
         <a:cs typeface="Arial"/>
         <a:sym typeface="Arial"/>
-        <a:rtl val="0"/>
       </a:defRPr>
     </a:lvl7pPr>
-    <a:lvl8pPr marR="0" rtl="0" algn="l">
+    <a:lvl8pPr marR="0" algn="l" rtl="0">
       <a:lnSpc>
         <a:spcPct val="100000"/>
       </a:lnSpc>
@@ -213,7 +213,7 @@
         <a:spcPts val="0"/>
       </a:spcAft>
       <a:buNone/>
-      <a:defRPr b="0" baseline="0" i="0" sz="1400" u="none" cap="none" strike="noStrike">
+      <a:defRPr sz="1400" b="0" i="0" u="none" strike="noStrike" cap="none" baseline="0">
         <a:solidFill>
           <a:srgbClr val="000000"/>
         </a:solidFill>
@@ -221,10 +221,9 @@
         <a:ea typeface="Arial"/>
         <a:cs typeface="Arial"/>
         <a:sym typeface="Arial"/>
-        <a:rtl val="0"/>
       </a:defRPr>
     </a:lvl8pPr>
-    <a:lvl9pPr marR="0" rtl="0" algn="l">
+    <a:lvl9pPr marR="0" algn="l" rtl="0">
       <a:lnSpc>
         <a:spcPct val="100000"/>
       </a:lnSpc>
@@ -235,7 +234,7 @@
         <a:spcPts val="0"/>
       </a:spcAft>
       <a:buNone/>
-      <a:defRPr b="0" baseline="0" i="0" sz="1400" u="none" cap="none" strike="noStrike">
+      <a:defRPr sz="1400" b="0" i="0" u="none" strike="noStrike" cap="none" baseline="0">
         <a:solidFill>
           <a:srgbClr val="000000"/>
         </a:solidFill>
@@ -243,7 +242,6 @@
         <a:ea typeface="Arial"/>
         <a:cs typeface="Arial"/>
         <a:sym typeface="Arial"/>
-        <a:rtl val="0"/>
       </a:defRPr>
     </a:lvl9pPr>
   </p:defaultTextStyle>
@@ -251,8 +249,13 @@
 </file>
 
 <file path=ppt/notesMasters/notesMaster1.xml><?xml version="1.0" encoding="utf-8"?>
-<p:notesMaster xmlns:a="http://schemas.openxmlformats.org/drawingml/2006/main" xmlns:r="http://schemas.openxmlformats.org/officeDocument/2006/relationships" xmlns:mc="http://schemas.openxmlformats.org/markup-compatibility/2006" xmlns:mv="urn:schemas-microsoft-com:mac:vml" xmlns:p="http://schemas.openxmlformats.org/presentationml/2006/main" xmlns:c="http://schemas.openxmlformats.org/drawingml/2006/chart" xmlns:dgm="http://schemas.openxmlformats.org/drawingml/2006/diagram" xmlns:o="urn:schemas-microsoft-com:office:office" xmlns:v="urn:schemas-microsoft-com:vml" xmlns:pvml="urn:schemas-microsoft-com:office:powerpoint" xmlns:com="http://schemas.openxmlformats.org/drawingml/2006/compatibility" xmlns:p14="http://schemas.microsoft.com/office/powerpoint/2010/main">
+<p:notesMaster xmlns:a="http://schemas.openxmlformats.org/drawingml/2006/main" xmlns:r="http://schemas.openxmlformats.org/officeDocument/2006/relationships" xmlns:p="http://schemas.openxmlformats.org/presentationml/2006/main">
   <p:cSld>
+    <p:bg>
+      <p:bgRef idx="1001">
+        <a:schemeClr val="bg1"/>
+      </p:bgRef>
+    </p:bg>
     <p:spTree>
       <p:nvGrpSpPr>
         <p:cNvPr id="1" name="Shape 1"/>
@@ -270,9 +273,11 @@
       <p:sp>
         <p:nvSpPr>
           <p:cNvPr id="2" name="Shape 2"/>
-          <p:cNvSpPr/>
+          <p:cNvSpPr>
+            <a:spLocks noGrp="1" noRot="1" noChangeAspect="1"/>
+          </p:cNvSpPr>
           <p:nvPr>
-            <p:ph idx="2" type="sldImg"/>
+            <p:ph type="sldImg" idx="2"/>
           </p:nvPr>
         </p:nvSpPr>
         <p:spPr>
@@ -281,8 +286,13 @@
             <a:ext cx="6096075" cy="3429000"/>
           </a:xfrm>
           <a:custGeom>
+            <a:avLst/>
+            <a:gdLst/>
+            <a:ahLst/>
+            <a:cxnLst/>
+            <a:rect l="0" t="0" r="0" b="0"/>
             <a:pathLst>
-              <a:path extrusionOk="0" h="120000" w="120000">
+              <a:path w="120000" h="120000" extrusionOk="0">
                 <a:moveTo>
                   <a:pt x="0" y="0"/>
                 </a:moveTo>
@@ -300,23 +310,25 @@
             </a:pathLst>
           </a:custGeom>
           <a:noFill/>
-          <a:ln cap="flat" cmpd="sng" w="9525">
+          <a:ln w="9525" cap="flat" cmpd="sng">
             <a:solidFill>
               <a:srgbClr val="000000"/>
             </a:solidFill>
             <a:prstDash val="solid"/>
             <a:round/>
-            <a:headEnd len="med" w="med" type="none"/>
-            <a:tailEnd len="med" w="med" type="none"/>
+            <a:headEnd type="none" w="med" len="med"/>
+            <a:tailEnd type="none" w="med" len="med"/>
           </a:ln>
         </p:spPr>
       </p:sp>
       <p:sp>
         <p:nvSpPr>
           <p:cNvPr id="3" name="Shape 3"/>
-          <p:cNvSpPr txBox="1"/>
+          <p:cNvSpPr txBox="1">
+            <a:spLocks noGrp="1"/>
+          </p:cNvSpPr>
           <p:nvPr>
-            <p:ph idx="1" type="body"/>
+            <p:ph type="body" idx="1"/>
           </p:nvPr>
         </p:nvSpPr>
         <p:spPr>
@@ -333,7 +345,7 @@
           </a:ln>
         </p:spPr>
         <p:txBody>
-          <a:bodyPr anchorCtr="0" anchor="t" bIns="91425" lIns="91425" rIns="91425" tIns="91425"/>
+          <a:bodyPr lIns="91425" tIns="91425" rIns="91425" bIns="91425" anchor="t" anchorCtr="0"/>
           <a:lstStyle>
             <a:lvl1pPr>
               <a:spcBef>
@@ -390,21 +402,115 @@
               <a:defRPr sz="1100"/>
             </a:lvl9pPr>
           </a:lstStyle>
-          <a:p/>
+          <a:p>
+            <a:endParaRPr/>
+          </a:p>
         </p:txBody>
       </p:sp>
     </p:spTree>
   </p:cSld>
-  <p:clrMap accent1="accent1" accent2="accent2" accent3="accent3" accent4="accent4" accent5="accent5" accent6="accent6" bg1="lt1" bg2="dk2" tx1="dk1" tx2="lt2" folHlink="folHlink" hlink="hlink"/>
+  <p:clrMap bg1="lt1" tx1="dk1" bg2="dk2" tx2="lt2" accent1="accent1" accent2="accent2" accent3="accent3" accent4="accent4" accent5="accent5" accent6="accent6" hlink="hlink" folHlink="folHlink"/>
+  <p:notesStyle>
+    <a:lvl1pPr marL="0" algn="l" defTabSz="914400" rtl="0" eaLnBrk="1" latinLnBrk="0" hangingPunct="1">
+      <a:defRPr sz="1200" kern="1200">
+        <a:solidFill>
+          <a:schemeClr val="tx1"/>
+        </a:solidFill>
+        <a:latin typeface="+mn-lt"/>
+        <a:ea typeface="+mn-ea"/>
+        <a:cs typeface="+mn-cs"/>
+      </a:defRPr>
+    </a:lvl1pPr>
+    <a:lvl2pPr marL="457200" algn="l" defTabSz="914400" rtl="0" eaLnBrk="1" latinLnBrk="0" hangingPunct="1">
+      <a:defRPr sz="1200" kern="1200">
+        <a:solidFill>
+          <a:schemeClr val="tx1"/>
+        </a:solidFill>
+        <a:latin typeface="+mn-lt"/>
+        <a:ea typeface="+mn-ea"/>
+        <a:cs typeface="+mn-cs"/>
+      </a:defRPr>
+    </a:lvl2pPr>
+    <a:lvl3pPr marL="914400" algn="l" defTabSz="914400" rtl="0" eaLnBrk="1" latinLnBrk="0" hangingPunct="1">
+      <a:defRPr sz="1200" kern="1200">
+        <a:solidFill>
+          <a:schemeClr val="tx1"/>
+        </a:solidFill>
+        <a:latin typeface="+mn-lt"/>
+        <a:ea typeface="+mn-ea"/>
+        <a:cs typeface="+mn-cs"/>
+      </a:defRPr>
+    </a:lvl3pPr>
+    <a:lvl4pPr marL="1371600" algn="l" defTabSz="914400" rtl="0" eaLnBrk="1" latinLnBrk="0" hangingPunct="1">
+      <a:defRPr sz="1200" kern="1200">
+        <a:solidFill>
+          <a:schemeClr val="tx1"/>
+        </a:solidFill>
+        <a:latin typeface="+mn-lt"/>
+        <a:ea typeface="+mn-ea"/>
+        <a:cs typeface="+mn-cs"/>
+      </a:defRPr>
+    </a:lvl4pPr>
+    <a:lvl5pPr marL="1828800" algn="l" defTabSz="914400" rtl="0" eaLnBrk="1" latinLnBrk="0" hangingPunct="1">
+      <a:defRPr sz="1200" kern="1200">
+        <a:solidFill>
+          <a:schemeClr val="tx1"/>
+        </a:solidFill>
+        <a:latin typeface="+mn-lt"/>
+        <a:ea typeface="+mn-ea"/>
+        <a:cs typeface="+mn-cs"/>
+      </a:defRPr>
+    </a:lvl5pPr>
+    <a:lvl6pPr marL="2286000" algn="l" defTabSz="914400" rtl="0" eaLnBrk="1" latinLnBrk="0" hangingPunct="1">
+      <a:defRPr sz="1200" kern="1200">
+        <a:solidFill>
+          <a:schemeClr val="tx1"/>
+        </a:solidFill>
+        <a:latin typeface="+mn-lt"/>
+        <a:ea typeface="+mn-ea"/>
+        <a:cs typeface="+mn-cs"/>
+      </a:defRPr>
+    </a:lvl6pPr>
+    <a:lvl7pPr marL="2743200" algn="l" defTabSz="914400" rtl="0" eaLnBrk="1" latinLnBrk="0" hangingPunct="1">
+      <a:defRPr sz="1200" kern="1200">
+        <a:solidFill>
+          <a:schemeClr val="tx1"/>
+        </a:solidFill>
+        <a:latin typeface="+mn-lt"/>
+        <a:ea typeface="+mn-ea"/>
+        <a:cs typeface="+mn-cs"/>
+      </a:defRPr>
+    </a:lvl7pPr>
+    <a:lvl8pPr marL="3200400" algn="l" defTabSz="914400" rtl="0" eaLnBrk="1" latinLnBrk="0" hangingPunct="1">
+      <a:defRPr sz="1200" kern="1200">
+        <a:solidFill>
+          <a:schemeClr val="tx1"/>
+        </a:solidFill>
+        <a:latin typeface="+mn-lt"/>
+        <a:ea typeface="+mn-ea"/>
+        <a:cs typeface="+mn-cs"/>
+      </a:defRPr>
+    </a:lvl8pPr>
+    <a:lvl9pPr marL="3657600" algn="l" defTabSz="914400" rtl="0" eaLnBrk="1" latinLnBrk="0" hangingPunct="1">
+      <a:defRPr sz="1200" kern="1200">
+        <a:solidFill>
+          <a:schemeClr val="tx1"/>
+        </a:solidFill>
+        <a:latin typeface="+mn-lt"/>
+        <a:ea typeface="+mn-ea"/>
+        <a:cs typeface="+mn-cs"/>
+      </a:defRPr>
+    </a:lvl9pPr>
+  </p:notesStyle>
 </p:notesMaster>
 </file>
 
 <file path=ppt/notesSlides/notesSlide1.xml><?xml version="1.0" encoding="utf-8"?>
-<p:notes xmlns:a="http://schemas.openxmlformats.org/drawingml/2006/main" xmlns:r="http://schemas.openxmlformats.org/officeDocument/2006/relationships" xmlns:mc="http://schemas.openxmlformats.org/markup-compatibility/2006" xmlns:mv="urn:schemas-microsoft-com:mac:vml" xmlns:p="http://schemas.openxmlformats.org/presentationml/2006/main" xmlns:c="http://schemas.openxmlformats.org/drawingml/2006/chart" xmlns:dgm="http://schemas.openxmlformats.org/drawingml/2006/diagram" xmlns:o="urn:schemas-microsoft-com:office:office" xmlns:v="urn:schemas-microsoft-com:vml" xmlns:pvml="urn:schemas-microsoft-com:office:powerpoint" xmlns:com="http://schemas.openxmlformats.org/drawingml/2006/compatibility" xmlns:p14="http://schemas.microsoft.com/office/powerpoint/2010/main" showMasterPhAnim="0" showMasterSp="0">
+<p:notes xmlns:a="http://schemas.openxmlformats.org/drawingml/2006/main" xmlns:r="http://schemas.openxmlformats.org/officeDocument/2006/relationships" xmlns:p="http://schemas.openxmlformats.org/presentationml/2006/main" showMasterSp="0" showMasterPhAnim="0">
   <p:cSld>
     <p:spTree>
       <p:nvGrpSpPr>
-        <p:cNvPr id="61" name="Shape 61"/>
+        <p:cNvPr id="1" name="Shape 61"/>
         <p:cNvGrpSpPr/>
         <p:nvPr/>
       </p:nvGrpSpPr>
@@ -419,9 +525,11 @@
       <p:sp>
         <p:nvSpPr>
           <p:cNvPr id="62" name="Shape 62"/>
-          <p:cNvSpPr/>
+          <p:cNvSpPr>
+            <a:spLocks noGrp="1" noRot="1" noChangeAspect="1"/>
+          </p:cNvSpPr>
           <p:nvPr>
-            <p:ph idx="2" type="sldImg"/>
+            <p:ph type="sldImg" idx="2"/>
           </p:nvPr>
         </p:nvSpPr>
         <p:spPr>
@@ -430,8 +538,13 @@
             <a:ext cx="6096075" cy="3429000"/>
           </a:xfrm>
           <a:custGeom>
+            <a:avLst/>
+            <a:gdLst/>
+            <a:ahLst/>
+            <a:cxnLst/>
+            <a:rect l="0" t="0" r="0" b="0"/>
             <a:pathLst>
-              <a:path extrusionOk="0" h="120000" w="120000">
+              <a:path w="120000" h="120000" extrusionOk="0">
                 <a:moveTo>
                   <a:pt x="0" y="0"/>
                 </a:moveTo>
@@ -449,23 +562,25 @@
             </a:pathLst>
           </a:custGeom>
           <a:noFill/>
-          <a:ln cap="flat" cmpd="sng" w="9525">
+          <a:ln w="9525" cap="flat" cmpd="sng">
             <a:solidFill>
               <a:srgbClr val="000000"/>
             </a:solidFill>
             <a:prstDash val="solid"/>
             <a:round/>
-            <a:headEnd len="med" w="med" type="none"/>
-            <a:tailEnd len="med" w="med" type="none"/>
+            <a:headEnd type="none" w="med" len="med"/>
+            <a:tailEnd type="none" w="med" len="med"/>
           </a:ln>
         </p:spPr>
       </p:sp>
       <p:sp>
         <p:nvSpPr>
           <p:cNvPr id="63" name="Shape 63"/>
-          <p:cNvSpPr txBox="1"/>
+          <p:cNvSpPr txBox="1">
+            <a:spLocks noGrp="1"/>
+          </p:cNvSpPr>
           <p:nvPr>
-            <p:ph idx="1" type="body"/>
+            <p:ph type="body" idx="1"/>
           </p:nvPr>
         </p:nvSpPr>
         <p:spPr>
@@ -478,7 +593,7 @@
           </a:prstGeom>
         </p:spPr>
         <p:txBody>
-          <a:bodyPr anchorCtr="0" anchor="t" bIns="91425" lIns="91425" rIns="91425" tIns="91425">
+          <a:bodyPr lIns="91425" tIns="91425" rIns="91425" bIns="91425" anchor="t" anchorCtr="0">
             <a:noAutofit/>
           </a:bodyPr>
           <a:lstStyle/>
@@ -489,9 +604,6 @@
               </a:spcBef>
               <a:buNone/>
             </a:pPr>
-            <a:r>
-              <a:t/>
-            </a:r>
             <a:endParaRPr/>
           </a:p>
         </p:txBody>
@@ -505,11 +617,11 @@
 </file>
 
 <file path=ppt/notesSlides/notesSlide10.xml><?xml version="1.0" encoding="utf-8"?>
-<p:notes xmlns:a="http://schemas.openxmlformats.org/drawingml/2006/main" xmlns:r="http://schemas.openxmlformats.org/officeDocument/2006/relationships" xmlns:mc="http://schemas.openxmlformats.org/markup-compatibility/2006" xmlns:mv="urn:schemas-microsoft-com:mac:vml" xmlns:p="http://schemas.openxmlformats.org/presentationml/2006/main" xmlns:c="http://schemas.openxmlformats.org/drawingml/2006/chart" xmlns:dgm="http://schemas.openxmlformats.org/drawingml/2006/diagram" xmlns:o="urn:schemas-microsoft-com:office:office" xmlns:v="urn:schemas-microsoft-com:vml" xmlns:pvml="urn:schemas-microsoft-com:office:powerpoint" xmlns:com="http://schemas.openxmlformats.org/drawingml/2006/compatibility" xmlns:p14="http://schemas.microsoft.com/office/powerpoint/2010/main" showMasterPhAnim="0" showMasterSp="0">
+<p:notes xmlns:a="http://schemas.openxmlformats.org/drawingml/2006/main" xmlns:r="http://schemas.openxmlformats.org/officeDocument/2006/relationships" xmlns:p="http://schemas.openxmlformats.org/presentationml/2006/main" showMasterSp="0" showMasterPhAnim="0">
   <p:cSld>
     <p:spTree>
       <p:nvGrpSpPr>
-        <p:cNvPr id="130" name="Shape 130"/>
+        <p:cNvPr id="1" name="Shape 130"/>
         <p:cNvGrpSpPr/>
         <p:nvPr/>
       </p:nvGrpSpPr>
@@ -524,19 +636,26 @@
       <p:sp>
         <p:nvSpPr>
           <p:cNvPr id="131" name="Shape 131"/>
-          <p:cNvSpPr/>
+          <p:cNvSpPr>
+            <a:spLocks noGrp="1" noRot="1" noChangeAspect="1"/>
+          </p:cNvSpPr>
           <p:nvPr>
-            <p:ph idx="2" type="sldImg"/>
+            <p:ph type="sldImg" idx="2"/>
           </p:nvPr>
         </p:nvSpPr>
         <p:spPr>
           <a:xfrm>
-            <a:off x="381300" y="685800"/>
+            <a:off x="381000" y="685800"/>
             <a:ext cx="6096000" cy="3429000"/>
           </a:xfrm>
           <a:custGeom>
+            <a:avLst/>
+            <a:gdLst/>
+            <a:ahLst/>
+            <a:cxnLst/>
+            <a:rect l="0" t="0" r="0" b="0"/>
             <a:pathLst>
-              <a:path extrusionOk="0" h="120000" w="120000">
+              <a:path w="120000" h="120000" extrusionOk="0">
                 <a:moveTo>
                   <a:pt x="0" y="0"/>
                 </a:moveTo>
@@ -554,23 +673,25 @@
             </a:pathLst>
           </a:custGeom>
           <a:noFill/>
-          <a:ln cap="flat" cmpd="sng" w="9525">
+          <a:ln w="9525" cap="flat" cmpd="sng">
             <a:solidFill>
               <a:srgbClr val="000000"/>
             </a:solidFill>
             <a:prstDash val="solid"/>
             <a:round/>
-            <a:headEnd len="med" w="med" type="none"/>
-            <a:tailEnd len="med" w="med" type="none"/>
+            <a:headEnd type="none" w="med" len="med"/>
+            <a:tailEnd type="none" w="med" len="med"/>
           </a:ln>
         </p:spPr>
       </p:sp>
       <p:sp>
         <p:nvSpPr>
           <p:cNvPr id="132" name="Shape 132"/>
-          <p:cNvSpPr txBox="1"/>
+          <p:cNvSpPr txBox="1">
+            <a:spLocks noGrp="1"/>
+          </p:cNvSpPr>
           <p:nvPr>
-            <p:ph idx="1" type="body"/>
+            <p:ph type="body" idx="1"/>
           </p:nvPr>
         </p:nvSpPr>
         <p:spPr>
@@ -583,7 +704,7 @@
           </a:prstGeom>
         </p:spPr>
         <p:txBody>
-          <a:bodyPr anchorCtr="0" anchor="t" bIns="91425" lIns="91425" rIns="91425" tIns="91425">
+          <a:bodyPr lIns="91425" tIns="91425" rIns="91425" bIns="91425" anchor="t" anchorCtr="0">
             <a:noAutofit/>
           </a:bodyPr>
           <a:lstStyle/>
@@ -594,9 +715,6 @@
               </a:spcBef>
               <a:buNone/>
             </a:pPr>
-            <a:r>
-              <a:t/>
-            </a:r>
             <a:endParaRPr/>
           </a:p>
         </p:txBody>
@@ -610,11 +728,11 @@
 </file>
 
 <file path=ppt/notesSlides/notesSlide11.xml><?xml version="1.0" encoding="utf-8"?>
-<p:notes xmlns:a="http://schemas.openxmlformats.org/drawingml/2006/main" xmlns:r="http://schemas.openxmlformats.org/officeDocument/2006/relationships" xmlns:mc="http://schemas.openxmlformats.org/markup-compatibility/2006" xmlns:mv="urn:schemas-microsoft-com:mac:vml" xmlns:p="http://schemas.openxmlformats.org/presentationml/2006/main" xmlns:c="http://schemas.openxmlformats.org/drawingml/2006/chart" xmlns:dgm="http://schemas.openxmlformats.org/drawingml/2006/diagram" xmlns:o="urn:schemas-microsoft-com:office:office" xmlns:v="urn:schemas-microsoft-com:vml" xmlns:pvml="urn:schemas-microsoft-com:office:powerpoint" xmlns:com="http://schemas.openxmlformats.org/drawingml/2006/compatibility" xmlns:p14="http://schemas.microsoft.com/office/powerpoint/2010/main" showMasterPhAnim="0" showMasterSp="0">
+<p:notes xmlns:a="http://schemas.openxmlformats.org/drawingml/2006/main" xmlns:r="http://schemas.openxmlformats.org/officeDocument/2006/relationships" xmlns:p="http://schemas.openxmlformats.org/presentationml/2006/main" showMasterSp="0" showMasterPhAnim="0">
   <p:cSld>
     <p:spTree>
       <p:nvGrpSpPr>
-        <p:cNvPr id="138" name="Shape 138"/>
+        <p:cNvPr id="1" name="Shape 138"/>
         <p:cNvGrpSpPr/>
         <p:nvPr/>
       </p:nvGrpSpPr>
@@ -629,9 +747,11 @@
       <p:sp>
         <p:nvSpPr>
           <p:cNvPr id="139" name="Shape 139"/>
-          <p:cNvSpPr/>
+          <p:cNvSpPr>
+            <a:spLocks noGrp="1" noRot="1" noChangeAspect="1"/>
+          </p:cNvSpPr>
           <p:nvPr>
-            <p:ph idx="2" type="sldImg"/>
+            <p:ph type="sldImg" idx="2"/>
           </p:nvPr>
         </p:nvSpPr>
         <p:spPr>
@@ -640,8 +760,13 @@
             <a:ext cx="6096000" cy="3429000"/>
           </a:xfrm>
           <a:custGeom>
+            <a:avLst/>
+            <a:gdLst/>
+            <a:ahLst/>
+            <a:cxnLst/>
+            <a:rect l="0" t="0" r="0" b="0"/>
             <a:pathLst>
-              <a:path extrusionOk="0" h="120000" w="120000">
+              <a:path w="120000" h="120000" extrusionOk="0">
                 <a:moveTo>
                   <a:pt x="0" y="0"/>
                 </a:moveTo>
@@ -659,23 +784,25 @@
             </a:pathLst>
           </a:custGeom>
           <a:noFill/>
-          <a:ln cap="flat" cmpd="sng" w="9525">
+          <a:ln w="9525" cap="flat" cmpd="sng">
             <a:solidFill>
               <a:srgbClr val="000000"/>
             </a:solidFill>
             <a:prstDash val="solid"/>
             <a:round/>
-            <a:headEnd len="med" w="med" type="none"/>
-            <a:tailEnd len="med" w="med" type="none"/>
+            <a:headEnd type="none" w="med" len="med"/>
+            <a:tailEnd type="none" w="med" len="med"/>
           </a:ln>
         </p:spPr>
       </p:sp>
       <p:sp>
         <p:nvSpPr>
           <p:cNvPr id="140" name="Shape 140"/>
-          <p:cNvSpPr txBox="1"/>
+          <p:cNvSpPr txBox="1">
+            <a:spLocks noGrp="1"/>
+          </p:cNvSpPr>
           <p:nvPr>
-            <p:ph idx="1" type="body"/>
+            <p:ph type="body" idx="1"/>
           </p:nvPr>
         </p:nvSpPr>
         <p:spPr>
@@ -688,7 +815,7 @@
           </a:prstGeom>
         </p:spPr>
         <p:txBody>
-          <a:bodyPr anchorCtr="0" anchor="t" bIns="91425" lIns="91425" rIns="91425" tIns="91425">
+          <a:bodyPr lIns="91425" tIns="91425" rIns="91425" bIns="91425" anchor="t" anchorCtr="0">
             <a:noAutofit/>
           </a:bodyPr>
           <a:lstStyle/>
@@ -699,9 +826,6 @@
               </a:spcBef>
               <a:buNone/>
             </a:pPr>
-            <a:r>
-              <a:t/>
-            </a:r>
             <a:endParaRPr/>
           </a:p>
         </p:txBody>
@@ -715,11 +839,11 @@
 </file>
 
 <file path=ppt/notesSlides/notesSlide2.xml><?xml version="1.0" encoding="utf-8"?>
-<p:notes xmlns:a="http://schemas.openxmlformats.org/drawingml/2006/main" xmlns:r="http://schemas.openxmlformats.org/officeDocument/2006/relationships" xmlns:mc="http://schemas.openxmlformats.org/markup-compatibility/2006" xmlns:mv="urn:schemas-microsoft-com:mac:vml" xmlns:p="http://schemas.openxmlformats.org/presentationml/2006/main" xmlns:c="http://schemas.openxmlformats.org/drawingml/2006/chart" xmlns:dgm="http://schemas.openxmlformats.org/drawingml/2006/diagram" xmlns:o="urn:schemas-microsoft-com:office:office" xmlns:v="urn:schemas-microsoft-com:vml" xmlns:pvml="urn:schemas-microsoft-com:office:powerpoint" xmlns:com="http://schemas.openxmlformats.org/drawingml/2006/compatibility" xmlns:p14="http://schemas.microsoft.com/office/powerpoint/2010/main" showMasterPhAnim="0" showMasterSp="0">
+<p:notes xmlns:a="http://schemas.openxmlformats.org/drawingml/2006/main" xmlns:r="http://schemas.openxmlformats.org/officeDocument/2006/relationships" xmlns:p="http://schemas.openxmlformats.org/presentationml/2006/main" showMasterSp="0" showMasterPhAnim="0">
   <p:cSld>
     <p:spTree>
       <p:nvGrpSpPr>
-        <p:cNvPr id="69" name="Shape 69"/>
+        <p:cNvPr id="1" name="Shape 69"/>
         <p:cNvGrpSpPr/>
         <p:nvPr/>
       </p:nvGrpSpPr>
@@ -734,19 +858,26 @@
       <p:sp>
         <p:nvSpPr>
           <p:cNvPr id="70" name="Shape 70"/>
-          <p:cNvSpPr/>
+          <p:cNvSpPr>
+            <a:spLocks noGrp="1" noRot="1" noChangeAspect="1"/>
+          </p:cNvSpPr>
           <p:nvPr>
-            <p:ph idx="2" type="sldImg"/>
+            <p:ph type="sldImg" idx="2"/>
           </p:nvPr>
         </p:nvSpPr>
         <p:spPr>
           <a:xfrm>
-            <a:off x="381300" y="685800"/>
+            <a:off x="381000" y="685800"/>
             <a:ext cx="6096000" cy="3429000"/>
           </a:xfrm>
           <a:custGeom>
+            <a:avLst/>
+            <a:gdLst/>
+            <a:ahLst/>
+            <a:cxnLst/>
+            <a:rect l="0" t="0" r="0" b="0"/>
             <a:pathLst>
-              <a:path extrusionOk="0" h="120000" w="120000">
+              <a:path w="120000" h="120000" extrusionOk="0">
                 <a:moveTo>
                   <a:pt x="0" y="0"/>
                 </a:moveTo>
@@ -764,23 +895,25 @@
             </a:pathLst>
           </a:custGeom>
           <a:noFill/>
-          <a:ln cap="flat" cmpd="sng" w="9525">
+          <a:ln w="9525" cap="flat" cmpd="sng">
             <a:solidFill>
               <a:srgbClr val="000000"/>
             </a:solidFill>
             <a:prstDash val="solid"/>
             <a:round/>
-            <a:headEnd len="med" w="med" type="none"/>
-            <a:tailEnd len="med" w="med" type="none"/>
+            <a:headEnd type="none" w="med" len="med"/>
+            <a:tailEnd type="none" w="med" len="med"/>
           </a:ln>
         </p:spPr>
       </p:sp>
       <p:sp>
         <p:nvSpPr>
           <p:cNvPr id="71" name="Shape 71"/>
-          <p:cNvSpPr txBox="1"/>
+          <p:cNvSpPr txBox="1">
+            <a:spLocks noGrp="1"/>
+          </p:cNvSpPr>
           <p:nvPr>
-            <p:ph idx="1" type="body"/>
+            <p:ph type="body" idx="1"/>
           </p:nvPr>
         </p:nvSpPr>
         <p:spPr>
@@ -793,7 +926,7 @@
           </a:prstGeom>
         </p:spPr>
         <p:txBody>
-          <a:bodyPr anchorCtr="0" anchor="t" bIns="91425" lIns="91425" rIns="91425" tIns="91425">
+          <a:bodyPr lIns="91425" tIns="91425" rIns="91425" bIns="91425" anchor="t" anchorCtr="0">
             <a:noAutofit/>
           </a:bodyPr>
           <a:lstStyle/>
@@ -804,9 +937,6 @@
               </a:spcBef>
               <a:buNone/>
             </a:pPr>
-            <a:r>
-              <a:t/>
-            </a:r>
             <a:endParaRPr/>
           </a:p>
         </p:txBody>
@@ -820,11 +950,11 @@
 </file>
 
 <file path=ppt/notesSlides/notesSlide3.xml><?xml version="1.0" encoding="utf-8"?>
-<p:notes xmlns:a="http://schemas.openxmlformats.org/drawingml/2006/main" xmlns:r="http://schemas.openxmlformats.org/officeDocument/2006/relationships" xmlns:mc="http://schemas.openxmlformats.org/markup-compatibility/2006" xmlns:mv="urn:schemas-microsoft-com:mac:vml" xmlns:p="http://schemas.openxmlformats.org/presentationml/2006/main" xmlns:c="http://schemas.openxmlformats.org/drawingml/2006/chart" xmlns:dgm="http://schemas.openxmlformats.org/drawingml/2006/diagram" xmlns:o="urn:schemas-microsoft-com:office:office" xmlns:v="urn:schemas-microsoft-com:vml" xmlns:pvml="urn:schemas-microsoft-com:office:powerpoint" xmlns:com="http://schemas.openxmlformats.org/drawingml/2006/compatibility" xmlns:p14="http://schemas.microsoft.com/office/powerpoint/2010/main" showMasterPhAnim="0" showMasterSp="0">
+<p:notes xmlns:a="http://schemas.openxmlformats.org/drawingml/2006/main" xmlns:r="http://schemas.openxmlformats.org/officeDocument/2006/relationships" xmlns:p="http://schemas.openxmlformats.org/presentationml/2006/main" showMasterSp="0" showMasterPhAnim="0">
   <p:cSld>
     <p:spTree>
       <p:nvGrpSpPr>
-        <p:cNvPr id="77" name="Shape 77"/>
+        <p:cNvPr id="1" name="Shape 77"/>
         <p:cNvGrpSpPr/>
         <p:nvPr/>
       </p:nvGrpSpPr>
@@ -839,19 +969,26 @@
       <p:sp>
         <p:nvSpPr>
           <p:cNvPr id="78" name="Shape 78"/>
-          <p:cNvSpPr/>
+          <p:cNvSpPr>
+            <a:spLocks noGrp="1" noRot="1" noChangeAspect="1"/>
+          </p:cNvSpPr>
           <p:nvPr>
-            <p:ph idx="2" type="sldImg"/>
+            <p:ph type="sldImg" idx="2"/>
           </p:nvPr>
         </p:nvSpPr>
         <p:spPr>
           <a:xfrm>
-            <a:off x="381300" y="685800"/>
+            <a:off x="381000" y="685800"/>
             <a:ext cx="6096000" cy="3429000"/>
           </a:xfrm>
           <a:custGeom>
+            <a:avLst/>
+            <a:gdLst/>
+            <a:ahLst/>
+            <a:cxnLst/>
+            <a:rect l="0" t="0" r="0" b="0"/>
             <a:pathLst>
-              <a:path extrusionOk="0" h="120000" w="120000">
+              <a:path w="120000" h="120000" extrusionOk="0">
                 <a:moveTo>
                   <a:pt x="0" y="0"/>
                 </a:moveTo>
@@ -869,23 +1006,25 @@
             </a:pathLst>
           </a:custGeom>
           <a:noFill/>
-          <a:ln cap="flat" cmpd="sng" w="9525">
+          <a:ln w="9525" cap="flat" cmpd="sng">
             <a:solidFill>
               <a:srgbClr val="000000"/>
             </a:solidFill>
             <a:prstDash val="solid"/>
             <a:round/>
-            <a:headEnd len="med" w="med" type="none"/>
-            <a:tailEnd len="med" w="med" type="none"/>
+            <a:headEnd type="none" w="med" len="med"/>
+            <a:tailEnd type="none" w="med" len="med"/>
           </a:ln>
         </p:spPr>
       </p:sp>
       <p:sp>
         <p:nvSpPr>
           <p:cNvPr id="79" name="Shape 79"/>
-          <p:cNvSpPr txBox="1"/>
+          <p:cNvSpPr txBox="1">
+            <a:spLocks noGrp="1"/>
+          </p:cNvSpPr>
           <p:nvPr>
-            <p:ph idx="1" type="body"/>
+            <p:ph type="body" idx="1"/>
           </p:nvPr>
         </p:nvSpPr>
         <p:spPr>
@@ -898,7 +1037,7 @@
           </a:prstGeom>
         </p:spPr>
         <p:txBody>
-          <a:bodyPr anchorCtr="0" anchor="t" bIns="91425" lIns="91425" rIns="91425" tIns="91425">
+          <a:bodyPr lIns="91425" tIns="91425" rIns="91425" bIns="91425" anchor="t" anchorCtr="0">
             <a:noAutofit/>
           </a:bodyPr>
           <a:lstStyle/>
@@ -909,9 +1048,6 @@
               </a:spcBef>
               <a:buNone/>
             </a:pPr>
-            <a:r>
-              <a:t/>
-            </a:r>
             <a:endParaRPr/>
           </a:p>
         </p:txBody>
@@ -925,11 +1061,11 @@
 </file>
 
 <file path=ppt/notesSlides/notesSlide4.xml><?xml version="1.0" encoding="utf-8"?>
-<p:notes xmlns:a="http://schemas.openxmlformats.org/drawingml/2006/main" xmlns:r="http://schemas.openxmlformats.org/officeDocument/2006/relationships" xmlns:mc="http://schemas.openxmlformats.org/markup-compatibility/2006" xmlns:mv="urn:schemas-microsoft-com:mac:vml" xmlns:p="http://schemas.openxmlformats.org/presentationml/2006/main" xmlns:c="http://schemas.openxmlformats.org/drawingml/2006/chart" xmlns:dgm="http://schemas.openxmlformats.org/drawingml/2006/diagram" xmlns:o="urn:schemas-microsoft-com:office:office" xmlns:v="urn:schemas-microsoft-com:vml" xmlns:pvml="urn:schemas-microsoft-com:office:powerpoint" xmlns:com="http://schemas.openxmlformats.org/drawingml/2006/compatibility" xmlns:p14="http://schemas.microsoft.com/office/powerpoint/2010/main" showMasterPhAnim="0" showMasterSp="0">
+<p:notes xmlns:a="http://schemas.openxmlformats.org/drawingml/2006/main" xmlns:r="http://schemas.openxmlformats.org/officeDocument/2006/relationships" xmlns:p="http://schemas.openxmlformats.org/presentationml/2006/main" showMasterSp="0" showMasterPhAnim="0">
   <p:cSld>
     <p:spTree>
       <p:nvGrpSpPr>
-        <p:cNvPr id="85" name="Shape 85"/>
+        <p:cNvPr id="1" name="Shape 85"/>
         <p:cNvGrpSpPr/>
         <p:nvPr/>
       </p:nvGrpSpPr>
@@ -944,19 +1080,26 @@
       <p:sp>
         <p:nvSpPr>
           <p:cNvPr id="86" name="Shape 86"/>
-          <p:cNvSpPr/>
+          <p:cNvSpPr>
+            <a:spLocks noGrp="1" noRot="1" noChangeAspect="1"/>
+          </p:cNvSpPr>
           <p:nvPr>
-            <p:ph idx="2" type="sldImg"/>
+            <p:ph type="sldImg" idx="2"/>
           </p:nvPr>
         </p:nvSpPr>
         <p:spPr>
           <a:xfrm>
-            <a:off x="381300" y="685800"/>
+            <a:off x="381000" y="685800"/>
             <a:ext cx="6096000" cy="3429000"/>
           </a:xfrm>
           <a:custGeom>
+            <a:avLst/>
+            <a:gdLst/>
+            <a:ahLst/>
+            <a:cxnLst/>
+            <a:rect l="0" t="0" r="0" b="0"/>
             <a:pathLst>
-              <a:path extrusionOk="0" h="120000" w="120000">
+              <a:path w="120000" h="120000" extrusionOk="0">
                 <a:moveTo>
                   <a:pt x="0" y="0"/>
                 </a:moveTo>
@@ -974,23 +1117,25 @@
             </a:pathLst>
           </a:custGeom>
           <a:noFill/>
-          <a:ln cap="flat" cmpd="sng" w="9525">
+          <a:ln w="9525" cap="flat" cmpd="sng">
             <a:solidFill>
               <a:srgbClr val="000000"/>
             </a:solidFill>
             <a:prstDash val="solid"/>
             <a:round/>
-            <a:headEnd len="med" w="med" type="none"/>
-            <a:tailEnd len="med" w="med" type="none"/>
+            <a:headEnd type="none" w="med" len="med"/>
+            <a:tailEnd type="none" w="med" len="med"/>
           </a:ln>
         </p:spPr>
       </p:sp>
       <p:sp>
         <p:nvSpPr>
           <p:cNvPr id="87" name="Shape 87"/>
-          <p:cNvSpPr txBox="1"/>
+          <p:cNvSpPr txBox="1">
+            <a:spLocks noGrp="1"/>
+          </p:cNvSpPr>
           <p:nvPr>
-            <p:ph idx="1" type="body"/>
+            <p:ph type="body" idx="1"/>
           </p:nvPr>
         </p:nvSpPr>
         <p:spPr>
@@ -1003,7 +1148,7 @@
           </a:prstGeom>
         </p:spPr>
         <p:txBody>
-          <a:bodyPr anchorCtr="0" anchor="t" bIns="91425" lIns="91425" rIns="91425" tIns="91425">
+          <a:bodyPr lIns="91425" tIns="91425" rIns="91425" bIns="91425" anchor="t" anchorCtr="0">
             <a:noAutofit/>
           </a:bodyPr>
           <a:lstStyle/>
@@ -1014,9 +1159,6 @@
               </a:spcBef>
               <a:buNone/>
             </a:pPr>
-            <a:r>
-              <a:t/>
-            </a:r>
             <a:endParaRPr/>
           </a:p>
         </p:txBody>
@@ -1030,11 +1172,11 @@
 </file>
 
 <file path=ppt/notesSlides/notesSlide5.xml><?xml version="1.0" encoding="utf-8"?>
-<p:notes xmlns:a="http://schemas.openxmlformats.org/drawingml/2006/main" xmlns:r="http://schemas.openxmlformats.org/officeDocument/2006/relationships" xmlns:mc="http://schemas.openxmlformats.org/markup-compatibility/2006" xmlns:mv="urn:schemas-microsoft-com:mac:vml" xmlns:p="http://schemas.openxmlformats.org/presentationml/2006/main" xmlns:c="http://schemas.openxmlformats.org/drawingml/2006/chart" xmlns:dgm="http://schemas.openxmlformats.org/drawingml/2006/diagram" xmlns:o="urn:schemas-microsoft-com:office:office" xmlns:v="urn:schemas-microsoft-com:vml" xmlns:pvml="urn:schemas-microsoft-com:office:powerpoint" xmlns:com="http://schemas.openxmlformats.org/drawingml/2006/compatibility" xmlns:p14="http://schemas.microsoft.com/office/powerpoint/2010/main" showMasterPhAnim="0" showMasterSp="0">
+<p:notes xmlns:a="http://schemas.openxmlformats.org/drawingml/2006/main" xmlns:r="http://schemas.openxmlformats.org/officeDocument/2006/relationships" xmlns:p="http://schemas.openxmlformats.org/presentationml/2006/main" showMasterSp="0" showMasterPhAnim="0">
   <p:cSld>
     <p:spTree>
       <p:nvGrpSpPr>
-        <p:cNvPr id="93" name="Shape 93"/>
+        <p:cNvPr id="1" name="Shape 93"/>
         <p:cNvGrpSpPr/>
         <p:nvPr/>
       </p:nvGrpSpPr>
@@ -1049,19 +1191,26 @@
       <p:sp>
         <p:nvSpPr>
           <p:cNvPr id="94" name="Shape 94"/>
-          <p:cNvSpPr/>
+          <p:cNvSpPr>
+            <a:spLocks noGrp="1" noRot="1" noChangeAspect="1"/>
+          </p:cNvSpPr>
           <p:nvPr>
-            <p:ph idx="2" type="sldImg"/>
+            <p:ph type="sldImg" idx="2"/>
           </p:nvPr>
         </p:nvSpPr>
         <p:spPr>
           <a:xfrm>
-            <a:off x="381300" y="685800"/>
+            <a:off x="381000" y="685800"/>
             <a:ext cx="6096000" cy="3429000"/>
           </a:xfrm>
           <a:custGeom>
+            <a:avLst/>
+            <a:gdLst/>
+            <a:ahLst/>
+            <a:cxnLst/>
+            <a:rect l="0" t="0" r="0" b="0"/>
             <a:pathLst>
-              <a:path extrusionOk="0" h="120000" w="120000">
+              <a:path w="120000" h="120000" extrusionOk="0">
                 <a:moveTo>
                   <a:pt x="0" y="0"/>
                 </a:moveTo>
@@ -1079,23 +1228,25 @@
             </a:pathLst>
           </a:custGeom>
           <a:noFill/>
-          <a:ln cap="flat" cmpd="sng" w="9525">
+          <a:ln w="9525" cap="flat" cmpd="sng">
             <a:solidFill>
               <a:srgbClr val="000000"/>
             </a:solidFill>
             <a:prstDash val="solid"/>
             <a:round/>
-            <a:headEnd len="med" w="med" type="none"/>
-            <a:tailEnd len="med" w="med" type="none"/>
+            <a:headEnd type="none" w="med" len="med"/>
+            <a:tailEnd type="none" w="med" len="med"/>
           </a:ln>
         </p:spPr>
       </p:sp>
       <p:sp>
         <p:nvSpPr>
           <p:cNvPr id="95" name="Shape 95"/>
-          <p:cNvSpPr txBox="1"/>
+          <p:cNvSpPr txBox="1">
+            <a:spLocks noGrp="1"/>
+          </p:cNvSpPr>
           <p:nvPr>
-            <p:ph idx="1" type="body"/>
+            <p:ph type="body" idx="1"/>
           </p:nvPr>
         </p:nvSpPr>
         <p:spPr>
@@ -1108,7 +1259,7 @@
           </a:prstGeom>
         </p:spPr>
         <p:txBody>
-          <a:bodyPr anchorCtr="0" anchor="t" bIns="91425" lIns="91425" rIns="91425" tIns="91425">
+          <a:bodyPr lIns="91425" tIns="91425" rIns="91425" bIns="91425" anchor="t" anchorCtr="0">
             <a:noAutofit/>
           </a:bodyPr>
           <a:lstStyle/>
@@ -1119,9 +1270,6 @@
               </a:spcBef>
               <a:buNone/>
             </a:pPr>
-            <a:r>
-              <a:t/>
-            </a:r>
             <a:endParaRPr/>
           </a:p>
         </p:txBody>
@@ -1135,11 +1283,11 @@
 </file>
 
 <file path=ppt/notesSlides/notesSlide6.xml><?xml version="1.0" encoding="utf-8"?>
-<p:notes xmlns:a="http://schemas.openxmlformats.org/drawingml/2006/main" xmlns:r="http://schemas.openxmlformats.org/officeDocument/2006/relationships" xmlns:mc="http://schemas.openxmlformats.org/markup-compatibility/2006" xmlns:mv="urn:schemas-microsoft-com:mac:vml" xmlns:p="http://schemas.openxmlformats.org/presentationml/2006/main" xmlns:c="http://schemas.openxmlformats.org/drawingml/2006/chart" xmlns:dgm="http://schemas.openxmlformats.org/drawingml/2006/diagram" xmlns:o="urn:schemas-microsoft-com:office:office" xmlns:v="urn:schemas-microsoft-com:vml" xmlns:pvml="urn:schemas-microsoft-com:office:powerpoint" xmlns:com="http://schemas.openxmlformats.org/drawingml/2006/compatibility" xmlns:p14="http://schemas.microsoft.com/office/powerpoint/2010/main" showMasterPhAnim="0" showMasterSp="0">
+<p:notes xmlns:a="http://schemas.openxmlformats.org/drawingml/2006/main" xmlns:r="http://schemas.openxmlformats.org/officeDocument/2006/relationships" xmlns:p="http://schemas.openxmlformats.org/presentationml/2006/main" showMasterSp="0" showMasterPhAnim="0">
   <p:cSld>
     <p:spTree>
       <p:nvGrpSpPr>
-        <p:cNvPr id="101" name="Shape 101"/>
+        <p:cNvPr id="1" name="Shape 101"/>
         <p:cNvGrpSpPr/>
         <p:nvPr/>
       </p:nvGrpSpPr>
@@ -1154,19 +1302,26 @@
       <p:sp>
         <p:nvSpPr>
           <p:cNvPr id="102" name="Shape 102"/>
-          <p:cNvSpPr/>
+          <p:cNvSpPr>
+            <a:spLocks noGrp="1" noRot="1" noChangeAspect="1"/>
+          </p:cNvSpPr>
           <p:nvPr>
-            <p:ph idx="2" type="sldImg"/>
+            <p:ph type="sldImg" idx="2"/>
           </p:nvPr>
         </p:nvSpPr>
         <p:spPr>
           <a:xfrm>
-            <a:off x="381300" y="685800"/>
+            <a:off x="381000" y="685800"/>
             <a:ext cx="6096000" cy="3429000"/>
           </a:xfrm>
           <a:custGeom>
+            <a:avLst/>
+            <a:gdLst/>
+            <a:ahLst/>
+            <a:cxnLst/>
+            <a:rect l="0" t="0" r="0" b="0"/>
             <a:pathLst>
-              <a:path extrusionOk="0" h="120000" w="120000">
+              <a:path w="120000" h="120000" extrusionOk="0">
                 <a:moveTo>
                   <a:pt x="0" y="0"/>
                 </a:moveTo>
@@ -1184,23 +1339,25 @@
             </a:pathLst>
           </a:custGeom>
           <a:noFill/>
-          <a:ln cap="flat" cmpd="sng" w="9525">
+          <a:ln w="9525" cap="flat" cmpd="sng">
             <a:solidFill>
               <a:srgbClr val="000000"/>
             </a:solidFill>
             <a:prstDash val="solid"/>
             <a:round/>
-            <a:headEnd len="med" w="med" type="none"/>
-            <a:tailEnd len="med" w="med" type="none"/>
+            <a:headEnd type="none" w="med" len="med"/>
+            <a:tailEnd type="none" w="med" len="med"/>
           </a:ln>
         </p:spPr>
       </p:sp>
       <p:sp>
         <p:nvSpPr>
           <p:cNvPr id="103" name="Shape 103"/>
-          <p:cNvSpPr txBox="1"/>
+          <p:cNvSpPr txBox="1">
+            <a:spLocks noGrp="1"/>
+          </p:cNvSpPr>
           <p:nvPr>
-            <p:ph idx="1" type="body"/>
+            <p:ph type="body" idx="1"/>
           </p:nvPr>
         </p:nvSpPr>
         <p:spPr>
@@ -1213,7 +1370,7 @@
           </a:prstGeom>
         </p:spPr>
         <p:txBody>
-          <a:bodyPr anchorCtr="0" anchor="t" bIns="91425" lIns="91425" rIns="91425" tIns="91425">
+          <a:bodyPr lIns="91425" tIns="91425" rIns="91425" bIns="91425" anchor="t" anchorCtr="0">
             <a:noAutofit/>
           </a:bodyPr>
           <a:lstStyle/>
@@ -1224,9 +1381,6 @@
               </a:spcBef>
               <a:buNone/>
             </a:pPr>
-            <a:r>
-              <a:t/>
-            </a:r>
             <a:endParaRPr/>
           </a:p>
         </p:txBody>
@@ -1240,11 +1394,11 @@
 </file>
 
 <file path=ppt/notesSlides/notesSlide7.xml><?xml version="1.0" encoding="utf-8"?>
-<p:notes xmlns:a="http://schemas.openxmlformats.org/drawingml/2006/main" xmlns:r="http://schemas.openxmlformats.org/officeDocument/2006/relationships" xmlns:mc="http://schemas.openxmlformats.org/markup-compatibility/2006" xmlns:mv="urn:schemas-microsoft-com:mac:vml" xmlns:p="http://schemas.openxmlformats.org/presentationml/2006/main" xmlns:c="http://schemas.openxmlformats.org/drawingml/2006/chart" xmlns:dgm="http://schemas.openxmlformats.org/drawingml/2006/diagram" xmlns:o="urn:schemas-microsoft-com:office:office" xmlns:v="urn:schemas-microsoft-com:vml" xmlns:pvml="urn:schemas-microsoft-com:office:powerpoint" xmlns:com="http://schemas.openxmlformats.org/drawingml/2006/compatibility" xmlns:p14="http://schemas.microsoft.com/office/powerpoint/2010/main" showMasterPhAnim="0" showMasterSp="0">
+<p:notes xmlns:a="http://schemas.openxmlformats.org/drawingml/2006/main" xmlns:r="http://schemas.openxmlformats.org/officeDocument/2006/relationships" xmlns:p="http://schemas.openxmlformats.org/presentationml/2006/main" showMasterSp="0" showMasterPhAnim="0">
   <p:cSld>
     <p:spTree>
       <p:nvGrpSpPr>
-        <p:cNvPr id="108" name="Shape 108"/>
+        <p:cNvPr id="1" name="Shape 108"/>
         <p:cNvGrpSpPr/>
         <p:nvPr/>
       </p:nvGrpSpPr>
@@ -1259,19 +1413,26 @@
       <p:sp>
         <p:nvSpPr>
           <p:cNvPr id="109" name="Shape 109"/>
-          <p:cNvSpPr/>
+          <p:cNvSpPr>
+            <a:spLocks noGrp="1" noRot="1" noChangeAspect="1"/>
+          </p:cNvSpPr>
           <p:nvPr>
-            <p:ph idx="2" type="sldImg"/>
+            <p:ph type="sldImg" idx="2"/>
           </p:nvPr>
         </p:nvSpPr>
         <p:spPr>
           <a:xfrm>
-            <a:off x="381300" y="685800"/>
+            <a:off x="381000" y="685800"/>
             <a:ext cx="6096000" cy="3429000"/>
           </a:xfrm>
           <a:custGeom>
+            <a:avLst/>
+            <a:gdLst/>
+            <a:ahLst/>
+            <a:cxnLst/>
+            <a:rect l="0" t="0" r="0" b="0"/>
             <a:pathLst>
-              <a:path extrusionOk="0" h="120000" w="120000">
+              <a:path w="120000" h="120000" extrusionOk="0">
                 <a:moveTo>
                   <a:pt x="0" y="0"/>
                 </a:moveTo>
@@ -1289,23 +1450,25 @@
             </a:pathLst>
           </a:custGeom>
           <a:noFill/>
-          <a:ln cap="flat" cmpd="sng" w="9525">
+          <a:ln w="9525" cap="flat" cmpd="sng">
             <a:solidFill>
               <a:srgbClr val="000000"/>
             </a:solidFill>
             <a:prstDash val="solid"/>
             <a:round/>
-            <a:headEnd len="med" w="med" type="none"/>
-            <a:tailEnd len="med" w="med" type="none"/>
+            <a:headEnd type="none" w="med" len="med"/>
+            <a:tailEnd type="none" w="med" len="med"/>
           </a:ln>
         </p:spPr>
       </p:sp>
       <p:sp>
         <p:nvSpPr>
           <p:cNvPr id="110" name="Shape 110"/>
-          <p:cNvSpPr txBox="1"/>
+          <p:cNvSpPr txBox="1">
+            <a:spLocks noGrp="1"/>
+          </p:cNvSpPr>
           <p:nvPr>
-            <p:ph idx="1" type="body"/>
+            <p:ph type="body" idx="1"/>
           </p:nvPr>
         </p:nvSpPr>
         <p:spPr>
@@ -1318,7 +1481,7 @@
           </a:prstGeom>
         </p:spPr>
         <p:txBody>
-          <a:bodyPr anchorCtr="0" anchor="t" bIns="91425" lIns="91425" rIns="91425" tIns="91425">
+          <a:bodyPr lIns="91425" tIns="91425" rIns="91425" bIns="91425" anchor="t" anchorCtr="0">
             <a:noAutofit/>
           </a:bodyPr>
           <a:lstStyle/>
@@ -1329,9 +1492,6 @@
               </a:spcBef>
               <a:buNone/>
             </a:pPr>
-            <a:r>
-              <a:t/>
-            </a:r>
             <a:endParaRPr/>
           </a:p>
         </p:txBody>
@@ -1345,11 +1505,11 @@
 </file>
 
 <file path=ppt/notesSlides/notesSlide8.xml><?xml version="1.0" encoding="utf-8"?>
-<p:notes xmlns:a="http://schemas.openxmlformats.org/drawingml/2006/main" xmlns:r="http://schemas.openxmlformats.org/officeDocument/2006/relationships" xmlns:mc="http://schemas.openxmlformats.org/markup-compatibility/2006" xmlns:mv="urn:schemas-microsoft-com:mac:vml" xmlns:p="http://schemas.openxmlformats.org/presentationml/2006/main" xmlns:c="http://schemas.openxmlformats.org/drawingml/2006/chart" xmlns:dgm="http://schemas.openxmlformats.org/drawingml/2006/diagram" xmlns:o="urn:schemas-microsoft-com:office:office" xmlns:v="urn:schemas-microsoft-com:vml" xmlns:pvml="urn:schemas-microsoft-com:office:powerpoint" xmlns:com="http://schemas.openxmlformats.org/drawingml/2006/compatibility" xmlns:p14="http://schemas.microsoft.com/office/powerpoint/2010/main" showMasterPhAnim="0" showMasterSp="0">
+<p:notes xmlns:a="http://schemas.openxmlformats.org/drawingml/2006/main" xmlns:r="http://schemas.openxmlformats.org/officeDocument/2006/relationships" xmlns:p="http://schemas.openxmlformats.org/presentationml/2006/main" showMasterSp="0" showMasterPhAnim="0">
   <p:cSld>
     <p:spTree>
       <p:nvGrpSpPr>
-        <p:cNvPr id="114" name="Shape 114"/>
+        <p:cNvPr id="1" name="Shape 114"/>
         <p:cNvGrpSpPr/>
         <p:nvPr/>
       </p:nvGrpSpPr>
@@ -1364,9 +1524,11 @@
       <p:sp>
         <p:nvSpPr>
           <p:cNvPr id="115" name="Shape 115"/>
-          <p:cNvSpPr/>
+          <p:cNvSpPr>
+            <a:spLocks noGrp="1" noRot="1" noChangeAspect="1"/>
+          </p:cNvSpPr>
           <p:nvPr>
-            <p:ph idx="2" type="sldImg"/>
+            <p:ph type="sldImg" idx="2"/>
           </p:nvPr>
         </p:nvSpPr>
         <p:spPr>
@@ -1375,8 +1537,13 @@
             <a:ext cx="6096000" cy="3429000"/>
           </a:xfrm>
           <a:custGeom>
+            <a:avLst/>
+            <a:gdLst/>
+            <a:ahLst/>
+            <a:cxnLst/>
+            <a:rect l="0" t="0" r="0" b="0"/>
             <a:pathLst>
-              <a:path extrusionOk="0" h="120000" w="120000">
+              <a:path w="120000" h="120000" extrusionOk="0">
                 <a:moveTo>
                   <a:pt x="0" y="0"/>
                 </a:moveTo>
@@ -1394,23 +1561,25 @@
             </a:pathLst>
           </a:custGeom>
           <a:noFill/>
-          <a:ln cap="flat" cmpd="sng" w="9525">
+          <a:ln w="9525" cap="flat" cmpd="sng">
             <a:solidFill>
               <a:srgbClr val="000000"/>
             </a:solidFill>
             <a:prstDash val="solid"/>
             <a:round/>
-            <a:headEnd len="med" w="med" type="none"/>
-            <a:tailEnd len="med" w="med" type="none"/>
+            <a:headEnd type="none" w="med" len="med"/>
+            <a:tailEnd type="none" w="med" len="med"/>
           </a:ln>
         </p:spPr>
       </p:sp>
       <p:sp>
         <p:nvSpPr>
           <p:cNvPr id="116" name="Shape 116"/>
-          <p:cNvSpPr txBox="1"/>
+          <p:cNvSpPr txBox="1">
+            <a:spLocks noGrp="1"/>
+          </p:cNvSpPr>
           <p:nvPr>
-            <p:ph idx="1" type="body"/>
+            <p:ph type="body" idx="1"/>
           </p:nvPr>
         </p:nvSpPr>
         <p:spPr>
@@ -1423,7 +1592,7 @@
           </a:prstGeom>
         </p:spPr>
         <p:txBody>
-          <a:bodyPr anchorCtr="0" anchor="t" bIns="91425" lIns="91425" rIns="91425" tIns="91425">
+          <a:bodyPr lIns="91425" tIns="91425" rIns="91425" bIns="91425" anchor="t" anchorCtr="0">
             <a:noAutofit/>
           </a:bodyPr>
           <a:lstStyle/>
@@ -1434,9 +1603,6 @@
               </a:spcBef>
               <a:buNone/>
             </a:pPr>
-            <a:r>
-              <a:t/>
-            </a:r>
             <a:endParaRPr/>
           </a:p>
         </p:txBody>
@@ -1450,11 +1616,11 @@
 </file>
 
 <file path=ppt/notesSlides/notesSlide9.xml><?xml version="1.0" encoding="utf-8"?>
-<p:notes xmlns:a="http://schemas.openxmlformats.org/drawingml/2006/main" xmlns:r="http://schemas.openxmlformats.org/officeDocument/2006/relationships" xmlns:mc="http://schemas.openxmlformats.org/markup-compatibility/2006" xmlns:mv="urn:schemas-microsoft-com:mac:vml" xmlns:p="http://schemas.openxmlformats.org/presentationml/2006/main" xmlns:c="http://schemas.openxmlformats.org/drawingml/2006/chart" xmlns:dgm="http://schemas.openxmlformats.org/drawingml/2006/diagram" xmlns:o="urn:schemas-microsoft-com:office:office" xmlns:v="urn:schemas-microsoft-com:vml" xmlns:pvml="urn:schemas-microsoft-com:office:powerpoint" xmlns:com="http://schemas.openxmlformats.org/drawingml/2006/compatibility" xmlns:p14="http://schemas.microsoft.com/office/powerpoint/2010/main" showMasterPhAnim="0" showMasterSp="0">
+<p:notes xmlns:a="http://schemas.openxmlformats.org/drawingml/2006/main" xmlns:r="http://schemas.openxmlformats.org/officeDocument/2006/relationships" xmlns:p="http://schemas.openxmlformats.org/presentationml/2006/main" showMasterSp="0" showMasterPhAnim="0">
   <p:cSld>
     <p:spTree>
       <p:nvGrpSpPr>
-        <p:cNvPr id="122" name="Shape 122"/>
+        <p:cNvPr id="1" name="Shape 122"/>
         <p:cNvGrpSpPr/>
         <p:nvPr/>
       </p:nvGrpSpPr>
@@ -1469,9 +1635,11 @@
       <p:sp>
         <p:nvSpPr>
           <p:cNvPr id="123" name="Shape 123"/>
-          <p:cNvSpPr/>
+          <p:cNvSpPr>
+            <a:spLocks noGrp="1" noRot="1" noChangeAspect="1"/>
+          </p:cNvSpPr>
           <p:nvPr>
-            <p:ph idx="2" type="sldImg"/>
+            <p:ph type="sldImg" idx="2"/>
           </p:nvPr>
         </p:nvSpPr>
         <p:spPr>
@@ -1480,8 +1648,13 @@
             <a:ext cx="6096000" cy="3429000"/>
           </a:xfrm>
           <a:custGeom>
+            <a:avLst/>
+            <a:gdLst/>
+            <a:ahLst/>
+            <a:cxnLst/>
+            <a:rect l="0" t="0" r="0" b="0"/>
             <a:pathLst>
-              <a:path extrusionOk="0" h="120000" w="120000">
+              <a:path w="120000" h="120000" extrusionOk="0">
                 <a:moveTo>
                   <a:pt x="0" y="0"/>
                 </a:moveTo>
@@ -1499,23 +1672,25 @@
             </a:pathLst>
           </a:custGeom>
           <a:noFill/>
-          <a:ln cap="flat" cmpd="sng" w="9525">
+          <a:ln w="9525" cap="flat" cmpd="sng">
             <a:solidFill>
               <a:srgbClr val="000000"/>
             </a:solidFill>
             <a:prstDash val="solid"/>
             <a:round/>
-            <a:headEnd len="med" w="med" type="none"/>
-            <a:tailEnd len="med" w="med" type="none"/>
+            <a:headEnd type="none" w="med" len="med"/>
+            <a:tailEnd type="none" w="med" len="med"/>
           </a:ln>
         </p:spPr>
       </p:sp>
       <p:sp>
         <p:nvSpPr>
           <p:cNvPr id="124" name="Shape 124"/>
-          <p:cNvSpPr txBox="1"/>
+          <p:cNvSpPr txBox="1">
+            <a:spLocks noGrp="1"/>
+          </p:cNvSpPr>
           <p:nvPr>
-            <p:ph idx="1" type="body"/>
+            <p:ph type="body" idx="1"/>
           </p:nvPr>
         </p:nvSpPr>
         <p:spPr>
@@ -1528,7 +1703,7 @@
           </a:prstGeom>
         </p:spPr>
         <p:txBody>
-          <a:bodyPr anchorCtr="0" anchor="t" bIns="91425" lIns="91425" rIns="91425" tIns="91425">
+          <a:bodyPr lIns="91425" tIns="91425" rIns="91425" bIns="91425" anchor="t" anchorCtr="0">
             <a:noAutofit/>
           </a:bodyPr>
           <a:lstStyle/>
@@ -1539,9 +1714,6 @@
               </a:spcBef>
               <a:buNone/>
             </a:pPr>
-            <a:r>
-              <a:t/>
-            </a:r>
             <a:endParaRPr/>
           </a:p>
         </p:txBody>
@@ -1555,11 +1727,11 @@
 </file>
 
 <file path=ppt/slideLayouts/slideLayout1.xml><?xml version="1.0" encoding="utf-8"?>
-<p:sldLayout xmlns:a="http://schemas.openxmlformats.org/drawingml/2006/main" xmlns:r="http://schemas.openxmlformats.org/officeDocument/2006/relationships" xmlns:mc="http://schemas.openxmlformats.org/markup-compatibility/2006" xmlns:mv="urn:schemas-microsoft-com:mac:vml" xmlns:p="http://schemas.openxmlformats.org/presentationml/2006/main" xmlns:c="http://schemas.openxmlformats.org/drawingml/2006/chart" xmlns:dgm="http://schemas.openxmlformats.org/drawingml/2006/diagram" xmlns:o="urn:schemas-microsoft-com:office:office" xmlns:v="urn:schemas-microsoft-com:vml" xmlns:pvml="urn:schemas-microsoft-com:office:powerpoint" xmlns:com="http://schemas.openxmlformats.org/drawingml/2006/compatibility" xmlns:p14="http://schemas.microsoft.com/office/powerpoint/2010/main" type="title">
+<p:sldLayout xmlns:a="http://schemas.openxmlformats.org/drawingml/2006/main" xmlns:r="http://schemas.openxmlformats.org/officeDocument/2006/relationships" xmlns:p="http://schemas.openxmlformats.org/presentationml/2006/main" type="title">
   <p:cSld name="Title slide">
     <p:spTree>
       <p:nvGrpSpPr>
-        <p:cNvPr id="8" name="Shape 8"/>
+        <p:cNvPr id="1" name="Shape 8"/>
         <p:cNvGrpSpPr/>
         <p:nvPr/>
       </p:nvGrpSpPr>
@@ -1586,14 +1758,14 @@
             <a:avLst/>
           </a:prstGeom>
           <a:noFill/>
-          <a:ln cap="flat" cmpd="sng" w="76200">
+          <a:ln w="76200" cap="flat" cmpd="sng">
             <a:solidFill>
               <a:schemeClr val="lt2"/>
             </a:solidFill>
             <a:prstDash val="solid"/>
             <a:round/>
-            <a:headEnd len="med" w="med" type="none"/>
-            <a:tailEnd len="med" w="med" type="none"/>
+            <a:headEnd type="none" w="med" len="med"/>
+            <a:tailEnd type="none" w="med" len="med"/>
           </a:ln>
         </p:spPr>
       </p:cxnSp>
@@ -1612,14 +1784,14 @@
             <a:avLst/>
           </a:prstGeom>
           <a:noFill/>
-          <a:ln cap="flat" cmpd="sng" w="76200">
+          <a:ln w="76200" cap="flat" cmpd="sng">
             <a:solidFill>
               <a:schemeClr val="lt2"/>
             </a:solidFill>
             <a:prstDash val="solid"/>
             <a:round/>
-            <a:headEnd len="med" w="med" type="none"/>
-            <a:tailEnd len="med" w="med" type="none"/>
+            <a:headEnd type="none" w="med" len="med"/>
+            <a:tailEnd type="none" w="med" len="med"/>
           </a:ln>
         </p:spPr>
       </p:cxnSp>
@@ -1652,14 +1824,14 @@
               <a:avLst/>
             </a:prstGeom>
             <a:noFill/>
-            <a:ln cap="flat" cmpd="sng" w="76200">
+            <a:ln w="76200" cap="flat" cmpd="sng">
               <a:solidFill>
                 <a:schemeClr val="accent3"/>
               </a:solidFill>
               <a:prstDash val="solid"/>
               <a:round/>
-              <a:headEnd len="med" w="med" type="none"/>
-              <a:tailEnd len="med" w="med" type="none"/>
+              <a:headEnd type="none" w="med" len="med"/>
+              <a:tailEnd type="none" w="med" len="med"/>
             </a:ln>
           </p:spPr>
         </p:cxnSp>
@@ -1678,14 +1850,14 @@
               <a:avLst/>
             </a:prstGeom>
             <a:noFill/>
-            <a:ln cap="flat" cmpd="sng" w="9525">
+            <a:ln w="9525" cap="flat" cmpd="sng">
               <a:solidFill>
                 <a:schemeClr val="accent3"/>
               </a:solidFill>
               <a:prstDash val="solid"/>
               <a:round/>
-              <a:headEnd len="med" w="med" type="none"/>
-              <a:tailEnd len="med" w="med" type="none"/>
+              <a:headEnd type="none" w="med" len="med"/>
+              <a:tailEnd type="none" w="med" len="med"/>
             </a:ln>
           </p:spPr>
         </p:cxnSp>
@@ -1719,14 +1891,14 @@
               <a:avLst/>
             </a:prstGeom>
             <a:noFill/>
-            <a:ln cap="flat" cmpd="sng" w="76200">
+            <a:ln w="76200" cap="flat" cmpd="sng">
               <a:solidFill>
                 <a:schemeClr val="accent3"/>
               </a:solidFill>
               <a:prstDash val="solid"/>
               <a:round/>
-              <a:headEnd len="med" w="med" type="none"/>
-              <a:tailEnd len="med" w="med" type="none"/>
+              <a:headEnd type="none" w="med" len="med"/>
+              <a:tailEnd type="none" w="med" len="med"/>
             </a:ln>
           </p:spPr>
         </p:cxnSp>
@@ -1745,14 +1917,14 @@
               <a:avLst/>
             </a:prstGeom>
             <a:noFill/>
-            <a:ln cap="flat" cmpd="sng" w="9525">
+            <a:ln w="9525" cap="flat" cmpd="sng">
               <a:solidFill>
                 <a:schemeClr val="accent3"/>
               </a:solidFill>
               <a:prstDash val="solid"/>
               <a:round/>
-              <a:headEnd len="med" w="med" type="none"/>
-              <a:tailEnd len="med" w="med" type="none"/>
+              <a:headEnd type="none" w="med" len="med"/>
+              <a:tailEnd type="none" w="med" len="med"/>
             </a:ln>
           </p:spPr>
         </p:cxnSp>
@@ -1760,7 +1932,9 @@
       <p:sp>
         <p:nvSpPr>
           <p:cNvPr id="17" name="Shape 17"/>
-          <p:cNvSpPr txBox="1"/>
+          <p:cNvSpPr txBox="1">
+            <a:spLocks noGrp="1"/>
+          </p:cNvSpPr>
           <p:nvPr>
             <p:ph type="ctrTitle"/>
           </p:nvPr>
@@ -1775,7 +1949,7 @@
           </a:prstGeom>
         </p:spPr>
         <p:txBody>
-          <a:bodyPr anchorCtr="0" anchor="b" bIns="91425" lIns="91425" rIns="91425" tIns="91425"/>
+          <a:bodyPr lIns="91425" tIns="91425" rIns="91425" bIns="91425" anchor="b" anchorCtr="0"/>
           <a:lstStyle>
             <a:lvl1pPr algn="ctr">
               <a:spcBef>
@@ -1841,15 +2015,19 @@
               <a:defRPr sz="5400"/>
             </a:lvl9pPr>
           </a:lstStyle>
-          <a:p/>
+          <a:p>
+            <a:endParaRPr/>
+          </a:p>
         </p:txBody>
       </p:sp>
       <p:sp>
         <p:nvSpPr>
           <p:cNvPr id="18" name="Shape 18"/>
-          <p:cNvSpPr txBox="1"/>
+          <p:cNvSpPr txBox="1">
+            <a:spLocks noGrp="1"/>
+          </p:cNvSpPr>
           <p:nvPr>
-            <p:ph idx="1" type="subTitle"/>
+            <p:ph type="subTitle" idx="1"/>
           </p:nvPr>
         </p:nvSpPr>
         <p:spPr>
@@ -1862,7 +2040,7 @@
           </a:prstGeom>
         </p:spPr>
         <p:txBody>
-          <a:bodyPr anchorCtr="0" anchor="t" bIns="91425" lIns="91425" rIns="91425" tIns="91425"/>
+          <a:bodyPr lIns="91425" tIns="91425" rIns="91425" bIns="91425" anchor="t" anchorCtr="0"/>
           <a:lstStyle>
             <a:lvl1pPr algn="ctr">
               <a:lnSpc>
@@ -1991,15 +2169,19 @@
               <a:defRPr sz="2400"/>
             </a:lvl9pPr>
           </a:lstStyle>
-          <a:p/>
+          <a:p>
+            <a:endParaRPr/>
+          </a:p>
         </p:txBody>
       </p:sp>
       <p:sp>
         <p:nvSpPr>
           <p:cNvPr id="19" name="Shape 19"/>
-          <p:cNvSpPr txBox="1"/>
+          <p:cNvSpPr txBox="1">
+            <a:spLocks noGrp="1"/>
+          </p:cNvSpPr>
           <p:nvPr>
-            <p:ph idx="12" type="sldNum"/>
+            <p:ph type="sldNum" idx="12"/>
           </p:nvPr>
         </p:nvSpPr>
         <p:spPr>
@@ -2012,7 +2194,7 @@
           </a:prstGeom>
         </p:spPr>
         <p:txBody>
-          <a:bodyPr anchorCtr="0" anchor="ctr" bIns="91425" lIns="91425" rIns="91425" tIns="91425">
+          <a:bodyPr lIns="91425" tIns="91425" rIns="91425" bIns="91425" anchor="ctr" anchorCtr="0">
             <a:noAutofit/>
           </a:bodyPr>
           <a:lstStyle/>
@@ -2025,8 +2207,15 @@
             </a:pPr>
             <a:fld id="{00000000-1234-1234-1234-123412341234}" type="slidenum">
               <a:rPr lang="pt-BR"/>
-              <a:t>‹#›</a:t>
+              <a:pPr>
+                <a:spcBef>
+                  <a:spcPts val="0"/>
+                </a:spcBef>
+                <a:buNone/>
+              </a:pPr>
+              <a:t>‹nº›</a:t>
             </a:fld>
+            <a:endParaRPr lang="pt-BR"/>
           </a:p>
         </p:txBody>
       </p:sp>
@@ -2039,11 +2228,11 @@
 </file>
 
 <file path=ppt/slideLayouts/slideLayout10.xml><?xml version="1.0" encoding="utf-8"?>
-<p:sldLayout xmlns:a="http://schemas.openxmlformats.org/drawingml/2006/main" xmlns:r="http://schemas.openxmlformats.org/officeDocument/2006/relationships" xmlns:mc="http://schemas.openxmlformats.org/markup-compatibility/2006" xmlns:mv="urn:schemas-microsoft-com:mac:vml" xmlns:p="http://schemas.openxmlformats.org/presentationml/2006/main" xmlns:c="http://schemas.openxmlformats.org/drawingml/2006/chart" xmlns:dgm="http://schemas.openxmlformats.org/drawingml/2006/diagram" xmlns:o="urn:schemas-microsoft-com:office:office" xmlns:v="urn:schemas-microsoft-com:vml" xmlns:pvml="urn:schemas-microsoft-com:office:powerpoint" xmlns:com="http://schemas.openxmlformats.org/drawingml/2006/compatibility" xmlns:p14="http://schemas.microsoft.com/office/powerpoint/2010/main">
+<p:sldLayout xmlns:a="http://schemas.openxmlformats.org/drawingml/2006/main" xmlns:r="http://schemas.openxmlformats.org/officeDocument/2006/relationships" xmlns:p="http://schemas.openxmlformats.org/presentationml/2006/main">
   <p:cSld name="Big number">
     <p:spTree>
       <p:nvGrpSpPr>
-        <p:cNvPr id="54" name="Shape 54"/>
+        <p:cNvPr id="1" name="Shape 54"/>
         <p:cNvGrpSpPr/>
         <p:nvPr/>
       </p:nvGrpSpPr>
@@ -2077,7 +2266,7 @@
           </a:ln>
         </p:spPr>
         <p:txBody>
-          <a:bodyPr anchorCtr="0" anchor="ctr" bIns="91425" lIns="91425" rIns="91425" tIns="91425">
+          <a:bodyPr lIns="91425" tIns="91425" rIns="91425" bIns="91425" anchor="ctr" anchorCtr="0">
             <a:noAutofit/>
           </a:bodyPr>
           <a:lstStyle/>
@@ -2088,9 +2277,6 @@
               </a:spcBef>
               <a:buNone/>
             </a:pPr>
-            <a:r>
-              <a:t/>
-            </a:r>
             <a:endParaRPr/>
           </a:p>
         </p:txBody>
@@ -2098,7 +2284,9 @@
       <p:sp>
         <p:nvSpPr>
           <p:cNvPr id="56" name="Shape 56"/>
-          <p:cNvSpPr txBox="1"/>
+          <p:cNvSpPr txBox="1">
+            <a:spLocks noGrp="1"/>
+          </p:cNvSpPr>
           <p:nvPr>
             <p:ph type="title"/>
           </p:nvPr>
@@ -2113,7 +2301,7 @@
           </a:prstGeom>
         </p:spPr>
         <p:txBody>
-          <a:bodyPr anchorCtr="0" anchor="ctr" bIns="91425" lIns="91425" rIns="91425" tIns="91425"/>
+          <a:bodyPr lIns="91425" tIns="91425" rIns="91425" bIns="91425" anchor="ctr" anchorCtr="0"/>
           <a:lstStyle>
             <a:lvl1pPr algn="ctr">
               <a:spcBef>
@@ -2242,15 +2430,19 @@
               </a:defRPr>
             </a:lvl9pPr>
           </a:lstStyle>
-          <a:p/>
+          <a:p>
+            <a:endParaRPr/>
+          </a:p>
         </p:txBody>
       </p:sp>
       <p:sp>
         <p:nvSpPr>
           <p:cNvPr id="57" name="Shape 57"/>
-          <p:cNvSpPr txBox="1"/>
+          <p:cNvSpPr txBox="1">
+            <a:spLocks noGrp="1"/>
+          </p:cNvSpPr>
           <p:nvPr>
-            <p:ph idx="1" type="body"/>
+            <p:ph type="body" idx="1"/>
           </p:nvPr>
         </p:nvSpPr>
         <p:spPr>
@@ -2263,7 +2455,7 @@
           </a:prstGeom>
         </p:spPr>
         <p:txBody>
-          <a:bodyPr anchorCtr="0" anchor="t" bIns="91425" lIns="91425" rIns="91425" tIns="91425"/>
+          <a:bodyPr lIns="91425" tIns="91425" rIns="91425" bIns="91425" anchor="t" anchorCtr="0"/>
           <a:lstStyle>
             <a:lvl1pPr algn="ctr">
               <a:spcBef>
@@ -2320,15 +2512,19 @@
               <a:defRPr/>
             </a:lvl9pPr>
           </a:lstStyle>
-          <a:p/>
+          <a:p>
+            <a:endParaRPr/>
+          </a:p>
         </p:txBody>
       </p:sp>
       <p:sp>
         <p:nvSpPr>
           <p:cNvPr id="58" name="Shape 58"/>
-          <p:cNvSpPr txBox="1"/>
+          <p:cNvSpPr txBox="1">
+            <a:spLocks noGrp="1"/>
+          </p:cNvSpPr>
           <p:nvPr>
-            <p:ph idx="12" type="sldNum"/>
+            <p:ph type="sldNum" idx="12"/>
           </p:nvPr>
         </p:nvSpPr>
         <p:spPr>
@@ -2341,7 +2537,7 @@
           </a:prstGeom>
         </p:spPr>
         <p:txBody>
-          <a:bodyPr anchorCtr="0" anchor="ctr" bIns="91425" lIns="91425" rIns="91425" tIns="91425">
+          <a:bodyPr lIns="91425" tIns="91425" rIns="91425" bIns="91425" anchor="ctr" anchorCtr="0">
             <a:noAutofit/>
           </a:bodyPr>
           <a:lstStyle/>
@@ -2354,8 +2550,15 @@
             </a:pPr>
             <a:fld id="{00000000-1234-1234-1234-123412341234}" type="slidenum">
               <a:rPr lang="pt-BR"/>
-              <a:t>‹#›</a:t>
+              <a:pPr>
+                <a:spcBef>
+                  <a:spcPts val="0"/>
+                </a:spcBef>
+                <a:buNone/>
+              </a:pPr>
+              <a:t>‹nº›</a:t>
             </a:fld>
+            <a:endParaRPr lang="pt-BR"/>
           </a:p>
         </p:txBody>
       </p:sp>
@@ -2368,11 +2571,11 @@
 </file>
 
 <file path=ppt/slideLayouts/slideLayout11.xml><?xml version="1.0" encoding="utf-8"?>
-<p:sldLayout xmlns:a="http://schemas.openxmlformats.org/drawingml/2006/main" xmlns:r="http://schemas.openxmlformats.org/officeDocument/2006/relationships" xmlns:mc="http://schemas.openxmlformats.org/markup-compatibility/2006" xmlns:mv="urn:schemas-microsoft-com:mac:vml" xmlns:p="http://schemas.openxmlformats.org/presentationml/2006/main" xmlns:c="http://schemas.openxmlformats.org/drawingml/2006/chart" xmlns:dgm="http://schemas.openxmlformats.org/drawingml/2006/diagram" xmlns:o="urn:schemas-microsoft-com:office:office" xmlns:v="urn:schemas-microsoft-com:vml" xmlns:pvml="urn:schemas-microsoft-com:office:powerpoint" xmlns:com="http://schemas.openxmlformats.org/drawingml/2006/compatibility" xmlns:p14="http://schemas.microsoft.com/office/powerpoint/2010/main" type="blank">
+<p:sldLayout xmlns:a="http://schemas.openxmlformats.org/drawingml/2006/main" xmlns:r="http://schemas.openxmlformats.org/officeDocument/2006/relationships" xmlns:p="http://schemas.openxmlformats.org/presentationml/2006/main" type="blank">
   <p:cSld name="Blank">
     <p:spTree>
       <p:nvGrpSpPr>
-        <p:cNvPr id="59" name="Shape 59"/>
+        <p:cNvPr id="1" name="Shape 59"/>
         <p:cNvGrpSpPr/>
         <p:nvPr/>
       </p:nvGrpSpPr>
@@ -2387,9 +2590,11 @@
       <p:sp>
         <p:nvSpPr>
           <p:cNvPr id="60" name="Shape 60"/>
-          <p:cNvSpPr txBox="1"/>
+          <p:cNvSpPr txBox="1">
+            <a:spLocks noGrp="1"/>
+          </p:cNvSpPr>
           <p:nvPr>
-            <p:ph idx="12" type="sldNum"/>
+            <p:ph type="sldNum" idx="12"/>
           </p:nvPr>
         </p:nvSpPr>
         <p:spPr>
@@ -2402,7 +2607,7 @@
           </a:prstGeom>
         </p:spPr>
         <p:txBody>
-          <a:bodyPr anchorCtr="0" anchor="ctr" bIns="91425" lIns="91425" rIns="91425" tIns="91425">
+          <a:bodyPr lIns="91425" tIns="91425" rIns="91425" bIns="91425" anchor="ctr" anchorCtr="0">
             <a:noAutofit/>
           </a:bodyPr>
           <a:lstStyle/>
@@ -2415,8 +2620,15 @@
             </a:pPr>
             <a:fld id="{00000000-1234-1234-1234-123412341234}" type="slidenum">
               <a:rPr lang="pt-BR"/>
-              <a:t>‹#›</a:t>
+              <a:pPr>
+                <a:spcBef>
+                  <a:spcPts val="0"/>
+                </a:spcBef>
+                <a:buNone/>
+              </a:pPr>
+              <a:t>‹nº›</a:t>
             </a:fld>
+            <a:endParaRPr lang="pt-BR"/>
           </a:p>
         </p:txBody>
       </p:sp>
@@ -2429,11 +2641,11 @@
 </file>
 
 <file path=ppt/slideLayouts/slideLayout2.xml><?xml version="1.0" encoding="utf-8"?>
-<p:sldLayout xmlns:a="http://schemas.openxmlformats.org/drawingml/2006/main" xmlns:r="http://schemas.openxmlformats.org/officeDocument/2006/relationships" xmlns:mc="http://schemas.openxmlformats.org/markup-compatibility/2006" xmlns:mv="urn:schemas-microsoft-com:mac:vml" xmlns:p="http://schemas.openxmlformats.org/presentationml/2006/main" xmlns:c="http://schemas.openxmlformats.org/drawingml/2006/chart" xmlns:dgm="http://schemas.openxmlformats.org/drawingml/2006/diagram" xmlns:o="urn:schemas-microsoft-com:office:office" xmlns:v="urn:schemas-microsoft-com:vml" xmlns:pvml="urn:schemas-microsoft-com:office:powerpoint" xmlns:com="http://schemas.openxmlformats.org/drawingml/2006/compatibility" xmlns:p14="http://schemas.microsoft.com/office/powerpoint/2010/main" type="secHead">
+<p:sldLayout xmlns:a="http://schemas.openxmlformats.org/drawingml/2006/main" xmlns:r="http://schemas.openxmlformats.org/officeDocument/2006/relationships" xmlns:p="http://schemas.openxmlformats.org/presentationml/2006/main" type="secHead">
   <p:cSld name="Section title">
     <p:spTree>
       <p:nvGrpSpPr>
-        <p:cNvPr id="20" name="Shape 20"/>
+        <p:cNvPr id="1" name="Shape 20"/>
         <p:cNvGrpSpPr/>
         <p:nvPr/>
       </p:nvGrpSpPr>
@@ -2467,7 +2679,7 @@
           </a:ln>
         </p:spPr>
         <p:txBody>
-          <a:bodyPr anchorCtr="0" anchor="ctr" bIns="91425" lIns="91425" rIns="91425" tIns="91425">
+          <a:bodyPr lIns="91425" tIns="91425" rIns="91425" bIns="91425" anchor="ctr" anchorCtr="0">
             <a:noAutofit/>
           </a:bodyPr>
           <a:lstStyle/>
@@ -2478,9 +2690,6 @@
               </a:spcBef>
               <a:buNone/>
             </a:pPr>
-            <a:r>
-              <a:t/>
-            </a:r>
             <a:endParaRPr/>
           </a:p>
         </p:txBody>
@@ -2488,7 +2697,9 @@
       <p:sp>
         <p:nvSpPr>
           <p:cNvPr id="22" name="Shape 22"/>
-          <p:cNvSpPr txBox="1"/>
+          <p:cNvSpPr txBox="1">
+            <a:spLocks noGrp="1"/>
+          </p:cNvSpPr>
           <p:nvPr>
             <p:ph type="title"/>
           </p:nvPr>
@@ -2503,7 +2714,7 @@
           </a:prstGeom>
         </p:spPr>
         <p:txBody>
-          <a:bodyPr anchorCtr="0" anchor="ctr" bIns="91425" lIns="91425" rIns="91425" tIns="91425"/>
+          <a:bodyPr lIns="91425" tIns="91425" rIns="91425" bIns="91425" anchor="ctr" anchorCtr="0"/>
           <a:lstStyle>
             <a:lvl1pPr algn="ctr">
               <a:spcBef>
@@ -2560,15 +2771,19 @@
               <a:defRPr/>
             </a:lvl9pPr>
           </a:lstStyle>
-          <a:p/>
+          <a:p>
+            <a:endParaRPr/>
+          </a:p>
         </p:txBody>
       </p:sp>
       <p:sp>
         <p:nvSpPr>
           <p:cNvPr id="23" name="Shape 23"/>
-          <p:cNvSpPr txBox="1"/>
+          <p:cNvSpPr txBox="1">
+            <a:spLocks noGrp="1"/>
+          </p:cNvSpPr>
           <p:nvPr>
-            <p:ph idx="12" type="sldNum"/>
+            <p:ph type="sldNum" idx="12"/>
           </p:nvPr>
         </p:nvSpPr>
         <p:spPr>
@@ -2581,7 +2796,7 @@
           </a:prstGeom>
         </p:spPr>
         <p:txBody>
-          <a:bodyPr anchorCtr="0" anchor="ctr" bIns="91425" lIns="91425" rIns="91425" tIns="91425">
+          <a:bodyPr lIns="91425" tIns="91425" rIns="91425" bIns="91425" anchor="ctr" anchorCtr="0">
             <a:noAutofit/>
           </a:bodyPr>
           <a:lstStyle/>
@@ -2598,8 +2813,19 @@
                   <a:schemeClr val="lt1"/>
                 </a:solidFill>
               </a:rPr>
-              <a:t>‹#›</a:t>
+              <a:pPr>
+                <a:spcBef>
+                  <a:spcPts val="0"/>
+                </a:spcBef>
+                <a:buNone/>
+              </a:pPr>
+              <a:t>‹nº›</a:t>
             </a:fld>
+            <a:endParaRPr lang="pt-BR">
+              <a:solidFill>
+                <a:schemeClr val="lt1"/>
+              </a:solidFill>
+            </a:endParaRPr>
           </a:p>
         </p:txBody>
       </p:sp>
@@ -2612,11 +2838,11 @@
 </file>
 
 <file path=ppt/slideLayouts/slideLayout3.xml><?xml version="1.0" encoding="utf-8"?>
-<p:sldLayout xmlns:a="http://schemas.openxmlformats.org/drawingml/2006/main" xmlns:r="http://schemas.openxmlformats.org/officeDocument/2006/relationships" xmlns:mc="http://schemas.openxmlformats.org/markup-compatibility/2006" xmlns:mv="urn:schemas-microsoft-com:mac:vml" xmlns:p="http://schemas.openxmlformats.org/presentationml/2006/main" xmlns:c="http://schemas.openxmlformats.org/drawingml/2006/chart" xmlns:dgm="http://schemas.openxmlformats.org/drawingml/2006/diagram" xmlns:o="urn:schemas-microsoft-com:office:office" xmlns:v="urn:schemas-microsoft-com:vml" xmlns:pvml="urn:schemas-microsoft-com:office:powerpoint" xmlns:com="http://schemas.openxmlformats.org/drawingml/2006/compatibility" xmlns:p14="http://schemas.microsoft.com/office/powerpoint/2010/main" type="tx">
+<p:sldLayout xmlns:a="http://schemas.openxmlformats.org/drawingml/2006/main" xmlns:r="http://schemas.openxmlformats.org/officeDocument/2006/relationships" xmlns:p="http://schemas.openxmlformats.org/presentationml/2006/main" type="tx">
   <p:cSld name="Title and body">
     <p:spTree>
       <p:nvGrpSpPr>
-        <p:cNvPr id="24" name="Shape 24"/>
+        <p:cNvPr id="1" name="Shape 24"/>
         <p:cNvGrpSpPr/>
         <p:nvPr/>
       </p:nvGrpSpPr>
@@ -2650,7 +2876,7 @@
           </a:ln>
         </p:spPr>
         <p:txBody>
-          <a:bodyPr anchorCtr="0" anchor="ctr" bIns="91425" lIns="91425" rIns="91425" tIns="91425">
+          <a:bodyPr lIns="91425" tIns="91425" rIns="91425" bIns="91425" anchor="ctr" anchorCtr="0">
             <a:noAutofit/>
           </a:bodyPr>
           <a:lstStyle/>
@@ -2661,9 +2887,6 @@
               </a:spcBef>
               <a:buNone/>
             </a:pPr>
-            <a:r>
-              <a:t/>
-            </a:r>
             <a:endParaRPr/>
           </a:p>
         </p:txBody>
@@ -2671,7 +2894,9 @@
       <p:sp>
         <p:nvSpPr>
           <p:cNvPr id="26" name="Shape 26"/>
-          <p:cNvSpPr txBox="1"/>
+          <p:cNvSpPr txBox="1">
+            <a:spLocks noGrp="1"/>
+          </p:cNvSpPr>
           <p:nvPr>
             <p:ph type="title"/>
           </p:nvPr>
@@ -2686,7 +2911,7 @@
           </a:prstGeom>
         </p:spPr>
         <p:txBody>
-          <a:bodyPr anchorCtr="0" anchor="t" bIns="91425" lIns="91425" rIns="91425" tIns="91425"/>
+          <a:bodyPr lIns="91425" tIns="91425" rIns="91425" bIns="91425" anchor="t" anchorCtr="0"/>
           <a:lstStyle>
             <a:lvl1pPr>
               <a:spcBef>
@@ -2743,15 +2968,19 @@
               <a:defRPr/>
             </a:lvl9pPr>
           </a:lstStyle>
-          <a:p/>
+          <a:p>
+            <a:endParaRPr/>
+          </a:p>
         </p:txBody>
       </p:sp>
       <p:sp>
         <p:nvSpPr>
           <p:cNvPr id="27" name="Shape 27"/>
-          <p:cNvSpPr txBox="1"/>
+          <p:cNvSpPr txBox="1">
+            <a:spLocks noGrp="1"/>
+          </p:cNvSpPr>
           <p:nvPr>
-            <p:ph idx="1" type="body"/>
+            <p:ph type="body" idx="1"/>
           </p:nvPr>
         </p:nvSpPr>
         <p:spPr>
@@ -2764,7 +2993,7 @@
           </a:prstGeom>
         </p:spPr>
         <p:txBody>
-          <a:bodyPr anchorCtr="0" anchor="t" bIns="91425" lIns="91425" rIns="91425" tIns="91425"/>
+          <a:bodyPr lIns="91425" tIns="91425" rIns="91425" bIns="91425" anchor="t" anchorCtr="0"/>
           <a:lstStyle>
             <a:lvl1pPr>
               <a:spcBef>
@@ -2821,15 +3050,19 @@
               <a:defRPr/>
             </a:lvl9pPr>
           </a:lstStyle>
-          <a:p/>
+          <a:p>
+            <a:endParaRPr/>
+          </a:p>
         </p:txBody>
       </p:sp>
       <p:sp>
         <p:nvSpPr>
           <p:cNvPr id="28" name="Shape 28"/>
-          <p:cNvSpPr txBox="1"/>
+          <p:cNvSpPr txBox="1">
+            <a:spLocks noGrp="1"/>
+          </p:cNvSpPr>
           <p:nvPr>
-            <p:ph idx="12" type="sldNum"/>
+            <p:ph type="sldNum" idx="12"/>
           </p:nvPr>
         </p:nvSpPr>
         <p:spPr>
@@ -2842,7 +3075,7 @@
           </a:prstGeom>
         </p:spPr>
         <p:txBody>
-          <a:bodyPr anchorCtr="0" anchor="ctr" bIns="91425" lIns="91425" rIns="91425" tIns="91425">
+          <a:bodyPr lIns="91425" tIns="91425" rIns="91425" bIns="91425" anchor="ctr" anchorCtr="0">
             <a:noAutofit/>
           </a:bodyPr>
           <a:lstStyle/>
@@ -2855,8 +3088,15 @@
             </a:pPr>
             <a:fld id="{00000000-1234-1234-1234-123412341234}" type="slidenum">
               <a:rPr lang="pt-BR"/>
-              <a:t>‹#›</a:t>
+              <a:pPr>
+                <a:spcBef>
+                  <a:spcPts val="0"/>
+                </a:spcBef>
+                <a:buNone/>
+              </a:pPr>
+              <a:t>‹nº›</a:t>
             </a:fld>
+            <a:endParaRPr lang="pt-BR"/>
           </a:p>
         </p:txBody>
       </p:sp>
@@ -2869,11 +3109,11 @@
 </file>
 
 <file path=ppt/slideLayouts/slideLayout4.xml><?xml version="1.0" encoding="utf-8"?>
-<p:sldLayout xmlns:a="http://schemas.openxmlformats.org/drawingml/2006/main" xmlns:r="http://schemas.openxmlformats.org/officeDocument/2006/relationships" xmlns:mc="http://schemas.openxmlformats.org/markup-compatibility/2006" xmlns:mv="urn:schemas-microsoft-com:mac:vml" xmlns:p="http://schemas.openxmlformats.org/presentationml/2006/main" xmlns:c="http://schemas.openxmlformats.org/drawingml/2006/chart" xmlns:dgm="http://schemas.openxmlformats.org/drawingml/2006/diagram" xmlns:o="urn:schemas-microsoft-com:office:office" xmlns:v="urn:schemas-microsoft-com:vml" xmlns:pvml="urn:schemas-microsoft-com:office:powerpoint" xmlns:com="http://schemas.openxmlformats.org/drawingml/2006/compatibility" xmlns:p14="http://schemas.microsoft.com/office/powerpoint/2010/main" type="twoColTx">
+<p:sldLayout xmlns:a="http://schemas.openxmlformats.org/drawingml/2006/main" xmlns:r="http://schemas.openxmlformats.org/officeDocument/2006/relationships" xmlns:p="http://schemas.openxmlformats.org/presentationml/2006/main" type="twoColTx">
   <p:cSld name="Title and two columns">
     <p:spTree>
       <p:nvGrpSpPr>
-        <p:cNvPr id="29" name="Shape 29"/>
+        <p:cNvPr id="1" name="Shape 29"/>
         <p:cNvGrpSpPr/>
         <p:nvPr/>
       </p:nvGrpSpPr>
@@ -2888,7 +3128,9 @@
       <p:sp>
         <p:nvSpPr>
           <p:cNvPr id="30" name="Shape 30"/>
-          <p:cNvSpPr txBox="1"/>
+          <p:cNvSpPr txBox="1">
+            <a:spLocks noGrp="1"/>
+          </p:cNvSpPr>
           <p:nvPr>
             <p:ph type="title"/>
           </p:nvPr>
@@ -2903,7 +3145,7 @@
           </a:prstGeom>
         </p:spPr>
         <p:txBody>
-          <a:bodyPr anchorCtr="0" anchor="t" bIns="91425" lIns="91425" rIns="91425" tIns="91425"/>
+          <a:bodyPr lIns="91425" tIns="91425" rIns="91425" bIns="91425" anchor="t" anchorCtr="0"/>
           <a:lstStyle>
             <a:lvl1pPr>
               <a:spcBef>
@@ -2960,15 +3202,19 @@
               <a:defRPr/>
             </a:lvl9pPr>
           </a:lstStyle>
-          <a:p/>
+          <a:p>
+            <a:endParaRPr/>
+          </a:p>
         </p:txBody>
       </p:sp>
       <p:sp>
         <p:nvSpPr>
           <p:cNvPr id="31" name="Shape 31"/>
-          <p:cNvSpPr txBox="1"/>
+          <p:cNvSpPr txBox="1">
+            <a:spLocks noGrp="1"/>
+          </p:cNvSpPr>
           <p:nvPr>
-            <p:ph idx="1" type="body"/>
+            <p:ph type="body" idx="1"/>
           </p:nvPr>
         </p:nvSpPr>
         <p:spPr>
@@ -2981,7 +3227,7 @@
           </a:prstGeom>
         </p:spPr>
         <p:txBody>
-          <a:bodyPr anchorCtr="0" anchor="t" bIns="91425" lIns="91425" rIns="91425" tIns="91425"/>
+          <a:bodyPr lIns="91425" tIns="91425" rIns="91425" bIns="91425" anchor="t" anchorCtr="0"/>
           <a:lstStyle>
             <a:lvl1pPr>
               <a:spcBef>
@@ -3047,15 +3293,19 @@
               <a:defRPr sz="1200"/>
             </a:lvl9pPr>
           </a:lstStyle>
-          <a:p/>
+          <a:p>
+            <a:endParaRPr/>
+          </a:p>
         </p:txBody>
       </p:sp>
       <p:sp>
         <p:nvSpPr>
           <p:cNvPr id="32" name="Shape 32"/>
-          <p:cNvSpPr txBox="1"/>
+          <p:cNvSpPr txBox="1">
+            <a:spLocks noGrp="1"/>
+          </p:cNvSpPr>
           <p:nvPr>
-            <p:ph idx="2" type="body"/>
+            <p:ph type="body" idx="2"/>
           </p:nvPr>
         </p:nvSpPr>
         <p:spPr>
@@ -3068,7 +3318,7 @@
           </a:prstGeom>
         </p:spPr>
         <p:txBody>
-          <a:bodyPr anchorCtr="0" anchor="t" bIns="91425" lIns="91425" rIns="91425" tIns="91425"/>
+          <a:bodyPr lIns="91425" tIns="91425" rIns="91425" bIns="91425" anchor="t" anchorCtr="0"/>
           <a:lstStyle>
             <a:lvl1pPr>
               <a:spcBef>
@@ -3134,15 +3384,19 @@
               <a:defRPr sz="1200"/>
             </a:lvl9pPr>
           </a:lstStyle>
-          <a:p/>
+          <a:p>
+            <a:endParaRPr/>
+          </a:p>
         </p:txBody>
       </p:sp>
       <p:sp>
         <p:nvSpPr>
           <p:cNvPr id="33" name="Shape 33"/>
-          <p:cNvSpPr txBox="1"/>
+          <p:cNvSpPr txBox="1">
+            <a:spLocks noGrp="1"/>
+          </p:cNvSpPr>
           <p:nvPr>
-            <p:ph idx="12" type="sldNum"/>
+            <p:ph type="sldNum" idx="12"/>
           </p:nvPr>
         </p:nvSpPr>
         <p:spPr>
@@ -3155,7 +3409,7 @@
           </a:prstGeom>
         </p:spPr>
         <p:txBody>
-          <a:bodyPr anchorCtr="0" anchor="ctr" bIns="91425" lIns="91425" rIns="91425" tIns="91425">
+          <a:bodyPr lIns="91425" tIns="91425" rIns="91425" bIns="91425" anchor="ctr" anchorCtr="0">
             <a:noAutofit/>
           </a:bodyPr>
           <a:lstStyle/>
@@ -3168,8 +3422,15 @@
             </a:pPr>
             <a:fld id="{00000000-1234-1234-1234-123412341234}" type="slidenum">
               <a:rPr lang="pt-BR"/>
-              <a:t>‹#›</a:t>
+              <a:pPr>
+                <a:spcBef>
+                  <a:spcPts val="0"/>
+                </a:spcBef>
+                <a:buNone/>
+              </a:pPr>
+              <a:t>‹nº›</a:t>
             </a:fld>
+            <a:endParaRPr lang="pt-BR"/>
           </a:p>
         </p:txBody>
       </p:sp>
@@ -3182,11 +3443,11 @@
 </file>
 
 <file path=ppt/slideLayouts/slideLayout5.xml><?xml version="1.0" encoding="utf-8"?>
-<p:sldLayout xmlns:a="http://schemas.openxmlformats.org/drawingml/2006/main" xmlns:r="http://schemas.openxmlformats.org/officeDocument/2006/relationships" xmlns:mc="http://schemas.openxmlformats.org/markup-compatibility/2006" xmlns:mv="urn:schemas-microsoft-com:mac:vml" xmlns:p="http://schemas.openxmlformats.org/presentationml/2006/main" xmlns:c="http://schemas.openxmlformats.org/drawingml/2006/chart" xmlns:dgm="http://schemas.openxmlformats.org/drawingml/2006/diagram" xmlns:o="urn:schemas-microsoft-com:office:office" xmlns:v="urn:schemas-microsoft-com:vml" xmlns:pvml="urn:schemas-microsoft-com:office:powerpoint" xmlns:com="http://schemas.openxmlformats.org/drawingml/2006/compatibility" xmlns:p14="http://schemas.microsoft.com/office/powerpoint/2010/main" type="titleOnly">
+<p:sldLayout xmlns:a="http://schemas.openxmlformats.org/drawingml/2006/main" xmlns:r="http://schemas.openxmlformats.org/officeDocument/2006/relationships" xmlns:p="http://schemas.openxmlformats.org/presentationml/2006/main" type="titleOnly">
   <p:cSld name="Title only">
     <p:spTree>
       <p:nvGrpSpPr>
-        <p:cNvPr id="34" name="Shape 34"/>
+        <p:cNvPr id="1" name="Shape 34"/>
         <p:cNvGrpSpPr/>
         <p:nvPr/>
       </p:nvGrpSpPr>
@@ -3201,7 +3462,9 @@
       <p:sp>
         <p:nvSpPr>
           <p:cNvPr id="35" name="Shape 35"/>
-          <p:cNvSpPr txBox="1"/>
+          <p:cNvSpPr txBox="1">
+            <a:spLocks noGrp="1"/>
+          </p:cNvSpPr>
           <p:nvPr>
             <p:ph type="title"/>
           </p:nvPr>
@@ -3216,7 +3479,7 @@
           </a:prstGeom>
         </p:spPr>
         <p:txBody>
-          <a:bodyPr anchorCtr="0" anchor="t" bIns="91425" lIns="91425" rIns="91425" tIns="91425"/>
+          <a:bodyPr lIns="91425" tIns="91425" rIns="91425" bIns="91425" anchor="t" anchorCtr="0"/>
           <a:lstStyle>
             <a:lvl1pPr>
               <a:spcBef>
@@ -3273,15 +3536,19 @@
               <a:defRPr/>
             </a:lvl9pPr>
           </a:lstStyle>
-          <a:p/>
+          <a:p>
+            <a:endParaRPr/>
+          </a:p>
         </p:txBody>
       </p:sp>
       <p:sp>
         <p:nvSpPr>
           <p:cNvPr id="36" name="Shape 36"/>
-          <p:cNvSpPr txBox="1"/>
+          <p:cNvSpPr txBox="1">
+            <a:spLocks noGrp="1"/>
+          </p:cNvSpPr>
           <p:nvPr>
-            <p:ph idx="12" type="sldNum"/>
+            <p:ph type="sldNum" idx="12"/>
           </p:nvPr>
         </p:nvSpPr>
         <p:spPr>
@@ -3294,7 +3561,7 @@
           </a:prstGeom>
         </p:spPr>
         <p:txBody>
-          <a:bodyPr anchorCtr="0" anchor="ctr" bIns="91425" lIns="91425" rIns="91425" tIns="91425">
+          <a:bodyPr lIns="91425" tIns="91425" rIns="91425" bIns="91425" anchor="ctr" anchorCtr="0">
             <a:noAutofit/>
           </a:bodyPr>
           <a:lstStyle/>
@@ -3307,8 +3574,15 @@
             </a:pPr>
             <a:fld id="{00000000-1234-1234-1234-123412341234}" type="slidenum">
               <a:rPr lang="pt-BR"/>
-              <a:t>‹#›</a:t>
+              <a:pPr>
+                <a:spcBef>
+                  <a:spcPts val="0"/>
+                </a:spcBef>
+                <a:buNone/>
+              </a:pPr>
+              <a:t>‹nº›</a:t>
             </a:fld>
+            <a:endParaRPr lang="pt-BR"/>
           </a:p>
         </p:txBody>
       </p:sp>
@@ -3321,11 +3595,11 @@
 </file>
 
 <file path=ppt/slideLayouts/slideLayout6.xml><?xml version="1.0" encoding="utf-8"?>
-<p:sldLayout xmlns:a="http://schemas.openxmlformats.org/drawingml/2006/main" xmlns:r="http://schemas.openxmlformats.org/officeDocument/2006/relationships" xmlns:mc="http://schemas.openxmlformats.org/markup-compatibility/2006" xmlns:mv="urn:schemas-microsoft-com:mac:vml" xmlns:p="http://schemas.openxmlformats.org/presentationml/2006/main" xmlns:c="http://schemas.openxmlformats.org/drawingml/2006/chart" xmlns:dgm="http://schemas.openxmlformats.org/drawingml/2006/diagram" xmlns:o="urn:schemas-microsoft-com:office:office" xmlns:v="urn:schemas-microsoft-com:vml" xmlns:pvml="urn:schemas-microsoft-com:office:powerpoint" xmlns:com="http://schemas.openxmlformats.org/drawingml/2006/compatibility" xmlns:p14="http://schemas.microsoft.com/office/powerpoint/2010/main">
+<p:sldLayout xmlns:a="http://schemas.openxmlformats.org/drawingml/2006/main" xmlns:r="http://schemas.openxmlformats.org/officeDocument/2006/relationships" xmlns:p="http://schemas.openxmlformats.org/presentationml/2006/main">
   <p:cSld name="One column text">
     <p:spTree>
       <p:nvGrpSpPr>
-        <p:cNvPr id="37" name="Shape 37"/>
+        <p:cNvPr id="1" name="Shape 37"/>
         <p:cNvGrpSpPr/>
         <p:nvPr/>
       </p:nvGrpSpPr>
@@ -3340,7 +3614,9 @@
       <p:sp>
         <p:nvSpPr>
           <p:cNvPr id="38" name="Shape 38"/>
-          <p:cNvSpPr txBox="1"/>
+          <p:cNvSpPr txBox="1">
+            <a:spLocks noGrp="1"/>
+          </p:cNvSpPr>
           <p:nvPr>
             <p:ph type="title"/>
           </p:nvPr>
@@ -3355,7 +3631,7 @@
           </a:prstGeom>
         </p:spPr>
         <p:txBody>
-          <a:bodyPr anchorCtr="0" anchor="b" bIns="91425" lIns="91425" rIns="91425" tIns="91425"/>
+          <a:bodyPr lIns="91425" tIns="91425" rIns="91425" bIns="91425" anchor="b" anchorCtr="0"/>
           <a:lstStyle>
             <a:lvl1pPr>
               <a:spcBef>
@@ -3421,15 +3697,19 @@
               <a:defRPr sz="2400"/>
             </a:lvl9pPr>
           </a:lstStyle>
-          <a:p/>
+          <a:p>
+            <a:endParaRPr/>
+          </a:p>
         </p:txBody>
       </p:sp>
       <p:sp>
         <p:nvSpPr>
           <p:cNvPr id="39" name="Shape 39"/>
-          <p:cNvSpPr txBox="1"/>
+          <p:cNvSpPr txBox="1">
+            <a:spLocks noGrp="1"/>
+          </p:cNvSpPr>
           <p:nvPr>
-            <p:ph idx="1" type="body"/>
+            <p:ph type="body" idx="1"/>
           </p:nvPr>
         </p:nvSpPr>
         <p:spPr>
@@ -3442,7 +3722,7 @@
           </a:prstGeom>
         </p:spPr>
         <p:txBody>
-          <a:bodyPr anchorCtr="0" anchor="t" bIns="91425" lIns="91425" rIns="91425" tIns="91425"/>
+          <a:bodyPr lIns="91425" tIns="91425" rIns="91425" bIns="91425" anchor="t" anchorCtr="0"/>
           <a:lstStyle>
             <a:lvl1pPr>
               <a:spcBef>
@@ -3508,15 +3788,19 @@
               <a:defRPr sz="1200"/>
             </a:lvl9pPr>
           </a:lstStyle>
-          <a:p/>
+          <a:p>
+            <a:endParaRPr/>
+          </a:p>
         </p:txBody>
       </p:sp>
       <p:sp>
         <p:nvSpPr>
           <p:cNvPr id="40" name="Shape 40"/>
-          <p:cNvSpPr txBox="1"/>
+          <p:cNvSpPr txBox="1">
+            <a:spLocks noGrp="1"/>
+          </p:cNvSpPr>
           <p:nvPr>
-            <p:ph idx="12" type="sldNum"/>
+            <p:ph type="sldNum" idx="12"/>
           </p:nvPr>
         </p:nvSpPr>
         <p:spPr>
@@ -3529,7 +3813,7 @@
           </a:prstGeom>
         </p:spPr>
         <p:txBody>
-          <a:bodyPr anchorCtr="0" anchor="ctr" bIns="91425" lIns="91425" rIns="91425" tIns="91425">
+          <a:bodyPr lIns="91425" tIns="91425" rIns="91425" bIns="91425" anchor="ctr" anchorCtr="0">
             <a:noAutofit/>
           </a:bodyPr>
           <a:lstStyle/>
@@ -3542,8 +3826,15 @@
             </a:pPr>
             <a:fld id="{00000000-1234-1234-1234-123412341234}" type="slidenum">
               <a:rPr lang="pt-BR"/>
-              <a:t>‹#›</a:t>
+              <a:pPr>
+                <a:spcBef>
+                  <a:spcPts val="0"/>
+                </a:spcBef>
+                <a:buNone/>
+              </a:pPr>
+              <a:t>‹nº›</a:t>
             </a:fld>
+            <a:endParaRPr lang="pt-BR"/>
           </a:p>
         </p:txBody>
       </p:sp>
@@ -3556,18 +3847,19 @@
 </file>
 
 <file path=ppt/slideLayouts/slideLayout7.xml><?xml version="1.0" encoding="utf-8"?>
-<p:sldLayout xmlns:a="http://schemas.openxmlformats.org/drawingml/2006/main" xmlns:r="http://schemas.openxmlformats.org/officeDocument/2006/relationships" xmlns:mc="http://schemas.openxmlformats.org/markup-compatibility/2006" xmlns:mv="urn:schemas-microsoft-com:mac:vml" xmlns:p="http://schemas.openxmlformats.org/presentationml/2006/main" xmlns:c="http://schemas.openxmlformats.org/drawingml/2006/chart" xmlns:dgm="http://schemas.openxmlformats.org/drawingml/2006/diagram" xmlns:o="urn:schemas-microsoft-com:office:office" xmlns:v="urn:schemas-microsoft-com:vml" xmlns:pvml="urn:schemas-microsoft-com:office:powerpoint" xmlns:com="http://schemas.openxmlformats.org/drawingml/2006/compatibility" xmlns:p14="http://schemas.microsoft.com/office/powerpoint/2010/main">
+<p:sldLayout xmlns:a="http://schemas.openxmlformats.org/drawingml/2006/main" xmlns:r="http://schemas.openxmlformats.org/officeDocument/2006/relationships" xmlns:p="http://schemas.openxmlformats.org/presentationml/2006/main">
   <p:cSld name="Main point">
     <p:bg>
       <p:bgPr>
         <a:solidFill>
           <a:schemeClr val="accent6"/>
         </a:solidFill>
+        <a:effectLst/>
       </p:bgPr>
     </p:bg>
     <p:spTree>
       <p:nvGrpSpPr>
-        <p:cNvPr id="41" name="Shape 41"/>
+        <p:cNvPr id="1" name="Shape 41"/>
         <p:cNvGrpSpPr/>
         <p:nvPr/>
       </p:nvGrpSpPr>
@@ -3582,7 +3874,9 @@
       <p:sp>
         <p:nvSpPr>
           <p:cNvPr id="42" name="Shape 42"/>
-          <p:cNvSpPr txBox="1"/>
+          <p:cNvSpPr txBox="1">
+            <a:spLocks noGrp="1"/>
+          </p:cNvSpPr>
           <p:nvPr>
             <p:ph type="title"/>
           </p:nvPr>
@@ -3597,7 +3891,7 @@
           </a:prstGeom>
         </p:spPr>
         <p:txBody>
-          <a:bodyPr anchorCtr="0" anchor="ctr" bIns="91425" lIns="91425" rIns="91425" tIns="91425"/>
+          <a:bodyPr lIns="91425" tIns="91425" rIns="91425" bIns="91425" anchor="ctr" anchorCtr="0"/>
           <a:lstStyle>
             <a:lvl1pPr>
               <a:spcBef>
@@ -3607,7 +3901,7 @@
                 <a:schemeClr val="dk2"/>
               </a:buClr>
               <a:buSzPct val="100000"/>
-              <a:defRPr b="0" sz="5400">
+              <a:defRPr sz="5400" b="0">
                 <a:solidFill>
                   <a:schemeClr val="dk2"/>
                 </a:solidFill>
@@ -3621,7 +3915,7 @@
                 <a:schemeClr val="dk2"/>
               </a:buClr>
               <a:buSzPct val="100000"/>
-              <a:defRPr b="0" sz="5400">
+              <a:defRPr sz="5400" b="0">
                 <a:solidFill>
                   <a:schemeClr val="dk2"/>
                 </a:solidFill>
@@ -3635,7 +3929,7 @@
                 <a:schemeClr val="dk2"/>
               </a:buClr>
               <a:buSzPct val="100000"/>
-              <a:defRPr b="0" sz="5400">
+              <a:defRPr sz="5400" b="0">
                 <a:solidFill>
                   <a:schemeClr val="dk2"/>
                 </a:solidFill>
@@ -3649,7 +3943,7 @@
                 <a:schemeClr val="dk2"/>
               </a:buClr>
               <a:buSzPct val="100000"/>
-              <a:defRPr b="0" sz="5400">
+              <a:defRPr sz="5400" b="0">
                 <a:solidFill>
                   <a:schemeClr val="dk2"/>
                 </a:solidFill>
@@ -3663,7 +3957,7 @@
                 <a:schemeClr val="dk2"/>
               </a:buClr>
               <a:buSzPct val="100000"/>
-              <a:defRPr b="0" sz="5400">
+              <a:defRPr sz="5400" b="0">
                 <a:solidFill>
                   <a:schemeClr val="dk2"/>
                 </a:solidFill>
@@ -3677,7 +3971,7 @@
                 <a:schemeClr val="dk2"/>
               </a:buClr>
               <a:buSzPct val="100000"/>
-              <a:defRPr b="0" sz="5400">
+              <a:defRPr sz="5400" b="0">
                 <a:solidFill>
                   <a:schemeClr val="dk2"/>
                 </a:solidFill>
@@ -3691,7 +3985,7 @@
                 <a:schemeClr val="dk2"/>
               </a:buClr>
               <a:buSzPct val="100000"/>
-              <a:defRPr b="0" sz="5400">
+              <a:defRPr sz="5400" b="0">
                 <a:solidFill>
                   <a:schemeClr val="dk2"/>
                 </a:solidFill>
@@ -3705,7 +3999,7 @@
                 <a:schemeClr val="dk2"/>
               </a:buClr>
               <a:buSzPct val="100000"/>
-              <a:defRPr b="0" sz="5400">
+              <a:defRPr sz="5400" b="0">
                 <a:solidFill>
                   <a:schemeClr val="dk2"/>
                 </a:solidFill>
@@ -3719,22 +4013,26 @@
                 <a:schemeClr val="dk2"/>
               </a:buClr>
               <a:buSzPct val="100000"/>
-              <a:defRPr b="0" sz="5400">
+              <a:defRPr sz="5400" b="0">
                 <a:solidFill>
                   <a:schemeClr val="dk2"/>
                 </a:solidFill>
               </a:defRPr>
             </a:lvl9pPr>
           </a:lstStyle>
-          <a:p/>
+          <a:p>
+            <a:endParaRPr/>
+          </a:p>
         </p:txBody>
       </p:sp>
       <p:sp>
         <p:nvSpPr>
           <p:cNvPr id="43" name="Shape 43"/>
-          <p:cNvSpPr txBox="1"/>
+          <p:cNvSpPr txBox="1">
+            <a:spLocks noGrp="1"/>
+          </p:cNvSpPr>
           <p:nvPr>
-            <p:ph idx="12" type="sldNum"/>
+            <p:ph type="sldNum" idx="12"/>
           </p:nvPr>
         </p:nvSpPr>
         <p:spPr>
@@ -3747,7 +4045,7 @@
           </a:prstGeom>
         </p:spPr>
         <p:txBody>
-          <a:bodyPr anchorCtr="0" anchor="ctr" bIns="91425" lIns="91425" rIns="91425" tIns="91425">
+          <a:bodyPr lIns="91425" tIns="91425" rIns="91425" bIns="91425" anchor="ctr" anchorCtr="0">
             <a:noAutofit/>
           </a:bodyPr>
           <a:lstStyle/>
@@ -3760,8 +4058,15 @@
             </a:pPr>
             <a:fld id="{00000000-1234-1234-1234-123412341234}" type="slidenum">
               <a:rPr lang="pt-BR"/>
-              <a:t>‹#›</a:t>
+              <a:pPr>
+                <a:spcBef>
+                  <a:spcPts val="0"/>
+                </a:spcBef>
+                <a:buNone/>
+              </a:pPr>
+              <a:t>‹nº›</a:t>
             </a:fld>
+            <a:endParaRPr lang="pt-BR"/>
           </a:p>
         </p:txBody>
       </p:sp>
@@ -3774,11 +4079,11 @@
 </file>
 
 <file path=ppt/slideLayouts/slideLayout8.xml><?xml version="1.0" encoding="utf-8"?>
-<p:sldLayout xmlns:a="http://schemas.openxmlformats.org/drawingml/2006/main" xmlns:r="http://schemas.openxmlformats.org/officeDocument/2006/relationships" xmlns:mc="http://schemas.openxmlformats.org/markup-compatibility/2006" xmlns:mv="urn:schemas-microsoft-com:mac:vml" xmlns:p="http://schemas.openxmlformats.org/presentationml/2006/main" xmlns:c="http://schemas.openxmlformats.org/drawingml/2006/chart" xmlns:dgm="http://schemas.openxmlformats.org/drawingml/2006/diagram" xmlns:o="urn:schemas-microsoft-com:office:office" xmlns:v="urn:schemas-microsoft-com:vml" xmlns:pvml="urn:schemas-microsoft-com:office:powerpoint" xmlns:com="http://schemas.openxmlformats.org/drawingml/2006/compatibility" xmlns:p14="http://schemas.microsoft.com/office/powerpoint/2010/main">
+<p:sldLayout xmlns:a="http://schemas.openxmlformats.org/drawingml/2006/main" xmlns:r="http://schemas.openxmlformats.org/officeDocument/2006/relationships" xmlns:p="http://schemas.openxmlformats.org/presentationml/2006/main">
   <p:cSld name="Section title and description">
     <p:spTree>
       <p:nvGrpSpPr>
-        <p:cNvPr id="44" name="Shape 44"/>
+        <p:cNvPr id="1" name="Shape 44"/>
         <p:cNvGrpSpPr/>
         <p:nvPr/>
       </p:nvGrpSpPr>
@@ -3812,7 +4117,7 @@
           </a:ln>
         </p:spPr>
         <p:txBody>
-          <a:bodyPr anchorCtr="0" anchor="ctr" bIns="91425" lIns="91425" rIns="91425" tIns="91425">
+          <a:bodyPr lIns="91425" tIns="91425" rIns="91425" bIns="91425" anchor="ctr" anchorCtr="0">
             <a:noAutofit/>
           </a:bodyPr>
           <a:lstStyle/>
@@ -3823,9 +4128,6 @@
               </a:spcBef>
               <a:buNone/>
             </a:pPr>
-            <a:r>
-              <a:t/>
-            </a:r>
             <a:endParaRPr/>
           </a:p>
         </p:txBody>
@@ -3845,21 +4147,23 @@
             <a:avLst/>
           </a:prstGeom>
           <a:noFill/>
-          <a:ln cap="flat" cmpd="sng" w="19050">
+          <a:ln w="19050" cap="flat" cmpd="sng">
             <a:solidFill>
               <a:schemeClr val="lt1"/>
             </a:solidFill>
             <a:prstDash val="solid"/>
             <a:round/>
-            <a:headEnd len="med" w="med" type="none"/>
-            <a:tailEnd len="med" w="med" type="none"/>
+            <a:headEnd type="none" w="med" len="med"/>
+            <a:tailEnd type="none" w="med" len="med"/>
           </a:ln>
         </p:spPr>
       </p:cxnSp>
       <p:sp>
         <p:nvSpPr>
           <p:cNvPr id="47" name="Shape 47"/>
-          <p:cNvSpPr txBox="1"/>
+          <p:cNvSpPr txBox="1">
+            <a:spLocks noGrp="1"/>
+          </p:cNvSpPr>
           <p:nvPr>
             <p:ph type="title"/>
           </p:nvPr>
@@ -3874,7 +4178,7 @@
           </a:prstGeom>
         </p:spPr>
         <p:txBody>
-          <a:bodyPr anchorCtr="0" anchor="b" bIns="91425" lIns="91425" rIns="91425" tIns="91425"/>
+          <a:bodyPr lIns="91425" tIns="91425" rIns="91425" bIns="91425" anchor="b" anchorCtr="0"/>
           <a:lstStyle>
             <a:lvl1pPr algn="ctr">
               <a:spcBef>
@@ -3940,15 +4244,19 @@
               <a:defRPr sz="4200"/>
             </a:lvl9pPr>
           </a:lstStyle>
-          <a:p/>
+          <a:p>
+            <a:endParaRPr/>
+          </a:p>
         </p:txBody>
       </p:sp>
       <p:sp>
         <p:nvSpPr>
           <p:cNvPr id="48" name="Shape 48"/>
-          <p:cNvSpPr txBox="1"/>
+          <p:cNvSpPr txBox="1">
+            <a:spLocks noGrp="1"/>
+          </p:cNvSpPr>
           <p:nvPr>
-            <p:ph idx="1" type="subTitle"/>
+            <p:ph type="subTitle" idx="1"/>
           </p:nvPr>
         </p:nvSpPr>
         <p:spPr>
@@ -3961,7 +4269,7 @@
           </a:prstGeom>
         </p:spPr>
         <p:txBody>
-          <a:bodyPr anchorCtr="0" anchor="t" bIns="91425" lIns="91425" rIns="91425" tIns="91425"/>
+          <a:bodyPr lIns="91425" tIns="91425" rIns="91425" bIns="91425" anchor="t" anchorCtr="0"/>
           <a:lstStyle>
             <a:lvl1pPr algn="ctr">
               <a:lnSpc>
@@ -4090,15 +4398,19 @@
               <a:defRPr sz="2100"/>
             </a:lvl9pPr>
           </a:lstStyle>
-          <a:p/>
+          <a:p>
+            <a:endParaRPr/>
+          </a:p>
         </p:txBody>
       </p:sp>
       <p:sp>
         <p:nvSpPr>
           <p:cNvPr id="49" name="Shape 49"/>
-          <p:cNvSpPr txBox="1"/>
+          <p:cNvSpPr txBox="1">
+            <a:spLocks noGrp="1"/>
+          </p:cNvSpPr>
           <p:nvPr>
-            <p:ph idx="2" type="body"/>
+            <p:ph type="body" idx="2"/>
           </p:nvPr>
         </p:nvSpPr>
         <p:spPr>
@@ -4111,7 +4423,7 @@
           </a:prstGeom>
         </p:spPr>
         <p:txBody>
-          <a:bodyPr anchorCtr="0" anchor="ctr" bIns="91425" lIns="91425" rIns="91425" tIns="91425"/>
+          <a:bodyPr lIns="91425" tIns="91425" rIns="91425" bIns="91425" anchor="ctr" anchorCtr="0"/>
           <a:lstStyle>
             <a:lvl1pPr>
               <a:spcBef>
@@ -4231,15 +4543,19 @@
               </a:defRPr>
             </a:lvl9pPr>
           </a:lstStyle>
-          <a:p/>
+          <a:p>
+            <a:endParaRPr/>
+          </a:p>
         </p:txBody>
       </p:sp>
       <p:sp>
         <p:nvSpPr>
           <p:cNvPr id="50" name="Shape 50"/>
-          <p:cNvSpPr txBox="1"/>
+          <p:cNvSpPr txBox="1">
+            <a:spLocks noGrp="1"/>
+          </p:cNvSpPr>
           <p:nvPr>
-            <p:ph idx="12" type="sldNum"/>
+            <p:ph type="sldNum" idx="12"/>
           </p:nvPr>
         </p:nvSpPr>
         <p:spPr>
@@ -4252,7 +4568,7 @@
           </a:prstGeom>
         </p:spPr>
         <p:txBody>
-          <a:bodyPr anchorCtr="0" anchor="ctr" bIns="91425" lIns="91425" rIns="91425" tIns="91425">
+          <a:bodyPr lIns="91425" tIns="91425" rIns="91425" bIns="91425" anchor="ctr" anchorCtr="0">
             <a:noAutofit/>
           </a:bodyPr>
           <a:lstStyle/>
@@ -4269,8 +4585,19 @@
                   <a:schemeClr val="lt1"/>
                 </a:solidFill>
               </a:rPr>
-              <a:t>‹#›</a:t>
+              <a:pPr>
+                <a:spcBef>
+                  <a:spcPts val="0"/>
+                </a:spcBef>
+                <a:buNone/>
+              </a:pPr>
+              <a:t>‹nº›</a:t>
             </a:fld>
+            <a:endParaRPr lang="pt-BR">
+              <a:solidFill>
+                <a:schemeClr val="lt1"/>
+              </a:solidFill>
+            </a:endParaRPr>
           </a:p>
         </p:txBody>
       </p:sp>
@@ -4283,11 +4610,11 @@
 </file>
 
 <file path=ppt/slideLayouts/slideLayout9.xml><?xml version="1.0" encoding="utf-8"?>
-<p:sldLayout xmlns:a="http://schemas.openxmlformats.org/drawingml/2006/main" xmlns:r="http://schemas.openxmlformats.org/officeDocument/2006/relationships" xmlns:mc="http://schemas.openxmlformats.org/markup-compatibility/2006" xmlns:mv="urn:schemas-microsoft-com:mac:vml" xmlns:p="http://schemas.openxmlformats.org/presentationml/2006/main" xmlns:c="http://schemas.openxmlformats.org/drawingml/2006/chart" xmlns:dgm="http://schemas.openxmlformats.org/drawingml/2006/diagram" xmlns:o="urn:schemas-microsoft-com:office:office" xmlns:v="urn:schemas-microsoft-com:vml" xmlns:pvml="urn:schemas-microsoft-com:office:powerpoint" xmlns:com="http://schemas.openxmlformats.org/drawingml/2006/compatibility" xmlns:p14="http://schemas.microsoft.com/office/powerpoint/2010/main">
+<p:sldLayout xmlns:a="http://schemas.openxmlformats.org/drawingml/2006/main" xmlns:r="http://schemas.openxmlformats.org/officeDocument/2006/relationships" xmlns:p="http://schemas.openxmlformats.org/presentationml/2006/main">
   <p:cSld name="Caption">
     <p:spTree>
       <p:nvGrpSpPr>
-        <p:cNvPr id="51" name="Shape 51"/>
+        <p:cNvPr id="1" name="Shape 51"/>
         <p:cNvGrpSpPr/>
         <p:nvPr/>
       </p:nvGrpSpPr>
@@ -4302,9 +4629,11 @@
       <p:sp>
         <p:nvSpPr>
           <p:cNvPr id="52" name="Shape 52"/>
-          <p:cNvSpPr txBox="1"/>
+          <p:cNvSpPr txBox="1">
+            <a:spLocks noGrp="1"/>
+          </p:cNvSpPr>
           <p:nvPr>
-            <p:ph idx="1" type="body"/>
+            <p:ph type="body" idx="1"/>
           </p:nvPr>
         </p:nvSpPr>
         <p:spPr>
@@ -4317,7 +4646,7 @@
           </a:prstGeom>
         </p:spPr>
         <p:txBody>
-          <a:bodyPr anchorCtr="0" anchor="ctr" bIns="91425" lIns="91425" rIns="91425" tIns="91425"/>
+          <a:bodyPr lIns="91425" tIns="91425" rIns="91425" bIns="91425" anchor="ctr" anchorCtr="0"/>
           <a:lstStyle>
             <a:lvl1pPr>
               <a:lnSpc>
@@ -4340,15 +4669,19 @@
               </a:defRPr>
             </a:lvl1pPr>
           </a:lstStyle>
-          <a:p/>
+          <a:p>
+            <a:endParaRPr/>
+          </a:p>
         </p:txBody>
       </p:sp>
       <p:sp>
         <p:nvSpPr>
           <p:cNvPr id="53" name="Shape 53"/>
-          <p:cNvSpPr txBox="1"/>
+          <p:cNvSpPr txBox="1">
+            <a:spLocks noGrp="1"/>
+          </p:cNvSpPr>
           <p:nvPr>
-            <p:ph idx="12" type="sldNum"/>
+            <p:ph type="sldNum" idx="12"/>
           </p:nvPr>
         </p:nvSpPr>
         <p:spPr>
@@ -4361,7 +4694,7 @@
           </a:prstGeom>
         </p:spPr>
         <p:txBody>
-          <a:bodyPr anchorCtr="0" anchor="ctr" bIns="91425" lIns="91425" rIns="91425" tIns="91425">
+          <a:bodyPr lIns="91425" tIns="91425" rIns="91425" bIns="91425" anchor="ctr" anchorCtr="0">
             <a:noAutofit/>
           </a:bodyPr>
           <a:lstStyle/>
@@ -4374,8 +4707,15 @@
             </a:pPr>
             <a:fld id="{00000000-1234-1234-1234-123412341234}" type="slidenum">
               <a:rPr lang="pt-BR"/>
-              <a:t>‹#›</a:t>
+              <a:pPr>
+                <a:spcBef>
+                  <a:spcPts val="0"/>
+                </a:spcBef>
+                <a:buNone/>
+              </a:pPr>
+              <a:t>‹nº›</a:t>
             </a:fld>
+            <a:endParaRPr lang="pt-BR"/>
           </a:p>
         </p:txBody>
       </p:sp>
@@ -4388,18 +4728,19 @@
 </file>
 
 <file path=ppt/slideMasters/slideMaster1.xml><?xml version="1.0" encoding="utf-8"?>
-<p:sldMaster xmlns:a="http://schemas.openxmlformats.org/drawingml/2006/main" xmlns:r="http://schemas.openxmlformats.org/officeDocument/2006/relationships" xmlns:mc="http://schemas.openxmlformats.org/markup-compatibility/2006" xmlns:mv="urn:schemas-microsoft-com:mac:vml" xmlns:p="http://schemas.openxmlformats.org/presentationml/2006/main" xmlns:c="http://schemas.openxmlformats.org/drawingml/2006/chart" xmlns:dgm="http://schemas.openxmlformats.org/drawingml/2006/diagram" xmlns:o="urn:schemas-microsoft-com:office:office" xmlns:v="urn:schemas-microsoft-com:vml" xmlns:pvml="urn:schemas-microsoft-com:office:powerpoint" xmlns:com="http://schemas.openxmlformats.org/drawingml/2006/compatibility" xmlns:p14="http://schemas.microsoft.com/office/powerpoint/2010/main">
+<p:sldMaster xmlns:a="http://schemas.openxmlformats.org/drawingml/2006/main" xmlns:r="http://schemas.openxmlformats.org/officeDocument/2006/relationships" xmlns:p="http://schemas.openxmlformats.org/presentationml/2006/main">
   <p:cSld>
     <p:bg>
       <p:bgPr>
         <a:solidFill>
           <a:schemeClr val="lt1"/>
         </a:solidFill>
+        <a:effectLst/>
       </p:bgPr>
     </p:bg>
     <p:spTree>
       <p:nvGrpSpPr>
-        <p:cNvPr id="4" name="Shape 4"/>
+        <p:cNvPr id="1" name="Shape 4"/>
         <p:cNvGrpSpPr/>
         <p:nvPr/>
       </p:nvGrpSpPr>
@@ -4414,7 +4755,9 @@
       <p:sp>
         <p:nvSpPr>
           <p:cNvPr id="5" name="Shape 5"/>
-          <p:cNvSpPr txBox="1"/>
+          <p:cNvSpPr txBox="1">
+            <a:spLocks noGrp="1"/>
+          </p:cNvSpPr>
           <p:nvPr>
             <p:ph type="title"/>
           </p:nvPr>
@@ -4433,7 +4776,7 @@
           </a:ln>
         </p:spPr>
         <p:txBody>
-          <a:bodyPr anchorCtr="0" anchor="t" bIns="91425" lIns="91425" rIns="91425" tIns="91425"/>
+          <a:bodyPr lIns="91425" tIns="91425" rIns="91425" bIns="91425" anchor="t" anchorCtr="0"/>
           <a:lstStyle>
             <a:lvl1pPr>
               <a:spcBef>
@@ -4445,7 +4788,7 @@
               <a:buSzPct val="100000"/>
               <a:buFont typeface="PT Sans Narrow"/>
               <a:buNone/>
-              <a:defRPr b="1" sz="3600">
+              <a:defRPr sz="3600" b="1">
                 <a:solidFill>
                   <a:schemeClr val="accent1"/>
                 </a:solidFill>
@@ -4465,7 +4808,7 @@
               <a:buSzPct val="100000"/>
               <a:buFont typeface="PT Sans Narrow"/>
               <a:buNone/>
-              <a:defRPr b="1" sz="3600">
+              <a:defRPr sz="3600" b="1">
                 <a:solidFill>
                   <a:schemeClr val="accent1"/>
                 </a:solidFill>
@@ -4485,7 +4828,7 @@
               <a:buSzPct val="100000"/>
               <a:buFont typeface="PT Sans Narrow"/>
               <a:buNone/>
-              <a:defRPr b="1" sz="3600">
+              <a:defRPr sz="3600" b="1">
                 <a:solidFill>
                   <a:schemeClr val="accent1"/>
                 </a:solidFill>
@@ -4505,7 +4848,7 @@
               <a:buSzPct val="100000"/>
               <a:buFont typeface="PT Sans Narrow"/>
               <a:buNone/>
-              <a:defRPr b="1" sz="3600">
+              <a:defRPr sz="3600" b="1">
                 <a:solidFill>
                   <a:schemeClr val="accent1"/>
                 </a:solidFill>
@@ -4525,7 +4868,7 @@
               <a:buSzPct val="100000"/>
               <a:buFont typeface="PT Sans Narrow"/>
               <a:buNone/>
-              <a:defRPr b="1" sz="3600">
+              <a:defRPr sz="3600" b="1">
                 <a:solidFill>
                   <a:schemeClr val="accent1"/>
                 </a:solidFill>
@@ -4545,7 +4888,7 @@
               <a:buSzPct val="100000"/>
               <a:buFont typeface="PT Sans Narrow"/>
               <a:buNone/>
-              <a:defRPr b="1" sz="3600">
+              <a:defRPr sz="3600" b="1">
                 <a:solidFill>
                   <a:schemeClr val="accent1"/>
                 </a:solidFill>
@@ -4565,7 +4908,7 @@
               <a:buSzPct val="100000"/>
               <a:buFont typeface="PT Sans Narrow"/>
               <a:buNone/>
-              <a:defRPr b="1" sz="3600">
+              <a:defRPr sz="3600" b="1">
                 <a:solidFill>
                   <a:schemeClr val="accent1"/>
                 </a:solidFill>
@@ -4585,7 +4928,7 @@
               <a:buSzPct val="100000"/>
               <a:buFont typeface="PT Sans Narrow"/>
               <a:buNone/>
-              <a:defRPr b="1" sz="3600">
+              <a:defRPr sz="3600" b="1">
                 <a:solidFill>
                   <a:schemeClr val="accent1"/>
                 </a:solidFill>
@@ -4605,7 +4948,7 @@
               <a:buSzPct val="100000"/>
               <a:buFont typeface="PT Sans Narrow"/>
               <a:buNone/>
-              <a:defRPr b="1" sz="3600">
+              <a:defRPr sz="3600" b="1">
                 <a:solidFill>
                   <a:schemeClr val="accent1"/>
                 </a:solidFill>
@@ -4616,15 +4959,19 @@
               </a:defRPr>
             </a:lvl9pPr>
           </a:lstStyle>
-          <a:p/>
+          <a:p>
+            <a:endParaRPr/>
+          </a:p>
         </p:txBody>
       </p:sp>
       <p:sp>
         <p:nvSpPr>
           <p:cNvPr id="6" name="Shape 6"/>
-          <p:cNvSpPr txBox="1"/>
+          <p:cNvSpPr txBox="1">
+            <a:spLocks noGrp="1"/>
+          </p:cNvSpPr>
           <p:nvPr>
-            <p:ph idx="1" type="body"/>
+            <p:ph type="body" idx="1"/>
           </p:nvPr>
         </p:nvSpPr>
         <p:spPr>
@@ -4641,7 +4988,7 @@
           </a:ln>
         </p:spPr>
         <p:txBody>
-          <a:bodyPr anchorCtr="0" anchor="t" bIns="91425" lIns="91425" rIns="91425" tIns="91425"/>
+          <a:bodyPr lIns="91425" tIns="91425" rIns="91425" bIns="91425" anchor="t" anchorCtr="0"/>
           <a:lstStyle>
             <a:lvl1pPr>
               <a:lnSpc>
@@ -4861,15 +5208,19 @@
               </a:defRPr>
             </a:lvl9pPr>
           </a:lstStyle>
-          <a:p/>
+          <a:p>
+            <a:endParaRPr/>
+          </a:p>
         </p:txBody>
       </p:sp>
       <p:sp>
         <p:nvSpPr>
           <p:cNvPr id="7" name="Shape 7"/>
-          <p:cNvSpPr txBox="1"/>
+          <p:cNvSpPr txBox="1">
+            <a:spLocks noGrp="1"/>
+          </p:cNvSpPr>
           <p:nvPr>
-            <p:ph idx="12" type="sldNum"/>
+            <p:ph type="sldNum" idx="12"/>
           </p:nvPr>
         </p:nvSpPr>
         <p:spPr>
@@ -4886,7 +5237,7 @@
           </a:ln>
         </p:spPr>
         <p:txBody>
-          <a:bodyPr anchorCtr="0" anchor="ctr" bIns="91425" lIns="91425" rIns="91425" tIns="91425">
+          <a:bodyPr lIns="91425" tIns="91425" rIns="91425" bIns="91425" anchor="ctr" anchorCtr="0">
             <a:noAutofit/>
           </a:bodyPr>
           <a:lstStyle/>
@@ -4907,14 +5258,29 @@
                 <a:cs typeface="Open Sans"/>
                 <a:sym typeface="Open Sans"/>
               </a:rPr>
-              <a:t>‹#›</a:t>
+              <a:pPr algn="r">
+                <a:spcBef>
+                  <a:spcPts val="0"/>
+                </a:spcBef>
+                <a:buNone/>
+              </a:pPr>
+              <a:t>‹nº›</a:t>
             </a:fld>
+            <a:endParaRPr lang="pt-BR" sz="1000">
+              <a:solidFill>
+                <a:schemeClr val="dk2"/>
+              </a:solidFill>
+              <a:latin typeface="Open Sans"/>
+              <a:ea typeface="Open Sans"/>
+              <a:cs typeface="Open Sans"/>
+              <a:sym typeface="Open Sans"/>
+            </a:endParaRPr>
           </a:p>
         </p:txBody>
       </p:sp>
     </p:spTree>
   </p:cSld>
-  <p:clrMap accent1="accent1" accent2="accent2" accent3="accent3" accent4="accent4" accent5="accent5" accent6="accent6" bg1="lt1" bg2="dk2" tx1="dk1" tx2="lt2" folHlink="folHlink" hlink="hlink"/>
+  <p:clrMap bg1="lt1" tx1="dk1" bg2="dk2" tx2="lt2" accent1="accent1" accent2="accent2" accent3="accent3" accent4="accent4" accent5="accent5" accent6="accent6" hlink="hlink" folHlink="folHlink"/>
   <p:sldLayoutIdLst>
     <p:sldLayoutId id="2147483648" r:id="rId1"/>
     <p:sldLayoutId id="2147483649" r:id="rId2"/>
@@ -4928,10 +5294,10 @@
     <p:sldLayoutId id="2147483657" r:id="rId10"/>
     <p:sldLayoutId id="2147483658" r:id="rId11"/>
   </p:sldLayoutIdLst>
-  <p:hf dt="0" ftr="0" hdr="0" sldNum="0"/>
+  <p:hf sldNum="0" hdr="0" ftr="0" dt="0"/>
   <p:txStyles>
     <p:titleStyle>
-      <a:defPPr marR="0" rtl="0" algn="l">
+      <a:defPPr marR="0" algn="l" rtl="0">
         <a:lnSpc>
           <a:spcPct val="100000"/>
         </a:lnSpc>
@@ -4942,7 +5308,7 @@
           <a:spcPts val="0"/>
         </a:spcAft>
       </a:defPPr>
-      <a:lvl1pPr marR="0" rtl="0" algn="l">
+      <a:lvl1pPr marR="0" algn="l" rtl="0">
         <a:lnSpc>
           <a:spcPct val="100000"/>
         </a:lnSpc>
@@ -4953,7 +5319,7 @@
           <a:spcPts val="0"/>
         </a:spcAft>
         <a:buNone/>
-        <a:defRPr b="0" baseline="0" i="0" sz="1400" u="none" cap="none" strike="noStrike">
+        <a:defRPr sz="1400" b="0" i="0" u="none" strike="noStrike" cap="none" baseline="0">
           <a:solidFill>
             <a:srgbClr val="000000"/>
           </a:solidFill>
@@ -4961,12 +5327,11 @@
           <a:ea typeface="Arial"/>
           <a:cs typeface="Arial"/>
           <a:sym typeface="Arial"/>
-          <a:rtl val="0"/>
         </a:defRPr>
       </a:lvl1pPr>
     </p:titleStyle>
     <p:bodyStyle>
-      <a:defPPr marR="0" rtl="0" algn="l">
+      <a:defPPr marR="0" algn="l" rtl="0">
         <a:lnSpc>
           <a:spcPct val="100000"/>
         </a:lnSpc>
@@ -4977,7 +5342,7 @@
           <a:spcPts val="0"/>
         </a:spcAft>
       </a:defPPr>
-      <a:lvl1pPr marR="0" rtl="0" algn="l">
+      <a:lvl1pPr marR="0" algn="l" rtl="0">
         <a:lnSpc>
           <a:spcPct val="100000"/>
         </a:lnSpc>
@@ -4988,7 +5353,7 @@
           <a:spcPts val="0"/>
         </a:spcAft>
         <a:buNone/>
-        <a:defRPr b="0" baseline="0" i="0" sz="1400" u="none" cap="none" strike="noStrike">
+        <a:defRPr sz="1400" b="0" i="0" u="none" strike="noStrike" cap="none" baseline="0">
           <a:solidFill>
             <a:srgbClr val="000000"/>
           </a:solidFill>
@@ -4996,10 +5361,9 @@
           <a:ea typeface="Arial"/>
           <a:cs typeface="Arial"/>
           <a:sym typeface="Arial"/>
-          <a:rtl val="0"/>
         </a:defRPr>
       </a:lvl1pPr>
-      <a:lvl2pPr marR="0" rtl="0" algn="l">
+      <a:lvl2pPr marR="0" algn="l" rtl="0">
         <a:lnSpc>
           <a:spcPct val="100000"/>
         </a:lnSpc>
@@ -5010,7 +5374,7 @@
           <a:spcPts val="0"/>
         </a:spcAft>
         <a:buNone/>
-        <a:defRPr b="0" baseline="0" i="0" sz="1400" u="none" cap="none" strike="noStrike">
+        <a:defRPr sz="1400" b="0" i="0" u="none" strike="noStrike" cap="none" baseline="0">
           <a:solidFill>
             <a:srgbClr val="000000"/>
           </a:solidFill>
@@ -5018,10 +5382,9 @@
           <a:ea typeface="Arial"/>
           <a:cs typeface="Arial"/>
           <a:sym typeface="Arial"/>
-          <a:rtl val="0"/>
         </a:defRPr>
       </a:lvl2pPr>
-      <a:lvl3pPr marR="0" rtl="0" algn="l">
+      <a:lvl3pPr marR="0" algn="l" rtl="0">
         <a:lnSpc>
           <a:spcPct val="100000"/>
         </a:lnSpc>
@@ -5032,7 +5395,7 @@
           <a:spcPts val="0"/>
         </a:spcAft>
         <a:buNone/>
-        <a:defRPr b="0" baseline="0" i="0" sz="1400" u="none" cap="none" strike="noStrike">
+        <a:defRPr sz="1400" b="0" i="0" u="none" strike="noStrike" cap="none" baseline="0">
           <a:solidFill>
             <a:srgbClr val="000000"/>
           </a:solidFill>
@@ -5040,10 +5403,9 @@
           <a:ea typeface="Arial"/>
           <a:cs typeface="Arial"/>
           <a:sym typeface="Arial"/>
-          <a:rtl val="0"/>
         </a:defRPr>
       </a:lvl3pPr>
-      <a:lvl4pPr marR="0" rtl="0" algn="l">
+      <a:lvl4pPr marR="0" algn="l" rtl="0">
         <a:lnSpc>
           <a:spcPct val="100000"/>
         </a:lnSpc>
@@ -5054,7 +5416,7 @@
           <a:spcPts val="0"/>
         </a:spcAft>
         <a:buNone/>
-        <a:defRPr b="0" baseline="0" i="0" sz="1400" u="none" cap="none" strike="noStrike">
+        <a:defRPr sz="1400" b="0" i="0" u="none" strike="noStrike" cap="none" baseline="0">
           <a:solidFill>
             <a:srgbClr val="000000"/>
           </a:solidFill>
@@ -5062,10 +5424,9 @@
           <a:ea typeface="Arial"/>
           <a:cs typeface="Arial"/>
           <a:sym typeface="Arial"/>
-          <a:rtl val="0"/>
         </a:defRPr>
       </a:lvl4pPr>
-      <a:lvl5pPr marR="0" rtl="0" algn="l">
+      <a:lvl5pPr marR="0" algn="l" rtl="0">
         <a:lnSpc>
           <a:spcPct val="100000"/>
         </a:lnSpc>
@@ -5076,7 +5437,7 @@
           <a:spcPts val="0"/>
         </a:spcAft>
         <a:buNone/>
-        <a:defRPr b="0" baseline="0" i="0" sz="1400" u="none" cap="none" strike="noStrike">
+        <a:defRPr sz="1400" b="0" i="0" u="none" strike="noStrike" cap="none" baseline="0">
           <a:solidFill>
             <a:srgbClr val="000000"/>
           </a:solidFill>
@@ -5084,10 +5445,9 @@
           <a:ea typeface="Arial"/>
           <a:cs typeface="Arial"/>
           <a:sym typeface="Arial"/>
-          <a:rtl val="0"/>
         </a:defRPr>
       </a:lvl5pPr>
-      <a:lvl6pPr marR="0" rtl="0" algn="l">
+      <a:lvl6pPr marR="0" algn="l" rtl="0">
         <a:lnSpc>
           <a:spcPct val="100000"/>
         </a:lnSpc>
@@ -5098,7 +5458,7 @@
           <a:spcPts val="0"/>
         </a:spcAft>
         <a:buNone/>
-        <a:defRPr b="0" baseline="0" i="0" sz="1400" u="none" cap="none" strike="noStrike">
+        <a:defRPr sz="1400" b="0" i="0" u="none" strike="noStrike" cap="none" baseline="0">
           <a:solidFill>
             <a:srgbClr val="000000"/>
           </a:solidFill>
@@ -5106,10 +5466,9 @@
           <a:ea typeface="Arial"/>
           <a:cs typeface="Arial"/>
           <a:sym typeface="Arial"/>
-          <a:rtl val="0"/>
         </a:defRPr>
       </a:lvl6pPr>
-      <a:lvl7pPr marR="0" rtl="0" algn="l">
+      <a:lvl7pPr marR="0" algn="l" rtl="0">
         <a:lnSpc>
           <a:spcPct val="100000"/>
         </a:lnSpc>
@@ -5120,7 +5479,7 @@
           <a:spcPts val="0"/>
         </a:spcAft>
         <a:buNone/>
-        <a:defRPr b="0" baseline="0" i="0" sz="1400" u="none" cap="none" strike="noStrike">
+        <a:defRPr sz="1400" b="0" i="0" u="none" strike="noStrike" cap="none" baseline="0">
           <a:solidFill>
             <a:srgbClr val="000000"/>
           </a:solidFill>
@@ -5128,10 +5487,9 @@
           <a:ea typeface="Arial"/>
           <a:cs typeface="Arial"/>
           <a:sym typeface="Arial"/>
-          <a:rtl val="0"/>
         </a:defRPr>
       </a:lvl7pPr>
-      <a:lvl8pPr marR="0" rtl="0" algn="l">
+      <a:lvl8pPr marR="0" algn="l" rtl="0">
         <a:lnSpc>
           <a:spcPct val="100000"/>
         </a:lnSpc>
@@ -5142,7 +5500,7 @@
           <a:spcPts val="0"/>
         </a:spcAft>
         <a:buNone/>
-        <a:defRPr b="0" baseline="0" i="0" sz="1400" u="none" cap="none" strike="noStrike">
+        <a:defRPr sz="1400" b="0" i="0" u="none" strike="noStrike" cap="none" baseline="0">
           <a:solidFill>
             <a:srgbClr val="000000"/>
           </a:solidFill>
@@ -5150,10 +5508,9 @@
           <a:ea typeface="Arial"/>
           <a:cs typeface="Arial"/>
           <a:sym typeface="Arial"/>
-          <a:rtl val="0"/>
         </a:defRPr>
       </a:lvl8pPr>
-      <a:lvl9pPr marR="0" rtl="0" algn="l">
+      <a:lvl9pPr marR="0" algn="l" rtl="0">
         <a:lnSpc>
           <a:spcPct val="100000"/>
         </a:lnSpc>
@@ -5164,7 +5521,7 @@
           <a:spcPts val="0"/>
         </a:spcAft>
         <a:buNone/>
-        <a:defRPr b="0" baseline="0" i="0" sz="1400" u="none" cap="none" strike="noStrike">
+        <a:defRPr sz="1400" b="0" i="0" u="none" strike="noStrike" cap="none" baseline="0">
           <a:solidFill>
             <a:srgbClr val="000000"/>
           </a:solidFill>
@@ -5172,12 +5529,11 @@
           <a:ea typeface="Arial"/>
           <a:cs typeface="Arial"/>
           <a:sym typeface="Arial"/>
-          <a:rtl val="0"/>
         </a:defRPr>
       </a:lvl9pPr>
     </p:bodyStyle>
     <p:otherStyle>
-      <a:defPPr marR="0" rtl="0" algn="l">
+      <a:defPPr marR="0" algn="l" rtl="0">
         <a:lnSpc>
           <a:spcPct val="100000"/>
         </a:lnSpc>
@@ -5188,7 +5544,7 @@
           <a:spcPts val="0"/>
         </a:spcAft>
       </a:defPPr>
-      <a:lvl1pPr marR="0" rtl="0" algn="l">
+      <a:lvl1pPr marR="0" algn="l" rtl="0">
         <a:lnSpc>
           <a:spcPct val="100000"/>
         </a:lnSpc>
@@ -5199,7 +5555,7 @@
           <a:spcPts val="0"/>
         </a:spcAft>
         <a:buNone/>
-        <a:defRPr b="0" baseline="0" i="0" sz="1400" u="none" cap="none" strike="noStrike">
+        <a:defRPr sz="1400" b="0" i="0" u="none" strike="noStrike" cap="none" baseline="0">
           <a:solidFill>
             <a:srgbClr val="000000"/>
           </a:solidFill>
@@ -5207,10 +5563,9 @@
           <a:ea typeface="Arial"/>
           <a:cs typeface="Arial"/>
           <a:sym typeface="Arial"/>
-          <a:rtl val="0"/>
         </a:defRPr>
       </a:lvl1pPr>
-      <a:lvl2pPr marR="0" rtl="0" algn="l">
+      <a:lvl2pPr marR="0" algn="l" rtl="0">
         <a:lnSpc>
           <a:spcPct val="100000"/>
         </a:lnSpc>
@@ -5221,7 +5576,7 @@
           <a:spcPts val="0"/>
         </a:spcAft>
         <a:buNone/>
-        <a:defRPr b="0" baseline="0" i="0" sz="1400" u="none" cap="none" strike="noStrike">
+        <a:defRPr sz="1400" b="0" i="0" u="none" strike="noStrike" cap="none" baseline="0">
           <a:solidFill>
             <a:srgbClr val="000000"/>
           </a:solidFill>
@@ -5229,10 +5584,9 @@
           <a:ea typeface="Arial"/>
           <a:cs typeface="Arial"/>
           <a:sym typeface="Arial"/>
-          <a:rtl val="0"/>
         </a:defRPr>
       </a:lvl2pPr>
-      <a:lvl3pPr marR="0" rtl="0" algn="l">
+      <a:lvl3pPr marR="0" algn="l" rtl="0">
         <a:lnSpc>
           <a:spcPct val="100000"/>
         </a:lnSpc>
@@ -5243,7 +5597,7 @@
           <a:spcPts val="0"/>
         </a:spcAft>
         <a:buNone/>
-        <a:defRPr b="0" baseline="0" i="0" sz="1400" u="none" cap="none" strike="noStrike">
+        <a:defRPr sz="1400" b="0" i="0" u="none" strike="noStrike" cap="none" baseline="0">
           <a:solidFill>
             <a:srgbClr val="000000"/>
           </a:solidFill>
@@ -5251,10 +5605,9 @@
           <a:ea typeface="Arial"/>
           <a:cs typeface="Arial"/>
           <a:sym typeface="Arial"/>
-          <a:rtl val="0"/>
         </a:defRPr>
       </a:lvl3pPr>
-      <a:lvl4pPr marR="0" rtl="0" algn="l">
+      <a:lvl4pPr marR="0" algn="l" rtl="0">
         <a:lnSpc>
           <a:spcPct val="100000"/>
         </a:lnSpc>
@@ -5265,7 +5618,7 @@
           <a:spcPts val="0"/>
         </a:spcAft>
         <a:buNone/>
-        <a:defRPr b="0" baseline="0" i="0" sz="1400" u="none" cap="none" strike="noStrike">
+        <a:defRPr sz="1400" b="0" i="0" u="none" strike="noStrike" cap="none" baseline="0">
           <a:solidFill>
             <a:srgbClr val="000000"/>
           </a:solidFill>
@@ -5273,10 +5626,9 @@
           <a:ea typeface="Arial"/>
           <a:cs typeface="Arial"/>
           <a:sym typeface="Arial"/>
-          <a:rtl val="0"/>
         </a:defRPr>
       </a:lvl4pPr>
-      <a:lvl5pPr marR="0" rtl="0" algn="l">
+      <a:lvl5pPr marR="0" algn="l" rtl="0">
         <a:lnSpc>
           <a:spcPct val="100000"/>
         </a:lnSpc>
@@ -5287,7 +5639,7 @@
           <a:spcPts val="0"/>
         </a:spcAft>
         <a:buNone/>
-        <a:defRPr b="0" baseline="0" i="0" sz="1400" u="none" cap="none" strike="noStrike">
+        <a:defRPr sz="1400" b="0" i="0" u="none" strike="noStrike" cap="none" baseline="0">
           <a:solidFill>
             <a:srgbClr val="000000"/>
           </a:solidFill>
@@ -5295,10 +5647,9 @@
           <a:ea typeface="Arial"/>
           <a:cs typeface="Arial"/>
           <a:sym typeface="Arial"/>
-          <a:rtl val="0"/>
         </a:defRPr>
       </a:lvl5pPr>
-      <a:lvl6pPr marR="0" rtl="0" algn="l">
+      <a:lvl6pPr marR="0" algn="l" rtl="0">
         <a:lnSpc>
           <a:spcPct val="100000"/>
         </a:lnSpc>
@@ -5309,7 +5660,7 @@
           <a:spcPts val="0"/>
         </a:spcAft>
         <a:buNone/>
-        <a:defRPr b="0" baseline="0" i="0" sz="1400" u="none" cap="none" strike="noStrike">
+        <a:defRPr sz="1400" b="0" i="0" u="none" strike="noStrike" cap="none" baseline="0">
           <a:solidFill>
             <a:srgbClr val="000000"/>
           </a:solidFill>
@@ -5317,10 +5668,9 @@
           <a:ea typeface="Arial"/>
           <a:cs typeface="Arial"/>
           <a:sym typeface="Arial"/>
-          <a:rtl val="0"/>
         </a:defRPr>
       </a:lvl6pPr>
-      <a:lvl7pPr marR="0" rtl="0" algn="l">
+      <a:lvl7pPr marR="0" algn="l" rtl="0">
         <a:lnSpc>
           <a:spcPct val="100000"/>
         </a:lnSpc>
@@ -5331,7 +5681,7 @@
           <a:spcPts val="0"/>
         </a:spcAft>
         <a:buNone/>
-        <a:defRPr b="0" baseline="0" i="0" sz="1400" u="none" cap="none" strike="noStrike">
+        <a:defRPr sz="1400" b="0" i="0" u="none" strike="noStrike" cap="none" baseline="0">
           <a:solidFill>
             <a:srgbClr val="000000"/>
           </a:solidFill>
@@ -5339,10 +5689,9 @@
           <a:ea typeface="Arial"/>
           <a:cs typeface="Arial"/>
           <a:sym typeface="Arial"/>
-          <a:rtl val="0"/>
         </a:defRPr>
       </a:lvl7pPr>
-      <a:lvl8pPr marR="0" rtl="0" algn="l">
+      <a:lvl8pPr marR="0" algn="l" rtl="0">
         <a:lnSpc>
           <a:spcPct val="100000"/>
         </a:lnSpc>
@@ -5353,7 +5702,7 @@
           <a:spcPts val="0"/>
         </a:spcAft>
         <a:buNone/>
-        <a:defRPr b="0" baseline="0" i="0" sz="1400" u="none" cap="none" strike="noStrike">
+        <a:defRPr sz="1400" b="0" i="0" u="none" strike="noStrike" cap="none" baseline="0">
           <a:solidFill>
             <a:srgbClr val="000000"/>
           </a:solidFill>
@@ -5361,10 +5710,9 @@
           <a:ea typeface="Arial"/>
           <a:cs typeface="Arial"/>
           <a:sym typeface="Arial"/>
-          <a:rtl val="0"/>
         </a:defRPr>
       </a:lvl8pPr>
-      <a:lvl9pPr marR="0" rtl="0" algn="l">
+      <a:lvl9pPr marR="0" algn="l" rtl="0">
         <a:lnSpc>
           <a:spcPct val="100000"/>
         </a:lnSpc>
@@ -5375,7 +5723,7 @@
           <a:spcPts val="0"/>
         </a:spcAft>
         <a:buNone/>
-        <a:defRPr b="0" baseline="0" i="0" sz="1400" u="none" cap="none" strike="noStrike">
+        <a:defRPr sz="1400" b="0" i="0" u="none" strike="noStrike" cap="none" baseline="0">
           <a:solidFill>
             <a:srgbClr val="000000"/>
           </a:solidFill>
@@ -5383,7 +5731,6 @@
           <a:ea typeface="Arial"/>
           <a:cs typeface="Arial"/>
           <a:sym typeface="Arial"/>
-          <a:rtl val="0"/>
         </a:defRPr>
       </a:lvl9pPr>
     </p:otherStyle>
@@ -5392,11 +5739,11 @@
 </file>
 
 <file path=ppt/slides/slide1.xml><?xml version="1.0" encoding="utf-8"?>
-<p:sld xmlns:a="http://schemas.openxmlformats.org/drawingml/2006/main" xmlns:r="http://schemas.openxmlformats.org/officeDocument/2006/relationships" xmlns:mc="http://schemas.openxmlformats.org/markup-compatibility/2006" xmlns:mv="urn:schemas-microsoft-com:mac:vml" xmlns:p="http://schemas.openxmlformats.org/presentationml/2006/main" xmlns:c="http://schemas.openxmlformats.org/drawingml/2006/chart" xmlns:dgm="http://schemas.openxmlformats.org/drawingml/2006/diagram" xmlns:o="urn:schemas-microsoft-com:office:office" xmlns:v="urn:schemas-microsoft-com:vml" xmlns:pvml="urn:schemas-microsoft-com:office:powerpoint" xmlns:com="http://schemas.openxmlformats.org/drawingml/2006/compatibility" xmlns:p14="http://schemas.microsoft.com/office/powerpoint/2010/main">
+<p:sld xmlns:a="http://schemas.openxmlformats.org/drawingml/2006/main" xmlns:r="http://schemas.openxmlformats.org/officeDocument/2006/relationships" xmlns:p="http://schemas.openxmlformats.org/presentationml/2006/main">
   <p:cSld>
     <p:spTree>
       <p:nvGrpSpPr>
-        <p:cNvPr id="64" name="Shape 64"/>
+        <p:cNvPr id="1" name="Shape 64"/>
         <p:cNvGrpSpPr/>
         <p:nvPr/>
       </p:nvGrpSpPr>
@@ -5411,7 +5758,9 @@
       <p:sp>
         <p:nvSpPr>
           <p:cNvPr id="65" name="Shape 65"/>
-          <p:cNvSpPr txBox="1"/>
+          <p:cNvSpPr txBox="1">
+            <a:spLocks noGrp="1"/>
+          </p:cNvSpPr>
           <p:nvPr>
             <p:ph type="ctrTitle"/>
           </p:nvPr>
@@ -5426,20 +5775,17 @@
           </a:prstGeom>
         </p:spPr>
         <p:txBody>
-          <a:bodyPr anchorCtr="0" anchor="b" bIns="91425" lIns="91425" rIns="91425" tIns="91425">
+          <a:bodyPr lIns="91425" tIns="91425" rIns="91425" bIns="91425" anchor="b" anchorCtr="0">
             <a:noAutofit/>
           </a:bodyPr>
           <a:lstStyle/>
           <a:p>
-            <a:pPr rtl="0" algn="l">
+            <a:pPr algn="l" rtl="0">
               <a:spcBef>
                 <a:spcPts val="0"/>
               </a:spcBef>
               <a:buNone/>
             </a:pPr>
-            <a:r>
-              <a:t/>
-            </a:r>
             <a:endParaRPr sz="3600"/>
           </a:p>
           <a:p>
@@ -5453,10 +5799,7 @@
               <a:buFont typeface="Calibri"/>
               <a:buNone/>
             </a:pPr>
-            <a:r>
-              <a:t/>
-            </a:r>
-            <a:endParaRPr b="0" sz="2800">
+            <a:endParaRPr sz="2800" b="0">
               <a:solidFill>
                 <a:srgbClr val="000000"/>
               </a:solidFill>
@@ -5491,7 +5834,7 @@
               <a:buNone/>
             </a:pPr>
             <a:r>
-              <a:rPr b="0" lang="pt-BR" sz="2800">
+              <a:rPr lang="pt-BR" sz="2800" b="0">
                 <a:latin typeface="Arial"/>
                 <a:ea typeface="Arial"/>
                 <a:cs typeface="Arial"/>
@@ -5525,9 +5868,11 @@
       <p:sp>
         <p:nvSpPr>
           <p:cNvPr id="66" name="Shape 66"/>
-          <p:cNvSpPr txBox="1"/>
+          <p:cNvSpPr txBox="1">
+            <a:spLocks noGrp="1"/>
+          </p:cNvSpPr>
           <p:nvPr>
-            <p:ph idx="1" type="subTitle"/>
+            <p:ph type="subTitle" idx="1"/>
           </p:nvPr>
         </p:nvSpPr>
         <p:spPr>
@@ -5540,7 +5885,7 @@
           </a:prstGeom>
         </p:spPr>
         <p:txBody>
-          <a:bodyPr anchorCtr="0" anchor="t" bIns="91425" lIns="91425" rIns="91425" tIns="91425">
+          <a:bodyPr lIns="91425" tIns="91425" rIns="91425" bIns="91425" anchor="t" anchorCtr="0">
             <a:noAutofit/>
           </a:bodyPr>
           <a:lstStyle/>
@@ -5575,9 +5920,6 @@
               </a:spcBef>
               <a:buNone/>
             </a:pPr>
-            <a:r>
-              <a:t/>
-            </a:r>
             <a:endParaRPr/>
           </a:p>
         </p:txBody>
@@ -5592,7 +5934,7 @@
           <a:blip r:embed="rId3">
             <a:alphaModFix/>
           </a:blip>
-          <a:srcRect b="0" l="0" r="0" t="0"/>
+          <a:srcRect/>
           <a:stretch/>
         </p:blipFill>
         <p:spPr>
@@ -5649,11 +5991,11 @@
 </file>
 
 <file path=ppt/slides/slide10.xml><?xml version="1.0" encoding="utf-8"?>
-<p:sld xmlns:a="http://schemas.openxmlformats.org/drawingml/2006/main" xmlns:r="http://schemas.openxmlformats.org/officeDocument/2006/relationships" xmlns:mc="http://schemas.openxmlformats.org/markup-compatibility/2006" xmlns:mv="urn:schemas-microsoft-com:mac:vml" xmlns:p="http://schemas.openxmlformats.org/presentationml/2006/main" xmlns:c="http://schemas.openxmlformats.org/drawingml/2006/chart" xmlns:dgm="http://schemas.openxmlformats.org/drawingml/2006/diagram" xmlns:o="urn:schemas-microsoft-com:office:office" xmlns:v="urn:schemas-microsoft-com:vml" xmlns:pvml="urn:schemas-microsoft-com:office:powerpoint" xmlns:com="http://schemas.openxmlformats.org/drawingml/2006/compatibility" xmlns:p14="http://schemas.microsoft.com/office/powerpoint/2010/main">
+<p:sld xmlns:a="http://schemas.openxmlformats.org/drawingml/2006/main" xmlns:r="http://schemas.openxmlformats.org/officeDocument/2006/relationships" xmlns:p="http://schemas.openxmlformats.org/presentationml/2006/main">
   <p:cSld>
     <p:spTree>
       <p:nvGrpSpPr>
-        <p:cNvPr id="133" name="Shape 133"/>
+        <p:cNvPr id="1" name="Shape 133"/>
         <p:cNvGrpSpPr/>
         <p:nvPr/>
       </p:nvGrpSpPr>
@@ -5668,7 +6010,9 @@
       <p:sp>
         <p:nvSpPr>
           <p:cNvPr id="134" name="Shape 134"/>
-          <p:cNvSpPr txBox="1"/>
+          <p:cNvSpPr txBox="1">
+            <a:spLocks noGrp="1"/>
+          </p:cNvSpPr>
           <p:nvPr>
             <p:ph type="title"/>
           </p:nvPr>
@@ -5683,7 +6027,7 @@
           </a:prstGeom>
         </p:spPr>
         <p:txBody>
-          <a:bodyPr anchorCtr="0" anchor="t" bIns="91425" lIns="91425" rIns="91425" tIns="91425">
+          <a:bodyPr lIns="91425" tIns="91425" rIns="91425" bIns="91425" anchor="t" anchorCtr="0">
             <a:noAutofit/>
           </a:bodyPr>
           <a:lstStyle/>
@@ -5704,9 +6048,11 @@
       <p:sp>
         <p:nvSpPr>
           <p:cNvPr id="135" name="Shape 135"/>
-          <p:cNvSpPr txBox="1"/>
+          <p:cNvSpPr txBox="1">
+            <a:spLocks noGrp="1"/>
+          </p:cNvSpPr>
           <p:nvPr>
-            <p:ph idx="1" type="body"/>
+            <p:ph type="body" idx="1"/>
           </p:nvPr>
         </p:nvSpPr>
         <p:spPr>
@@ -5719,24 +6065,119 @@
           </a:prstGeom>
         </p:spPr>
         <p:txBody>
-          <a:bodyPr anchorCtr="0" anchor="t" bIns="91425" lIns="91425" rIns="91425" tIns="91425">
+          <a:bodyPr lIns="91425" tIns="91425" rIns="91425" bIns="91425" anchor="t" anchorCtr="0">
             <a:noAutofit/>
           </a:bodyPr>
           <a:lstStyle/>
           <a:p>
-            <a:pPr indent="457200">
+            <a:pPr indent="457200" rtl="0">
+              <a:lnSpc>
+                <a:spcPct val="100000"/>
+              </a:lnSpc>
               <a:spcBef>
                 <a:spcPts val="0"/>
               </a:spcBef>
               <a:buNone/>
             </a:pPr>
             <a:r>
-              <a:rPr lang="pt-BR">
+              <a:rPr lang="pt-BR" dirty="0">
                 <a:solidFill>
-                  <a:srgbClr val="000000"/>
+                  <a:schemeClr val="bg2"/>
                 </a:solidFill>
               </a:rPr>
               <a:t>O SISAP estará de acordo com a norma de qualidade do produto de software ISO 9126;</a:t>
+            </a:r>
+          </a:p>
+          <a:p>
+            <a:pPr indent="457200" rtl="0">
+              <a:lnSpc>
+                <a:spcPct val="100000"/>
+              </a:lnSpc>
+              <a:spcBef>
+                <a:spcPts val="0"/>
+              </a:spcBef>
+              <a:buNone/>
+            </a:pPr>
+            <a:r>
+              <a:rPr lang="pt-BR" dirty="0">
+                <a:solidFill>
+                  <a:schemeClr val="bg2"/>
+                </a:solidFill>
+              </a:rPr>
+              <a:t>Browser </a:t>
+            </a:r>
+            <a:r>
+              <a:rPr lang="pt-BR" dirty="0" err="1">
+                <a:solidFill>
+                  <a:schemeClr val="bg2"/>
+                </a:solidFill>
+              </a:rPr>
+              <a:t>Chrome</a:t>
+            </a:r>
+            <a:r>
+              <a:rPr lang="pt-BR" dirty="0">
+                <a:solidFill>
+                  <a:schemeClr val="bg2"/>
+                </a:solidFill>
+              </a:rPr>
+              <a:t> e/ou Firefox;</a:t>
+            </a:r>
+          </a:p>
+          <a:p>
+            <a:pPr indent="457200" rtl="0">
+              <a:lnSpc>
+                <a:spcPct val="100000"/>
+              </a:lnSpc>
+              <a:spcBef>
+                <a:spcPts val="0"/>
+              </a:spcBef>
+              <a:buNone/>
+            </a:pPr>
+            <a:r>
+              <a:rPr lang="pt-BR" dirty="0">
+                <a:solidFill>
+                  <a:schemeClr val="bg2"/>
+                </a:solidFill>
+              </a:rPr>
+              <a:t>Sistema Operacional Windows 7-10;</a:t>
+            </a:r>
+          </a:p>
+          <a:p>
+            <a:pPr indent="457200" rtl="0">
+              <a:lnSpc>
+                <a:spcPct val="100000"/>
+              </a:lnSpc>
+              <a:spcBef>
+                <a:spcPts val="0"/>
+              </a:spcBef>
+              <a:buNone/>
+            </a:pPr>
+            <a:r>
+              <a:rPr lang="pt-BR" dirty="0">
+                <a:solidFill>
+                  <a:schemeClr val="bg2"/>
+                </a:solidFill>
+              </a:rPr>
+              <a:t>Oito iterações para entrega do projeto;</a:t>
+            </a:r>
+          </a:p>
+          <a:p>
+            <a:pPr indent="457200" rtl="0">
+              <a:lnSpc>
+                <a:spcPct val="100000"/>
+              </a:lnSpc>
+              <a:spcBef>
+                <a:spcPts val="0"/>
+              </a:spcBef>
+              <a:buNone/>
+            </a:pPr>
+            <a:r>
+              <a:rPr lang="pt-BR" dirty="0">
+                <a:solidFill>
+                  <a:schemeClr val="bg2"/>
+                </a:solidFill>
+              </a:rPr>
+              <a:t>Utilizar o IMPROS.</a:t>
             </a:r>
           </a:p>
         </p:txBody>
@@ -5779,7 +6220,7 @@
           <a:blip r:embed="rId4">
             <a:alphaModFix/>
           </a:blip>
-          <a:srcRect b="0" l="0" r="0" t="0"/>
+          <a:srcRect/>
           <a:stretch/>
         </p:blipFill>
         <p:spPr>
@@ -5808,11 +6249,11 @@
 </file>
 
 <file path=ppt/slides/slide11.xml><?xml version="1.0" encoding="utf-8"?>
-<p:sld xmlns:a="http://schemas.openxmlformats.org/drawingml/2006/main" xmlns:r="http://schemas.openxmlformats.org/officeDocument/2006/relationships" xmlns:mc="http://schemas.openxmlformats.org/markup-compatibility/2006" xmlns:mv="urn:schemas-microsoft-com:mac:vml" xmlns:p="http://schemas.openxmlformats.org/presentationml/2006/main" xmlns:c="http://schemas.openxmlformats.org/drawingml/2006/chart" xmlns:dgm="http://schemas.openxmlformats.org/drawingml/2006/diagram" xmlns:o="urn:schemas-microsoft-com:office:office" xmlns:v="urn:schemas-microsoft-com:vml" xmlns:pvml="urn:schemas-microsoft-com:office:powerpoint" xmlns:com="http://schemas.openxmlformats.org/drawingml/2006/compatibility" xmlns:p14="http://schemas.microsoft.com/office/powerpoint/2010/main">
+<p:sld xmlns:a="http://schemas.openxmlformats.org/drawingml/2006/main" xmlns:r="http://schemas.openxmlformats.org/officeDocument/2006/relationships" xmlns:p="http://schemas.openxmlformats.org/presentationml/2006/main">
   <p:cSld>
     <p:spTree>
       <p:nvGrpSpPr>
-        <p:cNvPr id="141" name="Shape 141"/>
+        <p:cNvPr id="1" name="Shape 141"/>
         <p:cNvGrpSpPr/>
         <p:nvPr/>
       </p:nvGrpSpPr>
@@ -5827,7 +6268,9 @@
       <p:sp>
         <p:nvSpPr>
           <p:cNvPr id="142" name="Shape 142"/>
-          <p:cNvSpPr txBox="1"/>
+          <p:cNvSpPr txBox="1">
+            <a:spLocks noGrp="1"/>
+          </p:cNvSpPr>
           <p:nvPr>
             <p:ph type="title"/>
           </p:nvPr>
@@ -5842,7 +6285,7 @@
           </a:prstGeom>
         </p:spPr>
         <p:txBody>
-          <a:bodyPr anchorCtr="0" anchor="t" bIns="91425" lIns="91425" rIns="91425" tIns="91425">
+          <a:bodyPr lIns="91425" tIns="91425" rIns="91425" bIns="91425" anchor="t" anchorCtr="0">
             <a:noAutofit/>
           </a:bodyPr>
           <a:lstStyle/>
@@ -5863,9 +6306,11 @@
       <p:sp>
         <p:nvSpPr>
           <p:cNvPr id="143" name="Shape 143"/>
-          <p:cNvSpPr txBox="1"/>
+          <p:cNvSpPr txBox="1">
+            <a:spLocks noGrp="1"/>
+          </p:cNvSpPr>
           <p:nvPr>
-            <p:ph idx="1" type="body"/>
+            <p:ph type="body" idx="1"/>
           </p:nvPr>
         </p:nvSpPr>
         <p:spPr>
@@ -5878,18 +6323,18 @@
           </a:prstGeom>
         </p:spPr>
         <p:txBody>
-          <a:bodyPr anchorCtr="0" anchor="t" bIns="91425" lIns="91425" rIns="91425" tIns="91425">
+          <a:bodyPr lIns="91425" tIns="91425" rIns="91425" bIns="91425" anchor="t" anchorCtr="0">
             <a:noAutofit/>
           </a:bodyPr>
           <a:lstStyle/>
           <a:p>
-            <a:pPr indent="-228600" lvl="0" marL="457200">
+            <a:pPr marL="457200" lvl="0" indent="-228600">
               <a:spcBef>
                 <a:spcPts val="0"/>
               </a:spcBef>
             </a:pPr>
             <a:r>
-              <a:rPr lang="pt-BR"/>
+              <a:rPr lang="pt-BR" dirty="0"/>
               <a:t>Ver planilha de riscos;</a:t>
             </a:r>
           </a:p>
@@ -5933,7 +6378,7 @@
           <a:blip r:embed="rId4">
             <a:alphaModFix/>
           </a:blip>
-          <a:srcRect b="0" l="0" r="0" t="0"/>
+          <a:srcRect/>
           <a:stretch/>
         </p:blipFill>
         <p:spPr>
@@ -5962,11 +6407,11 @@
 </file>
 
 <file path=ppt/slides/slide2.xml><?xml version="1.0" encoding="utf-8"?>
-<p:sld xmlns:a="http://schemas.openxmlformats.org/drawingml/2006/main" xmlns:r="http://schemas.openxmlformats.org/officeDocument/2006/relationships" xmlns:mc="http://schemas.openxmlformats.org/markup-compatibility/2006" xmlns:mv="urn:schemas-microsoft-com:mac:vml" xmlns:p="http://schemas.openxmlformats.org/presentationml/2006/main" xmlns:c="http://schemas.openxmlformats.org/drawingml/2006/chart" xmlns:dgm="http://schemas.openxmlformats.org/drawingml/2006/diagram" xmlns:o="urn:schemas-microsoft-com:office:office" xmlns:v="urn:schemas-microsoft-com:vml" xmlns:pvml="urn:schemas-microsoft-com:office:powerpoint" xmlns:com="http://schemas.openxmlformats.org/drawingml/2006/compatibility" xmlns:p14="http://schemas.microsoft.com/office/powerpoint/2010/main">
+<p:sld xmlns:a="http://schemas.openxmlformats.org/drawingml/2006/main" xmlns:r="http://schemas.openxmlformats.org/officeDocument/2006/relationships" xmlns:p="http://schemas.openxmlformats.org/presentationml/2006/main">
   <p:cSld>
     <p:spTree>
       <p:nvGrpSpPr>
-        <p:cNvPr id="72" name="Shape 72"/>
+        <p:cNvPr id="1" name="Shape 72"/>
         <p:cNvGrpSpPr/>
         <p:nvPr/>
       </p:nvGrpSpPr>
@@ -5981,7 +6426,9 @@
       <p:sp>
         <p:nvSpPr>
           <p:cNvPr id="73" name="Shape 73"/>
-          <p:cNvSpPr txBox="1"/>
+          <p:cNvSpPr txBox="1">
+            <a:spLocks noGrp="1"/>
+          </p:cNvSpPr>
           <p:nvPr>
             <p:ph type="title"/>
           </p:nvPr>
@@ -5996,7 +6443,7 @@
           </a:prstGeom>
         </p:spPr>
         <p:txBody>
-          <a:bodyPr anchorCtr="0" anchor="t" bIns="91425" lIns="91425" rIns="91425" tIns="91425">
+          <a:bodyPr lIns="91425" tIns="91425" rIns="91425" bIns="91425" anchor="t" anchorCtr="0">
             <a:noAutofit/>
           </a:bodyPr>
           <a:lstStyle/>
@@ -6017,9 +6464,11 @@
       <p:sp>
         <p:nvSpPr>
           <p:cNvPr id="74" name="Shape 74"/>
-          <p:cNvSpPr txBox="1"/>
+          <p:cNvSpPr txBox="1">
+            <a:spLocks noGrp="1"/>
+          </p:cNvSpPr>
           <p:nvPr>
-            <p:ph idx="1" type="body"/>
+            <p:ph type="body" idx="1"/>
           </p:nvPr>
         </p:nvSpPr>
         <p:spPr>
@@ -6032,12 +6481,12 @@
           </a:prstGeom>
         </p:spPr>
         <p:txBody>
-          <a:bodyPr anchorCtr="0" anchor="t" bIns="91425" lIns="91425" rIns="91425" tIns="91425">
+          <a:bodyPr lIns="91425" tIns="91425" rIns="91425" bIns="91425" anchor="t" anchorCtr="0">
             <a:noAutofit/>
           </a:bodyPr>
           <a:lstStyle/>
           <a:p>
-            <a:pPr indent="-228600" lvl="0" marL="457200" rtl="0">
+            <a:pPr marL="457200" lvl="0" indent="-228600" rtl="0">
               <a:lnSpc>
                 <a:spcPct val="100000"/>
               </a:lnSpc>
@@ -6051,20 +6500,20 @@
               <a:buFont typeface="Arial"/>
             </a:pPr>
             <a:r>
-              <a:rPr lang="pt-BR" sz="2400">
+              <a:rPr lang="pt-BR" sz="2400" dirty="0">
                 <a:solidFill>
                   <a:srgbClr val="666666"/>
                 </a:solidFill>
-                <a:latin typeface="Calibri"/>
-                <a:ea typeface="Calibri"/>
-                <a:cs typeface="Calibri"/>
+                <a:latin typeface="Open Sans" charset="0"/>
+                <a:ea typeface="Open Sans" charset="0"/>
+                <a:cs typeface="Open Sans" charset="0"/>
                 <a:sym typeface="Calibri"/>
               </a:rPr>
               <a:t>Objetivos do Projeto</a:t>
             </a:r>
           </a:p>
           <a:p>
-            <a:pPr indent="-228600" lvl="0" marL="457200" rtl="0">
+            <a:pPr marL="457200" lvl="0" indent="-228600" rtl="0">
               <a:lnSpc>
                 <a:spcPct val="100000"/>
               </a:lnSpc>
@@ -6078,20 +6527,20 @@
               <a:buFont typeface="Arial"/>
             </a:pPr>
             <a:r>
-              <a:rPr lang="pt-BR" sz="2400">
+              <a:rPr lang="pt-BR" sz="2400" dirty="0">
                 <a:solidFill>
                   <a:srgbClr val="666666"/>
                 </a:solidFill>
-                <a:latin typeface="Calibri"/>
-                <a:ea typeface="Calibri"/>
-                <a:cs typeface="Calibri"/>
+                <a:latin typeface="Open Sans" charset="0"/>
+                <a:ea typeface="Open Sans" charset="0"/>
+                <a:cs typeface="Open Sans" charset="0"/>
                 <a:sym typeface="Calibri"/>
               </a:rPr>
               <a:t>Equipe e Papéis</a:t>
             </a:r>
           </a:p>
           <a:p>
-            <a:pPr indent="-228600" lvl="0" marL="457200" rtl="0">
+            <a:pPr marL="457200" lvl="0" indent="-228600" rtl="0">
               <a:lnSpc>
                 <a:spcPct val="100000"/>
               </a:lnSpc>
@@ -6105,20 +6554,32 @@
               <a:buFont typeface="Arial"/>
             </a:pPr>
             <a:r>
-              <a:rPr lang="pt-BR" sz="2400">
+              <a:rPr lang="pt-BR" sz="2400" dirty="0" err="1">
                 <a:solidFill>
                   <a:srgbClr val="666666"/>
                 </a:solidFill>
-                <a:latin typeface="Calibri"/>
-                <a:ea typeface="Calibri"/>
-                <a:cs typeface="Calibri"/>
+                <a:latin typeface="Open Sans" charset="0"/>
+                <a:ea typeface="Open Sans" charset="0"/>
+                <a:cs typeface="Open Sans" charset="0"/>
                 <a:sym typeface="Calibri"/>
               </a:rPr>
-              <a:t>Stakeholders do Projeto</a:t>
+              <a:t>Stakeholders</a:t>
+            </a:r>
+            <a:r>
+              <a:rPr lang="pt-BR" sz="2400" dirty="0">
+                <a:solidFill>
+                  <a:srgbClr val="666666"/>
+                </a:solidFill>
+                <a:latin typeface="Open Sans" charset="0"/>
+                <a:ea typeface="Open Sans" charset="0"/>
+                <a:cs typeface="Open Sans" charset="0"/>
+                <a:sym typeface="Calibri"/>
+              </a:rPr>
+              <a:t> do Projeto</a:t>
             </a:r>
           </a:p>
           <a:p>
-            <a:pPr indent="-228600" lvl="0" marL="457200" rtl="0">
+            <a:pPr marL="457200" lvl="0" indent="-228600" rtl="0">
               <a:lnSpc>
                 <a:spcPct val="100000"/>
               </a:lnSpc>
@@ -6132,20 +6593,20 @@
               <a:buFont typeface="Arial"/>
             </a:pPr>
             <a:r>
-              <a:rPr lang="pt-BR" sz="2400">
+              <a:rPr lang="pt-BR" sz="2400" dirty="0">
                 <a:solidFill>
                   <a:srgbClr val="666666"/>
                 </a:solidFill>
-                <a:latin typeface="Calibri"/>
-                <a:ea typeface="Calibri"/>
-                <a:cs typeface="Calibri"/>
+                <a:latin typeface="Open Sans" charset="0"/>
+                <a:ea typeface="Open Sans" charset="0"/>
+                <a:cs typeface="Open Sans" charset="0"/>
                 <a:sym typeface="Calibri"/>
               </a:rPr>
               <a:t>Escopo do Projeto</a:t>
             </a:r>
           </a:p>
           <a:p>
-            <a:pPr indent="-228600" lvl="0" marL="457200" rtl="0">
+            <a:pPr marL="457200" lvl="0" indent="-228600" rtl="0">
               <a:lnSpc>
                 <a:spcPct val="100000"/>
               </a:lnSpc>
@@ -6159,20 +6620,20 @@
               <a:buFont typeface="Arial"/>
             </a:pPr>
             <a:r>
-              <a:rPr lang="pt-BR" sz="2400">
+              <a:rPr lang="pt-BR" sz="2400" dirty="0">
                 <a:solidFill>
                   <a:srgbClr val="666666"/>
                 </a:solidFill>
-                <a:latin typeface="Calibri"/>
-                <a:ea typeface="Calibri"/>
-                <a:cs typeface="Calibri"/>
+                <a:latin typeface="Open Sans" charset="0"/>
+                <a:ea typeface="Open Sans" charset="0"/>
+                <a:cs typeface="Open Sans" charset="0"/>
                 <a:sym typeface="Calibri"/>
               </a:rPr>
               <a:t>Premissas</a:t>
             </a:r>
           </a:p>
           <a:p>
-            <a:pPr indent="-228600" lvl="0" marL="457200" rtl="0">
+            <a:pPr marL="457200" lvl="0" indent="-228600" rtl="0">
               <a:lnSpc>
                 <a:spcPct val="100000"/>
               </a:lnSpc>
@@ -6186,20 +6647,20 @@
               <a:buFont typeface="Arial"/>
             </a:pPr>
             <a:r>
-              <a:rPr lang="pt-BR" sz="2400">
+              <a:rPr lang="pt-BR" sz="2400" dirty="0">
                 <a:solidFill>
                   <a:srgbClr val="666666"/>
                 </a:solidFill>
-                <a:latin typeface="Calibri"/>
-                <a:ea typeface="Calibri"/>
-                <a:cs typeface="Calibri"/>
+                <a:latin typeface="Open Sans" charset="0"/>
+                <a:ea typeface="Open Sans" charset="0"/>
+                <a:cs typeface="Open Sans" charset="0"/>
                 <a:sym typeface="Calibri"/>
               </a:rPr>
               <a:t>Restrições</a:t>
             </a:r>
           </a:p>
           <a:p>
-            <a:pPr indent="-228600" lvl="0" marL="457200" rtl="0">
+            <a:pPr marL="457200" lvl="0" indent="-228600" rtl="0">
               <a:lnSpc>
                 <a:spcPct val="100000"/>
               </a:lnSpc>
@@ -6213,10 +6674,10 @@
               <a:buFont typeface="Arial"/>
             </a:pPr>
             <a:r>
-              <a:rPr lang="pt-BR" sz="2400">
-                <a:latin typeface="Calibri"/>
-                <a:ea typeface="Calibri"/>
-                <a:cs typeface="Calibri"/>
+              <a:rPr lang="pt-BR" sz="2400" dirty="0">
+                <a:latin typeface="Open Sans" charset="0"/>
+                <a:ea typeface="Open Sans" charset="0"/>
+                <a:cs typeface="Open Sans" charset="0"/>
                 <a:sym typeface="Calibri"/>
               </a:rPr>
               <a:t>Riscos</a:t>
@@ -6229,10 +6690,11 @@
               </a:spcBef>
               <a:buNone/>
             </a:pPr>
-            <a:r>
-              <a:t/>
-            </a:r>
-            <a:endParaRPr/>
+            <a:endParaRPr>
+              <a:latin typeface="Open Sans" charset="0"/>
+              <a:ea typeface="Open Sans" charset="0"/>
+              <a:cs typeface="Open Sans" charset="0"/>
+            </a:endParaRPr>
           </a:p>
         </p:txBody>
       </p:sp>
@@ -6246,7 +6708,7 @@
           <a:blip r:embed="rId3">
             <a:alphaModFix/>
           </a:blip>
-          <a:srcRect b="0" l="0" r="0" t="0"/>
+          <a:srcRect/>
           <a:stretch/>
         </p:blipFill>
         <p:spPr>
@@ -6303,11 +6765,11 @@
 </file>
 
 <file path=ppt/slides/slide3.xml><?xml version="1.0" encoding="utf-8"?>
-<p:sld xmlns:a="http://schemas.openxmlformats.org/drawingml/2006/main" xmlns:r="http://schemas.openxmlformats.org/officeDocument/2006/relationships" xmlns:mc="http://schemas.openxmlformats.org/markup-compatibility/2006" xmlns:mv="urn:schemas-microsoft-com:mac:vml" xmlns:p="http://schemas.openxmlformats.org/presentationml/2006/main" xmlns:c="http://schemas.openxmlformats.org/drawingml/2006/chart" xmlns:dgm="http://schemas.openxmlformats.org/drawingml/2006/diagram" xmlns:o="urn:schemas-microsoft-com:office:office" xmlns:v="urn:schemas-microsoft-com:vml" xmlns:pvml="urn:schemas-microsoft-com:office:powerpoint" xmlns:com="http://schemas.openxmlformats.org/drawingml/2006/compatibility" xmlns:p14="http://schemas.microsoft.com/office/powerpoint/2010/main">
+<p:sld xmlns:a="http://schemas.openxmlformats.org/drawingml/2006/main" xmlns:r="http://schemas.openxmlformats.org/officeDocument/2006/relationships" xmlns:p="http://schemas.openxmlformats.org/presentationml/2006/main">
   <p:cSld>
     <p:spTree>
       <p:nvGrpSpPr>
-        <p:cNvPr id="80" name="Shape 80"/>
+        <p:cNvPr id="1" name="Shape 80"/>
         <p:cNvGrpSpPr/>
         <p:nvPr/>
       </p:nvGrpSpPr>
@@ -6322,7 +6784,9 @@
       <p:sp>
         <p:nvSpPr>
           <p:cNvPr id="81" name="Shape 81"/>
-          <p:cNvSpPr txBox="1"/>
+          <p:cNvSpPr txBox="1">
+            <a:spLocks noGrp="1"/>
+          </p:cNvSpPr>
           <p:nvPr>
             <p:ph type="title"/>
           </p:nvPr>
@@ -6337,7 +6801,7 @@
           </a:prstGeom>
         </p:spPr>
         <p:txBody>
-          <a:bodyPr anchorCtr="0" anchor="t" bIns="91425" lIns="91425" rIns="91425" tIns="91425">
+          <a:bodyPr lIns="91425" tIns="91425" rIns="91425" bIns="91425" anchor="t" anchorCtr="0">
             <a:noAutofit/>
           </a:bodyPr>
           <a:lstStyle/>
@@ -6363,9 +6827,11 @@
       <p:sp>
         <p:nvSpPr>
           <p:cNvPr id="82" name="Shape 82"/>
-          <p:cNvSpPr txBox="1"/>
+          <p:cNvSpPr txBox="1">
+            <a:spLocks noGrp="1"/>
+          </p:cNvSpPr>
           <p:nvPr>
-            <p:ph idx="1" type="body"/>
+            <p:ph type="body" idx="1"/>
           </p:nvPr>
         </p:nvSpPr>
         <p:spPr>
@@ -6378,12 +6844,12 @@
           </a:prstGeom>
         </p:spPr>
         <p:txBody>
-          <a:bodyPr anchorCtr="0" anchor="t" bIns="91425" lIns="91425" rIns="91425" tIns="91425">
+          <a:bodyPr lIns="91425" tIns="91425" rIns="91425" bIns="91425" anchor="t" anchorCtr="0">
             <a:noAutofit/>
           </a:bodyPr>
           <a:lstStyle/>
           <a:p>
-            <a:pPr indent="457200" marL="0" rtl="0" algn="just">
+            <a:pPr marL="0" indent="457200" algn="just" rtl="0">
               <a:lnSpc>
                 <a:spcPct val="150000"/>
               </a:lnSpc>
@@ -6396,20 +6862,20 @@
               <a:buNone/>
             </a:pPr>
             <a:r>
-              <a:rPr lang="pt-BR">
+              <a:rPr lang="pt-BR" dirty="0">
                 <a:solidFill>
                   <a:srgbClr val="434343"/>
                 </a:solidFill>
-                <a:latin typeface="Arial"/>
-                <a:ea typeface="Arial"/>
-                <a:cs typeface="Arial"/>
+                <a:latin typeface="Open Sans" charset="0"/>
+                <a:ea typeface="Open Sans" charset="0"/>
+                <a:cs typeface="Open Sans" charset="0"/>
                 <a:sym typeface="Arial"/>
               </a:rPr>
               <a:t>O SISAP objetiva informatizar o acompanhamento pedagógico, em que todos os procedimentos de interação com os alunos, responsáveis e professores possam ser realizados de forma padronizada, fácil e rápida, permitindo que a COPAE possa operacionalizar um atendimento de melhor qualidade e abrangência.</a:t>
             </a:r>
           </a:p>
           <a:p>
-            <a:pPr indent="457200" marL="0" rtl="0" algn="just">
+            <a:pPr marL="0" indent="457200" algn="just" rtl="0">
               <a:lnSpc>
                 <a:spcPct val="150000"/>
               </a:lnSpc>
@@ -6421,9 +6887,6 @@
               </a:spcAft>
               <a:buNone/>
             </a:pPr>
-            <a:r>
-              <a:t/>
-            </a:r>
             <a:endParaRPr sz="1100">
               <a:solidFill>
                 <a:srgbClr val="000000"/>
@@ -6441,9 +6904,6 @@
               </a:spcBef>
               <a:buNone/>
             </a:pPr>
-            <a:r>
-              <a:t/>
-            </a:r>
             <a:endParaRPr/>
           </a:p>
         </p:txBody>
@@ -6486,7 +6946,7 @@
           <a:blip r:embed="rId4">
             <a:alphaModFix/>
           </a:blip>
-          <a:srcRect b="0" l="0" r="0" t="0"/>
+          <a:srcRect/>
           <a:stretch/>
         </p:blipFill>
         <p:spPr>
@@ -6515,11 +6975,11 @@
 </file>
 
 <file path=ppt/slides/slide4.xml><?xml version="1.0" encoding="utf-8"?>
-<p:sld xmlns:a="http://schemas.openxmlformats.org/drawingml/2006/main" xmlns:r="http://schemas.openxmlformats.org/officeDocument/2006/relationships" xmlns:mc="http://schemas.openxmlformats.org/markup-compatibility/2006" xmlns:mv="urn:schemas-microsoft-com:mac:vml" xmlns:p="http://schemas.openxmlformats.org/presentationml/2006/main" xmlns:c="http://schemas.openxmlformats.org/drawingml/2006/chart" xmlns:dgm="http://schemas.openxmlformats.org/drawingml/2006/diagram" xmlns:o="urn:schemas-microsoft-com:office:office" xmlns:v="urn:schemas-microsoft-com:vml" xmlns:pvml="urn:schemas-microsoft-com:office:powerpoint" xmlns:com="http://schemas.openxmlformats.org/drawingml/2006/compatibility" xmlns:p14="http://schemas.microsoft.com/office/powerpoint/2010/main">
+<p:sld xmlns:a="http://schemas.openxmlformats.org/drawingml/2006/main" xmlns:r="http://schemas.openxmlformats.org/officeDocument/2006/relationships" xmlns:p="http://schemas.openxmlformats.org/presentationml/2006/main">
   <p:cSld>
     <p:spTree>
       <p:nvGrpSpPr>
-        <p:cNvPr id="88" name="Shape 88"/>
+        <p:cNvPr id="1" name="Shape 88"/>
         <p:cNvGrpSpPr/>
         <p:nvPr/>
       </p:nvGrpSpPr>
@@ -6534,7 +6994,9 @@
       <p:sp>
         <p:nvSpPr>
           <p:cNvPr id="89" name="Shape 89"/>
-          <p:cNvSpPr txBox="1"/>
+          <p:cNvSpPr txBox="1">
+            <a:spLocks noGrp="1"/>
+          </p:cNvSpPr>
           <p:nvPr>
             <p:ph type="title"/>
           </p:nvPr>
@@ -6549,7 +7011,7 @@
           </a:prstGeom>
         </p:spPr>
         <p:txBody>
-          <a:bodyPr anchorCtr="0" anchor="t" bIns="91425" lIns="91425" rIns="91425" tIns="91425">
+          <a:bodyPr lIns="91425" tIns="91425" rIns="91425" bIns="91425" anchor="t" anchorCtr="0">
             <a:noAutofit/>
           </a:bodyPr>
           <a:lstStyle/>
@@ -6570,9 +7032,11 @@
       <p:sp>
         <p:nvSpPr>
           <p:cNvPr id="90" name="Shape 90"/>
-          <p:cNvSpPr txBox="1"/>
+          <p:cNvSpPr txBox="1">
+            <a:spLocks noGrp="1"/>
+          </p:cNvSpPr>
           <p:nvPr>
-            <p:ph idx="1" type="body"/>
+            <p:ph type="body" idx="1"/>
           </p:nvPr>
         </p:nvSpPr>
         <p:spPr>
@@ -6585,12 +7049,12 @@
           </a:prstGeom>
         </p:spPr>
         <p:txBody>
-          <a:bodyPr anchorCtr="0" anchor="t" bIns="91425" lIns="91425" rIns="91425" tIns="91425">
+          <a:bodyPr lIns="91425" tIns="91425" rIns="91425" bIns="91425" anchor="t" anchorCtr="0">
             <a:noAutofit/>
           </a:bodyPr>
           <a:lstStyle/>
           <a:p>
-            <a:pPr indent="-317500" lvl="0" marL="457200" rtl="0" algn="just">
+            <a:pPr marL="457200" lvl="0" indent="-317500" algn="just" rtl="0">
               <a:lnSpc>
                 <a:spcPct val="150000"/>
               </a:lnSpc>
@@ -6608,20 +7072,20 @@
               <a:buChar char="●"/>
             </a:pPr>
             <a:r>
-              <a:rPr lang="pt-BR" sz="1400">
+              <a:rPr lang="pt-BR" sz="1400" dirty="0">
                 <a:solidFill>
                   <a:srgbClr val="434343"/>
                 </a:solidFill>
-                <a:latin typeface="Arial"/>
-                <a:ea typeface="Arial"/>
-                <a:cs typeface="Arial"/>
+                <a:latin typeface="Open Sans" charset="0"/>
+                <a:ea typeface="Open Sans" charset="0"/>
+                <a:cs typeface="Open Sans" charset="0"/>
                 <a:sym typeface="Arial"/>
               </a:rPr>
               <a:t>Permitir a verificação do desenvolvimento acadêmico do aluno através de consultas das notas e frequência, de modo que o sistema possa alertar sobre os casos que já merecem atenção;</a:t>
             </a:r>
           </a:p>
           <a:p>
-            <a:pPr indent="-317500" lvl="0" marL="457200" rtl="0" algn="just">
+            <a:pPr marL="457200" lvl="0" indent="-317500" algn="just" rtl="0">
               <a:lnSpc>
                 <a:spcPct val="150000"/>
               </a:lnSpc>
@@ -6639,20 +7103,20 @@
               <a:buChar char="●"/>
             </a:pPr>
             <a:r>
-              <a:rPr lang="pt-BR" sz="1400">
+              <a:rPr lang="pt-BR" sz="1400" dirty="0">
                 <a:solidFill>
                   <a:srgbClr val="434343"/>
                 </a:solidFill>
-                <a:latin typeface="Arial"/>
-                <a:ea typeface="Arial"/>
-                <a:cs typeface="Arial"/>
+                <a:latin typeface="Open Sans" charset="0"/>
+                <a:ea typeface="Open Sans" charset="0"/>
+                <a:cs typeface="Open Sans" charset="0"/>
                 <a:sym typeface="Arial"/>
               </a:rPr>
               <a:t>Facilitar o procedimento que une a equipe pedagógica na realização do conselho de classe, a fim de discutir questões referentes aos alunos, cuja situação acadêmica está crítica, bem como registrando os pareceres individuais do aluno (ata do conselho de classe);</a:t>
             </a:r>
           </a:p>
           <a:p>
-            <a:pPr indent="-317500" lvl="0" marL="457200" rtl="0" algn="just">
+            <a:pPr marL="457200" lvl="0" indent="-317500" algn="just" rtl="0">
               <a:lnSpc>
                 <a:spcPct val="150000"/>
               </a:lnSpc>
@@ -6670,20 +7134,20 @@
               <a:buChar char="●"/>
             </a:pPr>
             <a:r>
-              <a:rPr lang="pt-BR" sz="1400">
+              <a:rPr lang="pt-BR" sz="1400" dirty="0">
                 <a:solidFill>
                   <a:srgbClr val="434343"/>
                 </a:solidFill>
-                <a:latin typeface="Arial"/>
-                <a:ea typeface="Arial"/>
-                <a:cs typeface="Arial"/>
+                <a:latin typeface="Open Sans" charset="0"/>
+                <a:ea typeface="Open Sans" charset="0"/>
+                <a:cs typeface="Open Sans" charset="0"/>
                 <a:sym typeface="Arial"/>
               </a:rPr>
               <a:t>Facilitar e melhorar os procedimentos que exigem que a equipe pedagógica interaja com os responsáveis pelos discentes, a fim de discutir questões referentes aos mesmos, registrando os diagnósticos e as providências tomadas;</a:t>
             </a:r>
           </a:p>
           <a:p>
-            <a:pPr indent="-317500" lvl="0" marL="457200" rtl="0" algn="just">
+            <a:pPr marL="457200" lvl="0" indent="-317500" algn="just" rtl="0">
               <a:lnSpc>
                 <a:spcPct val="150000"/>
               </a:lnSpc>
@@ -6701,13 +7165,13 @@
               <a:buChar char="●"/>
             </a:pPr>
             <a:r>
-              <a:rPr lang="pt-BR" sz="1400">
+              <a:rPr lang="pt-BR" sz="1400" dirty="0">
                 <a:solidFill>
                   <a:srgbClr val="434343"/>
                 </a:solidFill>
-                <a:latin typeface="Arial"/>
-                <a:ea typeface="Arial"/>
-                <a:cs typeface="Arial"/>
+                <a:latin typeface="Open Sans" charset="0"/>
+                <a:ea typeface="Open Sans" charset="0"/>
+                <a:cs typeface="Open Sans" charset="0"/>
                 <a:sym typeface="Arial"/>
               </a:rPr>
               <a:t>Permitir o monitoramento discente e docente nos núcleos de reforço;</a:t>
@@ -6720,10 +7184,11 @@
               </a:spcBef>
               <a:buNone/>
             </a:pPr>
-            <a:r>
-              <a:t/>
-            </a:r>
-            <a:endParaRPr/>
+            <a:endParaRPr>
+              <a:latin typeface="Open Sans" charset="0"/>
+              <a:ea typeface="Open Sans" charset="0"/>
+              <a:cs typeface="Open Sans" charset="0"/>
+            </a:endParaRPr>
           </a:p>
         </p:txBody>
       </p:sp>
@@ -6765,7 +7230,7 @@
           <a:blip r:embed="rId4">
             <a:alphaModFix/>
           </a:blip>
-          <a:srcRect b="0" l="0" r="0" t="0"/>
+          <a:srcRect/>
           <a:stretch/>
         </p:blipFill>
         <p:spPr>
@@ -6794,11 +7259,11 @@
 </file>
 
 <file path=ppt/slides/slide5.xml><?xml version="1.0" encoding="utf-8"?>
-<p:sld xmlns:a="http://schemas.openxmlformats.org/drawingml/2006/main" xmlns:r="http://schemas.openxmlformats.org/officeDocument/2006/relationships" xmlns:mc="http://schemas.openxmlformats.org/markup-compatibility/2006" xmlns:mv="urn:schemas-microsoft-com:mac:vml" xmlns:p="http://schemas.openxmlformats.org/presentationml/2006/main" xmlns:c="http://schemas.openxmlformats.org/drawingml/2006/chart" xmlns:dgm="http://schemas.openxmlformats.org/drawingml/2006/diagram" xmlns:o="urn:schemas-microsoft-com:office:office" xmlns:v="urn:schemas-microsoft-com:vml" xmlns:pvml="urn:schemas-microsoft-com:office:powerpoint" xmlns:com="http://schemas.openxmlformats.org/drawingml/2006/compatibility" xmlns:p14="http://schemas.microsoft.com/office/powerpoint/2010/main">
+<p:sld xmlns:a="http://schemas.openxmlformats.org/drawingml/2006/main" xmlns:r="http://schemas.openxmlformats.org/officeDocument/2006/relationships" xmlns:p="http://schemas.openxmlformats.org/presentationml/2006/main">
   <p:cSld>
     <p:spTree>
       <p:nvGrpSpPr>
-        <p:cNvPr id="96" name="Shape 96"/>
+        <p:cNvPr id="1" name="Shape 96"/>
         <p:cNvGrpSpPr/>
         <p:nvPr/>
       </p:nvGrpSpPr>
@@ -6813,7 +7278,9 @@
       <p:sp>
         <p:nvSpPr>
           <p:cNvPr id="97" name="Shape 97"/>
-          <p:cNvSpPr txBox="1"/>
+          <p:cNvSpPr txBox="1">
+            <a:spLocks noGrp="1"/>
+          </p:cNvSpPr>
           <p:nvPr>
             <p:ph type="title"/>
           </p:nvPr>
@@ -6828,7 +7295,7 @@
           </a:prstGeom>
         </p:spPr>
         <p:txBody>
-          <a:bodyPr anchorCtr="0" anchor="t" bIns="91425" lIns="91425" rIns="91425" tIns="91425">
+          <a:bodyPr lIns="91425" tIns="91425" rIns="91425" bIns="91425" anchor="t" anchorCtr="0">
             <a:noAutofit/>
           </a:bodyPr>
           <a:lstStyle/>
@@ -6849,9 +7316,11 @@
       <p:sp>
         <p:nvSpPr>
           <p:cNvPr id="98" name="Shape 98"/>
-          <p:cNvSpPr txBox="1"/>
+          <p:cNvSpPr txBox="1">
+            <a:spLocks noGrp="1"/>
+          </p:cNvSpPr>
           <p:nvPr>
-            <p:ph idx="1" type="body"/>
+            <p:ph type="body" idx="1"/>
           </p:nvPr>
         </p:nvSpPr>
         <p:spPr>
@@ -6864,12 +7333,12 @@
           </a:prstGeom>
         </p:spPr>
         <p:txBody>
-          <a:bodyPr anchorCtr="0" anchor="t" bIns="91425" lIns="91425" rIns="91425" tIns="91425">
+          <a:bodyPr lIns="91425" tIns="91425" rIns="91425" bIns="91425" anchor="t" anchorCtr="0">
             <a:noAutofit/>
           </a:bodyPr>
           <a:lstStyle/>
           <a:p>
-            <a:pPr indent="-317500" lvl="0" marL="457200" rtl="0" algn="just">
+            <a:pPr marL="457200" lvl="0" indent="-317500" algn="just" rtl="0">
               <a:lnSpc>
                 <a:spcPct val="150000"/>
               </a:lnSpc>
@@ -6887,20 +7356,56 @@
               <a:buChar char="●"/>
             </a:pPr>
             <a:r>
-              <a:rPr lang="pt-BR" sz="1400">
+              <a:rPr lang="pt-BR" sz="1400" dirty="0">
                 <a:solidFill>
                   <a:srgbClr val="434343"/>
                 </a:solidFill>
-                <a:latin typeface="Arial"/>
-                <a:ea typeface="Arial"/>
-                <a:cs typeface="Arial"/>
+                <a:latin typeface="Open Sans" charset="0"/>
+                <a:ea typeface="Open Sans" charset="0"/>
+                <a:cs typeface="Open Sans" charset="0"/>
                 <a:sym typeface="Arial"/>
               </a:rPr>
-              <a:t>Registrar eventuais problemas na relação entre discentes e docentes, bem como as medidas psicopedagógicas recomendadas pelo departamento;</a:t>
+              <a:t>Registrar eventuais problemas na relação entre discentes e docentes, bem como as medidas </a:t>
+            </a:r>
+            <a:r>
+              <a:rPr lang="pt-BR" sz="1400" dirty="0" err="1" smtClean="0">
+                <a:solidFill>
+                  <a:srgbClr val="434343"/>
+                </a:solidFill>
+                <a:latin typeface="Open Sans" charset="0"/>
+                <a:ea typeface="Open Sans" charset="0"/>
+                <a:cs typeface="Open Sans" charset="0"/>
+                <a:sym typeface="Arial"/>
+              </a:rPr>
+              <a:t>psicopedagógicas</a:t>
+            </a:r>
+            <a:r>
+              <a:rPr lang="pt-BR" sz="1400" dirty="0" smtClean="0">
+                <a:solidFill>
+                  <a:srgbClr val="434343"/>
+                </a:solidFill>
+                <a:latin typeface="Open Sans" charset="0"/>
+                <a:ea typeface="Open Sans" charset="0"/>
+                <a:cs typeface="Open Sans" charset="0"/>
+                <a:sym typeface="Arial"/>
+              </a:rPr>
+              <a:t> </a:t>
+            </a:r>
+            <a:r>
+              <a:rPr lang="pt-BR" sz="1400" dirty="0">
+                <a:solidFill>
+                  <a:srgbClr val="434343"/>
+                </a:solidFill>
+                <a:latin typeface="Open Sans" charset="0"/>
+                <a:ea typeface="Open Sans" charset="0"/>
+                <a:cs typeface="Open Sans" charset="0"/>
+                <a:sym typeface="Arial"/>
+              </a:rPr>
+              <a:t>recomendadas pelo departamento;</a:t>
             </a:r>
           </a:p>
           <a:p>
-            <a:pPr indent="-317500" lvl="0" marL="457200" rtl="0" algn="just">
+            <a:pPr marL="457200" lvl="0" indent="-317500" algn="just" rtl="0">
               <a:lnSpc>
                 <a:spcPct val="150000"/>
               </a:lnSpc>
@@ -6918,16 +7423,40 @@
               <a:buChar char="●"/>
             </a:pPr>
             <a:r>
-              <a:rPr lang="pt-BR" sz="1400">
+              <a:rPr lang="pt-BR" sz="1400" dirty="0">
                 <a:solidFill>
                   <a:srgbClr val="434343"/>
                 </a:solidFill>
-                <a:latin typeface="Arial"/>
-                <a:ea typeface="Arial"/>
-                <a:cs typeface="Arial"/>
+                <a:latin typeface="Open Sans" charset="0"/>
+                <a:ea typeface="Open Sans" charset="0"/>
+                <a:cs typeface="Open Sans" charset="0"/>
                 <a:sym typeface="Arial"/>
               </a:rPr>
-              <a:t>Gerar relatórios de desempenho individual de discentes, do desempenho de turmas (médias dos alunos nas disciplinas cursantes, com proporções de desempenho numa escala de avaliação que vai de péssimo à ótimo), das atividades realizadas pela equipe pedagógica, durante determinado período.</a:t>
+              <a:t>Gerar relatórios de desempenho individual de discentes, do desempenho de turmas (médias dos alunos nas disciplinas </a:t>
+            </a:r>
+            <a:r>
+              <a:rPr lang="pt-BR" sz="1400" dirty="0" err="1">
+                <a:solidFill>
+                  <a:srgbClr val="434343"/>
+                </a:solidFill>
+                <a:latin typeface="Open Sans" charset="0"/>
+                <a:ea typeface="Open Sans" charset="0"/>
+                <a:cs typeface="Open Sans" charset="0"/>
+                <a:sym typeface="Arial"/>
+              </a:rPr>
+              <a:t>cursantes</a:t>
+            </a:r>
+            <a:r>
+              <a:rPr lang="pt-BR" sz="1400" dirty="0">
+                <a:solidFill>
+                  <a:srgbClr val="434343"/>
+                </a:solidFill>
+                <a:latin typeface="Open Sans" charset="0"/>
+                <a:ea typeface="Open Sans" charset="0"/>
+                <a:cs typeface="Open Sans" charset="0"/>
+                <a:sym typeface="Arial"/>
+              </a:rPr>
+              <a:t>, com proporções de desempenho numa escala de avaliação que vai de péssimo à ótimo), das atividades realizadas pela equipe pedagógica, durante determinado período.</a:t>
             </a:r>
           </a:p>
           <a:p>
@@ -6937,10 +7466,11 @@
               </a:spcBef>
               <a:buNone/>
             </a:pPr>
-            <a:r>
-              <a:t/>
-            </a:r>
-            <a:endParaRPr/>
+            <a:endParaRPr>
+              <a:latin typeface="Open Sans" charset="0"/>
+              <a:ea typeface="Open Sans" charset="0"/>
+              <a:cs typeface="Open Sans" charset="0"/>
+            </a:endParaRPr>
           </a:p>
         </p:txBody>
       </p:sp>
@@ -6982,7 +7512,7 @@
           <a:blip r:embed="rId4">
             <a:alphaModFix/>
           </a:blip>
-          <a:srcRect b="0" l="0" r="0" t="0"/>
+          <a:srcRect/>
           <a:stretch/>
         </p:blipFill>
         <p:spPr>
@@ -7011,11 +7541,11 @@
 </file>
 
 <file path=ppt/slides/slide6.xml><?xml version="1.0" encoding="utf-8"?>
-<p:sld xmlns:a="http://schemas.openxmlformats.org/drawingml/2006/main" xmlns:r="http://schemas.openxmlformats.org/officeDocument/2006/relationships" xmlns:mc="http://schemas.openxmlformats.org/markup-compatibility/2006" xmlns:mv="urn:schemas-microsoft-com:mac:vml" xmlns:p="http://schemas.openxmlformats.org/presentationml/2006/main" xmlns:c="http://schemas.openxmlformats.org/drawingml/2006/chart" xmlns:dgm="http://schemas.openxmlformats.org/drawingml/2006/diagram" xmlns:o="urn:schemas-microsoft-com:office:office" xmlns:v="urn:schemas-microsoft-com:vml" xmlns:pvml="urn:schemas-microsoft-com:office:powerpoint" xmlns:com="http://schemas.openxmlformats.org/drawingml/2006/compatibility" xmlns:p14="http://schemas.microsoft.com/office/powerpoint/2010/main">
+<p:sld xmlns:a="http://schemas.openxmlformats.org/drawingml/2006/main" xmlns:r="http://schemas.openxmlformats.org/officeDocument/2006/relationships" xmlns:p="http://schemas.openxmlformats.org/presentationml/2006/main">
   <p:cSld>
     <p:spTree>
       <p:nvGrpSpPr>
-        <p:cNvPr id="104" name="Shape 104"/>
+        <p:cNvPr id="1" name="Shape 104"/>
         <p:cNvGrpSpPr/>
         <p:nvPr/>
       </p:nvGrpSpPr>
@@ -7030,7 +7560,9 @@
       <p:sp>
         <p:nvSpPr>
           <p:cNvPr id="105" name="Shape 105"/>
-          <p:cNvSpPr txBox="1"/>
+          <p:cNvSpPr txBox="1">
+            <a:spLocks noGrp="1"/>
+          </p:cNvSpPr>
           <p:nvPr>
             <p:ph type="title"/>
           </p:nvPr>
@@ -7045,7 +7577,7 @@
           </a:prstGeom>
         </p:spPr>
         <p:txBody>
-          <a:bodyPr anchorCtr="0" anchor="t" bIns="91425" lIns="91425" rIns="91425" tIns="91425">
+          <a:bodyPr lIns="91425" tIns="91425" rIns="91425" bIns="91425" anchor="t" anchorCtr="0">
             <a:noAutofit/>
           </a:bodyPr>
           <a:lstStyle/>
@@ -7066,9 +7598,11 @@
       <p:sp>
         <p:nvSpPr>
           <p:cNvPr id="106" name="Shape 106"/>
-          <p:cNvSpPr txBox="1"/>
+          <p:cNvSpPr txBox="1">
+            <a:spLocks noGrp="1"/>
+          </p:cNvSpPr>
           <p:nvPr>
-            <p:ph idx="1" type="body"/>
+            <p:ph type="body" idx="1"/>
           </p:nvPr>
         </p:nvSpPr>
         <p:spPr>
@@ -7081,12 +7615,12 @@
           </a:prstGeom>
         </p:spPr>
         <p:txBody>
-          <a:bodyPr anchorCtr="0" anchor="t" bIns="91425" lIns="91425" rIns="91425" tIns="91425">
+          <a:bodyPr lIns="91425" tIns="91425" rIns="91425" bIns="91425" anchor="t" anchorCtr="0">
             <a:noAutofit/>
           </a:bodyPr>
           <a:lstStyle/>
           <a:p>
-            <a:pPr lvl="0" rtl="0" algn="l">
+            <a:pPr lvl="0" algn="l" rtl="0">
               <a:lnSpc>
                 <a:spcPct val="100000"/>
               </a:lnSpc>
@@ -7102,9 +7636,6 @@
               <a:buFont typeface="Calibri"/>
               <a:buNone/>
             </a:pPr>
-            <a:r>
-              <a:t/>
-            </a:r>
             <a:endParaRPr sz="1400">
               <a:solidFill>
                 <a:srgbClr val="000000"/>
@@ -7122,9 +7653,6 @@
               </a:spcBef>
               <a:buNone/>
             </a:pPr>
-            <a:r>
-              <a:t/>
-            </a:r>
             <a:endParaRPr/>
           </a:p>
         </p:txBody>
@@ -7137,14 +7665,14 @@
         </p:nvGraphicFramePr>
         <p:xfrm>
           <a:off x="278700" y="867200"/>
-          <a:ext cx="3000000" cy="3000000"/>
+          <a:ext cx="8586600" cy="3728209"/>
         </p:xfrm>
         <a:graphic>
           <a:graphicData uri="http://schemas.openxmlformats.org/drawingml/2006/table">
             <a:tbl>
               <a:tblPr>
                 <a:noFill/>
-                <a:tableStyleId>{0E145817-143D-4C3B-844C-97366113B7D3}</a:tableStyleId>
+                <a:tableStyleId>{0CD7C6E1-07FA-43AB-BBB2-82301F84A2AB}</a:tableStyleId>
               </a:tblPr>
               <a:tblGrid>
                 <a:gridCol w="2413150"/>
@@ -7154,9 +7682,7 @@
               <a:tr h="386575">
                 <a:tc>
                   <a:txBody>
-                    <a:bodyPr>
-                      <a:noAutofit/>
-                    </a:bodyPr>
+                    <a:bodyPr/>
                     <a:lstStyle/>
                     <a:p>
                       <a:pPr lvl="0" rtl="0">
@@ -7166,16 +7692,21 @@
                         <a:buNone/>
                       </a:pPr>
                       <a:r>
-                        <a:rPr b="1" lang="pt-BR">
+                        <a:rPr lang="pt-BR" b="1" dirty="0" err="1">
                           <a:solidFill>
                             <a:srgbClr val="434343"/>
                           </a:solidFill>
                         </a:rPr>
                         <a:t>Stakeholders</a:t>
                       </a:r>
+                      <a:endParaRPr lang="pt-BR" b="1" dirty="0">
+                        <a:solidFill>
+                          <a:srgbClr val="434343"/>
+                        </a:solidFill>
+                      </a:endParaRPr>
                     </a:p>
                   </a:txBody>
-                  <a:tcPr marT="91425" marB="91425" marR="91425" marL="91425">
+                  <a:tcPr marL="91425" marR="91425" marT="91425" marB="91425">
                     <a:solidFill>
                       <a:srgbClr val="D9D9D9"/>
                     </a:solidFill>
@@ -7183,9 +7714,7 @@
                 </a:tc>
                 <a:tc>
                   <a:txBody>
-                    <a:bodyPr>
-                      <a:noAutofit/>
-                    </a:bodyPr>
+                    <a:bodyPr/>
                     <a:lstStyle/>
                     <a:p>
                       <a:pPr lvl="0" rtl="0">
@@ -7195,7 +7724,7 @@
                         <a:buNone/>
                       </a:pPr>
                       <a:r>
-                        <a:rPr b="1" lang="pt-BR">
+                        <a:rPr lang="pt-BR" b="1">
                           <a:solidFill>
                             <a:srgbClr val="434343"/>
                           </a:solidFill>
@@ -7204,7 +7733,7 @@
                       </a:r>
                     </a:p>
                   </a:txBody>
-                  <a:tcPr marT="91425" marB="91425" marR="91425" marL="91425">
+                  <a:tcPr marL="91425" marR="91425" marT="91425" marB="91425">
                     <a:solidFill>
                       <a:srgbClr val="D9D9D9"/>
                     </a:solidFill>
@@ -7212,9 +7741,7 @@
                 </a:tc>
                 <a:tc>
                   <a:txBody>
-                    <a:bodyPr>
-                      <a:noAutofit/>
-                    </a:bodyPr>
+                    <a:bodyPr/>
                     <a:lstStyle/>
                     <a:p>
                       <a:pPr lvl="0" rtl="0">
@@ -7224,7 +7751,7 @@
                         <a:buNone/>
                       </a:pPr>
                       <a:r>
-                        <a:rPr b="1" lang="pt-BR">
+                        <a:rPr lang="pt-BR" b="1">
                           <a:solidFill>
                             <a:srgbClr val="434343"/>
                           </a:solidFill>
@@ -7233,7 +7760,7 @@
                       </a:r>
                     </a:p>
                   </a:txBody>
-                  <a:tcPr marT="91425" marB="91425" marR="91425" marL="91425">
+                  <a:tcPr marL="91425" marR="91425" marT="91425" marB="91425">
                     <a:solidFill>
                       <a:srgbClr val="D9D9D9"/>
                     </a:solidFill>
@@ -7243,12 +7770,10 @@
               <a:tr h="531150">
                 <a:tc>
                   <a:txBody>
-                    <a:bodyPr>
-                      <a:noAutofit/>
-                    </a:bodyPr>
+                    <a:bodyPr/>
                     <a:lstStyle/>
                     <a:p>
-                      <a:pPr lvl="0" rtl="0" algn="just">
+                      <a:pPr lvl="0" algn="just" rtl="0">
                         <a:lnSpc>
                           <a:spcPct val="150000"/>
                         </a:lnSpc>
@@ -7258,12 +7783,16 @@
                         <a:buNone/>
                       </a:pPr>
                       <a:r>
-                        <a:rPr lang="pt-BR" sz="1100"/>
+                        <a:rPr lang="pt-BR" sz="1100">
+                          <a:solidFill>
+                            <a:schemeClr val="bg2"/>
+                          </a:solidFill>
+                        </a:rPr>
                         <a:t>Equipe</a:t>
                       </a:r>
                     </a:p>
                   </a:txBody>
-                  <a:tcPr marT="91425" marB="91425" marR="91425" marL="91425">
+                  <a:tcPr marL="91425" marR="91425" marT="91425" marB="91425">
                     <a:solidFill>
                       <a:srgbClr val="EFEFEF"/>
                     </a:solidFill>
@@ -7271,9 +7800,7 @@
                 </a:tc>
                 <a:tc>
                   <a:txBody>
-                    <a:bodyPr>
-                      <a:noAutofit/>
-                    </a:bodyPr>
+                    <a:bodyPr/>
                     <a:lstStyle/>
                     <a:p>
                       <a:pPr lvl="0" rtl="0">
@@ -7283,12 +7810,16 @@
                         <a:buNone/>
                       </a:pPr>
                       <a:r>
-                        <a:rPr lang="pt-BR" sz="1100"/>
+                        <a:rPr lang="pt-BR" sz="1100">
+                          <a:solidFill>
+                            <a:schemeClr val="bg2"/>
+                          </a:solidFill>
+                        </a:rPr>
                         <a:t>Desenvolvedores</a:t>
                       </a:r>
                     </a:p>
                   </a:txBody>
-                  <a:tcPr marT="91425" marB="91425" marR="91425" marL="91425">
+                  <a:tcPr marL="91425" marR="91425" marT="91425" marB="91425">
                     <a:solidFill>
                       <a:srgbClr val="EFEFEF"/>
                     </a:solidFill>
@@ -7296,9 +7827,7 @@
                 </a:tc>
                 <a:tc>
                   <a:txBody>
-                    <a:bodyPr>
-                      <a:noAutofit/>
-                    </a:bodyPr>
+                    <a:bodyPr/>
                     <a:lstStyle/>
                     <a:p>
                       <a:pPr lvl="0" rtl="0">
@@ -7308,12 +7837,16 @@
                         <a:buNone/>
                       </a:pPr>
                       <a:r>
-                        <a:rPr lang="pt-BR" sz="1100"/>
+                        <a:rPr lang="pt-BR" sz="1100">
+                          <a:solidFill>
+                            <a:schemeClr val="bg2"/>
+                          </a:solidFill>
+                        </a:rPr>
                         <a:t>Desenvolver um sistema que atenda aos interesses dos demais Stakeholders.</a:t>
                       </a:r>
                     </a:p>
                   </a:txBody>
-                  <a:tcPr marT="91425" marB="91425" marR="91425" marL="91425">
+                  <a:tcPr marL="91425" marR="91425" marT="91425" marB="91425">
                     <a:solidFill>
                       <a:srgbClr val="EFEFEF"/>
                     </a:solidFill>
@@ -7323,9 +7856,7 @@
               <a:tr h="653150">
                 <a:tc>
                   <a:txBody>
-                    <a:bodyPr>
-                      <a:noAutofit/>
-                    </a:bodyPr>
+                    <a:bodyPr/>
                     <a:lstStyle/>
                     <a:p>
                       <a:pPr lvl="0" rtl="0">
@@ -7338,12 +7869,32 @@
                         <a:buNone/>
                       </a:pPr>
                       <a:r>
-                        <a:rPr lang="pt-BR" sz="1100"/>
-                        <a:t>Maria Elenice Pereira da Silva/Felipe Louise Pereira Ferreira</a:t>
+                        <a:rPr lang="pt-BR" sz="1100" dirty="0">
+                          <a:solidFill>
+                            <a:schemeClr val="bg2"/>
+                          </a:solidFill>
+                        </a:rPr>
+                        <a:t>Maria </a:t>
+                      </a:r>
+                      <a:r>
+                        <a:rPr lang="pt-BR" sz="1100" dirty="0" err="1">
+                          <a:solidFill>
+                            <a:schemeClr val="bg2"/>
+                          </a:solidFill>
+                        </a:rPr>
+                        <a:t>Elenice</a:t>
+                      </a:r>
+                      <a:r>
+                        <a:rPr lang="pt-BR" sz="1100" dirty="0">
+                          <a:solidFill>
+                            <a:schemeClr val="bg2"/>
+                          </a:solidFill>
+                        </a:rPr>
+                        <a:t> Pereira da Silva/Felipe Louise Pereira Ferreira</a:t>
                       </a:r>
                     </a:p>
                   </a:txBody>
-                  <a:tcPr marT="91425" marB="91425" marR="91425" marL="91425">
+                  <a:tcPr marL="91425" marR="91425" marT="91425" marB="91425">
                     <a:solidFill>
                       <a:srgbClr val="EFEFEF"/>
                     </a:solidFill>
@@ -7351,9 +7902,7 @@
                 </a:tc>
                 <a:tc>
                   <a:txBody>
-                    <a:bodyPr>
-                      <a:noAutofit/>
-                    </a:bodyPr>
+                    <a:bodyPr/>
                     <a:lstStyle/>
                     <a:p>
                       <a:pPr lvl="0" rtl="0">
@@ -7363,12 +7912,16 @@
                         <a:buNone/>
                       </a:pPr>
                       <a:r>
-                        <a:rPr lang="pt-BR" sz="1100"/>
+                        <a:rPr lang="pt-BR" sz="1100">
+                          <a:solidFill>
+                            <a:schemeClr val="bg2"/>
+                          </a:solidFill>
+                        </a:rPr>
                         <a:t>Pedagogos/Usuários do SISAP</a:t>
                       </a:r>
                     </a:p>
                   </a:txBody>
-                  <a:tcPr marT="91425" marB="91425" marR="91425" marL="91425">
+                  <a:tcPr marL="91425" marR="91425" marT="91425" marB="91425">
                     <a:solidFill>
                       <a:srgbClr val="EFEFEF"/>
                     </a:solidFill>
@@ -7376,9 +7929,7 @@
                 </a:tc>
                 <a:tc>
                   <a:txBody>
-                    <a:bodyPr>
-                      <a:noAutofit/>
-                    </a:bodyPr>
+                    <a:bodyPr/>
                     <a:lstStyle/>
                     <a:p>
                       <a:pPr lvl="0" rtl="0">
@@ -7388,12 +7939,16 @@
                         <a:buNone/>
                       </a:pPr>
                       <a:r>
-                        <a:rPr lang="pt-BR" sz="1100"/>
+                        <a:rPr lang="pt-BR" sz="1100" dirty="0">
+                          <a:solidFill>
+                            <a:schemeClr val="bg2"/>
+                          </a:solidFill>
+                        </a:rPr>
                         <a:t>Gerenciar e manter as atividades realizadas no setor de pedagogia da COPAE. Melhorar qualidade e eficiência das atividades.</a:t>
                       </a:r>
                     </a:p>
                   </a:txBody>
-                  <a:tcPr marT="91425" marB="91425" marR="91425" marL="91425">
+                  <a:tcPr marL="91425" marR="91425" marT="91425" marB="91425">
                     <a:solidFill>
                       <a:srgbClr val="EFEFEF"/>
                     </a:solidFill>
@@ -7403,9 +7958,7 @@
               <a:tr h="424100">
                 <a:tc>
                   <a:txBody>
-                    <a:bodyPr>
-                      <a:noAutofit/>
-                    </a:bodyPr>
+                    <a:bodyPr/>
                     <a:lstStyle/>
                     <a:p>
                       <a:pPr rtl="0">
@@ -7418,12 +7971,16 @@
                         <a:buNone/>
                       </a:pPr>
                       <a:r>
-                        <a:rPr lang="pt-BR" sz="1100"/>
+                        <a:rPr lang="pt-BR" sz="1100">
+                          <a:solidFill>
+                            <a:schemeClr val="bg2"/>
+                          </a:solidFill>
+                        </a:rPr>
                         <a:t>Corpo Discente</a:t>
                       </a:r>
                     </a:p>
                   </a:txBody>
-                  <a:tcPr marT="91425" marB="91425" marR="91425" marL="91425">
+                  <a:tcPr marL="91425" marR="91425" marT="91425" marB="91425">
                     <a:solidFill>
                       <a:srgbClr val="EFEFEF"/>
                     </a:solidFill>
@@ -7431,9 +7988,7 @@
                 </a:tc>
                 <a:tc>
                   <a:txBody>
-                    <a:bodyPr>
-                      <a:noAutofit/>
-                    </a:bodyPr>
+                    <a:bodyPr/>
                     <a:lstStyle/>
                     <a:p>
                       <a:pPr rtl="0">
@@ -7443,12 +7998,16 @@
                         <a:buNone/>
                       </a:pPr>
                       <a:r>
-                        <a:rPr lang="pt-BR" sz="1100"/>
+                        <a:rPr lang="pt-BR" sz="1100">
+                          <a:solidFill>
+                            <a:schemeClr val="bg2"/>
+                          </a:solidFill>
+                        </a:rPr>
                         <a:t>Alunos</a:t>
                       </a:r>
                     </a:p>
                   </a:txBody>
-                  <a:tcPr marT="91425" marB="91425" marR="91425" marL="91425">
+                  <a:tcPr marL="91425" marR="91425" marT="91425" marB="91425">
                     <a:solidFill>
                       <a:srgbClr val="EFEFEF"/>
                     </a:solidFill>
@@ -7456,9 +8015,7 @@
                 </a:tc>
                 <a:tc>
                   <a:txBody>
-                    <a:bodyPr>
-                      <a:noAutofit/>
-                    </a:bodyPr>
+                    <a:bodyPr/>
                     <a:lstStyle/>
                     <a:p>
                       <a:pPr rtl="0">
@@ -7468,12 +8025,16 @@
                         <a:buNone/>
                       </a:pPr>
                       <a:r>
-                        <a:rPr lang="pt-BR" sz="1100"/>
+                        <a:rPr lang="pt-BR" sz="1100">
+                          <a:solidFill>
+                            <a:schemeClr val="bg2"/>
+                          </a:solidFill>
+                        </a:rPr>
                         <a:t>Melhoria no desempenho acadêmico ao longo do ano letivo.</a:t>
                       </a:r>
                     </a:p>
                   </a:txBody>
-                  <a:tcPr marT="91425" marB="91425" marR="91425" marL="91425">
+                  <a:tcPr marL="91425" marR="91425" marT="91425" marB="91425">
                     <a:solidFill>
                       <a:srgbClr val="EFEFEF"/>
                     </a:solidFill>
@@ -7483,9 +8044,7 @@
               <a:tr h="484350">
                 <a:tc>
                   <a:txBody>
-                    <a:bodyPr>
-                      <a:noAutofit/>
-                    </a:bodyPr>
+                    <a:bodyPr/>
                     <a:lstStyle/>
                     <a:p>
                       <a:pPr lvl="0" rtl="0">
@@ -7498,12 +8057,16 @@
                         <a:buNone/>
                       </a:pPr>
                       <a:r>
-                        <a:rPr lang="pt-BR" sz="1100"/>
+                        <a:rPr lang="pt-BR" sz="1100">
+                          <a:solidFill>
+                            <a:schemeClr val="bg2"/>
+                          </a:solidFill>
+                        </a:rPr>
                         <a:t>Corpo Docente</a:t>
                       </a:r>
                     </a:p>
                   </a:txBody>
-                  <a:tcPr marT="91425" marB="91425" marR="91425" marL="91425">
+                  <a:tcPr marL="91425" marR="91425" marT="91425" marB="91425">
                     <a:solidFill>
                       <a:srgbClr val="EFEFEF"/>
                     </a:solidFill>
@@ -7511,9 +8074,7 @@
                 </a:tc>
                 <a:tc>
                   <a:txBody>
-                    <a:bodyPr>
-                      <a:noAutofit/>
-                    </a:bodyPr>
+                    <a:bodyPr/>
                     <a:lstStyle/>
                     <a:p>
                       <a:pPr lvl="0" rtl="0">
@@ -7523,12 +8084,16 @@
                         <a:buNone/>
                       </a:pPr>
                       <a:r>
-                        <a:rPr lang="pt-BR" sz="1100"/>
+                        <a:rPr lang="pt-BR" sz="1100">
+                          <a:solidFill>
+                            <a:schemeClr val="bg2"/>
+                          </a:solidFill>
+                        </a:rPr>
                         <a:t>Professores/Usuários do SISAP</a:t>
                       </a:r>
                     </a:p>
                   </a:txBody>
-                  <a:tcPr marT="91425" marB="91425" marR="91425" marL="91425">
+                  <a:tcPr marL="91425" marR="91425" marT="91425" marB="91425">
                     <a:solidFill>
                       <a:srgbClr val="EFEFEF"/>
                     </a:solidFill>
@@ -7536,9 +8101,7 @@
                 </a:tc>
                 <a:tc>
                   <a:txBody>
-                    <a:bodyPr>
-                      <a:noAutofit/>
-                    </a:bodyPr>
+                    <a:bodyPr/>
                     <a:lstStyle/>
                     <a:p>
                       <a:pPr lvl="0" rtl="0">
@@ -7548,12 +8111,16 @@
                         <a:buNone/>
                       </a:pPr>
                       <a:r>
-                        <a:rPr lang="pt-BR" sz="1100"/>
+                        <a:rPr lang="pt-BR" sz="1100">
+                          <a:solidFill>
+                            <a:schemeClr val="bg2"/>
+                          </a:solidFill>
+                        </a:rPr>
                         <a:t>Gerenciar e manter os núcleos de ensino aprendizagem. Melhorar qualidade e eficiência das atividades com relação aos núcleos.</a:t>
                       </a:r>
                     </a:p>
                   </a:txBody>
-                  <a:tcPr marT="91425" marB="91425" marR="91425" marL="91425">
+                  <a:tcPr marL="91425" marR="91425" marT="91425" marB="91425">
                     <a:solidFill>
                       <a:srgbClr val="EFEFEF"/>
                     </a:solidFill>
@@ -7563,9 +8130,7 @@
               <a:tr h="424100">
                 <a:tc>
                   <a:txBody>
-                    <a:bodyPr>
-                      <a:noAutofit/>
-                    </a:bodyPr>
+                    <a:bodyPr/>
                     <a:lstStyle/>
                     <a:p>
                       <a:pPr rtl="0">
@@ -7578,12 +8143,16 @@
                         <a:buNone/>
                       </a:pPr>
                       <a:r>
-                        <a:rPr lang="pt-BR" sz="1100"/>
+                        <a:rPr lang="pt-BR" sz="1100">
+                          <a:solidFill>
+                            <a:schemeClr val="bg2"/>
+                          </a:solidFill>
+                        </a:rPr>
                         <a:t>Pais/Responsáveis</a:t>
                       </a:r>
                     </a:p>
                   </a:txBody>
-                  <a:tcPr marT="91425" marB="91425" marR="91425" marL="91425">
+                  <a:tcPr marL="91425" marR="91425" marT="91425" marB="91425">
                     <a:solidFill>
                       <a:srgbClr val="EFEFEF"/>
                     </a:solidFill>
@@ -7591,9 +8160,7 @@
                 </a:tc>
                 <a:tc>
                   <a:txBody>
-                    <a:bodyPr>
-                      <a:noAutofit/>
-                    </a:bodyPr>
+                    <a:bodyPr/>
                     <a:lstStyle/>
                     <a:p>
                       <a:pPr rtl="0">
@@ -7603,12 +8170,16 @@
                         <a:buNone/>
                       </a:pPr>
                       <a:r>
-                        <a:rPr lang="pt-BR" sz="1100"/>
+                        <a:rPr lang="pt-BR" sz="1100">
+                          <a:solidFill>
+                            <a:schemeClr val="bg2"/>
+                          </a:solidFill>
+                        </a:rPr>
                         <a:t>Responsável de Discente</a:t>
                       </a:r>
                     </a:p>
                   </a:txBody>
-                  <a:tcPr marT="91425" marB="91425" marR="91425" marL="91425">
+                  <a:tcPr marL="91425" marR="91425" marT="91425" marB="91425">
                     <a:solidFill>
                       <a:srgbClr val="EFEFEF"/>
                     </a:solidFill>
@@ -7616,9 +8187,7 @@
                 </a:tc>
                 <a:tc>
                   <a:txBody>
-                    <a:bodyPr>
-                      <a:noAutofit/>
-                    </a:bodyPr>
+                    <a:bodyPr/>
                     <a:lstStyle/>
                     <a:p>
                       <a:pPr rtl="0">
@@ -7628,12 +8197,16 @@
                         <a:buNone/>
                       </a:pPr>
                       <a:r>
-                        <a:rPr lang="pt-BR" sz="1100"/>
+                        <a:rPr lang="pt-BR" sz="1100">
+                          <a:solidFill>
+                            <a:schemeClr val="bg2"/>
+                          </a:solidFill>
+                        </a:rPr>
                         <a:t>Acompanhar da melhor maneira possível e manter-se informados acerca do desempenho do(s) aluno(s) o qual se responsabiliza.</a:t>
                       </a:r>
                     </a:p>
                   </a:txBody>
-                  <a:tcPr marT="91425" marB="91425" marR="91425" marL="91425">
+                  <a:tcPr marL="91425" marR="91425" marT="91425" marB="91425">
                     <a:solidFill>
                       <a:srgbClr val="EFEFEF"/>
                     </a:solidFill>
@@ -7643,12 +8216,10 @@
               <a:tr h="424100">
                 <a:tc>
                   <a:txBody>
-                    <a:bodyPr>
-                      <a:noAutofit/>
-                    </a:bodyPr>
+                    <a:bodyPr/>
                     <a:lstStyle/>
                     <a:p>
-                      <a:pPr lvl="0" rtl="0" algn="just">
+                      <a:pPr lvl="0" algn="just" rtl="0">
                         <a:lnSpc>
                           <a:spcPct val="150000"/>
                         </a:lnSpc>
@@ -7658,12 +8229,16 @@
                         <a:buNone/>
                       </a:pPr>
                       <a:r>
-                        <a:rPr lang="pt-BR" sz="1100"/>
+                        <a:rPr lang="pt-BR" sz="1100">
+                          <a:solidFill>
+                            <a:schemeClr val="bg2"/>
+                          </a:solidFill>
+                        </a:rPr>
                         <a:t>Ednaldo Dilorenzo</a:t>
                       </a:r>
                     </a:p>
                   </a:txBody>
-                  <a:tcPr marT="91425" marB="91425" marR="91425" marL="91425">
+                  <a:tcPr marL="91425" marR="91425" marT="91425" marB="91425">
                     <a:solidFill>
                       <a:srgbClr val="EFEFEF"/>
                     </a:solidFill>
@@ -7671,9 +8246,7 @@
                 </a:tc>
                 <a:tc>
                   <a:txBody>
-                    <a:bodyPr>
-                      <a:noAutofit/>
-                    </a:bodyPr>
+                    <a:bodyPr/>
                     <a:lstStyle/>
                     <a:p>
                       <a:pPr lvl="0" rtl="0">
@@ -7686,12 +8259,16 @@
                         <a:buNone/>
                       </a:pPr>
                       <a:r>
-                        <a:rPr lang="pt-BR" sz="1100"/>
+                        <a:rPr lang="pt-BR" sz="1100">
+                          <a:solidFill>
+                            <a:schemeClr val="bg2"/>
+                          </a:solidFill>
+                        </a:rPr>
                         <a:t>Orientador/Analista de Qualidade</a:t>
                       </a:r>
                     </a:p>
                   </a:txBody>
-                  <a:tcPr marT="91425" marB="91425" marR="91425" marL="91425">
+                  <a:tcPr marL="91425" marR="91425" marT="91425" marB="91425">
                     <a:solidFill>
                       <a:srgbClr val="EFEFEF"/>
                     </a:solidFill>
@@ -7699,9 +8276,7 @@
                 </a:tc>
                 <a:tc>
                   <a:txBody>
-                    <a:bodyPr>
-                      <a:noAutofit/>
-                    </a:bodyPr>
+                    <a:bodyPr/>
                     <a:lstStyle/>
                     <a:p>
                       <a:pPr lvl="0" rtl="0">
@@ -7711,12 +8286,16 @@
                         <a:buNone/>
                       </a:pPr>
                       <a:r>
-                        <a:rPr lang="pt-BR" sz="1100"/>
+                        <a:rPr lang="pt-BR" sz="1100" dirty="0">
+                          <a:solidFill>
+                            <a:schemeClr val="bg2"/>
+                          </a:solidFill>
+                        </a:rPr>
                         <a:t>Orientar a equipe de desenvolvimento durante a implementação do projeto como um todo. Instruir e cobrar da equipe a melhoria na qualidade do software.</a:t>
                       </a:r>
                     </a:p>
                   </a:txBody>
-                  <a:tcPr marT="91425" marB="91425" marR="91425" marL="91425">
+                  <a:tcPr marL="91425" marR="91425" marT="91425" marB="91425">
                     <a:solidFill>
                       <a:srgbClr val="EFEFEF"/>
                     </a:solidFill>
@@ -7739,11 +8318,11 @@
 </file>
 
 <file path=ppt/slides/slide7.xml><?xml version="1.0" encoding="utf-8"?>
-<p:sld xmlns:a="http://schemas.openxmlformats.org/drawingml/2006/main" xmlns:r="http://schemas.openxmlformats.org/officeDocument/2006/relationships" xmlns:mc="http://schemas.openxmlformats.org/markup-compatibility/2006" xmlns:mv="urn:schemas-microsoft-com:mac:vml" xmlns:p="http://schemas.openxmlformats.org/presentationml/2006/main" xmlns:c="http://schemas.openxmlformats.org/drawingml/2006/chart" xmlns:dgm="http://schemas.openxmlformats.org/drawingml/2006/diagram" xmlns:o="urn:schemas-microsoft-com:office:office" xmlns:v="urn:schemas-microsoft-com:vml" xmlns:pvml="urn:schemas-microsoft-com:office:powerpoint" xmlns:com="http://schemas.openxmlformats.org/drawingml/2006/compatibility" xmlns:p14="http://schemas.microsoft.com/office/powerpoint/2010/main">
+<p:sld xmlns:a="http://schemas.openxmlformats.org/drawingml/2006/main" xmlns:r="http://schemas.openxmlformats.org/officeDocument/2006/relationships" xmlns:p="http://schemas.openxmlformats.org/presentationml/2006/main">
   <p:cSld>
     <p:spTree>
       <p:nvGrpSpPr>
-        <p:cNvPr id="111" name="Shape 111"/>
+        <p:cNvPr id="1" name="Shape 111"/>
         <p:cNvGrpSpPr/>
         <p:nvPr/>
       </p:nvGrpSpPr>
@@ -7758,7 +8337,9 @@
       <p:sp>
         <p:nvSpPr>
           <p:cNvPr id="112" name="Shape 112"/>
-          <p:cNvSpPr txBox="1"/>
+          <p:cNvSpPr txBox="1">
+            <a:spLocks noGrp="1"/>
+          </p:cNvSpPr>
           <p:nvPr>
             <p:ph type="title"/>
           </p:nvPr>
@@ -7773,7 +8354,7 @@
           </a:prstGeom>
         </p:spPr>
         <p:txBody>
-          <a:bodyPr anchorCtr="0" anchor="t" bIns="91425" lIns="91425" rIns="91425" tIns="91425">
+          <a:bodyPr lIns="91425" tIns="91425" rIns="91425" bIns="91425" anchor="t" anchorCtr="0">
             <a:noAutofit/>
           </a:bodyPr>
           <a:lstStyle/>
@@ -7799,14 +8380,14 @@
         </p:nvGraphicFramePr>
         <p:xfrm>
           <a:off x="786337" y="1221625"/>
-          <a:ext cx="3000000" cy="3000000"/>
+          <a:ext cx="7571325" cy="3588850"/>
         </p:xfrm>
         <a:graphic>
           <a:graphicData uri="http://schemas.openxmlformats.org/drawingml/2006/table">
             <a:tbl>
               <a:tblPr>
                 <a:noFill/>
-                <a:tableStyleId>{57ECFE2A-2556-429E-998D-5D1A8640FF24}</a:tableStyleId>
+                <a:tableStyleId>{0CD7C6E1-07FA-43AB-BBB2-82301F84A2AB}</a:tableStyleId>
               </a:tblPr>
               <a:tblGrid>
                 <a:gridCol w="2523775"/>
@@ -7816,9 +8397,7 @@
               <a:tr h="413475">
                 <a:tc>
                   <a:txBody>
-                    <a:bodyPr>
-                      <a:noAutofit/>
-                    </a:bodyPr>
+                    <a:bodyPr/>
                     <a:lstStyle/>
                     <a:p>
                       <a:pPr>
@@ -7828,7 +8407,7 @@
                         <a:buNone/>
                       </a:pPr>
                       <a:r>
-                        <a:rPr b="1" lang="pt-BR">
+                        <a:rPr lang="pt-BR" b="1" dirty="0">
                           <a:solidFill>
                             <a:srgbClr val="434343"/>
                           </a:solidFill>
@@ -7837,7 +8416,7 @@
                       </a:r>
                     </a:p>
                   </a:txBody>
-                  <a:tcPr marT="91425" marB="91425" marR="91425" marL="91425">
+                  <a:tcPr marL="91425" marR="91425" marT="91425" marB="91425">
                     <a:solidFill>
                       <a:srgbClr val="D9D9D9"/>
                     </a:solidFill>
@@ -7845,9 +8424,7 @@
                 </a:tc>
                 <a:tc>
                   <a:txBody>
-                    <a:bodyPr>
-                      <a:noAutofit/>
-                    </a:bodyPr>
+                    <a:bodyPr/>
                     <a:lstStyle/>
                     <a:p>
                       <a:pPr>
@@ -7857,7 +8434,7 @@
                         <a:buNone/>
                       </a:pPr>
                       <a:r>
-                        <a:rPr b="1" lang="pt-BR">
+                        <a:rPr lang="pt-BR" b="1">
                           <a:solidFill>
                             <a:srgbClr val="434343"/>
                           </a:solidFill>
@@ -7866,7 +8443,7 @@
                       </a:r>
                     </a:p>
                   </a:txBody>
-                  <a:tcPr marT="91425" marB="91425" marR="91425" marL="91425">
+                  <a:tcPr marL="91425" marR="91425" marT="91425" marB="91425">
                     <a:solidFill>
                       <a:srgbClr val="D9D9D9"/>
                     </a:solidFill>
@@ -7874,9 +8451,7 @@
                 </a:tc>
                 <a:tc>
                   <a:txBody>
-                    <a:bodyPr>
-                      <a:noAutofit/>
-                    </a:bodyPr>
+                    <a:bodyPr/>
                     <a:lstStyle/>
                     <a:p>
                       <a:pPr>
@@ -7886,7 +8461,7 @@
                         <a:buNone/>
                       </a:pPr>
                       <a:r>
-                        <a:rPr b="1" lang="pt-BR">
+                        <a:rPr lang="pt-BR" b="1">
                           <a:solidFill>
                             <a:srgbClr val="434343"/>
                           </a:solidFill>
@@ -7895,7 +8470,7 @@
                       </a:r>
                     </a:p>
                   </a:txBody>
-                  <a:tcPr marT="91425" marB="91425" marR="91425" marL="91425">
+                  <a:tcPr marL="91425" marR="91425" marT="91425" marB="91425">
                     <a:solidFill>
                       <a:srgbClr val="D9D9D9"/>
                     </a:solidFill>
@@ -7905,12 +8480,10 @@
               <a:tr h="453625">
                 <a:tc>
                   <a:txBody>
-                    <a:bodyPr>
-                      <a:noAutofit/>
-                    </a:bodyPr>
+                    <a:bodyPr/>
                     <a:lstStyle/>
                     <a:p>
-                      <a:pPr rtl="0" algn="just">
+                      <a:pPr algn="just" rtl="0">
                         <a:lnSpc>
                           <a:spcPct val="150000"/>
                         </a:lnSpc>
@@ -7920,12 +8493,16 @@
                         <a:buNone/>
                       </a:pPr>
                       <a:r>
-                        <a:rPr lang="pt-BR" sz="1100"/>
+                        <a:rPr lang="pt-BR" sz="1100">
+                          <a:solidFill>
+                            <a:schemeClr val="bg2"/>
+                          </a:solidFill>
+                        </a:rPr>
                         <a:t>Deivid Azevedo de Lima</a:t>
                       </a:r>
                     </a:p>
                   </a:txBody>
-                  <a:tcPr marT="91425" marB="91425" marR="91425" marL="91425">
+                  <a:tcPr marL="91425" marR="91425" marT="91425" marB="91425">
                     <a:solidFill>
                       <a:srgbClr val="EFEFEF"/>
                     </a:solidFill>
@@ -7933,9 +8510,7 @@
                 </a:tc>
                 <a:tc>
                   <a:txBody>
-                    <a:bodyPr>
-                      <a:noAutofit/>
-                    </a:bodyPr>
+                    <a:bodyPr/>
                     <a:lstStyle/>
                     <a:p>
                       <a:pPr>
@@ -7945,12 +8520,16 @@
                         <a:buNone/>
                       </a:pPr>
                       <a:r>
-                        <a:rPr lang="pt-BR" sz="1100"/>
+                        <a:rPr lang="pt-BR" sz="1100">
+                          <a:solidFill>
+                            <a:schemeClr val="bg2"/>
+                          </a:solidFill>
+                        </a:rPr>
                         <a:t>Líder do Projeto</a:t>
                       </a:r>
                     </a:p>
                   </a:txBody>
-                  <a:tcPr marT="91425" marB="91425" marR="91425" marL="91425">
+                  <a:tcPr marL="91425" marR="91425" marT="91425" marB="91425">
                     <a:solidFill>
                       <a:srgbClr val="EFEFEF"/>
                     </a:solidFill>
@@ -7958,9 +8537,7 @@
                 </a:tc>
                 <a:tc>
                   <a:txBody>
-                    <a:bodyPr>
-                      <a:noAutofit/>
-                    </a:bodyPr>
+                    <a:bodyPr/>
                     <a:lstStyle/>
                     <a:p>
                       <a:pPr>
@@ -7970,12 +8547,16 @@
                         <a:buNone/>
                       </a:pPr>
                       <a:r>
-                        <a:rPr lang="pt-BR" sz="1100"/>
+                        <a:rPr lang="pt-BR" sz="1100">
+                          <a:solidFill>
+                            <a:schemeClr val="bg2"/>
+                          </a:solidFill>
+                        </a:rPr>
                         <a:t>Indy/Widancássio</a:t>
                       </a:r>
                     </a:p>
                   </a:txBody>
-                  <a:tcPr marT="91425" marB="91425" marR="91425" marL="91425">
+                  <a:tcPr marL="91425" marR="91425" marT="91425" marB="91425">
                     <a:solidFill>
                       <a:srgbClr val="EFEFEF"/>
                     </a:solidFill>
@@ -7985,12 +8566,10 @@
               <a:tr h="453625">
                 <a:tc>
                   <a:txBody>
-                    <a:bodyPr>
-                      <a:noAutofit/>
-                    </a:bodyPr>
+                    <a:bodyPr/>
                     <a:lstStyle/>
                     <a:p>
-                      <a:pPr rtl="0" algn="just">
+                      <a:pPr algn="just" rtl="0">
                         <a:lnSpc>
                           <a:spcPct val="150000"/>
                         </a:lnSpc>
@@ -8000,12 +8579,16 @@
                         <a:buNone/>
                       </a:pPr>
                       <a:r>
-                        <a:rPr lang="pt-BR" sz="1100"/>
+                        <a:rPr lang="pt-BR" sz="1100">
+                          <a:solidFill>
+                            <a:schemeClr val="bg2"/>
+                          </a:solidFill>
+                        </a:rPr>
                         <a:t>Indy Paula Soares Cordeiro e Silva</a:t>
                       </a:r>
                     </a:p>
                   </a:txBody>
-                  <a:tcPr marT="91425" marB="91425" marR="91425" marL="91425">
+                  <a:tcPr marL="91425" marR="91425" marT="91425" marB="91425">
                     <a:solidFill>
                       <a:srgbClr val="EFEFEF"/>
                     </a:solidFill>
@@ -8013,9 +8596,7 @@
                 </a:tc>
                 <a:tc>
                   <a:txBody>
-                    <a:bodyPr>
-                      <a:noAutofit/>
-                    </a:bodyPr>
+                    <a:bodyPr/>
                     <a:lstStyle/>
                     <a:p>
                       <a:pPr>
@@ -8025,12 +8606,16 @@
                         <a:buNone/>
                       </a:pPr>
                       <a:r>
-                        <a:rPr lang="pt-BR" sz="1100"/>
+                        <a:rPr lang="pt-BR" sz="1100">
+                          <a:solidFill>
+                            <a:schemeClr val="bg2"/>
+                          </a:solidFill>
+                        </a:rPr>
                         <a:t>Testador</a:t>
                       </a:r>
                     </a:p>
                   </a:txBody>
-                  <a:tcPr marT="91425" marB="91425" marR="91425" marL="91425">
+                  <a:tcPr marL="91425" marR="91425" marT="91425" marB="91425">
                     <a:solidFill>
                       <a:srgbClr val="EFEFEF"/>
                     </a:solidFill>
@@ -8038,9 +8623,7 @@
                 </a:tc>
                 <a:tc>
                   <a:txBody>
-                    <a:bodyPr>
-                      <a:noAutofit/>
-                    </a:bodyPr>
+                    <a:bodyPr/>
                     <a:lstStyle/>
                     <a:p>
                       <a:pPr>
@@ -8050,12 +8633,16 @@
                         <a:buNone/>
                       </a:pPr>
                       <a:r>
-                        <a:rPr lang="pt-BR" sz="1100"/>
+                        <a:rPr lang="pt-BR" sz="1100">
+                          <a:solidFill>
+                            <a:schemeClr val="bg2"/>
+                          </a:solidFill>
+                        </a:rPr>
                         <a:t>Deivid/Widancássio</a:t>
                       </a:r>
                     </a:p>
                   </a:txBody>
-                  <a:tcPr marT="91425" marB="91425" marR="91425" marL="91425">
+                  <a:tcPr marL="91425" marR="91425" marT="91425" marB="91425">
                     <a:solidFill>
                       <a:srgbClr val="EFEFEF"/>
                     </a:solidFill>
@@ -8065,12 +8652,10 @@
               <a:tr h="453625">
                 <a:tc>
                   <a:txBody>
-                    <a:bodyPr>
-                      <a:noAutofit/>
-                    </a:bodyPr>
+                    <a:bodyPr/>
                     <a:lstStyle/>
                     <a:p>
-                      <a:pPr rtl="0" algn="just">
+                      <a:pPr algn="just" rtl="0">
                         <a:lnSpc>
                           <a:spcPct val="150000"/>
                         </a:lnSpc>
@@ -8080,12 +8665,16 @@
                         <a:buNone/>
                       </a:pPr>
                       <a:r>
-                        <a:rPr lang="pt-BR" sz="1100"/>
+                        <a:rPr lang="pt-BR" sz="1100">
+                          <a:solidFill>
+                            <a:schemeClr val="bg2"/>
+                          </a:solidFill>
+                        </a:rPr>
                         <a:t>Widancássio Galindo da Silva</a:t>
                       </a:r>
                     </a:p>
                   </a:txBody>
-                  <a:tcPr marT="91425" marB="91425" marR="91425" marL="91425">
+                  <a:tcPr marL="91425" marR="91425" marT="91425" marB="91425">
                     <a:solidFill>
                       <a:srgbClr val="EFEFEF"/>
                     </a:solidFill>
@@ -8093,9 +8682,7 @@
                 </a:tc>
                 <a:tc>
                   <a:txBody>
-                    <a:bodyPr>
-                      <a:noAutofit/>
-                    </a:bodyPr>
+                    <a:bodyPr/>
                     <a:lstStyle/>
                     <a:p>
                       <a:pPr>
@@ -8105,12 +8692,16 @@
                         <a:buNone/>
                       </a:pPr>
                       <a:r>
-                        <a:rPr lang="pt-BR" sz="1100"/>
+                        <a:rPr lang="pt-BR" sz="1100">
+                          <a:solidFill>
+                            <a:schemeClr val="bg2"/>
+                          </a:solidFill>
+                        </a:rPr>
                         <a:t>Gerente de Configuração</a:t>
                       </a:r>
                     </a:p>
                   </a:txBody>
-                  <a:tcPr marT="91425" marB="91425" marR="91425" marL="91425">
+                  <a:tcPr marL="91425" marR="91425" marT="91425" marB="91425">
                     <a:solidFill>
                       <a:srgbClr val="EFEFEF"/>
                     </a:solidFill>
@@ -8118,9 +8709,7 @@
                 </a:tc>
                 <a:tc>
                   <a:txBody>
-                    <a:bodyPr>
-                      <a:noAutofit/>
-                    </a:bodyPr>
+                    <a:bodyPr/>
                     <a:lstStyle/>
                     <a:p>
                       <a:pPr>
@@ -8130,12 +8719,16 @@
                         <a:buNone/>
                       </a:pPr>
                       <a:r>
-                        <a:rPr lang="pt-BR" sz="1100"/>
+                        <a:rPr lang="pt-BR" sz="1100">
+                          <a:solidFill>
+                            <a:schemeClr val="bg2"/>
+                          </a:solidFill>
+                        </a:rPr>
                         <a:t>Indy/Deivid</a:t>
                       </a:r>
                     </a:p>
                   </a:txBody>
-                  <a:tcPr marT="91425" marB="91425" marR="91425" marL="91425">
+                  <a:tcPr marL="91425" marR="91425" marT="91425" marB="91425">
                     <a:solidFill>
                       <a:srgbClr val="EFEFEF"/>
                     </a:solidFill>
@@ -8145,12 +8738,10 @@
               <a:tr h="453625">
                 <a:tc>
                   <a:txBody>
-                    <a:bodyPr>
-                      <a:noAutofit/>
-                    </a:bodyPr>
+                    <a:bodyPr/>
                     <a:lstStyle/>
                     <a:p>
-                      <a:pPr rtl="0" algn="just">
+                      <a:pPr algn="just" rtl="0">
                         <a:lnSpc>
                           <a:spcPct val="150000"/>
                         </a:lnSpc>
@@ -8160,12 +8751,16 @@
                         <a:buNone/>
                       </a:pPr>
                       <a:r>
-                        <a:rPr lang="pt-BR" sz="1100"/>
+                        <a:rPr lang="pt-BR" sz="1100">
+                          <a:solidFill>
+                            <a:schemeClr val="bg2"/>
+                          </a:solidFill>
+                        </a:rPr>
                         <a:t>Membros da equipe</a:t>
                       </a:r>
                     </a:p>
                   </a:txBody>
-                  <a:tcPr marT="91425" marB="91425" marR="91425" marL="91425">
+                  <a:tcPr marL="91425" marR="91425" marT="91425" marB="91425">
                     <a:solidFill>
                       <a:srgbClr val="EFEFEF"/>
                     </a:solidFill>
@@ -8173,9 +8768,7 @@
                 </a:tc>
                 <a:tc>
                   <a:txBody>
-                    <a:bodyPr>
-                      <a:noAutofit/>
-                    </a:bodyPr>
+                    <a:bodyPr/>
                     <a:lstStyle/>
                     <a:p>
                       <a:pPr rtl="0">
@@ -8185,12 +8778,16 @@
                         <a:buNone/>
                       </a:pPr>
                       <a:r>
-                        <a:rPr lang="pt-BR" sz="1100"/>
+                        <a:rPr lang="pt-BR" sz="1100" dirty="0">
+                          <a:solidFill>
+                            <a:schemeClr val="bg2"/>
+                          </a:solidFill>
+                        </a:rPr>
                         <a:t>Desenvolvedor</a:t>
                       </a:r>
                     </a:p>
                   </a:txBody>
-                  <a:tcPr marT="91425" marB="91425" marR="91425" marL="91425">
+                  <a:tcPr marL="91425" marR="91425" marT="91425" marB="91425">
                     <a:solidFill>
                       <a:srgbClr val="EFEFEF"/>
                     </a:solidFill>
@@ -8198,9 +8795,7 @@
                 </a:tc>
                 <a:tc>
                   <a:txBody>
-                    <a:bodyPr>
-                      <a:noAutofit/>
-                    </a:bodyPr>
+                    <a:bodyPr/>
                     <a:lstStyle/>
                     <a:p>
                       <a:pPr rtl="0">
@@ -8210,12 +8805,16 @@
                         <a:buNone/>
                       </a:pPr>
                       <a:r>
-                        <a:rPr lang="pt-BR" sz="1100"/>
+                        <a:rPr lang="pt-BR" sz="1100">
+                          <a:solidFill>
+                            <a:schemeClr val="bg2"/>
+                          </a:solidFill>
+                        </a:rPr>
                         <a:t>-</a:t>
                       </a:r>
                     </a:p>
                   </a:txBody>
-                  <a:tcPr marT="91425" marB="91425" marR="91425" marL="91425">
+                  <a:tcPr marL="91425" marR="91425" marT="91425" marB="91425">
                     <a:solidFill>
                       <a:srgbClr val="EFEFEF"/>
                     </a:solidFill>
@@ -8225,9 +8824,7 @@
               <a:tr h="453625">
                 <a:tc>
                   <a:txBody>
-                    <a:bodyPr>
-                      <a:noAutofit/>
-                    </a:bodyPr>
+                    <a:bodyPr/>
                     <a:lstStyle/>
                     <a:p>
                       <a:pPr rtl="0">
@@ -8240,12 +8837,16 @@
                         <a:buNone/>
                       </a:pPr>
                       <a:r>
-                        <a:rPr lang="pt-BR" sz="1100"/>
+                        <a:rPr lang="pt-BR" sz="1100">
+                          <a:solidFill>
+                            <a:schemeClr val="bg2"/>
+                          </a:solidFill>
+                        </a:rPr>
                         <a:t>Maria Elenice Pereira da Silva</a:t>
                       </a:r>
                     </a:p>
                   </a:txBody>
-                  <a:tcPr marT="91425" marB="91425" marR="91425" marL="91425">
+                  <a:tcPr marL="91425" marR="91425" marT="91425" marB="91425">
                     <a:solidFill>
                       <a:srgbClr val="EFEFEF"/>
                     </a:solidFill>
@@ -8253,9 +8854,7 @@
                 </a:tc>
                 <a:tc>
                   <a:txBody>
-                    <a:bodyPr>
-                      <a:noAutofit/>
-                    </a:bodyPr>
+                    <a:bodyPr/>
                     <a:lstStyle/>
                     <a:p>
                       <a:pPr>
@@ -8265,12 +8864,16 @@
                         <a:buNone/>
                       </a:pPr>
                       <a:r>
-                        <a:rPr lang="pt-BR" sz="1100"/>
+                        <a:rPr lang="pt-BR" sz="1100">
+                          <a:solidFill>
+                            <a:schemeClr val="bg2"/>
+                          </a:solidFill>
+                        </a:rPr>
                         <a:t>Cliente</a:t>
                       </a:r>
                     </a:p>
                   </a:txBody>
-                  <a:tcPr marT="91425" marB="91425" marR="91425" marL="91425">
+                  <a:tcPr marL="91425" marR="91425" marT="91425" marB="91425">
                     <a:solidFill>
                       <a:srgbClr val="EFEFEF"/>
                     </a:solidFill>
@@ -8278,9 +8881,7 @@
                 </a:tc>
                 <a:tc>
                   <a:txBody>
-                    <a:bodyPr>
-                      <a:noAutofit/>
-                    </a:bodyPr>
+                    <a:bodyPr/>
                     <a:lstStyle/>
                     <a:p>
                       <a:pPr>
@@ -8290,12 +8891,16 @@
                         <a:buNone/>
                       </a:pPr>
                       <a:r>
-                        <a:rPr lang="pt-BR" sz="1100"/>
+                        <a:rPr lang="pt-BR" sz="1100">
+                          <a:solidFill>
+                            <a:schemeClr val="bg2"/>
+                          </a:solidFill>
+                        </a:rPr>
                         <a:t>-</a:t>
                       </a:r>
                     </a:p>
                   </a:txBody>
-                  <a:tcPr marT="91425" marB="91425" marR="91425" marL="91425">
+                  <a:tcPr marL="91425" marR="91425" marT="91425" marB="91425">
                     <a:solidFill>
                       <a:srgbClr val="EFEFEF"/>
                     </a:solidFill>
@@ -8305,9 +8910,7 @@
               <a:tr h="453625">
                 <a:tc>
                   <a:txBody>
-                    <a:bodyPr>
-                      <a:noAutofit/>
-                    </a:bodyPr>
+                    <a:bodyPr/>
                     <a:lstStyle/>
                     <a:p>
                       <a:pPr rtl="0">
@@ -8320,12 +8923,16 @@
                         <a:buNone/>
                       </a:pPr>
                       <a:r>
-                        <a:rPr lang="pt-BR" sz="1100"/>
+                        <a:rPr lang="pt-BR" sz="1100">
+                          <a:solidFill>
+                            <a:schemeClr val="bg2"/>
+                          </a:solidFill>
+                        </a:rPr>
                         <a:t>Felipe Louise Pereira Ferreira</a:t>
                       </a:r>
                     </a:p>
                   </a:txBody>
-                  <a:tcPr marT="91425" marB="91425" marR="91425" marL="91425">
+                  <a:tcPr marL="91425" marR="91425" marT="91425" marB="91425">
                     <a:solidFill>
                       <a:srgbClr val="EFEFEF"/>
                     </a:solidFill>
@@ -8333,9 +8940,7 @@
                 </a:tc>
                 <a:tc>
                   <a:txBody>
-                    <a:bodyPr>
-                      <a:noAutofit/>
-                    </a:bodyPr>
+                    <a:bodyPr/>
                     <a:lstStyle/>
                     <a:p>
                       <a:pPr>
@@ -8345,12 +8950,16 @@
                         <a:buNone/>
                       </a:pPr>
                       <a:r>
-                        <a:rPr lang="pt-BR" sz="1100"/>
+                        <a:rPr lang="pt-BR" sz="1100">
+                          <a:solidFill>
+                            <a:schemeClr val="bg2"/>
+                          </a:solidFill>
+                        </a:rPr>
                         <a:t>Cliente</a:t>
                       </a:r>
                     </a:p>
                   </a:txBody>
-                  <a:tcPr marT="91425" marB="91425" marR="91425" marL="91425">
+                  <a:tcPr marL="91425" marR="91425" marT="91425" marB="91425">
                     <a:solidFill>
                       <a:srgbClr val="EFEFEF"/>
                     </a:solidFill>
@@ -8358,9 +8967,7 @@
                 </a:tc>
                 <a:tc>
                   <a:txBody>
-                    <a:bodyPr>
-                      <a:noAutofit/>
-                    </a:bodyPr>
+                    <a:bodyPr/>
                     <a:lstStyle/>
                     <a:p>
                       <a:pPr>
@@ -8370,12 +8977,16 @@
                         <a:buNone/>
                       </a:pPr>
                       <a:r>
-                        <a:rPr lang="pt-BR" sz="1100"/>
+                        <a:rPr lang="pt-BR" sz="1100">
+                          <a:solidFill>
+                            <a:schemeClr val="bg2"/>
+                          </a:solidFill>
+                        </a:rPr>
                         <a:t>-</a:t>
                       </a:r>
                     </a:p>
                   </a:txBody>
-                  <a:tcPr marT="91425" marB="91425" marR="91425" marL="91425">
+                  <a:tcPr marL="91425" marR="91425" marT="91425" marB="91425">
                     <a:solidFill>
                       <a:srgbClr val="EFEFEF"/>
                     </a:solidFill>
@@ -8385,12 +8996,10 @@
               <a:tr h="453625">
                 <a:tc>
                   <a:txBody>
-                    <a:bodyPr>
-                      <a:noAutofit/>
-                    </a:bodyPr>
+                    <a:bodyPr/>
                     <a:lstStyle/>
                     <a:p>
-                      <a:pPr rtl="0" algn="just">
+                      <a:pPr algn="just" rtl="0">
                         <a:lnSpc>
                           <a:spcPct val="150000"/>
                         </a:lnSpc>
@@ -8400,12 +9009,16 @@
                         <a:buNone/>
                       </a:pPr>
                       <a:r>
-                        <a:rPr lang="pt-BR" sz="1100"/>
+                        <a:rPr lang="pt-BR" sz="1100">
+                          <a:solidFill>
+                            <a:schemeClr val="bg2"/>
+                          </a:solidFill>
+                        </a:rPr>
                         <a:t>Ednaldo Dilorenzo</a:t>
                       </a:r>
                     </a:p>
                   </a:txBody>
-                  <a:tcPr marT="91425" marB="91425" marR="91425" marL="91425">
+                  <a:tcPr marL="91425" marR="91425" marT="91425" marB="91425">
                     <a:solidFill>
                       <a:srgbClr val="EFEFEF"/>
                     </a:solidFill>
@@ -8413,9 +9026,7 @@
                 </a:tc>
                 <a:tc>
                   <a:txBody>
-                    <a:bodyPr>
-                      <a:noAutofit/>
-                    </a:bodyPr>
+                    <a:bodyPr/>
                     <a:lstStyle/>
                     <a:p>
                       <a:pPr lvl="0" rtl="0">
@@ -8428,12 +9039,16 @@
                         <a:buNone/>
                       </a:pPr>
                       <a:r>
-                        <a:rPr lang="pt-BR" sz="1100"/>
+                        <a:rPr lang="pt-BR" sz="1100">
+                          <a:solidFill>
+                            <a:schemeClr val="bg2"/>
+                          </a:solidFill>
+                        </a:rPr>
                         <a:t>Analista de Qualidade</a:t>
                       </a:r>
                     </a:p>
                   </a:txBody>
-                  <a:tcPr marT="91425" marB="91425" marR="91425" marL="91425">
+                  <a:tcPr marL="91425" marR="91425" marT="91425" marB="91425">
                     <a:solidFill>
                       <a:srgbClr val="EFEFEF"/>
                     </a:solidFill>
@@ -8441,9 +9056,7 @@
                 </a:tc>
                 <a:tc>
                   <a:txBody>
-                    <a:bodyPr>
-                      <a:noAutofit/>
-                    </a:bodyPr>
+                    <a:bodyPr/>
                     <a:lstStyle/>
                     <a:p>
                       <a:pPr>
@@ -8453,12 +9066,16 @@
                         <a:buNone/>
                       </a:pPr>
                       <a:r>
-                        <a:rPr lang="pt-BR" sz="1100"/>
+                        <a:rPr lang="pt-BR" sz="1100" dirty="0">
+                          <a:solidFill>
+                            <a:schemeClr val="bg2"/>
+                          </a:solidFill>
+                        </a:rPr>
                         <a:t>-</a:t>
                       </a:r>
                     </a:p>
                   </a:txBody>
-                  <a:tcPr marT="91425" marB="91425" marR="91425" marL="91425">
+                  <a:tcPr marL="91425" marR="91425" marT="91425" marB="91425">
                     <a:solidFill>
                       <a:srgbClr val="EFEFEF"/>
                     </a:solidFill>
@@ -8481,11 +9098,11 @@
 </file>
 
 <file path=ppt/slides/slide8.xml><?xml version="1.0" encoding="utf-8"?>
-<p:sld xmlns:a="http://schemas.openxmlformats.org/drawingml/2006/main" xmlns:r="http://schemas.openxmlformats.org/officeDocument/2006/relationships" xmlns:mc="http://schemas.openxmlformats.org/markup-compatibility/2006" xmlns:mv="urn:schemas-microsoft-com:mac:vml" xmlns:p="http://schemas.openxmlformats.org/presentationml/2006/main" xmlns:c="http://schemas.openxmlformats.org/drawingml/2006/chart" xmlns:dgm="http://schemas.openxmlformats.org/drawingml/2006/diagram" xmlns:o="urn:schemas-microsoft-com:office:office" xmlns:v="urn:schemas-microsoft-com:vml" xmlns:pvml="urn:schemas-microsoft-com:office:powerpoint" xmlns:com="http://schemas.openxmlformats.org/drawingml/2006/compatibility" xmlns:p14="http://schemas.microsoft.com/office/powerpoint/2010/main">
+<p:sld xmlns:a="http://schemas.openxmlformats.org/drawingml/2006/main" xmlns:r="http://schemas.openxmlformats.org/officeDocument/2006/relationships" xmlns:p="http://schemas.openxmlformats.org/presentationml/2006/main">
   <p:cSld>
     <p:spTree>
       <p:nvGrpSpPr>
-        <p:cNvPr id="117" name="Shape 117"/>
+        <p:cNvPr id="1" name="Shape 117"/>
         <p:cNvGrpSpPr/>
         <p:nvPr/>
       </p:nvGrpSpPr>
@@ -8500,7 +9117,9 @@
       <p:sp>
         <p:nvSpPr>
           <p:cNvPr id="118" name="Shape 118"/>
-          <p:cNvSpPr txBox="1"/>
+          <p:cNvSpPr txBox="1">
+            <a:spLocks noGrp="1"/>
+          </p:cNvSpPr>
           <p:nvPr>
             <p:ph type="title"/>
           </p:nvPr>
@@ -8515,7 +9134,7 @@
           </a:prstGeom>
         </p:spPr>
         <p:txBody>
-          <a:bodyPr anchorCtr="0" anchor="t" bIns="91425" lIns="91425" rIns="91425" tIns="91425">
+          <a:bodyPr lIns="91425" tIns="91425" rIns="91425" bIns="91425" anchor="t" anchorCtr="0">
             <a:noAutofit/>
           </a:bodyPr>
           <a:lstStyle/>
@@ -8536,9 +9155,11 @@
       <p:sp>
         <p:nvSpPr>
           <p:cNvPr id="119" name="Shape 119"/>
-          <p:cNvSpPr txBox="1"/>
+          <p:cNvSpPr txBox="1">
+            <a:spLocks noGrp="1"/>
+          </p:cNvSpPr>
           <p:nvPr>
-            <p:ph idx="1" type="body"/>
+            <p:ph type="body" idx="1"/>
           </p:nvPr>
         </p:nvSpPr>
         <p:spPr>
@@ -8551,19 +9172,27 @@
           </a:prstGeom>
         </p:spPr>
         <p:txBody>
-          <a:bodyPr anchorCtr="0" anchor="t" bIns="91425" lIns="91425" rIns="91425" tIns="91425">
+          <a:bodyPr lIns="91425" tIns="91425" rIns="91425" bIns="91425" anchor="t" anchorCtr="0">
             <a:noAutofit/>
           </a:bodyPr>
           <a:lstStyle/>
           <a:p>
-            <a:pPr indent="-228600" lvl="0" marL="457200">
+            <a:pPr marL="457200" lvl="0" indent="-228600">
               <a:spcBef>
                 <a:spcPts val="0"/>
               </a:spcBef>
             </a:pPr>
             <a:r>
-              <a:rPr lang="pt-BR"/>
-              <a:t>Verificar Planilha dos Itens de backlog;</a:t>
+              <a:rPr lang="pt-BR" dirty="0"/>
+              <a:t>Verificar Planilha dos Itens de </a:t>
+            </a:r>
+            <a:r>
+              <a:rPr lang="pt-BR" dirty="0" err="1"/>
+              <a:t>backlog</a:t>
+            </a:r>
+            <a:r>
+              <a:rPr lang="pt-BR" dirty="0"/>
+              <a:t>;</a:t>
             </a:r>
           </a:p>
         </p:txBody>
@@ -8606,7 +9235,7 @@
           <a:blip r:embed="rId4">
             <a:alphaModFix/>
           </a:blip>
-          <a:srcRect b="0" l="0" r="0" t="0"/>
+          <a:srcRect/>
           <a:stretch/>
         </p:blipFill>
         <p:spPr>
@@ -8635,11 +9264,11 @@
 </file>
 
 <file path=ppt/slides/slide9.xml><?xml version="1.0" encoding="utf-8"?>
-<p:sld xmlns:a="http://schemas.openxmlformats.org/drawingml/2006/main" xmlns:r="http://schemas.openxmlformats.org/officeDocument/2006/relationships" xmlns:mc="http://schemas.openxmlformats.org/markup-compatibility/2006" xmlns:mv="urn:schemas-microsoft-com:mac:vml" xmlns:p="http://schemas.openxmlformats.org/presentationml/2006/main" xmlns:c="http://schemas.openxmlformats.org/drawingml/2006/chart" xmlns:dgm="http://schemas.openxmlformats.org/drawingml/2006/diagram" xmlns:o="urn:schemas-microsoft-com:office:office" xmlns:v="urn:schemas-microsoft-com:vml" xmlns:pvml="urn:schemas-microsoft-com:office:powerpoint" xmlns:com="http://schemas.openxmlformats.org/drawingml/2006/compatibility" xmlns:p14="http://schemas.microsoft.com/office/powerpoint/2010/main">
+<p:sld xmlns:a="http://schemas.openxmlformats.org/drawingml/2006/main" xmlns:r="http://schemas.openxmlformats.org/officeDocument/2006/relationships" xmlns:p="http://schemas.openxmlformats.org/presentationml/2006/main">
   <p:cSld>
     <p:spTree>
       <p:nvGrpSpPr>
-        <p:cNvPr id="125" name="Shape 125"/>
+        <p:cNvPr id="1" name="Shape 125"/>
         <p:cNvGrpSpPr/>
         <p:nvPr/>
       </p:nvGrpSpPr>
@@ -8654,7 +9283,9 @@
       <p:sp>
         <p:nvSpPr>
           <p:cNvPr id="126" name="Shape 126"/>
-          <p:cNvSpPr txBox="1"/>
+          <p:cNvSpPr txBox="1">
+            <a:spLocks noGrp="1"/>
+          </p:cNvSpPr>
           <p:nvPr>
             <p:ph type="title"/>
           </p:nvPr>
@@ -8669,7 +9300,7 @@
           </a:prstGeom>
         </p:spPr>
         <p:txBody>
-          <a:bodyPr anchorCtr="0" anchor="t" bIns="91425" lIns="91425" rIns="91425" tIns="91425">
+          <a:bodyPr lIns="91425" tIns="91425" rIns="91425" bIns="91425" anchor="t" anchorCtr="0">
             <a:noAutofit/>
           </a:bodyPr>
           <a:lstStyle/>
@@ -8690,9 +9321,11 @@
       <p:sp>
         <p:nvSpPr>
           <p:cNvPr id="127" name="Shape 127"/>
-          <p:cNvSpPr txBox="1"/>
+          <p:cNvSpPr txBox="1">
+            <a:spLocks noGrp="1"/>
+          </p:cNvSpPr>
           <p:nvPr>
-            <p:ph idx="1" type="body"/>
+            <p:ph type="body" idx="1"/>
           </p:nvPr>
         </p:nvSpPr>
         <p:spPr>
@@ -8705,101 +9338,82 @@
           </a:prstGeom>
         </p:spPr>
         <p:txBody>
-          <a:bodyPr anchorCtr="0" anchor="t" bIns="91425" lIns="91425" rIns="91425" tIns="91425">
+          <a:bodyPr lIns="91425" tIns="91425" rIns="91425" bIns="91425" anchor="t" anchorCtr="0">
             <a:noAutofit/>
           </a:bodyPr>
           <a:lstStyle/>
           <a:p>
-            <a:pPr indent="-228600" lvl="0" marL="457200" rtl="0">
+            <a:pPr marL="457200" lvl="0" indent="-228600" rtl="0">
               <a:spcBef>
                 <a:spcPts val="0"/>
               </a:spcBef>
             </a:pPr>
             <a:r>
-              <a:rPr lang="pt-BR"/>
+              <a:rPr lang="pt-BR" dirty="0"/>
               <a:t>Disponibilidade dos Clientes;</a:t>
             </a:r>
           </a:p>
           <a:p>
-            <a:pPr indent="-228600" lvl="0" marL="457200" rtl="0">
+            <a:pPr marL="457200" lvl="0" indent="-228600" rtl="0">
               <a:spcBef>
                 <a:spcPts val="0"/>
               </a:spcBef>
             </a:pPr>
             <a:r>
-              <a:rPr lang="pt-BR"/>
+              <a:rPr lang="pt-BR" dirty="0"/>
               <a:t>Professores atualizarem as atividades frequentemente;</a:t>
             </a:r>
           </a:p>
           <a:p>
-            <a:pPr indent="-228600" lvl="0" marL="457200" rtl="0">
+            <a:pPr marL="457200" lvl="0" indent="-228600" rtl="0">
               <a:spcBef>
                 <a:spcPts val="0"/>
               </a:spcBef>
             </a:pPr>
             <a:r>
-              <a:rPr lang="pt-BR"/>
-              <a:t>SUAP está </a:t>
+              <a:rPr lang="pt-BR" dirty="0"/>
+              <a:t>SUAP estar </a:t>
             </a:r>
             <a:r>
-              <a:rPr i="1" lang="pt-BR"/>
+              <a:rPr lang="pt-BR" i="1" dirty="0"/>
               <a:t>online</a:t>
             </a:r>
             <a:r>
-              <a:rPr lang="pt-BR"/>
+              <a:rPr lang="pt-BR" dirty="0"/>
               <a:t>;</a:t>
             </a:r>
           </a:p>
           <a:p>
-            <a:pPr indent="-228600" lvl="0" marL="457200" rtl="0">
+            <a:pPr marL="457200" lvl="0" indent="-228600" rtl="0">
               <a:spcBef>
                 <a:spcPts val="0"/>
               </a:spcBef>
             </a:pPr>
             <a:r>
-              <a:rPr lang="pt-BR"/>
+              <a:rPr lang="pt-BR" dirty="0"/>
               <a:t>Liberação dos dados pelo sistema acadêmico;</a:t>
             </a:r>
           </a:p>
           <a:p>
-            <a:pPr indent="-228600" lvl="0" marL="457200" rtl="0">
+            <a:pPr marL="457200" lvl="0" indent="-228600" rtl="0">
               <a:spcBef>
                 <a:spcPts val="0"/>
               </a:spcBef>
             </a:pPr>
             <a:r>
-              <a:rPr lang="pt-BR">
-                <a:highlight>
-                  <a:srgbClr val="FFFFFF"/>
-                </a:highlight>
-              </a:rPr>
-              <a:t>Saída de membro de equipe;</a:t>
-            </a:r>
-            <a:r>
-              <a:rPr lang="pt-BR"/>
-              <a:t>;</a:t>
+              <a:rPr lang="pt-BR" dirty="0"/>
+              <a:t>Cliente não pode desistir do projeto;</a:t>
             </a:r>
           </a:p>
           <a:p>
-            <a:pPr indent="-228600" lvl="0" marL="457200" rtl="0">
+            <a:pPr marL="457200" lvl="0" indent="-228600" rtl="0">
               <a:spcBef>
                 <a:spcPts val="0"/>
               </a:spcBef>
             </a:pPr>
             <a:r>
-              <a:rPr lang="pt-BR"/>
-              <a:t>Cliente não poderá desistir do projeto;</a:t>
-            </a:r>
-          </a:p>
-          <a:p>
-            <a:pPr indent="-228600" lvl="0" marL="457200" rtl="0">
-              <a:spcBef>
-                <a:spcPts val="0"/>
-              </a:spcBef>
-            </a:pPr>
-            <a:r>
-              <a:rPr lang="pt-BR"/>
-              <a:t>Computador disponível e com acesso á Internet;</a:t>
+              <a:rPr lang="pt-BR" dirty="0"/>
+              <a:t>Computador/Servidor disponível e com acesso á Internet;</a:t>
             </a:r>
           </a:p>
           <a:p>
@@ -8809,9 +9423,6 @@
               </a:spcBef>
               <a:buNone/>
             </a:pPr>
-            <a:r>
-              <a:t/>
-            </a:r>
             <a:endParaRPr/>
           </a:p>
         </p:txBody>
@@ -8854,7 +9465,7 @@
           <a:blip r:embed="rId4">
             <a:alphaModFix/>
           </a:blip>
-          <a:srcRect b="0" l="0" r="0" t="0"/>
+          <a:srcRect/>
           <a:stretch/>
         </p:blipFill>
         <p:spPr>
@@ -8883,7 +9494,7 @@
 </file>
 
 <file path=ppt/theme/theme1.xml><?xml version="1.0" encoding="utf-8"?>
-<a:theme xmlns:a="http://schemas.openxmlformats.org/drawingml/2006/main" xmlns:r="http://schemas.openxmlformats.org/officeDocument/2006/relationships" name="tropic">
+<a:theme xmlns:a="http://schemas.openxmlformats.org/drawingml/2006/main" name="tropic">
   <a:themeElements>
     <a:clrScheme name="Tropic">
       <a:dk1>
@@ -9158,11 +9769,13 @@
       </a:bgFillStyleLst>
     </a:fmtScheme>
   </a:themeElements>
+  <a:objectDefaults/>
+  <a:extraClrSchemeLst/>
 </a:theme>
 </file>
 
 <file path=ppt/theme/theme2.xml><?xml version="1.0" encoding="utf-8"?>
-<a:theme xmlns:a="http://schemas.openxmlformats.org/drawingml/2006/main" xmlns:r="http://schemas.openxmlformats.org/officeDocument/2006/relationships" name="Custom Theme">
+<a:theme xmlns:a="http://schemas.openxmlformats.org/drawingml/2006/main" name="Custom Theme">
   <a:themeElements>
     <a:clrScheme name="Default">
       <a:dk1>
@@ -9437,5 +10050,7 @@
       </a:bgFillStyleLst>
     </a:fmtScheme>
   </a:themeElements>
+  <a:objectDefaults/>
+  <a:extraClrSchemeLst/>
 </a:theme>
 </file>
--- a/SISAP/000-GERENCIA_DE_PROJETO/PPJ-PLANO_DE_PROJETO - SISAP.pptx
+++ b/SISAP/000-GERENCIA_DE_PROJETO/PPJ-PLANO_DE_PROJETO - SISAP.pptx
@@ -44,7 +44,7 @@
     </p:embeddedFont>
   </p:embeddedFontLst>
   <p:defaultTextStyle>
-    <a:defPPr marR="0" algn="l" rtl="0">
+    <a:defPPr marR="0" lvl="0" algn="l" rtl="0">
       <a:lnSpc>
         <a:spcPct val="100000"/>
       </a:lnSpc>
@@ -55,7 +55,7 @@
         <a:spcPts val="0"/>
       </a:spcAft>
     </a:defPPr>
-    <a:lvl1pPr marR="0" algn="l" rtl="0">
+    <a:lvl1pPr marR="0" lvl="0" algn="l" rtl="0">
       <a:lnSpc>
         <a:spcPct val="100000"/>
       </a:lnSpc>
@@ -66,7 +66,7 @@
         <a:spcPts val="0"/>
       </a:spcAft>
       <a:buNone/>
-      <a:defRPr sz="1400" b="0" i="0" u="none" strike="noStrike" cap="none" baseline="0">
+      <a:defRPr sz="1400" b="0" i="0" u="none" strike="noStrike" cap="none">
         <a:solidFill>
           <a:srgbClr val="000000"/>
         </a:solidFill>
@@ -76,7 +76,7 @@
         <a:sym typeface="Arial"/>
       </a:defRPr>
     </a:lvl1pPr>
-    <a:lvl2pPr marR="0" algn="l" rtl="0">
+    <a:lvl2pPr marR="0" lvl="1" algn="l" rtl="0">
       <a:lnSpc>
         <a:spcPct val="100000"/>
       </a:lnSpc>
@@ -87,7 +87,7 @@
         <a:spcPts val="0"/>
       </a:spcAft>
       <a:buNone/>
-      <a:defRPr sz="1400" b="0" i="0" u="none" strike="noStrike" cap="none" baseline="0">
+      <a:defRPr sz="1400" b="0" i="0" u="none" strike="noStrike" cap="none">
         <a:solidFill>
           <a:srgbClr val="000000"/>
         </a:solidFill>
@@ -97,7 +97,7 @@
         <a:sym typeface="Arial"/>
       </a:defRPr>
     </a:lvl2pPr>
-    <a:lvl3pPr marR="0" algn="l" rtl="0">
+    <a:lvl3pPr marR="0" lvl="2" algn="l" rtl="0">
       <a:lnSpc>
         <a:spcPct val="100000"/>
       </a:lnSpc>
@@ -108,7 +108,7 @@
         <a:spcPts val="0"/>
       </a:spcAft>
       <a:buNone/>
-      <a:defRPr sz="1400" b="0" i="0" u="none" strike="noStrike" cap="none" baseline="0">
+      <a:defRPr sz="1400" b="0" i="0" u="none" strike="noStrike" cap="none">
         <a:solidFill>
           <a:srgbClr val="000000"/>
         </a:solidFill>
@@ -118,7 +118,7 @@
         <a:sym typeface="Arial"/>
       </a:defRPr>
     </a:lvl3pPr>
-    <a:lvl4pPr marR="0" algn="l" rtl="0">
+    <a:lvl4pPr marR="0" lvl="3" algn="l" rtl="0">
       <a:lnSpc>
         <a:spcPct val="100000"/>
       </a:lnSpc>
@@ -129,7 +129,7 @@
         <a:spcPts val="0"/>
       </a:spcAft>
       <a:buNone/>
-      <a:defRPr sz="1400" b="0" i="0" u="none" strike="noStrike" cap="none" baseline="0">
+      <a:defRPr sz="1400" b="0" i="0" u="none" strike="noStrike" cap="none">
         <a:solidFill>
           <a:srgbClr val="000000"/>
         </a:solidFill>
@@ -139,7 +139,7 @@
         <a:sym typeface="Arial"/>
       </a:defRPr>
     </a:lvl4pPr>
-    <a:lvl5pPr marR="0" algn="l" rtl="0">
+    <a:lvl5pPr marR="0" lvl="4" algn="l" rtl="0">
       <a:lnSpc>
         <a:spcPct val="100000"/>
       </a:lnSpc>
@@ -150,7 +150,7 @@
         <a:spcPts val="0"/>
       </a:spcAft>
       <a:buNone/>
-      <a:defRPr sz="1400" b="0" i="0" u="none" strike="noStrike" cap="none" baseline="0">
+      <a:defRPr sz="1400" b="0" i="0" u="none" strike="noStrike" cap="none">
         <a:solidFill>
           <a:srgbClr val="000000"/>
         </a:solidFill>
@@ -160,7 +160,7 @@
         <a:sym typeface="Arial"/>
       </a:defRPr>
     </a:lvl5pPr>
-    <a:lvl6pPr marR="0" algn="l" rtl="0">
+    <a:lvl6pPr marR="0" lvl="5" algn="l" rtl="0">
       <a:lnSpc>
         <a:spcPct val="100000"/>
       </a:lnSpc>
@@ -171,7 +171,7 @@
         <a:spcPts val="0"/>
       </a:spcAft>
       <a:buNone/>
-      <a:defRPr sz="1400" b="0" i="0" u="none" strike="noStrike" cap="none" baseline="0">
+      <a:defRPr sz="1400" b="0" i="0" u="none" strike="noStrike" cap="none">
         <a:solidFill>
           <a:srgbClr val="000000"/>
         </a:solidFill>
@@ -181,7 +181,7 @@
         <a:sym typeface="Arial"/>
       </a:defRPr>
     </a:lvl6pPr>
-    <a:lvl7pPr marR="0" algn="l" rtl="0">
+    <a:lvl7pPr marR="0" lvl="6" algn="l" rtl="0">
       <a:lnSpc>
         <a:spcPct val="100000"/>
       </a:lnSpc>
@@ -192,7 +192,7 @@
         <a:spcPts val="0"/>
       </a:spcAft>
       <a:buNone/>
-      <a:defRPr sz="1400" b="0" i="0" u="none" strike="noStrike" cap="none" baseline="0">
+      <a:defRPr sz="1400" b="0" i="0" u="none" strike="noStrike" cap="none">
         <a:solidFill>
           <a:srgbClr val="000000"/>
         </a:solidFill>
@@ -202,7 +202,7 @@
         <a:sym typeface="Arial"/>
       </a:defRPr>
     </a:lvl7pPr>
-    <a:lvl8pPr marR="0" algn="l" rtl="0">
+    <a:lvl8pPr marR="0" lvl="7" algn="l" rtl="0">
       <a:lnSpc>
         <a:spcPct val="100000"/>
       </a:lnSpc>
@@ -213,7 +213,7 @@
         <a:spcPts val="0"/>
       </a:spcAft>
       <a:buNone/>
-      <a:defRPr sz="1400" b="0" i="0" u="none" strike="noStrike" cap="none" baseline="0">
+      <a:defRPr sz="1400" b="0" i="0" u="none" strike="noStrike" cap="none">
         <a:solidFill>
           <a:srgbClr val="000000"/>
         </a:solidFill>
@@ -223,7 +223,7 @@
         <a:sym typeface="Arial"/>
       </a:defRPr>
     </a:lvl8pPr>
-    <a:lvl9pPr marR="0" algn="l" rtl="0">
+    <a:lvl9pPr marR="0" lvl="8" algn="l" rtl="0">
       <a:lnSpc>
         <a:spcPct val="100000"/>
       </a:lnSpc>
@@ -234,7 +234,7 @@
         <a:spcPts val="0"/>
       </a:spcAft>
       <a:buNone/>
-      <a:defRPr sz="1400" b="0" i="0" u="none" strike="noStrike" cap="none" baseline="0">
+      <a:defRPr sz="1400" b="0" i="0" u="none" strike="noStrike" cap="none">
         <a:solidFill>
           <a:srgbClr val="000000"/>
         </a:solidFill>
@@ -258,7 +258,7 @@
     </p:bg>
     <p:spTree>
       <p:nvGrpSpPr>
-        <p:cNvPr id="1" name="Shape 1"/>
+        <p:cNvPr id="1" name="Shape 2"/>
         <p:cNvGrpSpPr/>
         <p:nvPr/>
       </p:nvGrpSpPr>
@@ -272,7 +272,7 @@
       </p:grpSpPr>
       <p:sp>
         <p:nvSpPr>
-          <p:cNvPr id="2" name="Shape 2"/>
+          <p:cNvPr id="3" name="Shape 3"/>
           <p:cNvSpPr>
             <a:spLocks noGrp="1" noRot="1" noChangeAspect="1"/>
           </p:cNvSpPr>
@@ -323,7 +323,7 @@
       </p:sp>
       <p:sp>
         <p:nvSpPr>
-          <p:cNvPr id="3" name="Shape 3"/>
+          <p:cNvPr id="4" name="Shape 4"/>
           <p:cNvSpPr txBox="1">
             <a:spLocks noGrp="1"/>
           </p:cNvSpPr>
@@ -347,55 +347,55 @@
         <p:txBody>
           <a:bodyPr lIns="91425" tIns="91425" rIns="91425" bIns="91425" anchor="t" anchorCtr="0"/>
           <a:lstStyle>
-            <a:lvl1pPr>
+            <a:lvl1pPr lvl="0">
               <a:spcBef>
                 <a:spcPts val="0"/>
               </a:spcBef>
               <a:defRPr sz="1100"/>
             </a:lvl1pPr>
-            <a:lvl2pPr>
+            <a:lvl2pPr lvl="1">
               <a:spcBef>
                 <a:spcPts val="0"/>
               </a:spcBef>
               <a:defRPr sz="1100"/>
             </a:lvl2pPr>
-            <a:lvl3pPr>
+            <a:lvl3pPr lvl="2">
               <a:spcBef>
                 <a:spcPts val="0"/>
               </a:spcBef>
               <a:defRPr sz="1100"/>
             </a:lvl3pPr>
-            <a:lvl4pPr>
+            <a:lvl4pPr lvl="3">
               <a:spcBef>
                 <a:spcPts val="0"/>
               </a:spcBef>
               <a:defRPr sz="1100"/>
             </a:lvl4pPr>
-            <a:lvl5pPr>
+            <a:lvl5pPr lvl="4">
               <a:spcBef>
                 <a:spcPts val="0"/>
               </a:spcBef>
               <a:defRPr sz="1100"/>
             </a:lvl5pPr>
-            <a:lvl6pPr>
+            <a:lvl6pPr lvl="5">
               <a:spcBef>
                 <a:spcPts val="0"/>
               </a:spcBef>
               <a:defRPr sz="1100"/>
             </a:lvl6pPr>
-            <a:lvl7pPr>
+            <a:lvl7pPr lvl="6">
               <a:spcBef>
                 <a:spcPts val="0"/>
               </a:spcBef>
               <a:defRPr sz="1100"/>
             </a:lvl7pPr>
-            <a:lvl8pPr>
+            <a:lvl8pPr lvl="7">
               <a:spcBef>
                 <a:spcPts val="0"/>
               </a:spcBef>
               <a:defRPr sz="1100"/>
             </a:lvl8pPr>
-            <a:lvl9pPr>
+            <a:lvl9pPr lvl="8">
               <a:spcBef>
                 <a:spcPts val="0"/>
               </a:spcBef>
@@ -510,7 +510,7 @@
   <p:cSld>
     <p:spTree>
       <p:nvGrpSpPr>
-        <p:cNvPr id="1" name="Shape 61"/>
+        <p:cNvPr id="1" name="Shape 62"/>
         <p:cNvGrpSpPr/>
         <p:nvPr/>
       </p:nvGrpSpPr>
@@ -524,7 +524,7 @@
       </p:grpSpPr>
       <p:sp>
         <p:nvSpPr>
-          <p:cNvPr id="62" name="Shape 62"/>
+          <p:cNvPr id="63" name="Shape 63"/>
           <p:cNvSpPr>
             <a:spLocks noGrp="1" noRot="1" noChangeAspect="1"/>
           </p:cNvSpPr>
@@ -575,7 +575,7 @@
       </p:sp>
       <p:sp>
         <p:nvSpPr>
-          <p:cNvPr id="63" name="Shape 63"/>
+          <p:cNvPr id="64" name="Shape 64"/>
           <p:cNvSpPr txBox="1">
             <a:spLocks noGrp="1"/>
           </p:cNvSpPr>
@@ -598,7 +598,7 @@
           </a:bodyPr>
           <a:lstStyle/>
           <a:p>
-            <a:pPr>
+            <a:pPr lvl="0">
               <a:spcBef>
                 <a:spcPts val="0"/>
               </a:spcBef>
@@ -621,7 +621,7 @@
   <p:cSld>
     <p:spTree>
       <p:nvGrpSpPr>
-        <p:cNvPr id="1" name="Shape 130"/>
+        <p:cNvPr id="1" name="Shape 131"/>
         <p:cNvGrpSpPr/>
         <p:nvPr/>
       </p:nvGrpSpPr>
@@ -635,7 +635,7 @@
       </p:grpSpPr>
       <p:sp>
         <p:nvSpPr>
-          <p:cNvPr id="131" name="Shape 131"/>
+          <p:cNvPr id="132" name="Shape 132"/>
           <p:cNvSpPr>
             <a:spLocks noGrp="1" noRot="1" noChangeAspect="1"/>
           </p:cNvSpPr>
@@ -645,7 +645,7 @@
         </p:nvSpPr>
         <p:spPr>
           <a:xfrm>
-            <a:off x="381000" y="685800"/>
+            <a:off x="381300" y="685800"/>
             <a:ext cx="6096000" cy="3429000"/>
           </a:xfrm>
           <a:custGeom>
@@ -686,7 +686,7 @@
       </p:sp>
       <p:sp>
         <p:nvSpPr>
-          <p:cNvPr id="132" name="Shape 132"/>
+          <p:cNvPr id="133" name="Shape 133"/>
           <p:cNvSpPr txBox="1">
             <a:spLocks noGrp="1"/>
           </p:cNvSpPr>
@@ -709,7 +709,7 @@
           </a:bodyPr>
           <a:lstStyle/>
           <a:p>
-            <a:pPr>
+            <a:pPr lvl="0">
               <a:spcBef>
                 <a:spcPts val="0"/>
               </a:spcBef>
@@ -732,7 +732,7 @@
   <p:cSld>
     <p:spTree>
       <p:nvGrpSpPr>
-        <p:cNvPr id="1" name="Shape 138"/>
+        <p:cNvPr id="1" name="Shape 139"/>
         <p:cNvGrpSpPr/>
         <p:nvPr/>
       </p:nvGrpSpPr>
@@ -746,7 +746,7 @@
       </p:grpSpPr>
       <p:sp>
         <p:nvSpPr>
-          <p:cNvPr id="139" name="Shape 139"/>
+          <p:cNvPr id="140" name="Shape 140"/>
           <p:cNvSpPr>
             <a:spLocks noGrp="1" noRot="1" noChangeAspect="1"/>
           </p:cNvSpPr>
@@ -797,7 +797,7 @@
       </p:sp>
       <p:sp>
         <p:nvSpPr>
-          <p:cNvPr id="140" name="Shape 140"/>
+          <p:cNvPr id="141" name="Shape 141"/>
           <p:cNvSpPr txBox="1">
             <a:spLocks noGrp="1"/>
           </p:cNvSpPr>
@@ -820,7 +820,7 @@
           </a:bodyPr>
           <a:lstStyle/>
           <a:p>
-            <a:pPr>
+            <a:pPr lvl="0">
               <a:spcBef>
                 <a:spcPts val="0"/>
               </a:spcBef>
@@ -843,7 +843,7 @@
   <p:cSld>
     <p:spTree>
       <p:nvGrpSpPr>
-        <p:cNvPr id="1" name="Shape 69"/>
+        <p:cNvPr id="1" name="Shape 70"/>
         <p:cNvGrpSpPr/>
         <p:nvPr/>
       </p:nvGrpSpPr>
@@ -857,7 +857,7 @@
       </p:grpSpPr>
       <p:sp>
         <p:nvSpPr>
-          <p:cNvPr id="70" name="Shape 70"/>
+          <p:cNvPr id="71" name="Shape 71"/>
           <p:cNvSpPr>
             <a:spLocks noGrp="1" noRot="1" noChangeAspect="1"/>
           </p:cNvSpPr>
@@ -867,7 +867,7 @@
         </p:nvSpPr>
         <p:spPr>
           <a:xfrm>
-            <a:off x="381000" y="685800"/>
+            <a:off x="381300" y="685800"/>
             <a:ext cx="6096000" cy="3429000"/>
           </a:xfrm>
           <a:custGeom>
@@ -908,7 +908,7 @@
       </p:sp>
       <p:sp>
         <p:nvSpPr>
-          <p:cNvPr id="71" name="Shape 71"/>
+          <p:cNvPr id="72" name="Shape 72"/>
           <p:cNvSpPr txBox="1">
             <a:spLocks noGrp="1"/>
           </p:cNvSpPr>
@@ -931,7 +931,7 @@
           </a:bodyPr>
           <a:lstStyle/>
           <a:p>
-            <a:pPr>
+            <a:pPr lvl="0">
               <a:spcBef>
                 <a:spcPts val="0"/>
               </a:spcBef>
@@ -954,7 +954,7 @@
   <p:cSld>
     <p:spTree>
       <p:nvGrpSpPr>
-        <p:cNvPr id="1" name="Shape 77"/>
+        <p:cNvPr id="1" name="Shape 78"/>
         <p:cNvGrpSpPr/>
         <p:nvPr/>
       </p:nvGrpSpPr>
@@ -968,7 +968,7 @@
       </p:grpSpPr>
       <p:sp>
         <p:nvSpPr>
-          <p:cNvPr id="78" name="Shape 78"/>
+          <p:cNvPr id="79" name="Shape 79"/>
           <p:cNvSpPr>
             <a:spLocks noGrp="1" noRot="1" noChangeAspect="1"/>
           </p:cNvSpPr>
@@ -978,7 +978,7 @@
         </p:nvSpPr>
         <p:spPr>
           <a:xfrm>
-            <a:off x="381000" y="685800"/>
+            <a:off x="381300" y="685800"/>
             <a:ext cx="6096000" cy="3429000"/>
           </a:xfrm>
           <a:custGeom>
@@ -1019,7 +1019,7 @@
       </p:sp>
       <p:sp>
         <p:nvSpPr>
-          <p:cNvPr id="79" name="Shape 79"/>
+          <p:cNvPr id="80" name="Shape 80"/>
           <p:cNvSpPr txBox="1">
             <a:spLocks noGrp="1"/>
           </p:cNvSpPr>
@@ -1042,7 +1042,7 @@
           </a:bodyPr>
           <a:lstStyle/>
           <a:p>
-            <a:pPr>
+            <a:pPr lvl="0">
               <a:spcBef>
                 <a:spcPts val="0"/>
               </a:spcBef>
@@ -1065,7 +1065,7 @@
   <p:cSld>
     <p:spTree>
       <p:nvGrpSpPr>
-        <p:cNvPr id="1" name="Shape 85"/>
+        <p:cNvPr id="1" name="Shape 86"/>
         <p:cNvGrpSpPr/>
         <p:nvPr/>
       </p:nvGrpSpPr>
@@ -1079,7 +1079,7 @@
       </p:grpSpPr>
       <p:sp>
         <p:nvSpPr>
-          <p:cNvPr id="86" name="Shape 86"/>
+          <p:cNvPr id="87" name="Shape 87"/>
           <p:cNvSpPr>
             <a:spLocks noGrp="1" noRot="1" noChangeAspect="1"/>
           </p:cNvSpPr>
@@ -1089,7 +1089,7 @@
         </p:nvSpPr>
         <p:spPr>
           <a:xfrm>
-            <a:off x="381000" y="685800"/>
+            <a:off x="381300" y="685800"/>
             <a:ext cx="6096000" cy="3429000"/>
           </a:xfrm>
           <a:custGeom>
@@ -1130,7 +1130,7 @@
       </p:sp>
       <p:sp>
         <p:nvSpPr>
-          <p:cNvPr id="87" name="Shape 87"/>
+          <p:cNvPr id="88" name="Shape 88"/>
           <p:cNvSpPr txBox="1">
             <a:spLocks noGrp="1"/>
           </p:cNvSpPr>
@@ -1153,7 +1153,7 @@
           </a:bodyPr>
           <a:lstStyle/>
           <a:p>
-            <a:pPr>
+            <a:pPr lvl="0">
               <a:spcBef>
                 <a:spcPts val="0"/>
               </a:spcBef>
@@ -1176,7 +1176,7 @@
   <p:cSld>
     <p:spTree>
       <p:nvGrpSpPr>
-        <p:cNvPr id="1" name="Shape 93"/>
+        <p:cNvPr id="1" name="Shape 94"/>
         <p:cNvGrpSpPr/>
         <p:nvPr/>
       </p:nvGrpSpPr>
@@ -1190,7 +1190,7 @@
       </p:grpSpPr>
       <p:sp>
         <p:nvSpPr>
-          <p:cNvPr id="94" name="Shape 94"/>
+          <p:cNvPr id="95" name="Shape 95"/>
           <p:cNvSpPr>
             <a:spLocks noGrp="1" noRot="1" noChangeAspect="1"/>
           </p:cNvSpPr>
@@ -1200,7 +1200,7 @@
         </p:nvSpPr>
         <p:spPr>
           <a:xfrm>
-            <a:off x="381000" y="685800"/>
+            <a:off x="381300" y="685800"/>
             <a:ext cx="6096000" cy="3429000"/>
           </a:xfrm>
           <a:custGeom>
@@ -1241,7 +1241,7 @@
       </p:sp>
       <p:sp>
         <p:nvSpPr>
-          <p:cNvPr id="95" name="Shape 95"/>
+          <p:cNvPr id="96" name="Shape 96"/>
           <p:cNvSpPr txBox="1">
             <a:spLocks noGrp="1"/>
           </p:cNvSpPr>
@@ -1264,7 +1264,7 @@
           </a:bodyPr>
           <a:lstStyle/>
           <a:p>
-            <a:pPr>
+            <a:pPr lvl="0">
               <a:spcBef>
                 <a:spcPts val="0"/>
               </a:spcBef>
@@ -1287,7 +1287,7 @@
   <p:cSld>
     <p:spTree>
       <p:nvGrpSpPr>
-        <p:cNvPr id="1" name="Shape 101"/>
+        <p:cNvPr id="1" name="Shape 102"/>
         <p:cNvGrpSpPr/>
         <p:nvPr/>
       </p:nvGrpSpPr>
@@ -1301,7 +1301,7 @@
       </p:grpSpPr>
       <p:sp>
         <p:nvSpPr>
-          <p:cNvPr id="102" name="Shape 102"/>
+          <p:cNvPr id="103" name="Shape 103"/>
           <p:cNvSpPr>
             <a:spLocks noGrp="1" noRot="1" noChangeAspect="1"/>
           </p:cNvSpPr>
@@ -1311,7 +1311,7 @@
         </p:nvSpPr>
         <p:spPr>
           <a:xfrm>
-            <a:off x="381000" y="685800"/>
+            <a:off x="381300" y="685800"/>
             <a:ext cx="6096000" cy="3429000"/>
           </a:xfrm>
           <a:custGeom>
@@ -1352,7 +1352,7 @@
       </p:sp>
       <p:sp>
         <p:nvSpPr>
-          <p:cNvPr id="103" name="Shape 103"/>
+          <p:cNvPr id="104" name="Shape 104"/>
           <p:cNvSpPr txBox="1">
             <a:spLocks noGrp="1"/>
           </p:cNvSpPr>
@@ -1375,7 +1375,7 @@
           </a:bodyPr>
           <a:lstStyle/>
           <a:p>
-            <a:pPr>
+            <a:pPr lvl="0">
               <a:spcBef>
                 <a:spcPts val="0"/>
               </a:spcBef>
@@ -1398,7 +1398,7 @@
   <p:cSld>
     <p:spTree>
       <p:nvGrpSpPr>
-        <p:cNvPr id="1" name="Shape 108"/>
+        <p:cNvPr id="1" name="Shape 109"/>
         <p:cNvGrpSpPr/>
         <p:nvPr/>
       </p:nvGrpSpPr>
@@ -1412,7 +1412,7 @@
       </p:grpSpPr>
       <p:sp>
         <p:nvSpPr>
-          <p:cNvPr id="109" name="Shape 109"/>
+          <p:cNvPr id="110" name="Shape 110"/>
           <p:cNvSpPr>
             <a:spLocks noGrp="1" noRot="1" noChangeAspect="1"/>
           </p:cNvSpPr>
@@ -1422,7 +1422,7 @@
         </p:nvSpPr>
         <p:spPr>
           <a:xfrm>
-            <a:off x="381000" y="685800"/>
+            <a:off x="381300" y="685800"/>
             <a:ext cx="6096000" cy="3429000"/>
           </a:xfrm>
           <a:custGeom>
@@ -1463,7 +1463,7 @@
       </p:sp>
       <p:sp>
         <p:nvSpPr>
-          <p:cNvPr id="110" name="Shape 110"/>
+          <p:cNvPr id="111" name="Shape 111"/>
           <p:cNvSpPr txBox="1">
             <a:spLocks noGrp="1"/>
           </p:cNvSpPr>
@@ -1486,7 +1486,7 @@
           </a:bodyPr>
           <a:lstStyle/>
           <a:p>
-            <a:pPr>
+            <a:pPr lvl="0">
               <a:spcBef>
                 <a:spcPts val="0"/>
               </a:spcBef>
@@ -1509,7 +1509,7 @@
   <p:cSld>
     <p:spTree>
       <p:nvGrpSpPr>
-        <p:cNvPr id="1" name="Shape 114"/>
+        <p:cNvPr id="1" name="Shape 115"/>
         <p:cNvGrpSpPr/>
         <p:nvPr/>
       </p:nvGrpSpPr>
@@ -1523,7 +1523,7 @@
       </p:grpSpPr>
       <p:sp>
         <p:nvSpPr>
-          <p:cNvPr id="115" name="Shape 115"/>
+          <p:cNvPr id="116" name="Shape 116"/>
           <p:cNvSpPr>
             <a:spLocks noGrp="1" noRot="1" noChangeAspect="1"/>
           </p:cNvSpPr>
@@ -1574,7 +1574,7 @@
       </p:sp>
       <p:sp>
         <p:nvSpPr>
-          <p:cNvPr id="116" name="Shape 116"/>
+          <p:cNvPr id="117" name="Shape 117"/>
           <p:cNvSpPr txBox="1">
             <a:spLocks noGrp="1"/>
           </p:cNvSpPr>
@@ -1597,7 +1597,7 @@
           </a:bodyPr>
           <a:lstStyle/>
           <a:p>
-            <a:pPr>
+            <a:pPr lvl="0">
               <a:spcBef>
                 <a:spcPts val="0"/>
               </a:spcBef>
@@ -1620,7 +1620,7 @@
   <p:cSld>
     <p:spTree>
       <p:nvGrpSpPr>
-        <p:cNvPr id="1" name="Shape 122"/>
+        <p:cNvPr id="1" name="Shape 123"/>
         <p:cNvGrpSpPr/>
         <p:nvPr/>
       </p:nvGrpSpPr>
@@ -1634,7 +1634,7 @@
       </p:grpSpPr>
       <p:sp>
         <p:nvSpPr>
-          <p:cNvPr id="123" name="Shape 123"/>
+          <p:cNvPr id="124" name="Shape 124"/>
           <p:cNvSpPr>
             <a:spLocks noGrp="1" noRot="1" noChangeAspect="1"/>
           </p:cNvSpPr>
@@ -1685,7 +1685,7 @@
       </p:sp>
       <p:sp>
         <p:nvSpPr>
-          <p:cNvPr id="124" name="Shape 124"/>
+          <p:cNvPr id="125" name="Shape 125"/>
           <p:cNvSpPr txBox="1">
             <a:spLocks noGrp="1"/>
           </p:cNvSpPr>
@@ -1708,7 +1708,7 @@
           </a:bodyPr>
           <a:lstStyle/>
           <a:p>
-            <a:pPr>
+            <a:pPr lvl="0">
               <a:spcBef>
                 <a:spcPts val="0"/>
               </a:spcBef>
@@ -1731,7 +1731,7 @@
   <p:cSld name="Title slide">
     <p:spTree>
       <p:nvGrpSpPr>
-        <p:cNvPr id="1" name="Shape 8"/>
+        <p:cNvPr id="1" name="Shape 9"/>
         <p:cNvGrpSpPr/>
         <p:nvPr/>
       </p:nvGrpSpPr>
@@ -1745,7 +1745,7 @@
       </p:grpSpPr>
       <p:cxnSp>
         <p:nvCxnSpPr>
-          <p:cNvPr id="9" name="Shape 9"/>
+          <p:cNvPr id="10" name="Shape 10"/>
           <p:cNvCxnSpPr/>
           <p:nvPr/>
         </p:nvCxnSpPr>
@@ -1771,7 +1771,7 @@
       </p:cxnSp>
       <p:cxnSp>
         <p:nvCxnSpPr>
-          <p:cNvPr id="10" name="Shape 10"/>
+          <p:cNvPr id="11" name="Shape 11"/>
           <p:cNvCxnSpPr/>
           <p:nvPr/>
         </p:nvCxnSpPr>
@@ -1797,7 +1797,7 @@
       </p:cxnSp>
       <p:grpSp>
         <p:nvGrpSpPr>
-          <p:cNvPr id="11" name="Shape 11"/>
+          <p:cNvPr id="12" name="Shape 12"/>
           <p:cNvGrpSpPr/>
           <p:nvPr/>
         </p:nvGrpSpPr>
@@ -1811,7 +1811,7 @@
         </p:grpSpPr>
         <p:cxnSp>
           <p:nvCxnSpPr>
-            <p:cNvPr id="12" name="Shape 12"/>
+            <p:cNvPr id="13" name="Shape 13"/>
             <p:cNvCxnSpPr/>
             <p:nvPr/>
           </p:nvCxnSpPr>
@@ -1837,7 +1837,7 @@
         </p:cxnSp>
         <p:cxnSp>
           <p:nvCxnSpPr>
-            <p:cNvPr id="13" name="Shape 13"/>
+            <p:cNvPr id="14" name="Shape 14"/>
             <p:cNvCxnSpPr/>
             <p:nvPr/>
           </p:nvCxnSpPr>
@@ -1864,7 +1864,7 @@
       </p:grpSp>
       <p:grpSp>
         <p:nvGrpSpPr>
-          <p:cNvPr id="14" name="Shape 14"/>
+          <p:cNvPr id="15" name="Shape 15"/>
           <p:cNvGrpSpPr/>
           <p:nvPr/>
         </p:nvGrpSpPr>
@@ -1878,7 +1878,7 @@
         </p:grpSpPr>
         <p:cxnSp>
           <p:nvCxnSpPr>
-            <p:cNvPr id="15" name="Shape 15"/>
+            <p:cNvPr id="16" name="Shape 16"/>
             <p:cNvCxnSpPr/>
             <p:nvPr/>
           </p:nvCxnSpPr>
@@ -1904,7 +1904,7 @@
         </p:cxnSp>
         <p:cxnSp>
           <p:nvCxnSpPr>
-            <p:cNvPr id="16" name="Shape 16"/>
+            <p:cNvPr id="17" name="Shape 17"/>
             <p:cNvCxnSpPr/>
             <p:nvPr/>
           </p:nvCxnSpPr>
@@ -1931,7 +1931,7 @@
       </p:grpSp>
       <p:sp>
         <p:nvSpPr>
-          <p:cNvPr id="17" name="Shape 17"/>
+          <p:cNvPr id="18" name="Shape 18"/>
           <p:cNvSpPr txBox="1">
             <a:spLocks noGrp="1"/>
           </p:cNvSpPr>
@@ -1951,222 +1951,68 @@
         <p:txBody>
           <a:bodyPr lIns="91425" tIns="91425" rIns="91425" bIns="91425" anchor="b" anchorCtr="0"/>
           <a:lstStyle>
-            <a:lvl1pPr algn="ctr">
+            <a:lvl1pPr lvl="0" algn="ctr">
               <a:spcBef>
                 <a:spcPts val="0"/>
               </a:spcBef>
               <a:buSzPct val="100000"/>
               <a:defRPr sz="5400"/>
             </a:lvl1pPr>
-            <a:lvl2pPr algn="ctr">
+            <a:lvl2pPr lvl="1" algn="ctr">
               <a:spcBef>
                 <a:spcPts val="0"/>
               </a:spcBef>
               <a:buSzPct val="100000"/>
               <a:defRPr sz="5400"/>
             </a:lvl2pPr>
-            <a:lvl3pPr algn="ctr">
+            <a:lvl3pPr lvl="2" algn="ctr">
               <a:spcBef>
                 <a:spcPts val="0"/>
               </a:spcBef>
               <a:buSzPct val="100000"/>
               <a:defRPr sz="5400"/>
             </a:lvl3pPr>
-            <a:lvl4pPr algn="ctr">
+            <a:lvl4pPr lvl="3" algn="ctr">
               <a:spcBef>
                 <a:spcPts val="0"/>
               </a:spcBef>
               <a:buSzPct val="100000"/>
               <a:defRPr sz="5400"/>
             </a:lvl4pPr>
-            <a:lvl5pPr algn="ctr">
+            <a:lvl5pPr lvl="4" algn="ctr">
               <a:spcBef>
                 <a:spcPts val="0"/>
               </a:spcBef>
               <a:buSzPct val="100000"/>
               <a:defRPr sz="5400"/>
             </a:lvl5pPr>
-            <a:lvl6pPr algn="ctr">
+            <a:lvl6pPr lvl="5" algn="ctr">
               <a:spcBef>
                 <a:spcPts val="0"/>
               </a:spcBef>
               <a:buSzPct val="100000"/>
               <a:defRPr sz="5400"/>
             </a:lvl6pPr>
-            <a:lvl7pPr algn="ctr">
+            <a:lvl7pPr lvl="6" algn="ctr">
               <a:spcBef>
                 <a:spcPts val="0"/>
               </a:spcBef>
               <a:buSzPct val="100000"/>
               <a:defRPr sz="5400"/>
             </a:lvl7pPr>
-            <a:lvl8pPr algn="ctr">
+            <a:lvl8pPr lvl="7" algn="ctr">
               <a:spcBef>
                 <a:spcPts val="0"/>
               </a:spcBef>
               <a:buSzPct val="100000"/>
               <a:defRPr sz="5400"/>
             </a:lvl8pPr>
-            <a:lvl9pPr algn="ctr">
+            <a:lvl9pPr lvl="8" algn="ctr">
               <a:spcBef>
                 <a:spcPts val="0"/>
               </a:spcBef>
               <a:buSzPct val="100000"/>
               <a:defRPr sz="5400"/>
-            </a:lvl9pPr>
-          </a:lstStyle>
-          <a:p>
-            <a:endParaRPr/>
-          </a:p>
-        </p:txBody>
-      </p:sp>
-      <p:sp>
-        <p:nvSpPr>
-          <p:cNvPr id="18" name="Shape 18"/>
-          <p:cNvSpPr txBox="1">
-            <a:spLocks noGrp="1"/>
-          </p:cNvSpPr>
-          <p:nvPr>
-            <p:ph type="subTitle" idx="1"/>
-          </p:nvPr>
-        </p:nvSpPr>
-        <p:spPr>
-          <a:xfrm>
-            <a:off x="2137225" y="2850039"/>
-            <a:ext cx="4870499" cy="792600"/>
-          </a:xfrm>
-          <a:prstGeom prst="rect">
-            <a:avLst/>
-          </a:prstGeom>
-        </p:spPr>
-        <p:txBody>
-          <a:bodyPr lIns="91425" tIns="91425" rIns="91425" bIns="91425" anchor="t" anchorCtr="0"/>
-          <a:lstStyle>
-            <a:lvl1pPr algn="ctr">
-              <a:lnSpc>
-                <a:spcPct val="100000"/>
-              </a:lnSpc>
-              <a:spcBef>
-                <a:spcPts val="0"/>
-              </a:spcBef>
-              <a:spcAft>
-                <a:spcPts val="0"/>
-              </a:spcAft>
-              <a:buSzPct val="100000"/>
-              <a:buNone/>
-              <a:defRPr sz="2400"/>
-            </a:lvl1pPr>
-            <a:lvl2pPr algn="ctr">
-              <a:lnSpc>
-                <a:spcPct val="100000"/>
-              </a:lnSpc>
-              <a:spcBef>
-                <a:spcPts val="0"/>
-              </a:spcBef>
-              <a:spcAft>
-                <a:spcPts val="0"/>
-              </a:spcAft>
-              <a:buSzPct val="100000"/>
-              <a:buNone/>
-              <a:defRPr sz="2400"/>
-            </a:lvl2pPr>
-            <a:lvl3pPr algn="ctr">
-              <a:lnSpc>
-                <a:spcPct val="100000"/>
-              </a:lnSpc>
-              <a:spcBef>
-                <a:spcPts val="0"/>
-              </a:spcBef>
-              <a:spcAft>
-                <a:spcPts val="0"/>
-              </a:spcAft>
-              <a:buSzPct val="100000"/>
-              <a:buNone/>
-              <a:defRPr sz="2400"/>
-            </a:lvl3pPr>
-            <a:lvl4pPr algn="ctr">
-              <a:lnSpc>
-                <a:spcPct val="100000"/>
-              </a:lnSpc>
-              <a:spcBef>
-                <a:spcPts val="0"/>
-              </a:spcBef>
-              <a:spcAft>
-                <a:spcPts val="0"/>
-              </a:spcAft>
-              <a:buSzPct val="100000"/>
-              <a:buNone/>
-              <a:defRPr sz="2400"/>
-            </a:lvl4pPr>
-            <a:lvl5pPr algn="ctr">
-              <a:lnSpc>
-                <a:spcPct val="100000"/>
-              </a:lnSpc>
-              <a:spcBef>
-                <a:spcPts val="0"/>
-              </a:spcBef>
-              <a:spcAft>
-                <a:spcPts val="0"/>
-              </a:spcAft>
-              <a:buSzPct val="100000"/>
-              <a:buNone/>
-              <a:defRPr sz="2400"/>
-            </a:lvl5pPr>
-            <a:lvl6pPr algn="ctr">
-              <a:lnSpc>
-                <a:spcPct val="100000"/>
-              </a:lnSpc>
-              <a:spcBef>
-                <a:spcPts val="0"/>
-              </a:spcBef>
-              <a:spcAft>
-                <a:spcPts val="0"/>
-              </a:spcAft>
-              <a:buSzPct val="100000"/>
-              <a:buNone/>
-              <a:defRPr sz="2400"/>
-            </a:lvl6pPr>
-            <a:lvl7pPr algn="ctr">
-              <a:lnSpc>
-                <a:spcPct val="100000"/>
-              </a:lnSpc>
-              <a:spcBef>
-                <a:spcPts val="0"/>
-              </a:spcBef>
-              <a:spcAft>
-                <a:spcPts val="0"/>
-              </a:spcAft>
-              <a:buSzPct val="100000"/>
-              <a:buNone/>
-              <a:defRPr sz="2400"/>
-            </a:lvl7pPr>
-            <a:lvl8pPr algn="ctr">
-              <a:lnSpc>
-                <a:spcPct val="100000"/>
-              </a:lnSpc>
-              <a:spcBef>
-                <a:spcPts val="0"/>
-              </a:spcBef>
-              <a:spcAft>
-                <a:spcPts val="0"/>
-              </a:spcAft>
-              <a:buSzPct val="100000"/>
-              <a:buNone/>
-              <a:defRPr sz="2400"/>
-            </a:lvl8pPr>
-            <a:lvl9pPr algn="ctr">
-              <a:lnSpc>
-                <a:spcPct val="100000"/>
-              </a:lnSpc>
-              <a:spcBef>
-                <a:spcPts val="0"/>
-              </a:spcBef>
-              <a:spcAft>
-                <a:spcPts val="0"/>
-              </a:spcAft>
-              <a:buSzPct val="100000"/>
-              <a:buNone/>
-              <a:defRPr sz="2400"/>
             </a:lvl9pPr>
           </a:lstStyle>
           <a:p>
@@ -2181,6 +2027,160 @@
             <a:spLocks noGrp="1"/>
           </p:cNvSpPr>
           <p:nvPr>
+            <p:ph type="subTitle" idx="1"/>
+          </p:nvPr>
+        </p:nvSpPr>
+        <p:spPr>
+          <a:xfrm>
+            <a:off x="2137225" y="2850039"/>
+            <a:ext cx="4870499" cy="792600"/>
+          </a:xfrm>
+          <a:prstGeom prst="rect">
+            <a:avLst/>
+          </a:prstGeom>
+        </p:spPr>
+        <p:txBody>
+          <a:bodyPr lIns="91425" tIns="91425" rIns="91425" bIns="91425" anchor="t" anchorCtr="0"/>
+          <a:lstStyle>
+            <a:lvl1pPr lvl="0" algn="ctr">
+              <a:lnSpc>
+                <a:spcPct val="100000"/>
+              </a:lnSpc>
+              <a:spcBef>
+                <a:spcPts val="0"/>
+              </a:spcBef>
+              <a:spcAft>
+                <a:spcPts val="0"/>
+              </a:spcAft>
+              <a:buSzPct val="100000"/>
+              <a:buNone/>
+              <a:defRPr sz="2400"/>
+            </a:lvl1pPr>
+            <a:lvl2pPr lvl="1" algn="ctr">
+              <a:lnSpc>
+                <a:spcPct val="100000"/>
+              </a:lnSpc>
+              <a:spcBef>
+                <a:spcPts val="0"/>
+              </a:spcBef>
+              <a:spcAft>
+                <a:spcPts val="0"/>
+              </a:spcAft>
+              <a:buSzPct val="100000"/>
+              <a:buNone/>
+              <a:defRPr sz="2400"/>
+            </a:lvl2pPr>
+            <a:lvl3pPr lvl="2" algn="ctr">
+              <a:lnSpc>
+                <a:spcPct val="100000"/>
+              </a:lnSpc>
+              <a:spcBef>
+                <a:spcPts val="0"/>
+              </a:spcBef>
+              <a:spcAft>
+                <a:spcPts val="0"/>
+              </a:spcAft>
+              <a:buSzPct val="100000"/>
+              <a:buNone/>
+              <a:defRPr sz="2400"/>
+            </a:lvl3pPr>
+            <a:lvl4pPr lvl="3" algn="ctr">
+              <a:lnSpc>
+                <a:spcPct val="100000"/>
+              </a:lnSpc>
+              <a:spcBef>
+                <a:spcPts val="0"/>
+              </a:spcBef>
+              <a:spcAft>
+                <a:spcPts val="0"/>
+              </a:spcAft>
+              <a:buSzPct val="100000"/>
+              <a:buNone/>
+              <a:defRPr sz="2400"/>
+            </a:lvl4pPr>
+            <a:lvl5pPr lvl="4" algn="ctr">
+              <a:lnSpc>
+                <a:spcPct val="100000"/>
+              </a:lnSpc>
+              <a:spcBef>
+                <a:spcPts val="0"/>
+              </a:spcBef>
+              <a:spcAft>
+                <a:spcPts val="0"/>
+              </a:spcAft>
+              <a:buSzPct val="100000"/>
+              <a:buNone/>
+              <a:defRPr sz="2400"/>
+            </a:lvl5pPr>
+            <a:lvl6pPr lvl="5" algn="ctr">
+              <a:lnSpc>
+                <a:spcPct val="100000"/>
+              </a:lnSpc>
+              <a:spcBef>
+                <a:spcPts val="0"/>
+              </a:spcBef>
+              <a:spcAft>
+                <a:spcPts val="0"/>
+              </a:spcAft>
+              <a:buSzPct val="100000"/>
+              <a:buNone/>
+              <a:defRPr sz="2400"/>
+            </a:lvl6pPr>
+            <a:lvl7pPr lvl="6" algn="ctr">
+              <a:lnSpc>
+                <a:spcPct val="100000"/>
+              </a:lnSpc>
+              <a:spcBef>
+                <a:spcPts val="0"/>
+              </a:spcBef>
+              <a:spcAft>
+                <a:spcPts val="0"/>
+              </a:spcAft>
+              <a:buSzPct val="100000"/>
+              <a:buNone/>
+              <a:defRPr sz="2400"/>
+            </a:lvl7pPr>
+            <a:lvl8pPr lvl="7" algn="ctr">
+              <a:lnSpc>
+                <a:spcPct val="100000"/>
+              </a:lnSpc>
+              <a:spcBef>
+                <a:spcPts val="0"/>
+              </a:spcBef>
+              <a:spcAft>
+                <a:spcPts val="0"/>
+              </a:spcAft>
+              <a:buSzPct val="100000"/>
+              <a:buNone/>
+              <a:defRPr sz="2400"/>
+            </a:lvl8pPr>
+            <a:lvl9pPr lvl="8" algn="ctr">
+              <a:lnSpc>
+                <a:spcPct val="100000"/>
+              </a:lnSpc>
+              <a:spcBef>
+                <a:spcPts val="0"/>
+              </a:spcBef>
+              <a:spcAft>
+                <a:spcPts val="0"/>
+              </a:spcAft>
+              <a:buSzPct val="100000"/>
+              <a:buNone/>
+              <a:defRPr sz="2400"/>
+            </a:lvl9pPr>
+          </a:lstStyle>
+          <a:p>
+            <a:endParaRPr/>
+          </a:p>
+        </p:txBody>
+      </p:sp>
+      <p:sp>
+        <p:nvSpPr>
+          <p:cNvPr id="20" name="Shape 20"/>
+          <p:cNvSpPr txBox="1">
+            <a:spLocks noGrp="1"/>
+          </p:cNvSpPr>
+          <p:nvPr>
             <p:ph type="sldNum" idx="12"/>
           </p:nvPr>
         </p:nvSpPr>
@@ -2199,7 +2199,7 @@
           </a:bodyPr>
           <a:lstStyle/>
           <a:p>
-            <a:pPr>
+            <a:pPr lvl="0">
               <a:spcBef>
                 <a:spcPts val="0"/>
               </a:spcBef>
@@ -2207,7 +2207,7 @@
             </a:pPr>
             <a:fld id="{00000000-1234-1234-1234-123412341234}" type="slidenum">
               <a:rPr lang="pt-BR"/>
-              <a:pPr>
+              <a:pPr lvl="0">
                 <a:spcBef>
                   <a:spcPts val="0"/>
                 </a:spcBef>
@@ -2232,7 +2232,7 @@
   <p:cSld name="Big number">
     <p:spTree>
       <p:nvGrpSpPr>
-        <p:cNvPr id="1" name="Shape 54"/>
+        <p:cNvPr id="1" name="Shape 55"/>
         <p:cNvGrpSpPr/>
         <p:nvPr/>
       </p:nvGrpSpPr>
@@ -2246,7 +2246,7 @@
       </p:grpSpPr>
       <p:sp>
         <p:nvSpPr>
-          <p:cNvPr id="55" name="Shape 55"/>
+          <p:cNvPr id="56" name="Shape 56"/>
           <p:cNvSpPr/>
           <p:nvPr/>
         </p:nvSpPr>
@@ -2271,166 +2271,12 @@
           </a:bodyPr>
           <a:lstStyle/>
           <a:p>
-            <a:pPr>
+            <a:pPr lvl="0">
               <a:spcBef>
                 <a:spcPts val="0"/>
               </a:spcBef>
               <a:buNone/>
             </a:pPr>
-            <a:endParaRPr/>
-          </a:p>
-        </p:txBody>
-      </p:sp>
-      <p:sp>
-        <p:nvSpPr>
-          <p:cNvPr id="56" name="Shape 56"/>
-          <p:cNvSpPr txBox="1">
-            <a:spLocks noGrp="1"/>
-          </p:cNvSpPr>
-          <p:nvPr>
-            <p:ph type="title"/>
-          </p:nvPr>
-        </p:nvSpPr>
-        <p:spPr>
-          <a:xfrm>
-            <a:off x="311700" y="1304850"/>
-            <a:ext cx="8520599" cy="1538399"/>
-          </a:xfrm>
-          <a:prstGeom prst="rect">
-            <a:avLst/>
-          </a:prstGeom>
-        </p:spPr>
-        <p:txBody>
-          <a:bodyPr lIns="91425" tIns="91425" rIns="91425" bIns="91425" anchor="ctr" anchorCtr="0"/>
-          <a:lstStyle>
-            <a:lvl1pPr algn="ctr">
-              <a:spcBef>
-                <a:spcPts val="0"/>
-              </a:spcBef>
-              <a:buClr>
-                <a:schemeClr val="accent3"/>
-              </a:buClr>
-              <a:buSzPct val="100000"/>
-              <a:defRPr sz="13000">
-                <a:solidFill>
-                  <a:schemeClr val="accent3"/>
-                </a:solidFill>
-              </a:defRPr>
-            </a:lvl1pPr>
-            <a:lvl2pPr algn="ctr">
-              <a:spcBef>
-                <a:spcPts val="0"/>
-              </a:spcBef>
-              <a:buClr>
-                <a:schemeClr val="accent3"/>
-              </a:buClr>
-              <a:buSzPct val="100000"/>
-              <a:defRPr sz="13000">
-                <a:solidFill>
-                  <a:schemeClr val="accent3"/>
-                </a:solidFill>
-              </a:defRPr>
-            </a:lvl2pPr>
-            <a:lvl3pPr algn="ctr">
-              <a:spcBef>
-                <a:spcPts val="0"/>
-              </a:spcBef>
-              <a:buClr>
-                <a:schemeClr val="accent3"/>
-              </a:buClr>
-              <a:buSzPct val="100000"/>
-              <a:defRPr sz="13000">
-                <a:solidFill>
-                  <a:schemeClr val="accent3"/>
-                </a:solidFill>
-              </a:defRPr>
-            </a:lvl3pPr>
-            <a:lvl4pPr algn="ctr">
-              <a:spcBef>
-                <a:spcPts val="0"/>
-              </a:spcBef>
-              <a:buClr>
-                <a:schemeClr val="accent3"/>
-              </a:buClr>
-              <a:buSzPct val="100000"/>
-              <a:defRPr sz="13000">
-                <a:solidFill>
-                  <a:schemeClr val="accent3"/>
-                </a:solidFill>
-              </a:defRPr>
-            </a:lvl4pPr>
-            <a:lvl5pPr algn="ctr">
-              <a:spcBef>
-                <a:spcPts val="0"/>
-              </a:spcBef>
-              <a:buClr>
-                <a:schemeClr val="accent3"/>
-              </a:buClr>
-              <a:buSzPct val="100000"/>
-              <a:defRPr sz="13000">
-                <a:solidFill>
-                  <a:schemeClr val="accent3"/>
-                </a:solidFill>
-              </a:defRPr>
-            </a:lvl5pPr>
-            <a:lvl6pPr algn="ctr">
-              <a:spcBef>
-                <a:spcPts val="0"/>
-              </a:spcBef>
-              <a:buClr>
-                <a:schemeClr val="accent3"/>
-              </a:buClr>
-              <a:buSzPct val="100000"/>
-              <a:defRPr sz="13000">
-                <a:solidFill>
-                  <a:schemeClr val="accent3"/>
-                </a:solidFill>
-              </a:defRPr>
-            </a:lvl6pPr>
-            <a:lvl7pPr algn="ctr">
-              <a:spcBef>
-                <a:spcPts val="0"/>
-              </a:spcBef>
-              <a:buClr>
-                <a:schemeClr val="accent3"/>
-              </a:buClr>
-              <a:buSzPct val="100000"/>
-              <a:defRPr sz="13000">
-                <a:solidFill>
-                  <a:schemeClr val="accent3"/>
-                </a:solidFill>
-              </a:defRPr>
-            </a:lvl7pPr>
-            <a:lvl8pPr algn="ctr">
-              <a:spcBef>
-                <a:spcPts val="0"/>
-              </a:spcBef>
-              <a:buClr>
-                <a:schemeClr val="accent3"/>
-              </a:buClr>
-              <a:buSzPct val="100000"/>
-              <a:defRPr sz="13000">
-                <a:solidFill>
-                  <a:schemeClr val="accent3"/>
-                </a:solidFill>
-              </a:defRPr>
-            </a:lvl8pPr>
-            <a:lvl9pPr algn="ctr">
-              <a:spcBef>
-                <a:spcPts val="0"/>
-              </a:spcBef>
-              <a:buClr>
-                <a:schemeClr val="accent3"/>
-              </a:buClr>
-              <a:buSzPct val="100000"/>
-              <a:defRPr sz="13000">
-                <a:solidFill>
-                  <a:schemeClr val="accent3"/>
-                </a:solidFill>
-              </a:defRPr>
-            </a:lvl9pPr>
-          </a:lstStyle>
-          <a:p>
             <a:endParaRPr/>
           </a:p>
         </p:txBody>
@@ -2442,74 +2288,146 @@
             <a:spLocks noGrp="1"/>
           </p:cNvSpPr>
           <p:nvPr>
-            <p:ph type="body" idx="1"/>
+            <p:ph type="title"/>
           </p:nvPr>
         </p:nvSpPr>
         <p:spPr>
           <a:xfrm>
-            <a:off x="311700" y="2995650"/>
-            <a:ext cx="8520599" cy="1071599"/>
+            <a:off x="311700" y="1304850"/>
+            <a:ext cx="8520599" cy="1538399"/>
           </a:xfrm>
           <a:prstGeom prst="rect">
             <a:avLst/>
           </a:prstGeom>
         </p:spPr>
         <p:txBody>
-          <a:bodyPr lIns="91425" tIns="91425" rIns="91425" bIns="91425" anchor="t" anchorCtr="0"/>
+          <a:bodyPr lIns="91425" tIns="91425" rIns="91425" bIns="91425" anchor="ctr" anchorCtr="0"/>
           <a:lstStyle>
-            <a:lvl1pPr algn="ctr">
-              <a:spcBef>
-                <a:spcPts val="0"/>
-              </a:spcBef>
-              <a:defRPr/>
+            <a:lvl1pPr lvl="0" algn="ctr">
+              <a:spcBef>
+                <a:spcPts val="0"/>
+              </a:spcBef>
+              <a:buClr>
+                <a:schemeClr val="accent3"/>
+              </a:buClr>
+              <a:buSzPct val="100000"/>
+              <a:defRPr sz="13000">
+                <a:solidFill>
+                  <a:schemeClr val="accent3"/>
+                </a:solidFill>
+              </a:defRPr>
             </a:lvl1pPr>
-            <a:lvl2pPr algn="ctr">
-              <a:spcBef>
-                <a:spcPts val="0"/>
-              </a:spcBef>
-              <a:defRPr/>
+            <a:lvl2pPr lvl="1" algn="ctr">
+              <a:spcBef>
+                <a:spcPts val="0"/>
+              </a:spcBef>
+              <a:buClr>
+                <a:schemeClr val="accent3"/>
+              </a:buClr>
+              <a:buSzPct val="100000"/>
+              <a:defRPr sz="13000">
+                <a:solidFill>
+                  <a:schemeClr val="accent3"/>
+                </a:solidFill>
+              </a:defRPr>
             </a:lvl2pPr>
-            <a:lvl3pPr algn="ctr">
-              <a:spcBef>
-                <a:spcPts val="0"/>
-              </a:spcBef>
-              <a:defRPr/>
+            <a:lvl3pPr lvl="2" algn="ctr">
+              <a:spcBef>
+                <a:spcPts val="0"/>
+              </a:spcBef>
+              <a:buClr>
+                <a:schemeClr val="accent3"/>
+              </a:buClr>
+              <a:buSzPct val="100000"/>
+              <a:defRPr sz="13000">
+                <a:solidFill>
+                  <a:schemeClr val="accent3"/>
+                </a:solidFill>
+              </a:defRPr>
             </a:lvl3pPr>
-            <a:lvl4pPr algn="ctr">
-              <a:spcBef>
-                <a:spcPts val="0"/>
-              </a:spcBef>
-              <a:defRPr/>
+            <a:lvl4pPr lvl="3" algn="ctr">
+              <a:spcBef>
+                <a:spcPts val="0"/>
+              </a:spcBef>
+              <a:buClr>
+                <a:schemeClr val="accent3"/>
+              </a:buClr>
+              <a:buSzPct val="100000"/>
+              <a:defRPr sz="13000">
+                <a:solidFill>
+                  <a:schemeClr val="accent3"/>
+                </a:solidFill>
+              </a:defRPr>
             </a:lvl4pPr>
-            <a:lvl5pPr algn="ctr">
-              <a:spcBef>
-                <a:spcPts val="0"/>
-              </a:spcBef>
-              <a:defRPr/>
+            <a:lvl5pPr lvl="4" algn="ctr">
+              <a:spcBef>
+                <a:spcPts val="0"/>
+              </a:spcBef>
+              <a:buClr>
+                <a:schemeClr val="accent3"/>
+              </a:buClr>
+              <a:buSzPct val="100000"/>
+              <a:defRPr sz="13000">
+                <a:solidFill>
+                  <a:schemeClr val="accent3"/>
+                </a:solidFill>
+              </a:defRPr>
             </a:lvl5pPr>
-            <a:lvl6pPr algn="ctr">
-              <a:spcBef>
-                <a:spcPts val="0"/>
-              </a:spcBef>
-              <a:defRPr/>
+            <a:lvl6pPr lvl="5" algn="ctr">
+              <a:spcBef>
+                <a:spcPts val="0"/>
+              </a:spcBef>
+              <a:buClr>
+                <a:schemeClr val="accent3"/>
+              </a:buClr>
+              <a:buSzPct val="100000"/>
+              <a:defRPr sz="13000">
+                <a:solidFill>
+                  <a:schemeClr val="accent3"/>
+                </a:solidFill>
+              </a:defRPr>
             </a:lvl6pPr>
-            <a:lvl7pPr algn="ctr">
-              <a:spcBef>
-                <a:spcPts val="0"/>
-              </a:spcBef>
-              <a:defRPr/>
+            <a:lvl7pPr lvl="6" algn="ctr">
+              <a:spcBef>
+                <a:spcPts val="0"/>
+              </a:spcBef>
+              <a:buClr>
+                <a:schemeClr val="accent3"/>
+              </a:buClr>
+              <a:buSzPct val="100000"/>
+              <a:defRPr sz="13000">
+                <a:solidFill>
+                  <a:schemeClr val="accent3"/>
+                </a:solidFill>
+              </a:defRPr>
             </a:lvl7pPr>
-            <a:lvl8pPr algn="ctr">
-              <a:spcBef>
-                <a:spcPts val="0"/>
-              </a:spcBef>
-              <a:defRPr/>
+            <a:lvl8pPr lvl="7" algn="ctr">
+              <a:spcBef>
+                <a:spcPts val="0"/>
+              </a:spcBef>
+              <a:buClr>
+                <a:schemeClr val="accent3"/>
+              </a:buClr>
+              <a:buSzPct val="100000"/>
+              <a:defRPr sz="13000">
+                <a:solidFill>
+                  <a:schemeClr val="accent3"/>
+                </a:solidFill>
+              </a:defRPr>
             </a:lvl8pPr>
-            <a:lvl9pPr algn="ctr">
-              <a:spcBef>
-                <a:spcPts val="0"/>
-              </a:spcBef>
-              <a:defRPr/>
+            <a:lvl9pPr lvl="8" algn="ctr">
+              <a:spcBef>
+                <a:spcPts val="0"/>
+              </a:spcBef>
+              <a:buClr>
+                <a:schemeClr val="accent3"/>
+              </a:buClr>
+              <a:buSzPct val="100000"/>
+              <a:defRPr sz="13000">
+                <a:solidFill>
+                  <a:schemeClr val="accent3"/>
+                </a:solidFill>
+              </a:defRPr>
             </a:lvl9pPr>
           </a:lstStyle>
           <a:p>
@@ -2524,6 +2442,88 @@
             <a:spLocks noGrp="1"/>
           </p:cNvSpPr>
           <p:nvPr>
+            <p:ph type="body" idx="1"/>
+          </p:nvPr>
+        </p:nvSpPr>
+        <p:spPr>
+          <a:xfrm>
+            <a:off x="311700" y="2995650"/>
+            <a:ext cx="8520599" cy="1071599"/>
+          </a:xfrm>
+          <a:prstGeom prst="rect">
+            <a:avLst/>
+          </a:prstGeom>
+        </p:spPr>
+        <p:txBody>
+          <a:bodyPr lIns="91425" tIns="91425" rIns="91425" bIns="91425" anchor="t" anchorCtr="0"/>
+          <a:lstStyle>
+            <a:lvl1pPr lvl="0" algn="ctr">
+              <a:spcBef>
+                <a:spcPts val="0"/>
+              </a:spcBef>
+              <a:defRPr/>
+            </a:lvl1pPr>
+            <a:lvl2pPr lvl="1" algn="ctr">
+              <a:spcBef>
+                <a:spcPts val="0"/>
+              </a:spcBef>
+              <a:defRPr/>
+            </a:lvl2pPr>
+            <a:lvl3pPr lvl="2" algn="ctr">
+              <a:spcBef>
+                <a:spcPts val="0"/>
+              </a:spcBef>
+              <a:defRPr/>
+            </a:lvl3pPr>
+            <a:lvl4pPr lvl="3" algn="ctr">
+              <a:spcBef>
+                <a:spcPts val="0"/>
+              </a:spcBef>
+              <a:defRPr/>
+            </a:lvl4pPr>
+            <a:lvl5pPr lvl="4" algn="ctr">
+              <a:spcBef>
+                <a:spcPts val="0"/>
+              </a:spcBef>
+              <a:defRPr/>
+            </a:lvl5pPr>
+            <a:lvl6pPr lvl="5" algn="ctr">
+              <a:spcBef>
+                <a:spcPts val="0"/>
+              </a:spcBef>
+              <a:defRPr/>
+            </a:lvl6pPr>
+            <a:lvl7pPr lvl="6" algn="ctr">
+              <a:spcBef>
+                <a:spcPts val="0"/>
+              </a:spcBef>
+              <a:defRPr/>
+            </a:lvl7pPr>
+            <a:lvl8pPr lvl="7" algn="ctr">
+              <a:spcBef>
+                <a:spcPts val="0"/>
+              </a:spcBef>
+              <a:defRPr/>
+            </a:lvl8pPr>
+            <a:lvl9pPr lvl="8" algn="ctr">
+              <a:spcBef>
+                <a:spcPts val="0"/>
+              </a:spcBef>
+              <a:defRPr/>
+            </a:lvl9pPr>
+          </a:lstStyle>
+          <a:p>
+            <a:endParaRPr/>
+          </a:p>
+        </p:txBody>
+      </p:sp>
+      <p:sp>
+        <p:nvSpPr>
+          <p:cNvPr id="59" name="Shape 59"/>
+          <p:cNvSpPr txBox="1">
+            <a:spLocks noGrp="1"/>
+          </p:cNvSpPr>
+          <p:nvPr>
             <p:ph type="sldNum" idx="12"/>
           </p:nvPr>
         </p:nvSpPr>
@@ -2542,7 +2542,7 @@
           </a:bodyPr>
           <a:lstStyle/>
           <a:p>
-            <a:pPr>
+            <a:pPr lvl="0">
               <a:spcBef>
                 <a:spcPts val="0"/>
               </a:spcBef>
@@ -2550,7 +2550,7 @@
             </a:pPr>
             <a:fld id="{00000000-1234-1234-1234-123412341234}" type="slidenum">
               <a:rPr lang="pt-BR"/>
-              <a:pPr>
+              <a:pPr lvl="0">
                 <a:spcBef>
                   <a:spcPts val="0"/>
                 </a:spcBef>
@@ -2575,7 +2575,7 @@
   <p:cSld name="Blank">
     <p:spTree>
       <p:nvGrpSpPr>
-        <p:cNvPr id="1" name="Shape 59"/>
+        <p:cNvPr id="1" name="Shape 60"/>
         <p:cNvGrpSpPr/>
         <p:nvPr/>
       </p:nvGrpSpPr>
@@ -2589,7 +2589,7 @@
       </p:grpSpPr>
       <p:sp>
         <p:nvSpPr>
-          <p:cNvPr id="60" name="Shape 60"/>
+          <p:cNvPr id="61" name="Shape 61"/>
           <p:cNvSpPr txBox="1">
             <a:spLocks noGrp="1"/>
           </p:cNvSpPr>
@@ -2612,7 +2612,7 @@
           </a:bodyPr>
           <a:lstStyle/>
           <a:p>
-            <a:pPr>
+            <a:pPr lvl="0">
               <a:spcBef>
                 <a:spcPts val="0"/>
               </a:spcBef>
@@ -2620,7 +2620,7 @@
             </a:pPr>
             <a:fld id="{00000000-1234-1234-1234-123412341234}" type="slidenum">
               <a:rPr lang="pt-BR"/>
-              <a:pPr>
+              <a:pPr lvl="0">
                 <a:spcBef>
                   <a:spcPts val="0"/>
                 </a:spcBef>
@@ -2645,7 +2645,7 @@
   <p:cSld name="Section title">
     <p:spTree>
       <p:nvGrpSpPr>
-        <p:cNvPr id="1" name="Shape 20"/>
+        <p:cNvPr id="1" name="Shape 21"/>
         <p:cNvGrpSpPr/>
         <p:nvPr/>
       </p:nvGrpSpPr>
@@ -2659,7 +2659,7 @@
       </p:grpSpPr>
       <p:sp>
         <p:nvSpPr>
-          <p:cNvPr id="21" name="Shape 21"/>
+          <p:cNvPr id="22" name="Shape 22"/>
           <p:cNvSpPr/>
           <p:nvPr/>
         </p:nvSpPr>
@@ -2684,94 +2684,12 @@
           </a:bodyPr>
           <a:lstStyle/>
           <a:p>
-            <a:pPr>
+            <a:pPr lvl="0">
               <a:spcBef>
                 <a:spcPts val="0"/>
               </a:spcBef>
               <a:buNone/>
             </a:pPr>
-            <a:endParaRPr/>
-          </a:p>
-        </p:txBody>
-      </p:sp>
-      <p:sp>
-        <p:nvSpPr>
-          <p:cNvPr id="22" name="Shape 22"/>
-          <p:cNvSpPr txBox="1">
-            <a:spLocks noGrp="1"/>
-          </p:cNvSpPr>
-          <p:nvPr>
-            <p:ph type="title"/>
-          </p:nvPr>
-        </p:nvSpPr>
-        <p:spPr>
-          <a:xfrm>
-            <a:off x="311700" y="814800"/>
-            <a:ext cx="8571300" cy="942000"/>
-          </a:xfrm>
-          <a:prstGeom prst="rect">
-            <a:avLst/>
-          </a:prstGeom>
-        </p:spPr>
-        <p:txBody>
-          <a:bodyPr lIns="91425" tIns="91425" rIns="91425" bIns="91425" anchor="ctr" anchorCtr="0"/>
-          <a:lstStyle>
-            <a:lvl1pPr algn="ctr">
-              <a:spcBef>
-                <a:spcPts val="0"/>
-              </a:spcBef>
-              <a:defRPr/>
-            </a:lvl1pPr>
-            <a:lvl2pPr algn="ctr">
-              <a:spcBef>
-                <a:spcPts val="0"/>
-              </a:spcBef>
-              <a:defRPr/>
-            </a:lvl2pPr>
-            <a:lvl3pPr algn="ctr">
-              <a:spcBef>
-                <a:spcPts val="0"/>
-              </a:spcBef>
-              <a:defRPr/>
-            </a:lvl3pPr>
-            <a:lvl4pPr algn="ctr">
-              <a:spcBef>
-                <a:spcPts val="0"/>
-              </a:spcBef>
-              <a:defRPr/>
-            </a:lvl4pPr>
-            <a:lvl5pPr algn="ctr">
-              <a:spcBef>
-                <a:spcPts val="0"/>
-              </a:spcBef>
-              <a:defRPr/>
-            </a:lvl5pPr>
-            <a:lvl6pPr algn="ctr">
-              <a:spcBef>
-                <a:spcPts val="0"/>
-              </a:spcBef>
-              <a:defRPr/>
-            </a:lvl6pPr>
-            <a:lvl7pPr algn="ctr">
-              <a:spcBef>
-                <a:spcPts val="0"/>
-              </a:spcBef>
-              <a:defRPr/>
-            </a:lvl7pPr>
-            <a:lvl8pPr algn="ctr">
-              <a:spcBef>
-                <a:spcPts val="0"/>
-              </a:spcBef>
-              <a:defRPr/>
-            </a:lvl8pPr>
-            <a:lvl9pPr algn="ctr">
-              <a:spcBef>
-                <a:spcPts val="0"/>
-              </a:spcBef>
-              <a:defRPr/>
-            </a:lvl9pPr>
-          </a:lstStyle>
-          <a:p>
             <a:endParaRPr/>
           </a:p>
         </p:txBody>
@@ -2783,6 +2701,88 @@
             <a:spLocks noGrp="1"/>
           </p:cNvSpPr>
           <p:nvPr>
+            <p:ph type="title"/>
+          </p:nvPr>
+        </p:nvSpPr>
+        <p:spPr>
+          <a:xfrm>
+            <a:off x="311700" y="814800"/>
+            <a:ext cx="8571300" cy="942000"/>
+          </a:xfrm>
+          <a:prstGeom prst="rect">
+            <a:avLst/>
+          </a:prstGeom>
+        </p:spPr>
+        <p:txBody>
+          <a:bodyPr lIns="91425" tIns="91425" rIns="91425" bIns="91425" anchor="ctr" anchorCtr="0"/>
+          <a:lstStyle>
+            <a:lvl1pPr lvl="0" algn="ctr">
+              <a:spcBef>
+                <a:spcPts val="0"/>
+              </a:spcBef>
+              <a:defRPr/>
+            </a:lvl1pPr>
+            <a:lvl2pPr lvl="1" algn="ctr">
+              <a:spcBef>
+                <a:spcPts val="0"/>
+              </a:spcBef>
+              <a:defRPr/>
+            </a:lvl2pPr>
+            <a:lvl3pPr lvl="2" algn="ctr">
+              <a:spcBef>
+                <a:spcPts val="0"/>
+              </a:spcBef>
+              <a:defRPr/>
+            </a:lvl3pPr>
+            <a:lvl4pPr lvl="3" algn="ctr">
+              <a:spcBef>
+                <a:spcPts val="0"/>
+              </a:spcBef>
+              <a:defRPr/>
+            </a:lvl4pPr>
+            <a:lvl5pPr lvl="4" algn="ctr">
+              <a:spcBef>
+                <a:spcPts val="0"/>
+              </a:spcBef>
+              <a:defRPr/>
+            </a:lvl5pPr>
+            <a:lvl6pPr lvl="5" algn="ctr">
+              <a:spcBef>
+                <a:spcPts val="0"/>
+              </a:spcBef>
+              <a:defRPr/>
+            </a:lvl6pPr>
+            <a:lvl7pPr lvl="6" algn="ctr">
+              <a:spcBef>
+                <a:spcPts val="0"/>
+              </a:spcBef>
+              <a:defRPr/>
+            </a:lvl7pPr>
+            <a:lvl8pPr lvl="7" algn="ctr">
+              <a:spcBef>
+                <a:spcPts val="0"/>
+              </a:spcBef>
+              <a:defRPr/>
+            </a:lvl8pPr>
+            <a:lvl9pPr lvl="8" algn="ctr">
+              <a:spcBef>
+                <a:spcPts val="0"/>
+              </a:spcBef>
+              <a:defRPr/>
+            </a:lvl9pPr>
+          </a:lstStyle>
+          <a:p>
+            <a:endParaRPr/>
+          </a:p>
+        </p:txBody>
+      </p:sp>
+      <p:sp>
+        <p:nvSpPr>
+          <p:cNvPr id="24" name="Shape 24"/>
+          <p:cNvSpPr txBox="1">
+            <a:spLocks noGrp="1"/>
+          </p:cNvSpPr>
+          <p:nvPr>
             <p:ph type="sldNum" idx="12"/>
           </p:nvPr>
         </p:nvSpPr>
@@ -2801,7 +2801,7 @@
           </a:bodyPr>
           <a:lstStyle/>
           <a:p>
-            <a:pPr>
+            <a:pPr lvl="0">
               <a:spcBef>
                 <a:spcPts val="0"/>
               </a:spcBef>
@@ -2813,7 +2813,7 @@
                   <a:schemeClr val="lt1"/>
                 </a:solidFill>
               </a:rPr>
-              <a:pPr>
+              <a:pPr lvl="0">
                 <a:spcBef>
                   <a:spcPts val="0"/>
                 </a:spcBef>
@@ -2842,7 +2842,7 @@
   <p:cSld name="Title and body">
     <p:spTree>
       <p:nvGrpSpPr>
-        <p:cNvPr id="1" name="Shape 24"/>
+        <p:cNvPr id="1" name="Shape 25"/>
         <p:cNvGrpSpPr/>
         <p:nvPr/>
       </p:nvGrpSpPr>
@@ -2856,7 +2856,7 @@
       </p:grpSpPr>
       <p:sp>
         <p:nvSpPr>
-          <p:cNvPr id="25" name="Shape 25"/>
+          <p:cNvPr id="26" name="Shape 26"/>
           <p:cNvSpPr/>
           <p:nvPr/>
         </p:nvSpPr>
@@ -2881,94 +2881,12 @@
           </a:bodyPr>
           <a:lstStyle/>
           <a:p>
-            <a:pPr>
+            <a:pPr lvl="0">
               <a:spcBef>
                 <a:spcPts val="0"/>
               </a:spcBef>
               <a:buNone/>
             </a:pPr>
-            <a:endParaRPr/>
-          </a:p>
-        </p:txBody>
-      </p:sp>
-      <p:sp>
-        <p:nvSpPr>
-          <p:cNvPr id="26" name="Shape 26"/>
-          <p:cNvSpPr txBox="1">
-            <a:spLocks noGrp="1"/>
-          </p:cNvSpPr>
-          <p:nvPr>
-            <p:ph type="title"/>
-          </p:nvPr>
-        </p:nvSpPr>
-        <p:spPr>
-          <a:xfrm>
-            <a:off x="311700" y="445025"/>
-            <a:ext cx="8520599" cy="707399"/>
-          </a:xfrm>
-          <a:prstGeom prst="rect">
-            <a:avLst/>
-          </a:prstGeom>
-        </p:spPr>
-        <p:txBody>
-          <a:bodyPr lIns="91425" tIns="91425" rIns="91425" bIns="91425" anchor="t" anchorCtr="0"/>
-          <a:lstStyle>
-            <a:lvl1pPr>
-              <a:spcBef>
-                <a:spcPts val="0"/>
-              </a:spcBef>
-              <a:defRPr/>
-            </a:lvl1pPr>
-            <a:lvl2pPr>
-              <a:spcBef>
-                <a:spcPts val="0"/>
-              </a:spcBef>
-              <a:defRPr/>
-            </a:lvl2pPr>
-            <a:lvl3pPr>
-              <a:spcBef>
-                <a:spcPts val="0"/>
-              </a:spcBef>
-              <a:defRPr/>
-            </a:lvl3pPr>
-            <a:lvl4pPr>
-              <a:spcBef>
-                <a:spcPts val="0"/>
-              </a:spcBef>
-              <a:defRPr/>
-            </a:lvl4pPr>
-            <a:lvl5pPr>
-              <a:spcBef>
-                <a:spcPts val="0"/>
-              </a:spcBef>
-              <a:defRPr/>
-            </a:lvl5pPr>
-            <a:lvl6pPr>
-              <a:spcBef>
-                <a:spcPts val="0"/>
-              </a:spcBef>
-              <a:defRPr/>
-            </a:lvl6pPr>
-            <a:lvl7pPr>
-              <a:spcBef>
-                <a:spcPts val="0"/>
-              </a:spcBef>
-              <a:defRPr/>
-            </a:lvl7pPr>
-            <a:lvl8pPr>
-              <a:spcBef>
-                <a:spcPts val="0"/>
-              </a:spcBef>
-              <a:defRPr/>
-            </a:lvl8pPr>
-            <a:lvl9pPr>
-              <a:spcBef>
-                <a:spcPts val="0"/>
-              </a:spcBef>
-              <a:defRPr/>
-            </a:lvl9pPr>
-          </a:lstStyle>
-          <a:p>
             <a:endParaRPr/>
           </a:p>
         </p:txBody>
@@ -2980,13 +2898,13 @@
             <a:spLocks noGrp="1"/>
           </p:cNvSpPr>
           <p:nvPr>
-            <p:ph type="body" idx="1"/>
+            <p:ph type="title"/>
           </p:nvPr>
         </p:nvSpPr>
         <p:spPr>
           <a:xfrm>
-            <a:off x="311700" y="1266325"/>
-            <a:ext cx="8520599" cy="3302700"/>
+            <a:off x="311700" y="445025"/>
+            <a:ext cx="8520599" cy="707399"/>
           </a:xfrm>
           <a:prstGeom prst="rect">
             <a:avLst/>
@@ -2995,55 +2913,55 @@
         <p:txBody>
           <a:bodyPr lIns="91425" tIns="91425" rIns="91425" bIns="91425" anchor="t" anchorCtr="0"/>
           <a:lstStyle>
-            <a:lvl1pPr>
+            <a:lvl1pPr lvl="0">
               <a:spcBef>
                 <a:spcPts val="0"/>
               </a:spcBef>
               <a:defRPr/>
             </a:lvl1pPr>
-            <a:lvl2pPr>
+            <a:lvl2pPr lvl="1">
               <a:spcBef>
                 <a:spcPts val="0"/>
               </a:spcBef>
               <a:defRPr/>
             </a:lvl2pPr>
-            <a:lvl3pPr>
+            <a:lvl3pPr lvl="2">
               <a:spcBef>
                 <a:spcPts val="0"/>
               </a:spcBef>
               <a:defRPr/>
             </a:lvl3pPr>
-            <a:lvl4pPr>
+            <a:lvl4pPr lvl="3">
               <a:spcBef>
                 <a:spcPts val="0"/>
               </a:spcBef>
               <a:defRPr/>
             </a:lvl4pPr>
-            <a:lvl5pPr>
+            <a:lvl5pPr lvl="4">
               <a:spcBef>
                 <a:spcPts val="0"/>
               </a:spcBef>
               <a:defRPr/>
             </a:lvl5pPr>
-            <a:lvl6pPr>
+            <a:lvl6pPr lvl="5">
               <a:spcBef>
                 <a:spcPts val="0"/>
               </a:spcBef>
               <a:defRPr/>
             </a:lvl6pPr>
-            <a:lvl7pPr>
+            <a:lvl7pPr lvl="6">
               <a:spcBef>
                 <a:spcPts val="0"/>
               </a:spcBef>
               <a:defRPr/>
             </a:lvl7pPr>
-            <a:lvl8pPr>
+            <a:lvl8pPr lvl="7">
               <a:spcBef>
                 <a:spcPts val="0"/>
               </a:spcBef>
               <a:defRPr/>
             </a:lvl8pPr>
-            <a:lvl9pPr>
+            <a:lvl9pPr lvl="8">
               <a:spcBef>
                 <a:spcPts val="0"/>
               </a:spcBef>
@@ -3062,6 +2980,88 @@
             <a:spLocks noGrp="1"/>
           </p:cNvSpPr>
           <p:nvPr>
+            <p:ph type="body" idx="1"/>
+          </p:nvPr>
+        </p:nvSpPr>
+        <p:spPr>
+          <a:xfrm>
+            <a:off x="311700" y="1266325"/>
+            <a:ext cx="8520599" cy="3302700"/>
+          </a:xfrm>
+          <a:prstGeom prst="rect">
+            <a:avLst/>
+          </a:prstGeom>
+        </p:spPr>
+        <p:txBody>
+          <a:bodyPr lIns="91425" tIns="91425" rIns="91425" bIns="91425" anchor="t" anchorCtr="0"/>
+          <a:lstStyle>
+            <a:lvl1pPr lvl="0">
+              <a:spcBef>
+                <a:spcPts val="0"/>
+              </a:spcBef>
+              <a:defRPr/>
+            </a:lvl1pPr>
+            <a:lvl2pPr lvl="1">
+              <a:spcBef>
+                <a:spcPts val="0"/>
+              </a:spcBef>
+              <a:defRPr/>
+            </a:lvl2pPr>
+            <a:lvl3pPr lvl="2">
+              <a:spcBef>
+                <a:spcPts val="0"/>
+              </a:spcBef>
+              <a:defRPr/>
+            </a:lvl3pPr>
+            <a:lvl4pPr lvl="3">
+              <a:spcBef>
+                <a:spcPts val="0"/>
+              </a:spcBef>
+              <a:defRPr/>
+            </a:lvl4pPr>
+            <a:lvl5pPr lvl="4">
+              <a:spcBef>
+                <a:spcPts val="0"/>
+              </a:spcBef>
+              <a:defRPr/>
+            </a:lvl5pPr>
+            <a:lvl6pPr lvl="5">
+              <a:spcBef>
+                <a:spcPts val="0"/>
+              </a:spcBef>
+              <a:defRPr/>
+            </a:lvl6pPr>
+            <a:lvl7pPr lvl="6">
+              <a:spcBef>
+                <a:spcPts val="0"/>
+              </a:spcBef>
+              <a:defRPr/>
+            </a:lvl7pPr>
+            <a:lvl8pPr lvl="7">
+              <a:spcBef>
+                <a:spcPts val="0"/>
+              </a:spcBef>
+              <a:defRPr/>
+            </a:lvl8pPr>
+            <a:lvl9pPr lvl="8">
+              <a:spcBef>
+                <a:spcPts val="0"/>
+              </a:spcBef>
+              <a:defRPr/>
+            </a:lvl9pPr>
+          </a:lstStyle>
+          <a:p>
+            <a:endParaRPr/>
+          </a:p>
+        </p:txBody>
+      </p:sp>
+      <p:sp>
+        <p:nvSpPr>
+          <p:cNvPr id="29" name="Shape 29"/>
+          <p:cNvSpPr txBox="1">
+            <a:spLocks noGrp="1"/>
+          </p:cNvSpPr>
+          <p:nvPr>
             <p:ph type="sldNum" idx="12"/>
           </p:nvPr>
         </p:nvSpPr>
@@ -3080,7 +3080,7 @@
           </a:bodyPr>
           <a:lstStyle/>
           <a:p>
-            <a:pPr>
+            <a:pPr lvl="0">
               <a:spcBef>
                 <a:spcPts val="0"/>
               </a:spcBef>
@@ -3088,7 +3088,7 @@
             </a:pPr>
             <a:fld id="{00000000-1234-1234-1234-123412341234}" type="slidenum">
               <a:rPr lang="pt-BR"/>
-              <a:pPr>
+              <a:pPr lvl="0">
                 <a:spcBef>
                   <a:spcPts val="0"/>
                 </a:spcBef>
@@ -3113,7 +3113,7 @@
   <p:cSld name="Title and two columns">
     <p:spTree>
       <p:nvGrpSpPr>
-        <p:cNvPr id="1" name="Shape 29"/>
+        <p:cNvPr id="1" name="Shape 30"/>
         <p:cNvGrpSpPr/>
         <p:nvPr/>
       </p:nvGrpSpPr>
@@ -3127,7 +3127,7 @@
       </p:grpSpPr>
       <p:sp>
         <p:nvSpPr>
-          <p:cNvPr id="30" name="Shape 30"/>
+          <p:cNvPr id="31" name="Shape 31"/>
           <p:cNvSpPr txBox="1">
             <a:spLocks noGrp="1"/>
           </p:cNvSpPr>
@@ -3147,150 +3147,59 @@
         <p:txBody>
           <a:bodyPr lIns="91425" tIns="91425" rIns="91425" bIns="91425" anchor="t" anchorCtr="0"/>
           <a:lstStyle>
-            <a:lvl1pPr>
+            <a:lvl1pPr lvl="0">
               <a:spcBef>
                 <a:spcPts val="0"/>
               </a:spcBef>
               <a:defRPr/>
             </a:lvl1pPr>
-            <a:lvl2pPr>
+            <a:lvl2pPr lvl="1">
               <a:spcBef>
                 <a:spcPts val="0"/>
               </a:spcBef>
               <a:defRPr/>
             </a:lvl2pPr>
-            <a:lvl3pPr>
+            <a:lvl3pPr lvl="2">
               <a:spcBef>
                 <a:spcPts val="0"/>
               </a:spcBef>
               <a:defRPr/>
             </a:lvl3pPr>
-            <a:lvl4pPr>
+            <a:lvl4pPr lvl="3">
               <a:spcBef>
                 <a:spcPts val="0"/>
               </a:spcBef>
               <a:defRPr/>
             </a:lvl4pPr>
-            <a:lvl5pPr>
+            <a:lvl5pPr lvl="4">
               <a:spcBef>
                 <a:spcPts val="0"/>
               </a:spcBef>
               <a:defRPr/>
             </a:lvl5pPr>
-            <a:lvl6pPr>
+            <a:lvl6pPr lvl="5">
               <a:spcBef>
                 <a:spcPts val="0"/>
               </a:spcBef>
               <a:defRPr/>
             </a:lvl6pPr>
-            <a:lvl7pPr>
+            <a:lvl7pPr lvl="6">
               <a:spcBef>
                 <a:spcPts val="0"/>
               </a:spcBef>
               <a:defRPr/>
             </a:lvl7pPr>
-            <a:lvl8pPr>
+            <a:lvl8pPr lvl="7">
               <a:spcBef>
                 <a:spcPts val="0"/>
               </a:spcBef>
               <a:defRPr/>
             </a:lvl8pPr>
-            <a:lvl9pPr>
+            <a:lvl9pPr lvl="8">
               <a:spcBef>
                 <a:spcPts val="0"/>
               </a:spcBef>
               <a:defRPr/>
-            </a:lvl9pPr>
-          </a:lstStyle>
-          <a:p>
-            <a:endParaRPr/>
-          </a:p>
-        </p:txBody>
-      </p:sp>
-      <p:sp>
-        <p:nvSpPr>
-          <p:cNvPr id="31" name="Shape 31"/>
-          <p:cNvSpPr txBox="1">
-            <a:spLocks noGrp="1"/>
-          </p:cNvSpPr>
-          <p:nvPr>
-            <p:ph type="body" idx="1"/>
-          </p:nvPr>
-        </p:nvSpPr>
-        <p:spPr>
-          <a:xfrm>
-            <a:off x="311700" y="1266175"/>
-            <a:ext cx="3999899" cy="3302700"/>
-          </a:xfrm>
-          <a:prstGeom prst="rect">
-            <a:avLst/>
-          </a:prstGeom>
-        </p:spPr>
-        <p:txBody>
-          <a:bodyPr lIns="91425" tIns="91425" rIns="91425" bIns="91425" anchor="t" anchorCtr="0"/>
-          <a:lstStyle>
-            <a:lvl1pPr>
-              <a:spcBef>
-                <a:spcPts val="0"/>
-              </a:spcBef>
-              <a:buSzPct val="100000"/>
-              <a:defRPr sz="1400"/>
-            </a:lvl1pPr>
-            <a:lvl2pPr>
-              <a:spcBef>
-                <a:spcPts val="0"/>
-              </a:spcBef>
-              <a:buSzPct val="100000"/>
-              <a:defRPr sz="1200"/>
-            </a:lvl2pPr>
-            <a:lvl3pPr>
-              <a:spcBef>
-                <a:spcPts val="0"/>
-              </a:spcBef>
-              <a:buSzPct val="100000"/>
-              <a:defRPr sz="1200"/>
-            </a:lvl3pPr>
-            <a:lvl4pPr>
-              <a:spcBef>
-                <a:spcPts val="0"/>
-              </a:spcBef>
-              <a:buSzPct val="100000"/>
-              <a:defRPr sz="1200"/>
-            </a:lvl4pPr>
-            <a:lvl5pPr>
-              <a:spcBef>
-                <a:spcPts val="0"/>
-              </a:spcBef>
-              <a:buSzPct val="100000"/>
-              <a:defRPr sz="1200"/>
-            </a:lvl5pPr>
-            <a:lvl6pPr>
-              <a:spcBef>
-                <a:spcPts val="0"/>
-              </a:spcBef>
-              <a:buSzPct val="100000"/>
-              <a:defRPr sz="1200"/>
-            </a:lvl6pPr>
-            <a:lvl7pPr>
-              <a:spcBef>
-                <a:spcPts val="0"/>
-              </a:spcBef>
-              <a:buSzPct val="100000"/>
-              <a:defRPr sz="1200"/>
-            </a:lvl7pPr>
-            <a:lvl8pPr>
-              <a:spcBef>
-                <a:spcPts val="0"/>
-              </a:spcBef>
-              <a:buSzPct val="100000"/>
-              <a:defRPr sz="1200"/>
-            </a:lvl8pPr>
-            <a:lvl9pPr>
-              <a:spcBef>
-                <a:spcPts val="0"/>
-              </a:spcBef>
-              <a:buSzPct val="100000"/>
-              <a:defRPr sz="1200"/>
             </a:lvl9pPr>
           </a:lstStyle>
           <a:p>
@@ -3305,12 +3214,12 @@
             <a:spLocks noGrp="1"/>
           </p:cNvSpPr>
           <p:nvPr>
-            <p:ph type="body" idx="2"/>
+            <p:ph type="body" idx="1"/>
           </p:nvPr>
         </p:nvSpPr>
         <p:spPr>
           <a:xfrm>
-            <a:off x="4832400" y="1266175"/>
+            <a:off x="311700" y="1266175"/>
             <a:ext cx="3999899" cy="3302700"/>
           </a:xfrm>
           <a:prstGeom prst="rect">
@@ -3320,63 +3229,63 @@
         <p:txBody>
           <a:bodyPr lIns="91425" tIns="91425" rIns="91425" bIns="91425" anchor="t" anchorCtr="0"/>
           <a:lstStyle>
-            <a:lvl1pPr>
+            <a:lvl1pPr lvl="0">
               <a:spcBef>
                 <a:spcPts val="0"/>
               </a:spcBef>
               <a:buSzPct val="100000"/>
               <a:defRPr sz="1400"/>
             </a:lvl1pPr>
-            <a:lvl2pPr>
+            <a:lvl2pPr lvl="1">
               <a:spcBef>
                 <a:spcPts val="0"/>
               </a:spcBef>
               <a:buSzPct val="100000"/>
               <a:defRPr sz="1200"/>
             </a:lvl2pPr>
-            <a:lvl3pPr>
+            <a:lvl3pPr lvl="2">
               <a:spcBef>
                 <a:spcPts val="0"/>
               </a:spcBef>
               <a:buSzPct val="100000"/>
               <a:defRPr sz="1200"/>
             </a:lvl3pPr>
-            <a:lvl4pPr>
+            <a:lvl4pPr lvl="3">
               <a:spcBef>
                 <a:spcPts val="0"/>
               </a:spcBef>
               <a:buSzPct val="100000"/>
               <a:defRPr sz="1200"/>
             </a:lvl4pPr>
-            <a:lvl5pPr>
+            <a:lvl5pPr lvl="4">
               <a:spcBef>
                 <a:spcPts val="0"/>
               </a:spcBef>
               <a:buSzPct val="100000"/>
               <a:defRPr sz="1200"/>
             </a:lvl5pPr>
-            <a:lvl6pPr>
+            <a:lvl6pPr lvl="5">
               <a:spcBef>
                 <a:spcPts val="0"/>
               </a:spcBef>
               <a:buSzPct val="100000"/>
               <a:defRPr sz="1200"/>
             </a:lvl6pPr>
-            <a:lvl7pPr>
+            <a:lvl7pPr lvl="6">
               <a:spcBef>
                 <a:spcPts val="0"/>
               </a:spcBef>
               <a:buSzPct val="100000"/>
               <a:defRPr sz="1200"/>
             </a:lvl7pPr>
-            <a:lvl8pPr>
+            <a:lvl8pPr lvl="7">
               <a:spcBef>
                 <a:spcPts val="0"/>
               </a:spcBef>
               <a:buSzPct val="100000"/>
               <a:defRPr sz="1200"/>
             </a:lvl8pPr>
-            <a:lvl9pPr>
+            <a:lvl9pPr lvl="8">
               <a:spcBef>
                 <a:spcPts val="0"/>
               </a:spcBef>
@@ -3396,6 +3305,97 @@
             <a:spLocks noGrp="1"/>
           </p:cNvSpPr>
           <p:nvPr>
+            <p:ph type="body" idx="2"/>
+          </p:nvPr>
+        </p:nvSpPr>
+        <p:spPr>
+          <a:xfrm>
+            <a:off x="4832400" y="1266175"/>
+            <a:ext cx="3999899" cy="3302700"/>
+          </a:xfrm>
+          <a:prstGeom prst="rect">
+            <a:avLst/>
+          </a:prstGeom>
+        </p:spPr>
+        <p:txBody>
+          <a:bodyPr lIns="91425" tIns="91425" rIns="91425" bIns="91425" anchor="t" anchorCtr="0"/>
+          <a:lstStyle>
+            <a:lvl1pPr lvl="0">
+              <a:spcBef>
+                <a:spcPts val="0"/>
+              </a:spcBef>
+              <a:buSzPct val="100000"/>
+              <a:defRPr sz="1400"/>
+            </a:lvl1pPr>
+            <a:lvl2pPr lvl="1">
+              <a:spcBef>
+                <a:spcPts val="0"/>
+              </a:spcBef>
+              <a:buSzPct val="100000"/>
+              <a:defRPr sz="1200"/>
+            </a:lvl2pPr>
+            <a:lvl3pPr lvl="2">
+              <a:spcBef>
+                <a:spcPts val="0"/>
+              </a:spcBef>
+              <a:buSzPct val="100000"/>
+              <a:defRPr sz="1200"/>
+            </a:lvl3pPr>
+            <a:lvl4pPr lvl="3">
+              <a:spcBef>
+                <a:spcPts val="0"/>
+              </a:spcBef>
+              <a:buSzPct val="100000"/>
+              <a:defRPr sz="1200"/>
+            </a:lvl4pPr>
+            <a:lvl5pPr lvl="4">
+              <a:spcBef>
+                <a:spcPts val="0"/>
+              </a:spcBef>
+              <a:buSzPct val="100000"/>
+              <a:defRPr sz="1200"/>
+            </a:lvl5pPr>
+            <a:lvl6pPr lvl="5">
+              <a:spcBef>
+                <a:spcPts val="0"/>
+              </a:spcBef>
+              <a:buSzPct val="100000"/>
+              <a:defRPr sz="1200"/>
+            </a:lvl6pPr>
+            <a:lvl7pPr lvl="6">
+              <a:spcBef>
+                <a:spcPts val="0"/>
+              </a:spcBef>
+              <a:buSzPct val="100000"/>
+              <a:defRPr sz="1200"/>
+            </a:lvl7pPr>
+            <a:lvl8pPr lvl="7">
+              <a:spcBef>
+                <a:spcPts val="0"/>
+              </a:spcBef>
+              <a:buSzPct val="100000"/>
+              <a:defRPr sz="1200"/>
+            </a:lvl8pPr>
+            <a:lvl9pPr lvl="8">
+              <a:spcBef>
+                <a:spcPts val="0"/>
+              </a:spcBef>
+              <a:buSzPct val="100000"/>
+              <a:defRPr sz="1200"/>
+            </a:lvl9pPr>
+          </a:lstStyle>
+          <a:p>
+            <a:endParaRPr/>
+          </a:p>
+        </p:txBody>
+      </p:sp>
+      <p:sp>
+        <p:nvSpPr>
+          <p:cNvPr id="34" name="Shape 34"/>
+          <p:cNvSpPr txBox="1">
+            <a:spLocks noGrp="1"/>
+          </p:cNvSpPr>
+          <p:nvPr>
             <p:ph type="sldNum" idx="12"/>
           </p:nvPr>
         </p:nvSpPr>
@@ -3414,7 +3414,7 @@
           </a:bodyPr>
           <a:lstStyle/>
           <a:p>
-            <a:pPr>
+            <a:pPr lvl="0">
               <a:spcBef>
                 <a:spcPts val="0"/>
               </a:spcBef>
@@ -3422,7 +3422,7 @@
             </a:pPr>
             <a:fld id="{00000000-1234-1234-1234-123412341234}" type="slidenum">
               <a:rPr lang="pt-BR"/>
-              <a:pPr>
+              <a:pPr lvl="0">
                 <a:spcBef>
                   <a:spcPts val="0"/>
                 </a:spcBef>
@@ -3447,7 +3447,7 @@
   <p:cSld name="Title only">
     <p:spTree>
       <p:nvGrpSpPr>
-        <p:cNvPr id="1" name="Shape 34"/>
+        <p:cNvPr id="1" name="Shape 35"/>
         <p:cNvGrpSpPr/>
         <p:nvPr/>
       </p:nvGrpSpPr>
@@ -3461,7 +3461,7 @@
       </p:grpSpPr>
       <p:sp>
         <p:nvSpPr>
-          <p:cNvPr id="35" name="Shape 35"/>
+          <p:cNvPr id="36" name="Shape 36"/>
           <p:cNvSpPr txBox="1">
             <a:spLocks noGrp="1"/>
           </p:cNvSpPr>
@@ -3481,55 +3481,55 @@
         <p:txBody>
           <a:bodyPr lIns="91425" tIns="91425" rIns="91425" bIns="91425" anchor="t" anchorCtr="0"/>
           <a:lstStyle>
-            <a:lvl1pPr>
+            <a:lvl1pPr lvl="0">
               <a:spcBef>
                 <a:spcPts val="0"/>
               </a:spcBef>
               <a:defRPr/>
             </a:lvl1pPr>
-            <a:lvl2pPr>
+            <a:lvl2pPr lvl="1">
               <a:spcBef>
                 <a:spcPts val="0"/>
               </a:spcBef>
               <a:defRPr/>
             </a:lvl2pPr>
-            <a:lvl3pPr>
+            <a:lvl3pPr lvl="2">
               <a:spcBef>
                 <a:spcPts val="0"/>
               </a:spcBef>
               <a:defRPr/>
             </a:lvl3pPr>
-            <a:lvl4pPr>
+            <a:lvl4pPr lvl="3">
               <a:spcBef>
                 <a:spcPts val="0"/>
               </a:spcBef>
               <a:defRPr/>
             </a:lvl4pPr>
-            <a:lvl5pPr>
+            <a:lvl5pPr lvl="4">
               <a:spcBef>
                 <a:spcPts val="0"/>
               </a:spcBef>
               <a:defRPr/>
             </a:lvl5pPr>
-            <a:lvl6pPr>
+            <a:lvl6pPr lvl="5">
               <a:spcBef>
                 <a:spcPts val="0"/>
               </a:spcBef>
               <a:defRPr/>
             </a:lvl6pPr>
-            <a:lvl7pPr>
+            <a:lvl7pPr lvl="6">
               <a:spcBef>
                 <a:spcPts val="0"/>
               </a:spcBef>
               <a:defRPr/>
             </a:lvl7pPr>
-            <a:lvl8pPr>
+            <a:lvl8pPr lvl="7">
               <a:spcBef>
                 <a:spcPts val="0"/>
               </a:spcBef>
               <a:defRPr/>
             </a:lvl8pPr>
-            <a:lvl9pPr>
+            <a:lvl9pPr lvl="8">
               <a:spcBef>
                 <a:spcPts val="0"/>
               </a:spcBef>
@@ -3543,7 +3543,7 @@
       </p:sp>
       <p:sp>
         <p:nvSpPr>
-          <p:cNvPr id="36" name="Shape 36"/>
+          <p:cNvPr id="37" name="Shape 37"/>
           <p:cNvSpPr txBox="1">
             <a:spLocks noGrp="1"/>
           </p:cNvSpPr>
@@ -3566,7 +3566,7 @@
           </a:bodyPr>
           <a:lstStyle/>
           <a:p>
-            <a:pPr>
+            <a:pPr lvl="0">
               <a:spcBef>
                 <a:spcPts val="0"/>
               </a:spcBef>
@@ -3574,7 +3574,7 @@
             </a:pPr>
             <a:fld id="{00000000-1234-1234-1234-123412341234}" type="slidenum">
               <a:rPr lang="pt-BR"/>
-              <a:pPr>
+              <a:pPr lvl="0">
                 <a:spcBef>
                   <a:spcPts val="0"/>
                 </a:spcBef>
@@ -3599,7 +3599,7 @@
   <p:cSld name="One column text">
     <p:spTree>
       <p:nvGrpSpPr>
-        <p:cNvPr id="1" name="Shape 37"/>
+        <p:cNvPr id="1" name="Shape 38"/>
         <p:cNvGrpSpPr/>
         <p:nvPr/>
       </p:nvGrpSpPr>
@@ -3613,7 +3613,7 @@
       </p:grpSpPr>
       <p:sp>
         <p:nvSpPr>
-          <p:cNvPr id="38" name="Shape 38"/>
+          <p:cNvPr id="39" name="Shape 39"/>
           <p:cNvSpPr txBox="1">
             <a:spLocks noGrp="1"/>
           </p:cNvSpPr>
@@ -3633,159 +3633,68 @@
         <p:txBody>
           <a:bodyPr lIns="91425" tIns="91425" rIns="91425" bIns="91425" anchor="b" anchorCtr="0"/>
           <a:lstStyle>
-            <a:lvl1pPr>
+            <a:lvl1pPr lvl="0">
               <a:spcBef>
                 <a:spcPts val="0"/>
               </a:spcBef>
               <a:buSzPct val="100000"/>
               <a:defRPr sz="2400"/>
             </a:lvl1pPr>
-            <a:lvl2pPr>
+            <a:lvl2pPr lvl="1">
               <a:spcBef>
                 <a:spcPts val="0"/>
               </a:spcBef>
               <a:buSzPct val="100000"/>
               <a:defRPr sz="2400"/>
             </a:lvl2pPr>
-            <a:lvl3pPr>
+            <a:lvl3pPr lvl="2">
               <a:spcBef>
                 <a:spcPts val="0"/>
               </a:spcBef>
               <a:buSzPct val="100000"/>
               <a:defRPr sz="2400"/>
             </a:lvl3pPr>
-            <a:lvl4pPr>
+            <a:lvl4pPr lvl="3">
               <a:spcBef>
                 <a:spcPts val="0"/>
               </a:spcBef>
               <a:buSzPct val="100000"/>
               <a:defRPr sz="2400"/>
             </a:lvl4pPr>
-            <a:lvl5pPr>
+            <a:lvl5pPr lvl="4">
               <a:spcBef>
                 <a:spcPts val="0"/>
               </a:spcBef>
               <a:buSzPct val="100000"/>
               <a:defRPr sz="2400"/>
             </a:lvl5pPr>
-            <a:lvl6pPr>
+            <a:lvl6pPr lvl="5">
               <a:spcBef>
                 <a:spcPts val="0"/>
               </a:spcBef>
               <a:buSzPct val="100000"/>
               <a:defRPr sz="2400"/>
             </a:lvl6pPr>
-            <a:lvl7pPr>
+            <a:lvl7pPr lvl="6">
               <a:spcBef>
                 <a:spcPts val="0"/>
               </a:spcBef>
               <a:buSzPct val="100000"/>
               <a:defRPr sz="2400"/>
             </a:lvl7pPr>
-            <a:lvl8pPr>
+            <a:lvl8pPr lvl="7">
               <a:spcBef>
                 <a:spcPts val="0"/>
               </a:spcBef>
               <a:buSzPct val="100000"/>
               <a:defRPr sz="2400"/>
             </a:lvl8pPr>
-            <a:lvl9pPr>
+            <a:lvl9pPr lvl="8">
               <a:spcBef>
                 <a:spcPts val="0"/>
               </a:spcBef>
               <a:buSzPct val="100000"/>
               <a:defRPr sz="2400"/>
-            </a:lvl9pPr>
-          </a:lstStyle>
-          <a:p>
-            <a:endParaRPr/>
-          </a:p>
-        </p:txBody>
-      </p:sp>
-      <p:sp>
-        <p:nvSpPr>
-          <p:cNvPr id="39" name="Shape 39"/>
-          <p:cNvSpPr txBox="1">
-            <a:spLocks noGrp="1"/>
-          </p:cNvSpPr>
-          <p:nvPr>
-            <p:ph type="body" idx="1"/>
-          </p:nvPr>
-        </p:nvSpPr>
-        <p:spPr>
-          <a:xfrm>
-            <a:off x="311700" y="1389600"/>
-            <a:ext cx="2807999" cy="3179400"/>
-          </a:xfrm>
-          <a:prstGeom prst="rect">
-            <a:avLst/>
-          </a:prstGeom>
-        </p:spPr>
-        <p:txBody>
-          <a:bodyPr lIns="91425" tIns="91425" rIns="91425" bIns="91425" anchor="t" anchorCtr="0"/>
-          <a:lstStyle>
-            <a:lvl1pPr>
-              <a:spcBef>
-                <a:spcPts val="0"/>
-              </a:spcBef>
-              <a:buSzPct val="100000"/>
-              <a:defRPr sz="1200"/>
-            </a:lvl1pPr>
-            <a:lvl2pPr>
-              <a:spcBef>
-                <a:spcPts val="0"/>
-              </a:spcBef>
-              <a:buSzPct val="100000"/>
-              <a:defRPr sz="1200"/>
-            </a:lvl2pPr>
-            <a:lvl3pPr>
-              <a:spcBef>
-                <a:spcPts val="0"/>
-              </a:spcBef>
-              <a:buSzPct val="100000"/>
-              <a:defRPr sz="1200"/>
-            </a:lvl3pPr>
-            <a:lvl4pPr>
-              <a:spcBef>
-                <a:spcPts val="0"/>
-              </a:spcBef>
-              <a:buSzPct val="100000"/>
-              <a:defRPr sz="1200"/>
-            </a:lvl4pPr>
-            <a:lvl5pPr>
-              <a:spcBef>
-                <a:spcPts val="0"/>
-              </a:spcBef>
-              <a:buSzPct val="100000"/>
-              <a:defRPr sz="1200"/>
-            </a:lvl5pPr>
-            <a:lvl6pPr>
-              <a:spcBef>
-                <a:spcPts val="0"/>
-              </a:spcBef>
-              <a:buSzPct val="100000"/>
-              <a:defRPr sz="1200"/>
-            </a:lvl6pPr>
-            <a:lvl7pPr>
-              <a:spcBef>
-                <a:spcPts val="0"/>
-              </a:spcBef>
-              <a:buSzPct val="100000"/>
-              <a:defRPr sz="1200"/>
-            </a:lvl7pPr>
-            <a:lvl8pPr>
-              <a:spcBef>
-                <a:spcPts val="0"/>
-              </a:spcBef>
-              <a:buSzPct val="100000"/>
-              <a:defRPr sz="1200"/>
-            </a:lvl8pPr>
-            <a:lvl9pPr>
-              <a:spcBef>
-                <a:spcPts val="0"/>
-              </a:spcBef>
-              <a:buSzPct val="100000"/>
-              <a:defRPr sz="1200"/>
             </a:lvl9pPr>
           </a:lstStyle>
           <a:p>
@@ -3800,6 +3709,97 @@
             <a:spLocks noGrp="1"/>
           </p:cNvSpPr>
           <p:nvPr>
+            <p:ph type="body" idx="1"/>
+          </p:nvPr>
+        </p:nvSpPr>
+        <p:spPr>
+          <a:xfrm>
+            <a:off x="311700" y="1389600"/>
+            <a:ext cx="2807999" cy="3179400"/>
+          </a:xfrm>
+          <a:prstGeom prst="rect">
+            <a:avLst/>
+          </a:prstGeom>
+        </p:spPr>
+        <p:txBody>
+          <a:bodyPr lIns="91425" tIns="91425" rIns="91425" bIns="91425" anchor="t" anchorCtr="0"/>
+          <a:lstStyle>
+            <a:lvl1pPr lvl="0">
+              <a:spcBef>
+                <a:spcPts val="0"/>
+              </a:spcBef>
+              <a:buSzPct val="100000"/>
+              <a:defRPr sz="1200"/>
+            </a:lvl1pPr>
+            <a:lvl2pPr lvl="1">
+              <a:spcBef>
+                <a:spcPts val="0"/>
+              </a:spcBef>
+              <a:buSzPct val="100000"/>
+              <a:defRPr sz="1200"/>
+            </a:lvl2pPr>
+            <a:lvl3pPr lvl="2">
+              <a:spcBef>
+                <a:spcPts val="0"/>
+              </a:spcBef>
+              <a:buSzPct val="100000"/>
+              <a:defRPr sz="1200"/>
+            </a:lvl3pPr>
+            <a:lvl4pPr lvl="3">
+              <a:spcBef>
+                <a:spcPts val="0"/>
+              </a:spcBef>
+              <a:buSzPct val="100000"/>
+              <a:defRPr sz="1200"/>
+            </a:lvl4pPr>
+            <a:lvl5pPr lvl="4">
+              <a:spcBef>
+                <a:spcPts val="0"/>
+              </a:spcBef>
+              <a:buSzPct val="100000"/>
+              <a:defRPr sz="1200"/>
+            </a:lvl5pPr>
+            <a:lvl6pPr lvl="5">
+              <a:spcBef>
+                <a:spcPts val="0"/>
+              </a:spcBef>
+              <a:buSzPct val="100000"/>
+              <a:defRPr sz="1200"/>
+            </a:lvl6pPr>
+            <a:lvl7pPr lvl="6">
+              <a:spcBef>
+                <a:spcPts val="0"/>
+              </a:spcBef>
+              <a:buSzPct val="100000"/>
+              <a:defRPr sz="1200"/>
+            </a:lvl7pPr>
+            <a:lvl8pPr lvl="7">
+              <a:spcBef>
+                <a:spcPts val="0"/>
+              </a:spcBef>
+              <a:buSzPct val="100000"/>
+              <a:defRPr sz="1200"/>
+            </a:lvl8pPr>
+            <a:lvl9pPr lvl="8">
+              <a:spcBef>
+                <a:spcPts val="0"/>
+              </a:spcBef>
+              <a:buSzPct val="100000"/>
+              <a:defRPr sz="1200"/>
+            </a:lvl9pPr>
+          </a:lstStyle>
+          <a:p>
+            <a:endParaRPr/>
+          </a:p>
+        </p:txBody>
+      </p:sp>
+      <p:sp>
+        <p:nvSpPr>
+          <p:cNvPr id="41" name="Shape 41"/>
+          <p:cNvSpPr txBox="1">
+            <a:spLocks noGrp="1"/>
+          </p:cNvSpPr>
+          <p:nvPr>
             <p:ph type="sldNum" idx="12"/>
           </p:nvPr>
         </p:nvSpPr>
@@ -3818,7 +3818,7 @@
           </a:bodyPr>
           <a:lstStyle/>
           <a:p>
-            <a:pPr>
+            <a:pPr lvl="0">
               <a:spcBef>
                 <a:spcPts val="0"/>
               </a:spcBef>
@@ -3826,7 +3826,7 @@
             </a:pPr>
             <a:fld id="{00000000-1234-1234-1234-123412341234}" type="slidenum">
               <a:rPr lang="pt-BR"/>
-              <a:pPr>
+              <a:pPr lvl="0">
                 <a:spcBef>
                   <a:spcPts val="0"/>
                 </a:spcBef>
@@ -3859,7 +3859,7 @@
     </p:bg>
     <p:spTree>
       <p:nvGrpSpPr>
-        <p:cNvPr id="1" name="Shape 41"/>
+        <p:cNvPr id="1" name="Shape 42"/>
         <p:cNvGrpSpPr/>
         <p:nvPr/>
       </p:nvGrpSpPr>
@@ -3873,7 +3873,7 @@
       </p:grpSpPr>
       <p:sp>
         <p:nvSpPr>
-          <p:cNvPr id="42" name="Shape 42"/>
+          <p:cNvPr id="43" name="Shape 43"/>
           <p:cNvSpPr txBox="1">
             <a:spLocks noGrp="1"/>
           </p:cNvSpPr>
@@ -3893,7 +3893,7 @@
         <p:txBody>
           <a:bodyPr lIns="91425" tIns="91425" rIns="91425" bIns="91425" anchor="ctr" anchorCtr="0"/>
           <a:lstStyle>
-            <a:lvl1pPr>
+            <a:lvl1pPr lvl="0">
               <a:spcBef>
                 <a:spcPts val="0"/>
               </a:spcBef>
@@ -3907,7 +3907,7 @@
                 </a:solidFill>
               </a:defRPr>
             </a:lvl1pPr>
-            <a:lvl2pPr>
+            <a:lvl2pPr lvl="1">
               <a:spcBef>
                 <a:spcPts val="0"/>
               </a:spcBef>
@@ -3921,7 +3921,7 @@
                 </a:solidFill>
               </a:defRPr>
             </a:lvl2pPr>
-            <a:lvl3pPr>
+            <a:lvl3pPr lvl="2">
               <a:spcBef>
                 <a:spcPts val="0"/>
               </a:spcBef>
@@ -3935,7 +3935,7 @@
                 </a:solidFill>
               </a:defRPr>
             </a:lvl3pPr>
-            <a:lvl4pPr>
+            <a:lvl4pPr lvl="3">
               <a:spcBef>
                 <a:spcPts val="0"/>
               </a:spcBef>
@@ -3949,7 +3949,7 @@
                 </a:solidFill>
               </a:defRPr>
             </a:lvl4pPr>
-            <a:lvl5pPr>
+            <a:lvl5pPr lvl="4">
               <a:spcBef>
                 <a:spcPts val="0"/>
               </a:spcBef>
@@ -3963,7 +3963,7 @@
                 </a:solidFill>
               </a:defRPr>
             </a:lvl5pPr>
-            <a:lvl6pPr>
+            <a:lvl6pPr lvl="5">
               <a:spcBef>
                 <a:spcPts val="0"/>
               </a:spcBef>
@@ -3977,7 +3977,7 @@
                 </a:solidFill>
               </a:defRPr>
             </a:lvl6pPr>
-            <a:lvl7pPr>
+            <a:lvl7pPr lvl="6">
               <a:spcBef>
                 <a:spcPts val="0"/>
               </a:spcBef>
@@ -3991,7 +3991,7 @@
                 </a:solidFill>
               </a:defRPr>
             </a:lvl7pPr>
-            <a:lvl8pPr>
+            <a:lvl8pPr lvl="7">
               <a:spcBef>
                 <a:spcPts val="0"/>
               </a:spcBef>
@@ -4005,7 +4005,7 @@
                 </a:solidFill>
               </a:defRPr>
             </a:lvl8pPr>
-            <a:lvl9pPr>
+            <a:lvl9pPr lvl="8">
               <a:spcBef>
                 <a:spcPts val="0"/>
               </a:spcBef>
@@ -4027,7 +4027,7 @@
       </p:sp>
       <p:sp>
         <p:nvSpPr>
-          <p:cNvPr id="43" name="Shape 43"/>
+          <p:cNvPr id="44" name="Shape 44"/>
           <p:cNvSpPr txBox="1">
             <a:spLocks noGrp="1"/>
           </p:cNvSpPr>
@@ -4050,7 +4050,7 @@
           </a:bodyPr>
           <a:lstStyle/>
           <a:p>
-            <a:pPr>
+            <a:pPr lvl="0">
               <a:spcBef>
                 <a:spcPts val="0"/>
               </a:spcBef>
@@ -4058,7 +4058,7 @@
             </a:pPr>
             <a:fld id="{00000000-1234-1234-1234-123412341234}" type="slidenum">
               <a:rPr lang="pt-BR"/>
-              <a:pPr>
+              <a:pPr lvl="0">
                 <a:spcBef>
                   <a:spcPts val="0"/>
                 </a:spcBef>
@@ -4083,7 +4083,7 @@
   <p:cSld name="Section title and description">
     <p:spTree>
       <p:nvGrpSpPr>
-        <p:cNvPr id="1" name="Shape 44"/>
+        <p:cNvPr id="1" name="Shape 45"/>
         <p:cNvGrpSpPr/>
         <p:nvPr/>
       </p:nvGrpSpPr>
@@ -4097,7 +4097,7 @@
       </p:grpSpPr>
       <p:sp>
         <p:nvSpPr>
-          <p:cNvPr id="45" name="Shape 45"/>
+          <p:cNvPr id="46" name="Shape 46"/>
           <p:cNvSpPr/>
           <p:nvPr/>
         </p:nvSpPr>
@@ -4122,7 +4122,7 @@
           </a:bodyPr>
           <a:lstStyle/>
           <a:p>
-            <a:pPr>
+            <a:pPr lvl="0">
               <a:spcBef>
                 <a:spcPts val="0"/>
               </a:spcBef>
@@ -4134,7 +4134,7 @@
       </p:sp>
       <p:cxnSp>
         <p:nvCxnSpPr>
-          <p:cNvPr id="46" name="Shape 46"/>
+          <p:cNvPr id="47" name="Shape 47"/>
           <p:cNvCxnSpPr/>
           <p:nvPr/>
         </p:nvCxnSpPr>
@@ -4160,7 +4160,7 @@
       </p:cxnSp>
       <p:sp>
         <p:nvSpPr>
-          <p:cNvPr id="47" name="Shape 47"/>
+          <p:cNvPr id="48" name="Shape 48"/>
           <p:cNvSpPr txBox="1">
             <a:spLocks noGrp="1"/>
           </p:cNvSpPr>
@@ -4180,222 +4180,68 @@
         <p:txBody>
           <a:bodyPr lIns="91425" tIns="91425" rIns="91425" bIns="91425" anchor="b" anchorCtr="0"/>
           <a:lstStyle>
-            <a:lvl1pPr algn="ctr">
+            <a:lvl1pPr lvl="0" algn="ctr">
               <a:spcBef>
                 <a:spcPts val="0"/>
               </a:spcBef>
               <a:buSzPct val="100000"/>
               <a:defRPr sz="4200"/>
             </a:lvl1pPr>
-            <a:lvl2pPr algn="ctr">
+            <a:lvl2pPr lvl="1" algn="ctr">
               <a:spcBef>
                 <a:spcPts val="0"/>
               </a:spcBef>
               <a:buSzPct val="100000"/>
               <a:defRPr sz="4200"/>
             </a:lvl2pPr>
-            <a:lvl3pPr algn="ctr">
+            <a:lvl3pPr lvl="2" algn="ctr">
               <a:spcBef>
                 <a:spcPts val="0"/>
               </a:spcBef>
               <a:buSzPct val="100000"/>
               <a:defRPr sz="4200"/>
             </a:lvl3pPr>
-            <a:lvl4pPr algn="ctr">
+            <a:lvl4pPr lvl="3" algn="ctr">
               <a:spcBef>
                 <a:spcPts val="0"/>
               </a:spcBef>
               <a:buSzPct val="100000"/>
               <a:defRPr sz="4200"/>
             </a:lvl4pPr>
-            <a:lvl5pPr algn="ctr">
+            <a:lvl5pPr lvl="4" algn="ctr">
               <a:spcBef>
                 <a:spcPts val="0"/>
               </a:spcBef>
               <a:buSzPct val="100000"/>
               <a:defRPr sz="4200"/>
             </a:lvl5pPr>
-            <a:lvl6pPr algn="ctr">
+            <a:lvl6pPr lvl="5" algn="ctr">
               <a:spcBef>
                 <a:spcPts val="0"/>
               </a:spcBef>
               <a:buSzPct val="100000"/>
               <a:defRPr sz="4200"/>
             </a:lvl6pPr>
-            <a:lvl7pPr algn="ctr">
+            <a:lvl7pPr lvl="6" algn="ctr">
               <a:spcBef>
                 <a:spcPts val="0"/>
               </a:spcBef>
               <a:buSzPct val="100000"/>
               <a:defRPr sz="4200"/>
             </a:lvl7pPr>
-            <a:lvl8pPr algn="ctr">
+            <a:lvl8pPr lvl="7" algn="ctr">
               <a:spcBef>
                 <a:spcPts val="0"/>
               </a:spcBef>
               <a:buSzPct val="100000"/>
               <a:defRPr sz="4200"/>
             </a:lvl8pPr>
-            <a:lvl9pPr algn="ctr">
+            <a:lvl9pPr lvl="8" algn="ctr">
               <a:spcBef>
                 <a:spcPts val="0"/>
               </a:spcBef>
               <a:buSzPct val="100000"/>
               <a:defRPr sz="4200"/>
-            </a:lvl9pPr>
-          </a:lstStyle>
-          <a:p>
-            <a:endParaRPr/>
-          </a:p>
-        </p:txBody>
-      </p:sp>
-      <p:sp>
-        <p:nvSpPr>
-          <p:cNvPr id="48" name="Shape 48"/>
-          <p:cNvSpPr txBox="1">
-            <a:spLocks noGrp="1"/>
-          </p:cNvSpPr>
-          <p:nvPr>
-            <p:ph type="subTitle" idx="1"/>
-          </p:nvPr>
-        </p:nvSpPr>
-        <p:spPr>
-          <a:xfrm>
-            <a:off x="265500" y="2726875"/>
-            <a:ext cx="4045199" cy="1235100"/>
-          </a:xfrm>
-          <a:prstGeom prst="rect">
-            <a:avLst/>
-          </a:prstGeom>
-        </p:spPr>
-        <p:txBody>
-          <a:bodyPr lIns="91425" tIns="91425" rIns="91425" bIns="91425" anchor="t" anchorCtr="0"/>
-          <a:lstStyle>
-            <a:lvl1pPr algn="ctr">
-              <a:lnSpc>
-                <a:spcPct val="100000"/>
-              </a:lnSpc>
-              <a:spcBef>
-                <a:spcPts val="0"/>
-              </a:spcBef>
-              <a:spcAft>
-                <a:spcPts val="0"/>
-              </a:spcAft>
-              <a:buSzPct val="100000"/>
-              <a:buNone/>
-              <a:defRPr sz="2100"/>
-            </a:lvl1pPr>
-            <a:lvl2pPr algn="ctr">
-              <a:lnSpc>
-                <a:spcPct val="100000"/>
-              </a:lnSpc>
-              <a:spcBef>
-                <a:spcPts val="0"/>
-              </a:spcBef>
-              <a:spcAft>
-                <a:spcPts val="0"/>
-              </a:spcAft>
-              <a:buSzPct val="100000"/>
-              <a:buNone/>
-              <a:defRPr sz="2100"/>
-            </a:lvl2pPr>
-            <a:lvl3pPr algn="ctr">
-              <a:lnSpc>
-                <a:spcPct val="100000"/>
-              </a:lnSpc>
-              <a:spcBef>
-                <a:spcPts val="0"/>
-              </a:spcBef>
-              <a:spcAft>
-                <a:spcPts val="0"/>
-              </a:spcAft>
-              <a:buSzPct val="100000"/>
-              <a:buNone/>
-              <a:defRPr sz="2100"/>
-            </a:lvl3pPr>
-            <a:lvl4pPr algn="ctr">
-              <a:lnSpc>
-                <a:spcPct val="100000"/>
-              </a:lnSpc>
-              <a:spcBef>
-                <a:spcPts val="0"/>
-              </a:spcBef>
-              <a:spcAft>
-                <a:spcPts val="0"/>
-              </a:spcAft>
-              <a:buSzPct val="100000"/>
-              <a:buNone/>
-              <a:defRPr sz="2100"/>
-            </a:lvl4pPr>
-            <a:lvl5pPr algn="ctr">
-              <a:lnSpc>
-                <a:spcPct val="100000"/>
-              </a:lnSpc>
-              <a:spcBef>
-                <a:spcPts val="0"/>
-              </a:spcBef>
-              <a:spcAft>
-                <a:spcPts val="0"/>
-              </a:spcAft>
-              <a:buSzPct val="100000"/>
-              <a:buNone/>
-              <a:defRPr sz="2100"/>
-            </a:lvl5pPr>
-            <a:lvl6pPr algn="ctr">
-              <a:lnSpc>
-                <a:spcPct val="100000"/>
-              </a:lnSpc>
-              <a:spcBef>
-                <a:spcPts val="0"/>
-              </a:spcBef>
-              <a:spcAft>
-                <a:spcPts val="0"/>
-              </a:spcAft>
-              <a:buSzPct val="100000"/>
-              <a:buNone/>
-              <a:defRPr sz="2100"/>
-            </a:lvl6pPr>
-            <a:lvl7pPr algn="ctr">
-              <a:lnSpc>
-                <a:spcPct val="100000"/>
-              </a:lnSpc>
-              <a:spcBef>
-                <a:spcPts val="0"/>
-              </a:spcBef>
-              <a:spcAft>
-                <a:spcPts val="0"/>
-              </a:spcAft>
-              <a:buSzPct val="100000"/>
-              <a:buNone/>
-              <a:defRPr sz="2100"/>
-            </a:lvl7pPr>
-            <a:lvl8pPr algn="ctr">
-              <a:lnSpc>
-                <a:spcPct val="100000"/>
-              </a:lnSpc>
-              <a:spcBef>
-                <a:spcPts val="0"/>
-              </a:spcBef>
-              <a:spcAft>
-                <a:spcPts val="0"/>
-              </a:spcAft>
-              <a:buSzPct val="100000"/>
-              <a:buNone/>
-              <a:defRPr sz="2100"/>
-            </a:lvl8pPr>
-            <a:lvl9pPr algn="ctr">
-              <a:lnSpc>
-                <a:spcPct val="100000"/>
-              </a:lnSpc>
-              <a:spcBef>
-                <a:spcPts val="0"/>
-              </a:spcBef>
-              <a:spcAft>
-                <a:spcPts val="0"/>
-              </a:spcAft>
-              <a:buSzPct val="100000"/>
-              <a:buNone/>
-              <a:defRPr sz="2100"/>
             </a:lvl9pPr>
           </a:lstStyle>
           <a:p>
@@ -4410,6 +4256,160 @@
             <a:spLocks noGrp="1"/>
           </p:cNvSpPr>
           <p:nvPr>
+            <p:ph type="subTitle" idx="1"/>
+          </p:nvPr>
+        </p:nvSpPr>
+        <p:spPr>
+          <a:xfrm>
+            <a:off x="265500" y="2726875"/>
+            <a:ext cx="4045199" cy="1235100"/>
+          </a:xfrm>
+          <a:prstGeom prst="rect">
+            <a:avLst/>
+          </a:prstGeom>
+        </p:spPr>
+        <p:txBody>
+          <a:bodyPr lIns="91425" tIns="91425" rIns="91425" bIns="91425" anchor="t" anchorCtr="0"/>
+          <a:lstStyle>
+            <a:lvl1pPr lvl="0" algn="ctr">
+              <a:lnSpc>
+                <a:spcPct val="100000"/>
+              </a:lnSpc>
+              <a:spcBef>
+                <a:spcPts val="0"/>
+              </a:spcBef>
+              <a:spcAft>
+                <a:spcPts val="0"/>
+              </a:spcAft>
+              <a:buSzPct val="100000"/>
+              <a:buNone/>
+              <a:defRPr sz="2100"/>
+            </a:lvl1pPr>
+            <a:lvl2pPr lvl="1" algn="ctr">
+              <a:lnSpc>
+                <a:spcPct val="100000"/>
+              </a:lnSpc>
+              <a:spcBef>
+                <a:spcPts val="0"/>
+              </a:spcBef>
+              <a:spcAft>
+                <a:spcPts val="0"/>
+              </a:spcAft>
+              <a:buSzPct val="100000"/>
+              <a:buNone/>
+              <a:defRPr sz="2100"/>
+            </a:lvl2pPr>
+            <a:lvl3pPr lvl="2" algn="ctr">
+              <a:lnSpc>
+                <a:spcPct val="100000"/>
+              </a:lnSpc>
+              <a:spcBef>
+                <a:spcPts val="0"/>
+              </a:spcBef>
+              <a:spcAft>
+                <a:spcPts val="0"/>
+              </a:spcAft>
+              <a:buSzPct val="100000"/>
+              <a:buNone/>
+              <a:defRPr sz="2100"/>
+            </a:lvl3pPr>
+            <a:lvl4pPr lvl="3" algn="ctr">
+              <a:lnSpc>
+                <a:spcPct val="100000"/>
+              </a:lnSpc>
+              <a:spcBef>
+                <a:spcPts val="0"/>
+              </a:spcBef>
+              <a:spcAft>
+                <a:spcPts val="0"/>
+              </a:spcAft>
+              <a:buSzPct val="100000"/>
+              <a:buNone/>
+              <a:defRPr sz="2100"/>
+            </a:lvl4pPr>
+            <a:lvl5pPr lvl="4" algn="ctr">
+              <a:lnSpc>
+                <a:spcPct val="100000"/>
+              </a:lnSpc>
+              <a:spcBef>
+                <a:spcPts val="0"/>
+              </a:spcBef>
+              <a:spcAft>
+                <a:spcPts val="0"/>
+              </a:spcAft>
+              <a:buSzPct val="100000"/>
+              <a:buNone/>
+              <a:defRPr sz="2100"/>
+            </a:lvl5pPr>
+            <a:lvl6pPr lvl="5" algn="ctr">
+              <a:lnSpc>
+                <a:spcPct val="100000"/>
+              </a:lnSpc>
+              <a:spcBef>
+                <a:spcPts val="0"/>
+              </a:spcBef>
+              <a:spcAft>
+                <a:spcPts val="0"/>
+              </a:spcAft>
+              <a:buSzPct val="100000"/>
+              <a:buNone/>
+              <a:defRPr sz="2100"/>
+            </a:lvl6pPr>
+            <a:lvl7pPr lvl="6" algn="ctr">
+              <a:lnSpc>
+                <a:spcPct val="100000"/>
+              </a:lnSpc>
+              <a:spcBef>
+                <a:spcPts val="0"/>
+              </a:spcBef>
+              <a:spcAft>
+                <a:spcPts val="0"/>
+              </a:spcAft>
+              <a:buSzPct val="100000"/>
+              <a:buNone/>
+              <a:defRPr sz="2100"/>
+            </a:lvl7pPr>
+            <a:lvl8pPr lvl="7" algn="ctr">
+              <a:lnSpc>
+                <a:spcPct val="100000"/>
+              </a:lnSpc>
+              <a:spcBef>
+                <a:spcPts val="0"/>
+              </a:spcBef>
+              <a:spcAft>
+                <a:spcPts val="0"/>
+              </a:spcAft>
+              <a:buSzPct val="100000"/>
+              <a:buNone/>
+              <a:defRPr sz="2100"/>
+            </a:lvl8pPr>
+            <a:lvl9pPr lvl="8" algn="ctr">
+              <a:lnSpc>
+                <a:spcPct val="100000"/>
+              </a:lnSpc>
+              <a:spcBef>
+                <a:spcPts val="0"/>
+              </a:spcBef>
+              <a:spcAft>
+                <a:spcPts val="0"/>
+              </a:spcAft>
+              <a:buSzPct val="100000"/>
+              <a:buNone/>
+              <a:defRPr sz="2100"/>
+            </a:lvl9pPr>
+          </a:lstStyle>
+          <a:p>
+            <a:endParaRPr/>
+          </a:p>
+        </p:txBody>
+      </p:sp>
+      <p:sp>
+        <p:nvSpPr>
+          <p:cNvPr id="50" name="Shape 50"/>
+          <p:cNvSpPr txBox="1">
+            <a:spLocks noGrp="1"/>
+          </p:cNvSpPr>
+          <p:nvPr>
             <p:ph type="body" idx="2"/>
           </p:nvPr>
         </p:nvSpPr>
@@ -4425,7 +4425,7 @@
         <p:txBody>
           <a:bodyPr lIns="91425" tIns="91425" rIns="91425" bIns="91425" anchor="ctr" anchorCtr="0"/>
           <a:lstStyle>
-            <a:lvl1pPr>
+            <a:lvl1pPr lvl="0">
               <a:spcBef>
                 <a:spcPts val="0"/>
               </a:spcBef>
@@ -4438,7 +4438,7 @@
                 </a:solidFill>
               </a:defRPr>
             </a:lvl1pPr>
-            <a:lvl2pPr>
+            <a:lvl2pPr lvl="1">
               <a:spcBef>
                 <a:spcPts val="0"/>
               </a:spcBef>
@@ -4451,7 +4451,7 @@
                 </a:solidFill>
               </a:defRPr>
             </a:lvl2pPr>
-            <a:lvl3pPr>
+            <a:lvl3pPr lvl="2">
               <a:spcBef>
                 <a:spcPts val="0"/>
               </a:spcBef>
@@ -4464,7 +4464,7 @@
                 </a:solidFill>
               </a:defRPr>
             </a:lvl3pPr>
-            <a:lvl4pPr>
+            <a:lvl4pPr lvl="3">
               <a:spcBef>
                 <a:spcPts val="0"/>
               </a:spcBef>
@@ -4477,7 +4477,7 @@
                 </a:solidFill>
               </a:defRPr>
             </a:lvl4pPr>
-            <a:lvl5pPr>
+            <a:lvl5pPr lvl="4">
               <a:spcBef>
                 <a:spcPts val="0"/>
               </a:spcBef>
@@ -4490,7 +4490,7 @@
                 </a:solidFill>
               </a:defRPr>
             </a:lvl5pPr>
-            <a:lvl6pPr>
+            <a:lvl6pPr lvl="5">
               <a:spcBef>
                 <a:spcPts val="0"/>
               </a:spcBef>
@@ -4503,7 +4503,7 @@
                 </a:solidFill>
               </a:defRPr>
             </a:lvl6pPr>
-            <a:lvl7pPr>
+            <a:lvl7pPr lvl="6">
               <a:spcBef>
                 <a:spcPts val="0"/>
               </a:spcBef>
@@ -4516,7 +4516,7 @@
                 </a:solidFill>
               </a:defRPr>
             </a:lvl7pPr>
-            <a:lvl8pPr>
+            <a:lvl8pPr lvl="7">
               <a:spcBef>
                 <a:spcPts val="0"/>
               </a:spcBef>
@@ -4529,7 +4529,7 @@
                 </a:solidFill>
               </a:defRPr>
             </a:lvl8pPr>
-            <a:lvl9pPr>
+            <a:lvl9pPr lvl="8">
               <a:spcBef>
                 <a:spcPts val="0"/>
               </a:spcBef>
@@ -4550,7 +4550,7 @@
       </p:sp>
       <p:sp>
         <p:nvSpPr>
-          <p:cNvPr id="50" name="Shape 50"/>
+          <p:cNvPr id="51" name="Shape 51"/>
           <p:cNvSpPr txBox="1">
             <a:spLocks noGrp="1"/>
           </p:cNvSpPr>
@@ -4573,7 +4573,7 @@
           </a:bodyPr>
           <a:lstStyle/>
           <a:p>
-            <a:pPr>
+            <a:pPr lvl="0">
               <a:spcBef>
                 <a:spcPts val="0"/>
               </a:spcBef>
@@ -4585,7 +4585,7 @@
                   <a:schemeClr val="lt1"/>
                 </a:solidFill>
               </a:rPr>
-              <a:pPr>
+              <a:pPr lvl="0">
                 <a:spcBef>
                   <a:spcPts val="0"/>
                 </a:spcBef>
@@ -4614,7 +4614,7 @@
   <p:cSld name="Caption">
     <p:spTree>
       <p:nvGrpSpPr>
-        <p:cNvPr id="1" name="Shape 51"/>
+        <p:cNvPr id="1" name="Shape 52"/>
         <p:cNvGrpSpPr/>
         <p:nvPr/>
       </p:nvGrpSpPr>
@@ -4628,7 +4628,7 @@
       </p:grpSpPr>
       <p:sp>
         <p:nvSpPr>
-          <p:cNvPr id="52" name="Shape 52"/>
+          <p:cNvPr id="53" name="Shape 53"/>
           <p:cNvSpPr txBox="1">
             <a:spLocks noGrp="1"/>
           </p:cNvSpPr>
@@ -4648,7 +4648,7 @@
         <p:txBody>
           <a:bodyPr lIns="91425" tIns="91425" rIns="91425" bIns="91425" anchor="ctr" anchorCtr="0"/>
           <a:lstStyle>
-            <a:lvl1pPr>
+            <a:lvl1pPr lvl="0">
               <a:lnSpc>
                 <a:spcPct val="100000"/>
               </a:lnSpc>
@@ -4676,7 +4676,7 @@
       </p:sp>
       <p:sp>
         <p:nvSpPr>
-          <p:cNvPr id="53" name="Shape 53"/>
+          <p:cNvPr id="54" name="Shape 54"/>
           <p:cNvSpPr txBox="1">
             <a:spLocks noGrp="1"/>
           </p:cNvSpPr>
@@ -4699,7 +4699,7 @@
           </a:bodyPr>
           <a:lstStyle/>
           <a:p>
-            <a:pPr>
+            <a:pPr lvl="0">
               <a:spcBef>
                 <a:spcPts val="0"/>
               </a:spcBef>
@@ -4707,7 +4707,7 @@
             </a:pPr>
             <a:fld id="{00000000-1234-1234-1234-123412341234}" type="slidenum">
               <a:rPr lang="pt-BR"/>
-              <a:pPr>
+              <a:pPr lvl="0">
                 <a:spcBef>
                   <a:spcPts val="0"/>
                 </a:spcBef>
@@ -4740,7 +4740,7 @@
     </p:bg>
     <p:spTree>
       <p:nvGrpSpPr>
-        <p:cNvPr id="1" name="Shape 4"/>
+        <p:cNvPr id="1" name="Shape 5"/>
         <p:cNvGrpSpPr/>
         <p:nvPr/>
       </p:nvGrpSpPr>
@@ -4754,7 +4754,7 @@
       </p:grpSpPr>
       <p:sp>
         <p:nvSpPr>
-          <p:cNvPr id="5" name="Shape 5"/>
+          <p:cNvPr id="6" name="Shape 6"/>
           <p:cNvSpPr txBox="1">
             <a:spLocks noGrp="1"/>
           </p:cNvSpPr>
@@ -4778,7 +4778,7 @@
         <p:txBody>
           <a:bodyPr lIns="91425" tIns="91425" rIns="91425" bIns="91425" anchor="t" anchorCtr="0"/>
           <a:lstStyle>
-            <a:lvl1pPr>
+            <a:lvl1pPr lvl="0">
               <a:spcBef>
                 <a:spcPts val="0"/>
               </a:spcBef>
@@ -4798,7 +4798,7 @@
                 <a:sym typeface="PT Sans Narrow"/>
               </a:defRPr>
             </a:lvl1pPr>
-            <a:lvl2pPr>
+            <a:lvl2pPr lvl="1">
               <a:spcBef>
                 <a:spcPts val="0"/>
               </a:spcBef>
@@ -4818,7 +4818,7 @@
                 <a:sym typeface="PT Sans Narrow"/>
               </a:defRPr>
             </a:lvl2pPr>
-            <a:lvl3pPr>
+            <a:lvl3pPr lvl="2">
               <a:spcBef>
                 <a:spcPts val="0"/>
               </a:spcBef>
@@ -4838,7 +4838,7 @@
                 <a:sym typeface="PT Sans Narrow"/>
               </a:defRPr>
             </a:lvl3pPr>
-            <a:lvl4pPr>
+            <a:lvl4pPr lvl="3">
               <a:spcBef>
                 <a:spcPts val="0"/>
               </a:spcBef>
@@ -4858,7 +4858,7 @@
                 <a:sym typeface="PT Sans Narrow"/>
               </a:defRPr>
             </a:lvl4pPr>
-            <a:lvl5pPr>
+            <a:lvl5pPr lvl="4">
               <a:spcBef>
                 <a:spcPts val="0"/>
               </a:spcBef>
@@ -4878,7 +4878,7 @@
                 <a:sym typeface="PT Sans Narrow"/>
               </a:defRPr>
             </a:lvl5pPr>
-            <a:lvl6pPr>
+            <a:lvl6pPr lvl="5">
               <a:spcBef>
                 <a:spcPts val="0"/>
               </a:spcBef>
@@ -4898,7 +4898,7 @@
                 <a:sym typeface="PT Sans Narrow"/>
               </a:defRPr>
             </a:lvl6pPr>
-            <a:lvl7pPr>
+            <a:lvl7pPr lvl="6">
               <a:spcBef>
                 <a:spcPts val="0"/>
               </a:spcBef>
@@ -4918,7 +4918,7 @@
                 <a:sym typeface="PT Sans Narrow"/>
               </a:defRPr>
             </a:lvl7pPr>
-            <a:lvl8pPr>
+            <a:lvl8pPr lvl="7">
               <a:spcBef>
                 <a:spcPts val="0"/>
               </a:spcBef>
@@ -4938,7 +4938,7 @@
                 <a:sym typeface="PT Sans Narrow"/>
               </a:defRPr>
             </a:lvl8pPr>
-            <a:lvl9pPr>
+            <a:lvl9pPr lvl="8">
               <a:spcBef>
                 <a:spcPts val="0"/>
               </a:spcBef>
@@ -4966,7 +4966,7 @@
       </p:sp>
       <p:sp>
         <p:nvSpPr>
-          <p:cNvPr id="6" name="Shape 6"/>
+          <p:cNvPr id="7" name="Shape 7"/>
           <p:cNvSpPr txBox="1">
             <a:spLocks noGrp="1"/>
           </p:cNvSpPr>
@@ -4990,7 +4990,7 @@
         <p:txBody>
           <a:bodyPr lIns="91425" tIns="91425" rIns="91425" bIns="91425" anchor="t" anchorCtr="0"/>
           <a:lstStyle>
-            <a:lvl1pPr>
+            <a:lvl1pPr lvl="0">
               <a:lnSpc>
                 <a:spcPct val="115000"/>
               </a:lnSpc>
@@ -5015,7 +5015,7 @@
                 <a:sym typeface="Open Sans"/>
               </a:defRPr>
             </a:lvl1pPr>
-            <a:lvl2pPr>
+            <a:lvl2pPr lvl="1">
               <a:lnSpc>
                 <a:spcPct val="115000"/>
               </a:lnSpc>
@@ -5039,7 +5039,7 @@
                 <a:sym typeface="Open Sans"/>
               </a:defRPr>
             </a:lvl2pPr>
-            <a:lvl3pPr>
+            <a:lvl3pPr lvl="2">
               <a:lnSpc>
                 <a:spcPct val="115000"/>
               </a:lnSpc>
@@ -5063,7 +5063,7 @@
                 <a:sym typeface="Open Sans"/>
               </a:defRPr>
             </a:lvl3pPr>
-            <a:lvl4pPr>
+            <a:lvl4pPr lvl="3">
               <a:lnSpc>
                 <a:spcPct val="115000"/>
               </a:lnSpc>
@@ -5087,7 +5087,7 @@
                 <a:sym typeface="Open Sans"/>
               </a:defRPr>
             </a:lvl4pPr>
-            <a:lvl5pPr>
+            <a:lvl5pPr lvl="4">
               <a:lnSpc>
                 <a:spcPct val="115000"/>
               </a:lnSpc>
@@ -5111,7 +5111,7 @@
                 <a:sym typeface="Open Sans"/>
               </a:defRPr>
             </a:lvl5pPr>
-            <a:lvl6pPr>
+            <a:lvl6pPr lvl="5">
               <a:lnSpc>
                 <a:spcPct val="115000"/>
               </a:lnSpc>
@@ -5135,7 +5135,7 @@
                 <a:sym typeface="Open Sans"/>
               </a:defRPr>
             </a:lvl6pPr>
-            <a:lvl7pPr>
+            <a:lvl7pPr lvl="6">
               <a:lnSpc>
                 <a:spcPct val="115000"/>
               </a:lnSpc>
@@ -5159,7 +5159,7 @@
                 <a:sym typeface="Open Sans"/>
               </a:defRPr>
             </a:lvl7pPr>
-            <a:lvl8pPr>
+            <a:lvl8pPr lvl="7">
               <a:lnSpc>
                 <a:spcPct val="115000"/>
               </a:lnSpc>
@@ -5183,7 +5183,7 @@
                 <a:sym typeface="Open Sans"/>
               </a:defRPr>
             </a:lvl8pPr>
-            <a:lvl9pPr>
+            <a:lvl9pPr lvl="8">
               <a:lnSpc>
                 <a:spcPct val="115000"/>
               </a:lnSpc>
@@ -5215,7 +5215,7 @@
       </p:sp>
       <p:sp>
         <p:nvSpPr>
-          <p:cNvPr id="7" name="Shape 7"/>
+          <p:cNvPr id="8" name="Shape 8"/>
           <p:cNvSpPr txBox="1">
             <a:spLocks noGrp="1"/>
           </p:cNvSpPr>
@@ -5242,7 +5242,7 @@
           </a:bodyPr>
           <a:lstStyle/>
           <a:p>
-            <a:pPr algn="r">
+            <a:pPr lvl="0" algn="r">
               <a:spcBef>
                 <a:spcPts val="0"/>
               </a:spcBef>
@@ -5258,7 +5258,7 @@
                 <a:cs typeface="Open Sans"/>
                 <a:sym typeface="Open Sans"/>
               </a:rPr>
-              <a:pPr algn="r">
+              <a:pPr lvl="0" algn="r">
                 <a:spcBef>
                   <a:spcPts val="0"/>
                 </a:spcBef>
@@ -5297,7 +5297,7 @@
   <p:hf sldNum="0" hdr="0" ftr="0" dt="0"/>
   <p:txStyles>
     <p:titleStyle>
-      <a:defPPr marR="0" algn="l" rtl="0">
+      <a:defPPr marR="0" lvl="0" algn="l" rtl="0">
         <a:lnSpc>
           <a:spcPct val="100000"/>
         </a:lnSpc>
@@ -5308,7 +5308,7 @@
           <a:spcPts val="0"/>
         </a:spcAft>
       </a:defPPr>
-      <a:lvl1pPr marR="0" algn="l" rtl="0">
+      <a:lvl1pPr marR="0" lvl="0" algn="l" rtl="0">
         <a:lnSpc>
           <a:spcPct val="100000"/>
         </a:lnSpc>
@@ -5319,7 +5319,7 @@
           <a:spcPts val="0"/>
         </a:spcAft>
         <a:buNone/>
-        <a:defRPr sz="1400" b="0" i="0" u="none" strike="noStrike" cap="none" baseline="0">
+        <a:defRPr sz="1400" b="0" i="0" u="none" strike="noStrike" cap="none">
           <a:solidFill>
             <a:srgbClr val="000000"/>
           </a:solidFill>
@@ -5331,7 +5331,7 @@
       </a:lvl1pPr>
     </p:titleStyle>
     <p:bodyStyle>
-      <a:defPPr marR="0" algn="l" rtl="0">
+      <a:defPPr marR="0" lvl="0" algn="l" rtl="0">
         <a:lnSpc>
           <a:spcPct val="100000"/>
         </a:lnSpc>
@@ -5342,7 +5342,7 @@
           <a:spcPts val="0"/>
         </a:spcAft>
       </a:defPPr>
-      <a:lvl1pPr marR="0" algn="l" rtl="0">
+      <a:lvl1pPr marR="0" lvl="0" algn="l" rtl="0">
         <a:lnSpc>
           <a:spcPct val="100000"/>
         </a:lnSpc>
@@ -5353,7 +5353,7 @@
           <a:spcPts val="0"/>
         </a:spcAft>
         <a:buNone/>
-        <a:defRPr sz="1400" b="0" i="0" u="none" strike="noStrike" cap="none" baseline="0">
+        <a:defRPr sz="1400" b="0" i="0" u="none" strike="noStrike" cap="none">
           <a:solidFill>
             <a:srgbClr val="000000"/>
           </a:solidFill>
@@ -5363,7 +5363,7 @@
           <a:sym typeface="Arial"/>
         </a:defRPr>
       </a:lvl1pPr>
-      <a:lvl2pPr marR="0" algn="l" rtl="0">
+      <a:lvl2pPr marR="0" lvl="1" algn="l" rtl="0">
         <a:lnSpc>
           <a:spcPct val="100000"/>
         </a:lnSpc>
@@ -5374,7 +5374,7 @@
           <a:spcPts val="0"/>
         </a:spcAft>
         <a:buNone/>
-        <a:defRPr sz="1400" b="0" i="0" u="none" strike="noStrike" cap="none" baseline="0">
+        <a:defRPr sz="1400" b="0" i="0" u="none" strike="noStrike" cap="none">
           <a:solidFill>
             <a:srgbClr val="000000"/>
           </a:solidFill>
@@ -5384,7 +5384,7 @@
           <a:sym typeface="Arial"/>
         </a:defRPr>
       </a:lvl2pPr>
-      <a:lvl3pPr marR="0" algn="l" rtl="0">
+      <a:lvl3pPr marR="0" lvl="2" algn="l" rtl="0">
         <a:lnSpc>
           <a:spcPct val="100000"/>
         </a:lnSpc>
@@ -5395,7 +5395,7 @@
           <a:spcPts val="0"/>
         </a:spcAft>
         <a:buNone/>
-        <a:defRPr sz="1400" b="0" i="0" u="none" strike="noStrike" cap="none" baseline="0">
+        <a:defRPr sz="1400" b="0" i="0" u="none" strike="noStrike" cap="none">
           <a:solidFill>
             <a:srgbClr val="000000"/>
           </a:solidFill>
@@ -5405,7 +5405,7 @@
           <a:sym typeface="Arial"/>
         </a:defRPr>
       </a:lvl3pPr>
-      <a:lvl4pPr marR="0" algn="l" rtl="0">
+      <a:lvl4pPr marR="0" lvl="3" algn="l" rtl="0">
         <a:lnSpc>
           <a:spcPct val="100000"/>
         </a:lnSpc>
@@ -5416,7 +5416,7 @@
           <a:spcPts val="0"/>
         </a:spcAft>
         <a:buNone/>
-        <a:defRPr sz="1400" b="0" i="0" u="none" strike="noStrike" cap="none" baseline="0">
+        <a:defRPr sz="1400" b="0" i="0" u="none" strike="noStrike" cap="none">
           <a:solidFill>
             <a:srgbClr val="000000"/>
           </a:solidFill>
@@ -5426,7 +5426,7 @@
           <a:sym typeface="Arial"/>
         </a:defRPr>
       </a:lvl4pPr>
-      <a:lvl5pPr marR="0" algn="l" rtl="0">
+      <a:lvl5pPr marR="0" lvl="4" algn="l" rtl="0">
         <a:lnSpc>
           <a:spcPct val="100000"/>
         </a:lnSpc>
@@ -5437,7 +5437,7 @@
           <a:spcPts val="0"/>
         </a:spcAft>
         <a:buNone/>
-        <a:defRPr sz="1400" b="0" i="0" u="none" strike="noStrike" cap="none" baseline="0">
+        <a:defRPr sz="1400" b="0" i="0" u="none" strike="noStrike" cap="none">
           <a:solidFill>
             <a:srgbClr val="000000"/>
           </a:solidFill>
@@ -5447,7 +5447,7 @@
           <a:sym typeface="Arial"/>
         </a:defRPr>
       </a:lvl5pPr>
-      <a:lvl6pPr marR="0" algn="l" rtl="0">
+      <a:lvl6pPr marR="0" lvl="5" algn="l" rtl="0">
         <a:lnSpc>
           <a:spcPct val="100000"/>
         </a:lnSpc>
@@ -5458,7 +5458,7 @@
           <a:spcPts val="0"/>
         </a:spcAft>
         <a:buNone/>
-        <a:defRPr sz="1400" b="0" i="0" u="none" strike="noStrike" cap="none" baseline="0">
+        <a:defRPr sz="1400" b="0" i="0" u="none" strike="noStrike" cap="none">
           <a:solidFill>
             <a:srgbClr val="000000"/>
           </a:solidFill>
@@ -5468,7 +5468,7 @@
           <a:sym typeface="Arial"/>
         </a:defRPr>
       </a:lvl6pPr>
-      <a:lvl7pPr marR="0" algn="l" rtl="0">
+      <a:lvl7pPr marR="0" lvl="6" algn="l" rtl="0">
         <a:lnSpc>
           <a:spcPct val="100000"/>
         </a:lnSpc>
@@ -5479,7 +5479,7 @@
           <a:spcPts val="0"/>
         </a:spcAft>
         <a:buNone/>
-        <a:defRPr sz="1400" b="0" i="0" u="none" strike="noStrike" cap="none" baseline="0">
+        <a:defRPr sz="1400" b="0" i="0" u="none" strike="noStrike" cap="none">
           <a:solidFill>
             <a:srgbClr val="000000"/>
           </a:solidFill>
@@ -5489,7 +5489,7 @@
           <a:sym typeface="Arial"/>
         </a:defRPr>
       </a:lvl7pPr>
-      <a:lvl8pPr marR="0" algn="l" rtl="0">
+      <a:lvl8pPr marR="0" lvl="7" algn="l" rtl="0">
         <a:lnSpc>
           <a:spcPct val="100000"/>
         </a:lnSpc>
@@ -5500,7 +5500,7 @@
           <a:spcPts val="0"/>
         </a:spcAft>
         <a:buNone/>
-        <a:defRPr sz="1400" b="0" i="0" u="none" strike="noStrike" cap="none" baseline="0">
+        <a:defRPr sz="1400" b="0" i="0" u="none" strike="noStrike" cap="none">
           <a:solidFill>
             <a:srgbClr val="000000"/>
           </a:solidFill>
@@ -5510,7 +5510,7 @@
           <a:sym typeface="Arial"/>
         </a:defRPr>
       </a:lvl8pPr>
-      <a:lvl9pPr marR="0" algn="l" rtl="0">
+      <a:lvl9pPr marR="0" lvl="8" algn="l" rtl="0">
         <a:lnSpc>
           <a:spcPct val="100000"/>
         </a:lnSpc>
@@ -5521,7 +5521,7 @@
           <a:spcPts val="0"/>
         </a:spcAft>
         <a:buNone/>
-        <a:defRPr sz="1400" b="0" i="0" u="none" strike="noStrike" cap="none" baseline="0">
+        <a:defRPr sz="1400" b="0" i="0" u="none" strike="noStrike" cap="none">
           <a:solidFill>
             <a:srgbClr val="000000"/>
           </a:solidFill>
@@ -5533,7 +5533,7 @@
       </a:lvl9pPr>
     </p:bodyStyle>
     <p:otherStyle>
-      <a:defPPr marR="0" algn="l" rtl="0">
+      <a:defPPr marR="0" lvl="0" algn="l" rtl="0">
         <a:lnSpc>
           <a:spcPct val="100000"/>
         </a:lnSpc>
@@ -5544,7 +5544,7 @@
           <a:spcPts val="0"/>
         </a:spcAft>
       </a:defPPr>
-      <a:lvl1pPr marR="0" algn="l" rtl="0">
+      <a:lvl1pPr marR="0" lvl="0" algn="l" rtl="0">
         <a:lnSpc>
           <a:spcPct val="100000"/>
         </a:lnSpc>
@@ -5555,7 +5555,7 @@
           <a:spcPts val="0"/>
         </a:spcAft>
         <a:buNone/>
-        <a:defRPr sz="1400" b="0" i="0" u="none" strike="noStrike" cap="none" baseline="0">
+        <a:defRPr sz="1400" b="0" i="0" u="none" strike="noStrike" cap="none">
           <a:solidFill>
             <a:srgbClr val="000000"/>
           </a:solidFill>
@@ -5565,7 +5565,7 @@
           <a:sym typeface="Arial"/>
         </a:defRPr>
       </a:lvl1pPr>
-      <a:lvl2pPr marR="0" algn="l" rtl="0">
+      <a:lvl2pPr marR="0" lvl="1" algn="l" rtl="0">
         <a:lnSpc>
           <a:spcPct val="100000"/>
         </a:lnSpc>
@@ -5576,7 +5576,7 @@
           <a:spcPts val="0"/>
         </a:spcAft>
         <a:buNone/>
-        <a:defRPr sz="1400" b="0" i="0" u="none" strike="noStrike" cap="none" baseline="0">
+        <a:defRPr sz="1400" b="0" i="0" u="none" strike="noStrike" cap="none">
           <a:solidFill>
             <a:srgbClr val="000000"/>
           </a:solidFill>
@@ -5586,7 +5586,7 @@
           <a:sym typeface="Arial"/>
         </a:defRPr>
       </a:lvl2pPr>
-      <a:lvl3pPr marR="0" algn="l" rtl="0">
+      <a:lvl3pPr marR="0" lvl="2" algn="l" rtl="0">
         <a:lnSpc>
           <a:spcPct val="100000"/>
         </a:lnSpc>
@@ -5597,7 +5597,7 @@
           <a:spcPts val="0"/>
         </a:spcAft>
         <a:buNone/>
-        <a:defRPr sz="1400" b="0" i="0" u="none" strike="noStrike" cap="none" baseline="0">
+        <a:defRPr sz="1400" b="0" i="0" u="none" strike="noStrike" cap="none">
           <a:solidFill>
             <a:srgbClr val="000000"/>
           </a:solidFill>
@@ -5607,7 +5607,7 @@
           <a:sym typeface="Arial"/>
         </a:defRPr>
       </a:lvl3pPr>
-      <a:lvl4pPr marR="0" algn="l" rtl="0">
+      <a:lvl4pPr marR="0" lvl="3" algn="l" rtl="0">
         <a:lnSpc>
           <a:spcPct val="100000"/>
         </a:lnSpc>
@@ -5618,7 +5618,7 @@
           <a:spcPts val="0"/>
         </a:spcAft>
         <a:buNone/>
-        <a:defRPr sz="1400" b="0" i="0" u="none" strike="noStrike" cap="none" baseline="0">
+        <a:defRPr sz="1400" b="0" i="0" u="none" strike="noStrike" cap="none">
           <a:solidFill>
             <a:srgbClr val="000000"/>
           </a:solidFill>
@@ -5628,7 +5628,7 @@
           <a:sym typeface="Arial"/>
         </a:defRPr>
       </a:lvl4pPr>
-      <a:lvl5pPr marR="0" algn="l" rtl="0">
+      <a:lvl5pPr marR="0" lvl="4" algn="l" rtl="0">
         <a:lnSpc>
           <a:spcPct val="100000"/>
         </a:lnSpc>
@@ -5639,7 +5639,7 @@
           <a:spcPts val="0"/>
         </a:spcAft>
         <a:buNone/>
-        <a:defRPr sz="1400" b="0" i="0" u="none" strike="noStrike" cap="none" baseline="0">
+        <a:defRPr sz="1400" b="0" i="0" u="none" strike="noStrike" cap="none">
           <a:solidFill>
             <a:srgbClr val="000000"/>
           </a:solidFill>
@@ -5649,7 +5649,7 @@
           <a:sym typeface="Arial"/>
         </a:defRPr>
       </a:lvl5pPr>
-      <a:lvl6pPr marR="0" algn="l" rtl="0">
+      <a:lvl6pPr marR="0" lvl="5" algn="l" rtl="0">
         <a:lnSpc>
           <a:spcPct val="100000"/>
         </a:lnSpc>
@@ -5660,7 +5660,7 @@
           <a:spcPts val="0"/>
         </a:spcAft>
         <a:buNone/>
-        <a:defRPr sz="1400" b="0" i="0" u="none" strike="noStrike" cap="none" baseline="0">
+        <a:defRPr sz="1400" b="0" i="0" u="none" strike="noStrike" cap="none">
           <a:solidFill>
             <a:srgbClr val="000000"/>
           </a:solidFill>
@@ -5670,7 +5670,7 @@
           <a:sym typeface="Arial"/>
         </a:defRPr>
       </a:lvl6pPr>
-      <a:lvl7pPr marR="0" algn="l" rtl="0">
+      <a:lvl7pPr marR="0" lvl="6" algn="l" rtl="0">
         <a:lnSpc>
           <a:spcPct val="100000"/>
         </a:lnSpc>
@@ -5681,7 +5681,7 @@
           <a:spcPts val="0"/>
         </a:spcAft>
         <a:buNone/>
-        <a:defRPr sz="1400" b="0" i="0" u="none" strike="noStrike" cap="none" baseline="0">
+        <a:defRPr sz="1400" b="0" i="0" u="none" strike="noStrike" cap="none">
           <a:solidFill>
             <a:srgbClr val="000000"/>
           </a:solidFill>
@@ -5691,7 +5691,7 @@
           <a:sym typeface="Arial"/>
         </a:defRPr>
       </a:lvl7pPr>
-      <a:lvl8pPr marR="0" algn="l" rtl="0">
+      <a:lvl8pPr marR="0" lvl="7" algn="l" rtl="0">
         <a:lnSpc>
           <a:spcPct val="100000"/>
         </a:lnSpc>
@@ -5702,7 +5702,7 @@
           <a:spcPts val="0"/>
         </a:spcAft>
         <a:buNone/>
-        <a:defRPr sz="1400" b="0" i="0" u="none" strike="noStrike" cap="none" baseline="0">
+        <a:defRPr sz="1400" b="0" i="0" u="none" strike="noStrike" cap="none">
           <a:solidFill>
             <a:srgbClr val="000000"/>
           </a:solidFill>
@@ -5712,7 +5712,7 @@
           <a:sym typeface="Arial"/>
         </a:defRPr>
       </a:lvl8pPr>
-      <a:lvl9pPr marR="0" algn="l" rtl="0">
+      <a:lvl9pPr marR="0" lvl="8" algn="l" rtl="0">
         <a:lnSpc>
           <a:spcPct val="100000"/>
         </a:lnSpc>
@@ -5723,7 +5723,7 @@
           <a:spcPts val="0"/>
         </a:spcAft>
         <a:buNone/>
-        <a:defRPr sz="1400" b="0" i="0" u="none" strike="noStrike" cap="none" baseline="0">
+        <a:defRPr sz="1400" b="0" i="0" u="none" strike="noStrike" cap="none">
           <a:solidFill>
             <a:srgbClr val="000000"/>
           </a:solidFill>
@@ -5743,7 +5743,7 @@
   <p:cSld>
     <p:spTree>
       <p:nvGrpSpPr>
-        <p:cNvPr id="1" name="Shape 64"/>
+        <p:cNvPr id="1" name="Shape 65"/>
         <p:cNvGrpSpPr/>
         <p:nvPr/>
       </p:nvGrpSpPr>
@@ -5757,7 +5757,7 @@
       </p:grpSpPr>
       <p:sp>
         <p:nvSpPr>
-          <p:cNvPr id="65" name="Shape 65"/>
+          <p:cNvPr id="66" name="Shape 66"/>
           <p:cNvSpPr txBox="1">
             <a:spLocks noGrp="1"/>
           </p:cNvSpPr>
@@ -5780,7 +5780,7 @@
           </a:bodyPr>
           <a:lstStyle/>
           <a:p>
-            <a:pPr algn="l" rtl="0">
+            <a:pPr lvl="0" algn="l" rtl="0">
               <a:spcBef>
                 <a:spcPts val="0"/>
               </a:spcBef>
@@ -5796,6 +5796,7 @@
               <a:buClr>
                 <a:srgbClr val="000000"/>
               </a:buClr>
+              <a:buSzPct val="25000"/>
               <a:buFont typeface="Calibri"/>
               <a:buNone/>
             </a:pPr>
@@ -5810,7 +5811,7 @@
             </a:endParaRPr>
           </a:p>
           <a:p>
-            <a:pPr rtl="0">
+            <a:pPr lvl="0" rtl="0">
               <a:spcBef>
                 <a:spcPts val="0"/>
               </a:spcBef>
@@ -5827,7 +5828,7 @@
             </a:r>
           </a:p>
           <a:p>
-            <a:pPr rtl="0">
+            <a:pPr lvl="0" rtl="0">
               <a:spcBef>
                 <a:spcPts val="0"/>
               </a:spcBef>
@@ -5844,7 +5845,7 @@
             </a:r>
           </a:p>
           <a:p>
-            <a:pPr>
+            <a:pPr lvl="0">
               <a:spcBef>
                 <a:spcPts val="0"/>
               </a:spcBef>
@@ -5867,7 +5868,7 @@
       </p:sp>
       <p:sp>
         <p:nvSpPr>
-          <p:cNvPr id="66" name="Shape 66"/>
+          <p:cNvPr id="67" name="Shape 67"/>
           <p:cNvSpPr txBox="1">
             <a:spLocks noGrp="1"/>
           </p:cNvSpPr>
@@ -5890,7 +5891,7 @@
           </a:bodyPr>
           <a:lstStyle/>
           <a:p>
-            <a:pPr rtl="0">
+            <a:pPr lvl="0" rtl="0">
               <a:spcBef>
                 <a:spcPts val="0"/>
               </a:spcBef>
@@ -5902,7 +5903,7 @@
             </a:r>
           </a:p>
           <a:p>
-            <a:pPr rtl="0">
+            <a:pPr lvl="0" rtl="0">
               <a:spcBef>
                 <a:spcPts val="0"/>
               </a:spcBef>
@@ -5914,7 +5915,7 @@
             </a:r>
           </a:p>
           <a:p>
-            <a:pPr>
+            <a:pPr lvl="0">
               <a:spcBef>
                 <a:spcPts val="0"/>
               </a:spcBef>
@@ -5926,7 +5927,7 @@
       </p:sp>
       <p:pic>
         <p:nvPicPr>
-          <p:cNvPr id="67" name="Shape 67"/>
+          <p:cNvPr id="68" name="Shape 68"/>
           <p:cNvPicPr preferRelativeResize="0"/>
           <p:nvPr/>
         </p:nvPicPr>
@@ -5953,7 +5954,7 @@
       </p:pic>
       <p:pic>
         <p:nvPicPr>
-          <p:cNvPr id="68" name="Shape 68"/>
+          <p:cNvPr id="69" name="Shape 69"/>
           <p:cNvPicPr preferRelativeResize="0"/>
           <p:nvPr/>
         </p:nvPicPr>
@@ -5995,7 +5996,7 @@
   <p:cSld>
     <p:spTree>
       <p:nvGrpSpPr>
-        <p:cNvPr id="1" name="Shape 133"/>
+        <p:cNvPr id="1" name="Shape 134"/>
         <p:cNvGrpSpPr/>
         <p:nvPr/>
       </p:nvGrpSpPr>
@@ -6009,7 +6010,7 @@
       </p:grpSpPr>
       <p:sp>
         <p:nvSpPr>
-          <p:cNvPr id="134" name="Shape 134"/>
+          <p:cNvPr id="135" name="Shape 135"/>
           <p:cNvSpPr txBox="1">
             <a:spLocks noGrp="1"/>
           </p:cNvSpPr>
@@ -6032,7 +6033,7 @@
           </a:bodyPr>
           <a:lstStyle/>
           <a:p>
-            <a:pPr>
+            <a:pPr lvl="0">
               <a:spcBef>
                 <a:spcPts val="0"/>
               </a:spcBef>
@@ -6047,7 +6048,7 @@
       </p:sp>
       <p:sp>
         <p:nvSpPr>
-          <p:cNvPr id="135" name="Shape 135"/>
+          <p:cNvPr id="136" name="Shape 136"/>
           <p:cNvSpPr txBox="1">
             <a:spLocks noGrp="1"/>
           </p:cNvSpPr>
@@ -6070,7 +6071,7 @@
           </a:bodyPr>
           <a:lstStyle/>
           <a:p>
-            <a:pPr indent="457200" rtl="0">
+            <a:pPr lvl="0" indent="457200" rtl="0">
               <a:lnSpc>
                 <a:spcPct val="100000"/>
               </a:lnSpc>
@@ -6080,16 +6081,16 @@
               <a:buNone/>
             </a:pPr>
             <a:r>
-              <a:rPr lang="pt-BR" dirty="0">
+              <a:rPr lang="pt-BR">
                 <a:solidFill>
-                  <a:schemeClr val="bg2"/>
+                  <a:srgbClr val="000000"/>
                 </a:solidFill>
               </a:rPr>
               <a:t>O SISAP estará de acordo com a norma de qualidade do produto de software ISO 9126;</a:t>
             </a:r>
           </a:p>
           <a:p>
-            <a:pPr indent="457200" rtl="0">
+            <a:pPr lvl="0" indent="457200" rtl="0">
               <a:lnSpc>
                 <a:spcPct val="100000"/>
               </a:lnSpc>
@@ -6099,32 +6100,16 @@
               <a:buNone/>
             </a:pPr>
             <a:r>
-              <a:rPr lang="pt-BR" dirty="0">
+              <a:rPr lang="pt-BR">
                 <a:solidFill>
-                  <a:schemeClr val="bg2"/>
+                  <a:srgbClr val="000000"/>
                 </a:solidFill>
               </a:rPr>
-              <a:t>Browser </a:t>
+              <a:t>Browser Chrome e/ou Firefox;</a:t>
             </a:r>
-            <a:r>
-              <a:rPr lang="pt-BR" dirty="0" err="1">
-                <a:solidFill>
-                  <a:schemeClr val="bg2"/>
-                </a:solidFill>
-              </a:rPr>
-              <a:t>Chrome</a:t>
-            </a:r>
-            <a:r>
-              <a:rPr lang="pt-BR" dirty="0">
-                <a:solidFill>
-                  <a:schemeClr val="bg2"/>
-                </a:solidFill>
-              </a:rPr>
-              <a:t> e/ou Firefox;</a:t>
-            </a:r>
-          </a:p>
-          <a:p>
-            <a:pPr indent="457200" rtl="0">
+          </a:p>
+          <a:p>
+            <a:pPr lvl="0" indent="457200" rtl="0">
               <a:lnSpc>
                 <a:spcPct val="100000"/>
               </a:lnSpc>
@@ -6134,16 +6119,16 @@
               <a:buNone/>
             </a:pPr>
             <a:r>
-              <a:rPr lang="pt-BR" dirty="0">
+              <a:rPr lang="pt-BR">
                 <a:solidFill>
-                  <a:schemeClr val="bg2"/>
+                  <a:srgbClr val="000000"/>
                 </a:solidFill>
               </a:rPr>
               <a:t>Sistema Operacional Windows 7-10;</a:t>
             </a:r>
           </a:p>
           <a:p>
-            <a:pPr indent="457200" rtl="0">
+            <a:pPr lvl="0" indent="457200" rtl="0">
               <a:lnSpc>
                 <a:spcPct val="100000"/>
               </a:lnSpc>
@@ -6153,16 +6138,16 @@
               <a:buNone/>
             </a:pPr>
             <a:r>
-              <a:rPr lang="pt-BR" dirty="0">
+              <a:rPr lang="pt-BR">
                 <a:solidFill>
-                  <a:schemeClr val="bg2"/>
+                  <a:srgbClr val="000000"/>
                 </a:solidFill>
               </a:rPr>
               <a:t>Oito iterações para entrega do projeto;</a:t>
             </a:r>
           </a:p>
           <a:p>
-            <a:pPr indent="457200" rtl="0">
+            <a:pPr lvl="0" indent="457200" rtl="0">
               <a:lnSpc>
                 <a:spcPct val="100000"/>
               </a:lnSpc>
@@ -6172,9 +6157,9 @@
               <a:buNone/>
             </a:pPr>
             <a:r>
-              <a:rPr lang="pt-BR" dirty="0">
+              <a:rPr lang="pt-BR">
                 <a:solidFill>
-                  <a:schemeClr val="bg2"/>
+                  <a:srgbClr val="000000"/>
                 </a:solidFill>
               </a:rPr>
               <a:t>Utilizar o IMPROS.</a:t>
@@ -6184,7 +6169,7 @@
       </p:sp>
       <p:pic>
         <p:nvPicPr>
-          <p:cNvPr id="136" name="Shape 136"/>
+          <p:cNvPr id="137" name="Shape 137"/>
           <p:cNvPicPr preferRelativeResize="0"/>
           <p:nvPr/>
         </p:nvPicPr>
@@ -6212,7 +6197,7 @@
       </p:pic>
       <p:pic>
         <p:nvPicPr>
-          <p:cNvPr id="137" name="Shape 137"/>
+          <p:cNvPr id="138" name="Shape 138"/>
           <p:cNvPicPr preferRelativeResize="0"/>
           <p:nvPr/>
         </p:nvPicPr>
@@ -6253,7 +6238,7 @@
   <p:cSld>
     <p:spTree>
       <p:nvGrpSpPr>
-        <p:cNvPr id="1" name="Shape 141"/>
+        <p:cNvPr id="1" name="Shape 142"/>
         <p:cNvGrpSpPr/>
         <p:nvPr/>
       </p:nvGrpSpPr>
@@ -6267,7 +6252,7 @@
       </p:grpSpPr>
       <p:sp>
         <p:nvSpPr>
-          <p:cNvPr id="142" name="Shape 142"/>
+          <p:cNvPr id="143" name="Shape 143"/>
           <p:cNvSpPr txBox="1">
             <a:spLocks noGrp="1"/>
           </p:cNvSpPr>
@@ -6290,7 +6275,7 @@
           </a:bodyPr>
           <a:lstStyle/>
           <a:p>
-            <a:pPr>
+            <a:pPr lvl="0">
               <a:spcBef>
                 <a:spcPts val="0"/>
               </a:spcBef>
@@ -6305,7 +6290,7 @@
       </p:sp>
       <p:sp>
         <p:nvSpPr>
-          <p:cNvPr id="143" name="Shape 143"/>
+          <p:cNvPr id="144" name="Shape 144"/>
           <p:cNvSpPr txBox="1">
             <a:spLocks noGrp="1"/>
           </p:cNvSpPr>
@@ -6334,7 +6319,7 @@
               </a:spcBef>
             </a:pPr>
             <a:r>
-              <a:rPr lang="pt-BR" dirty="0"/>
+              <a:rPr lang="pt-BR"/>
               <a:t>Ver planilha de riscos;</a:t>
             </a:r>
           </a:p>
@@ -6342,7 +6327,7 @@
       </p:sp>
       <p:pic>
         <p:nvPicPr>
-          <p:cNvPr id="144" name="Shape 144"/>
+          <p:cNvPr id="145" name="Shape 145"/>
           <p:cNvPicPr preferRelativeResize="0"/>
           <p:nvPr/>
         </p:nvPicPr>
@@ -6370,7 +6355,7 @@
       </p:pic>
       <p:pic>
         <p:nvPicPr>
-          <p:cNvPr id="145" name="Shape 145"/>
+          <p:cNvPr id="146" name="Shape 146"/>
           <p:cNvPicPr preferRelativeResize="0"/>
           <p:nvPr/>
         </p:nvPicPr>
@@ -6411,7 +6396,7 @@
   <p:cSld>
     <p:spTree>
       <p:nvGrpSpPr>
-        <p:cNvPr id="1" name="Shape 72"/>
+        <p:cNvPr id="1" name="Shape 73"/>
         <p:cNvGrpSpPr/>
         <p:nvPr/>
       </p:nvGrpSpPr>
@@ -6425,7 +6410,7 @@
       </p:grpSpPr>
       <p:sp>
         <p:nvSpPr>
-          <p:cNvPr id="73" name="Shape 73"/>
+          <p:cNvPr id="74" name="Shape 74"/>
           <p:cNvSpPr txBox="1">
             <a:spLocks noGrp="1"/>
           </p:cNvSpPr>
@@ -6448,7 +6433,7 @@
           </a:bodyPr>
           <a:lstStyle/>
           <a:p>
-            <a:pPr>
+            <a:pPr lvl="0">
               <a:spcBef>
                 <a:spcPts val="0"/>
               </a:spcBef>
@@ -6463,7 +6448,7 @@
       </p:sp>
       <p:sp>
         <p:nvSpPr>
-          <p:cNvPr id="74" name="Shape 74"/>
+          <p:cNvPr id="75" name="Shape 75"/>
           <p:cNvSpPr txBox="1">
             <a:spLocks noGrp="1"/>
           </p:cNvSpPr>
@@ -6486,7 +6471,7 @@
           </a:bodyPr>
           <a:lstStyle/>
           <a:p>
-            <a:pPr marL="457200" lvl="0" indent="-228600" rtl="0">
+            <a:pPr marL="457200" lvl="0" indent="-381000" rtl="0">
               <a:lnSpc>
                 <a:spcPct val="100000"/>
               </a:lnSpc>
@@ -6500,20 +6485,20 @@
               <a:buFont typeface="Arial"/>
             </a:pPr>
             <a:r>
-              <a:rPr lang="pt-BR" sz="2400" dirty="0">
+              <a:rPr lang="pt-BR" sz="2400">
                 <a:solidFill>
                   <a:srgbClr val="666666"/>
                 </a:solidFill>
-                <a:latin typeface="Open Sans" charset="0"/>
-                <a:ea typeface="Open Sans" charset="0"/>
-                <a:cs typeface="Open Sans" charset="0"/>
+                <a:latin typeface="Calibri"/>
+                <a:ea typeface="Calibri"/>
+                <a:cs typeface="Calibri"/>
                 <a:sym typeface="Calibri"/>
               </a:rPr>
               <a:t>Objetivos do Projeto</a:t>
             </a:r>
           </a:p>
           <a:p>
-            <a:pPr marL="457200" lvl="0" indent="-228600" rtl="0">
+            <a:pPr marL="457200" lvl="0" indent="-381000" rtl="0">
               <a:lnSpc>
                 <a:spcPct val="100000"/>
               </a:lnSpc>
@@ -6527,20 +6512,20 @@
               <a:buFont typeface="Arial"/>
             </a:pPr>
             <a:r>
-              <a:rPr lang="pt-BR" sz="2400" dirty="0">
+              <a:rPr lang="pt-BR" sz="2400">
                 <a:solidFill>
                   <a:srgbClr val="666666"/>
                 </a:solidFill>
-                <a:latin typeface="Open Sans" charset="0"/>
-                <a:ea typeface="Open Sans" charset="0"/>
-                <a:cs typeface="Open Sans" charset="0"/>
+                <a:latin typeface="Calibri"/>
+                <a:ea typeface="Calibri"/>
+                <a:cs typeface="Calibri"/>
                 <a:sym typeface="Calibri"/>
               </a:rPr>
               <a:t>Equipe e Papéis</a:t>
             </a:r>
           </a:p>
           <a:p>
-            <a:pPr marL="457200" lvl="0" indent="-228600" rtl="0">
+            <a:pPr marL="457200" lvl="0" indent="-381000" rtl="0">
               <a:lnSpc>
                 <a:spcPct val="100000"/>
               </a:lnSpc>
@@ -6554,59 +6539,47 @@
               <a:buFont typeface="Arial"/>
             </a:pPr>
             <a:r>
-              <a:rPr lang="pt-BR" sz="2400" dirty="0" err="1">
+              <a:rPr lang="pt-BR" sz="2400">
                 <a:solidFill>
                   <a:srgbClr val="666666"/>
                 </a:solidFill>
-                <a:latin typeface="Open Sans" charset="0"/>
-                <a:ea typeface="Open Sans" charset="0"/>
-                <a:cs typeface="Open Sans" charset="0"/>
+                <a:latin typeface="Calibri"/>
+                <a:ea typeface="Calibri"/>
+                <a:cs typeface="Calibri"/>
                 <a:sym typeface="Calibri"/>
               </a:rPr>
-              <a:t>Stakeholders</a:t>
+              <a:t>Stakeholders do Projeto</a:t>
             </a:r>
+          </a:p>
+          <a:p>
+            <a:pPr marL="457200" lvl="0" indent="-381000" rtl="0">
+              <a:lnSpc>
+                <a:spcPct val="100000"/>
+              </a:lnSpc>
+              <a:spcBef>
+                <a:spcPts val="0"/>
+              </a:spcBef>
+              <a:spcAft>
+                <a:spcPts val="0"/>
+              </a:spcAft>
+              <a:buSzPct val="100000"/>
+              <a:buFont typeface="Arial"/>
+            </a:pPr>
             <a:r>
-              <a:rPr lang="pt-BR" sz="2400" dirty="0">
+              <a:rPr lang="pt-BR" sz="2400">
                 <a:solidFill>
                   <a:srgbClr val="666666"/>
                 </a:solidFill>
-                <a:latin typeface="Open Sans" charset="0"/>
-                <a:ea typeface="Open Sans" charset="0"/>
-                <a:cs typeface="Open Sans" charset="0"/>
-                <a:sym typeface="Calibri"/>
-              </a:rPr>
-              <a:t> do Projeto</a:t>
-            </a:r>
-          </a:p>
-          <a:p>
-            <a:pPr marL="457200" lvl="0" indent="-228600" rtl="0">
-              <a:lnSpc>
-                <a:spcPct val="100000"/>
-              </a:lnSpc>
-              <a:spcBef>
-                <a:spcPts val="0"/>
-              </a:spcBef>
-              <a:spcAft>
-                <a:spcPts val="0"/>
-              </a:spcAft>
-              <a:buSzPct val="100000"/>
-              <a:buFont typeface="Arial"/>
-            </a:pPr>
-            <a:r>
-              <a:rPr lang="pt-BR" sz="2400" dirty="0">
-                <a:solidFill>
-                  <a:srgbClr val="666666"/>
-                </a:solidFill>
-                <a:latin typeface="Open Sans" charset="0"/>
-                <a:ea typeface="Open Sans" charset="0"/>
-                <a:cs typeface="Open Sans" charset="0"/>
+                <a:latin typeface="Calibri"/>
+                <a:ea typeface="Calibri"/>
+                <a:cs typeface="Calibri"/>
                 <a:sym typeface="Calibri"/>
               </a:rPr>
               <a:t>Escopo do Projeto</a:t>
             </a:r>
           </a:p>
           <a:p>
-            <a:pPr marL="457200" lvl="0" indent="-228600" rtl="0">
+            <a:pPr marL="457200" lvl="0" indent="-381000" rtl="0">
               <a:lnSpc>
                 <a:spcPct val="100000"/>
               </a:lnSpc>
@@ -6620,20 +6593,20 @@
               <a:buFont typeface="Arial"/>
             </a:pPr>
             <a:r>
-              <a:rPr lang="pt-BR" sz="2400" dirty="0">
+              <a:rPr lang="pt-BR" sz="2400">
                 <a:solidFill>
                   <a:srgbClr val="666666"/>
                 </a:solidFill>
-                <a:latin typeface="Open Sans" charset="0"/>
-                <a:ea typeface="Open Sans" charset="0"/>
-                <a:cs typeface="Open Sans" charset="0"/>
+                <a:latin typeface="Calibri"/>
+                <a:ea typeface="Calibri"/>
+                <a:cs typeface="Calibri"/>
                 <a:sym typeface="Calibri"/>
               </a:rPr>
               <a:t>Premissas</a:t>
             </a:r>
           </a:p>
           <a:p>
-            <a:pPr marL="457200" lvl="0" indent="-228600" rtl="0">
+            <a:pPr marL="457200" lvl="0" indent="-381000" rtl="0">
               <a:lnSpc>
                 <a:spcPct val="100000"/>
               </a:lnSpc>
@@ -6647,20 +6620,20 @@
               <a:buFont typeface="Arial"/>
             </a:pPr>
             <a:r>
-              <a:rPr lang="pt-BR" sz="2400" dirty="0">
+              <a:rPr lang="pt-BR" sz="2400">
                 <a:solidFill>
                   <a:srgbClr val="666666"/>
                 </a:solidFill>
-                <a:latin typeface="Open Sans" charset="0"/>
-                <a:ea typeface="Open Sans" charset="0"/>
-                <a:cs typeface="Open Sans" charset="0"/>
+                <a:latin typeface="Calibri"/>
+                <a:ea typeface="Calibri"/>
+                <a:cs typeface="Calibri"/>
                 <a:sym typeface="Calibri"/>
               </a:rPr>
               <a:t>Restrições</a:t>
             </a:r>
           </a:p>
           <a:p>
-            <a:pPr marL="457200" lvl="0" indent="-228600" rtl="0">
+            <a:pPr marL="457200" lvl="0" indent="-381000" rtl="0">
               <a:lnSpc>
                 <a:spcPct val="100000"/>
               </a:lnSpc>
@@ -6674,10 +6647,10 @@
               <a:buFont typeface="Arial"/>
             </a:pPr>
             <a:r>
-              <a:rPr lang="pt-BR" sz="2400" dirty="0">
-                <a:latin typeface="Open Sans" charset="0"/>
-                <a:ea typeface="Open Sans" charset="0"/>
-                <a:cs typeface="Open Sans" charset="0"/>
+              <a:rPr lang="pt-BR" sz="2400">
+                <a:latin typeface="Calibri"/>
+                <a:ea typeface="Calibri"/>
+                <a:cs typeface="Calibri"/>
                 <a:sym typeface="Calibri"/>
               </a:rPr>
               <a:t>Riscos</a:t>
@@ -6690,17 +6663,13 @@
               </a:spcBef>
               <a:buNone/>
             </a:pPr>
-            <a:endParaRPr>
-              <a:latin typeface="Open Sans" charset="0"/>
-              <a:ea typeface="Open Sans" charset="0"/>
-              <a:cs typeface="Open Sans" charset="0"/>
-            </a:endParaRPr>
+            <a:endParaRPr/>
           </a:p>
         </p:txBody>
       </p:sp>
       <p:pic>
         <p:nvPicPr>
-          <p:cNvPr id="75" name="Shape 75"/>
+          <p:cNvPr id="76" name="Shape 76"/>
           <p:cNvPicPr preferRelativeResize="0"/>
           <p:nvPr/>
         </p:nvPicPr>
@@ -6727,7 +6696,7 @@
       </p:pic>
       <p:pic>
         <p:nvPicPr>
-          <p:cNvPr id="76" name="Shape 76"/>
+          <p:cNvPr id="77" name="Shape 77"/>
           <p:cNvPicPr preferRelativeResize="0"/>
           <p:nvPr/>
         </p:nvPicPr>
@@ -6769,7 +6738,7 @@
   <p:cSld>
     <p:spTree>
       <p:nvGrpSpPr>
-        <p:cNvPr id="1" name="Shape 80"/>
+        <p:cNvPr id="1" name="Shape 81"/>
         <p:cNvGrpSpPr/>
         <p:nvPr/>
       </p:nvGrpSpPr>
@@ -6783,7 +6752,7 @@
       </p:grpSpPr>
       <p:sp>
         <p:nvSpPr>
-          <p:cNvPr id="81" name="Shape 81"/>
+          <p:cNvPr id="82" name="Shape 82"/>
           <p:cNvSpPr txBox="1">
             <a:spLocks noGrp="1"/>
           </p:cNvSpPr>
@@ -6826,7 +6795,7 @@
       </p:sp>
       <p:sp>
         <p:nvSpPr>
-          <p:cNvPr id="82" name="Shape 82"/>
+          <p:cNvPr id="83" name="Shape 83"/>
           <p:cNvSpPr txBox="1">
             <a:spLocks noGrp="1"/>
           </p:cNvSpPr>
@@ -6849,7 +6818,7 @@
           </a:bodyPr>
           <a:lstStyle/>
           <a:p>
-            <a:pPr marL="0" indent="457200" algn="just" rtl="0">
+            <a:pPr marL="0" lvl="0" indent="457200" algn="just" rtl="0">
               <a:lnSpc>
                 <a:spcPct val="150000"/>
               </a:lnSpc>
@@ -6862,20 +6831,20 @@
               <a:buNone/>
             </a:pPr>
             <a:r>
-              <a:rPr lang="pt-BR" dirty="0">
+              <a:rPr lang="pt-BR">
                 <a:solidFill>
                   <a:srgbClr val="434343"/>
                 </a:solidFill>
-                <a:latin typeface="Open Sans" charset="0"/>
-                <a:ea typeface="Open Sans" charset="0"/>
-                <a:cs typeface="Open Sans" charset="0"/>
+                <a:latin typeface="Arial"/>
+                <a:ea typeface="Arial"/>
+                <a:cs typeface="Arial"/>
                 <a:sym typeface="Arial"/>
               </a:rPr>
               <a:t>O SISAP objetiva informatizar o acompanhamento pedagógico, em que todos os procedimentos de interação com os alunos, responsáveis e professores possam ser realizados de forma padronizada, fácil e rápida, permitindo que a COPAE possa operacionalizar um atendimento de melhor qualidade e abrangência.</a:t>
             </a:r>
           </a:p>
           <a:p>
-            <a:pPr marL="0" indent="457200" algn="just" rtl="0">
+            <a:pPr marL="0" lvl="0" indent="457200" algn="just" rtl="0">
               <a:lnSpc>
                 <a:spcPct val="150000"/>
               </a:lnSpc>
@@ -6898,7 +6867,7 @@
             </a:endParaRPr>
           </a:p>
           <a:p>
-            <a:pPr>
+            <a:pPr lvl="0">
               <a:spcBef>
                 <a:spcPts val="0"/>
               </a:spcBef>
@@ -6910,7 +6879,7 @@
       </p:sp>
       <p:pic>
         <p:nvPicPr>
-          <p:cNvPr id="83" name="Shape 83"/>
+          <p:cNvPr id="84" name="Shape 84"/>
           <p:cNvPicPr preferRelativeResize="0"/>
           <p:nvPr/>
         </p:nvPicPr>
@@ -6938,7 +6907,7 @@
       </p:pic>
       <p:pic>
         <p:nvPicPr>
-          <p:cNvPr id="84" name="Shape 84"/>
+          <p:cNvPr id="85" name="Shape 85"/>
           <p:cNvPicPr preferRelativeResize="0"/>
           <p:nvPr/>
         </p:nvPicPr>
@@ -6979,7 +6948,7 @@
   <p:cSld>
     <p:spTree>
       <p:nvGrpSpPr>
-        <p:cNvPr id="1" name="Shape 88"/>
+        <p:cNvPr id="1" name="Shape 89"/>
         <p:cNvGrpSpPr/>
         <p:nvPr/>
       </p:nvGrpSpPr>
@@ -6993,7 +6962,7 @@
       </p:grpSpPr>
       <p:sp>
         <p:nvSpPr>
-          <p:cNvPr id="89" name="Shape 89"/>
+          <p:cNvPr id="90" name="Shape 90"/>
           <p:cNvSpPr txBox="1">
             <a:spLocks noGrp="1"/>
           </p:cNvSpPr>
@@ -7016,7 +6985,7 @@
           </a:bodyPr>
           <a:lstStyle/>
           <a:p>
-            <a:pPr>
+            <a:pPr lvl="0">
               <a:spcBef>
                 <a:spcPts val="0"/>
               </a:spcBef>
@@ -7031,7 +7000,7 @@
       </p:sp>
       <p:sp>
         <p:nvSpPr>
-          <p:cNvPr id="90" name="Shape 90"/>
+          <p:cNvPr id="91" name="Shape 91"/>
           <p:cNvSpPr txBox="1">
             <a:spLocks noGrp="1"/>
           </p:cNvSpPr>
@@ -7072,13 +7041,13 @@
               <a:buChar char="●"/>
             </a:pPr>
             <a:r>
-              <a:rPr lang="pt-BR" sz="1400" dirty="0">
+              <a:rPr lang="pt-BR" sz="1400">
                 <a:solidFill>
                   <a:srgbClr val="434343"/>
                 </a:solidFill>
-                <a:latin typeface="Open Sans" charset="0"/>
-                <a:ea typeface="Open Sans" charset="0"/>
-                <a:cs typeface="Open Sans" charset="0"/>
+                <a:latin typeface="Arial"/>
+                <a:ea typeface="Arial"/>
+                <a:cs typeface="Arial"/>
                 <a:sym typeface="Arial"/>
               </a:rPr>
               <a:t>Permitir a verificação do desenvolvimento acadêmico do aluno através de consultas das notas e frequência, de modo que o sistema possa alertar sobre os casos que já merecem atenção;</a:t>
@@ -7103,13 +7072,13 @@
               <a:buChar char="●"/>
             </a:pPr>
             <a:r>
-              <a:rPr lang="pt-BR" sz="1400" dirty="0">
+              <a:rPr lang="pt-BR" sz="1400">
                 <a:solidFill>
                   <a:srgbClr val="434343"/>
                 </a:solidFill>
-                <a:latin typeface="Open Sans" charset="0"/>
-                <a:ea typeface="Open Sans" charset="0"/>
-                <a:cs typeface="Open Sans" charset="0"/>
+                <a:latin typeface="Arial"/>
+                <a:ea typeface="Arial"/>
+                <a:cs typeface="Arial"/>
                 <a:sym typeface="Arial"/>
               </a:rPr>
               <a:t>Facilitar o procedimento que une a equipe pedagógica na realização do conselho de classe, a fim de discutir questões referentes aos alunos, cuja situação acadêmica está crítica, bem como registrando os pareceres individuais do aluno (ata do conselho de classe);</a:t>
@@ -7134,13 +7103,13 @@
               <a:buChar char="●"/>
             </a:pPr>
             <a:r>
-              <a:rPr lang="pt-BR" sz="1400" dirty="0">
+              <a:rPr lang="pt-BR" sz="1400">
                 <a:solidFill>
                   <a:srgbClr val="434343"/>
                 </a:solidFill>
-                <a:latin typeface="Open Sans" charset="0"/>
-                <a:ea typeface="Open Sans" charset="0"/>
-                <a:cs typeface="Open Sans" charset="0"/>
+                <a:latin typeface="Arial"/>
+                <a:ea typeface="Arial"/>
+                <a:cs typeface="Arial"/>
                 <a:sym typeface="Arial"/>
               </a:rPr>
               <a:t>Facilitar e melhorar os procedimentos que exigem que a equipe pedagógica interaja com os responsáveis pelos discentes, a fim de discutir questões referentes aos mesmos, registrando os diagnósticos e as providências tomadas;</a:t>
@@ -7165,36 +7134,32 @@
               <a:buChar char="●"/>
             </a:pPr>
             <a:r>
-              <a:rPr lang="pt-BR" sz="1400" dirty="0">
+              <a:rPr lang="pt-BR" sz="1400">
                 <a:solidFill>
                   <a:srgbClr val="434343"/>
                 </a:solidFill>
-                <a:latin typeface="Open Sans" charset="0"/>
-                <a:ea typeface="Open Sans" charset="0"/>
-                <a:cs typeface="Open Sans" charset="0"/>
+                <a:latin typeface="Arial"/>
+                <a:ea typeface="Arial"/>
+                <a:cs typeface="Arial"/>
                 <a:sym typeface="Arial"/>
               </a:rPr>
               <a:t>Permitir o monitoramento discente e docente nos núcleos de reforço;</a:t>
             </a:r>
           </a:p>
           <a:p>
-            <a:pPr>
+            <a:pPr lvl="0">
               <a:spcBef>
                 <a:spcPts val="0"/>
               </a:spcBef>
               <a:buNone/>
             </a:pPr>
-            <a:endParaRPr>
-              <a:latin typeface="Open Sans" charset="0"/>
-              <a:ea typeface="Open Sans" charset="0"/>
-              <a:cs typeface="Open Sans" charset="0"/>
-            </a:endParaRPr>
+            <a:endParaRPr/>
           </a:p>
         </p:txBody>
       </p:sp>
       <p:pic>
         <p:nvPicPr>
-          <p:cNvPr id="91" name="Shape 91"/>
+          <p:cNvPr id="92" name="Shape 92"/>
           <p:cNvPicPr preferRelativeResize="0"/>
           <p:nvPr/>
         </p:nvPicPr>
@@ -7222,7 +7187,7 @@
       </p:pic>
       <p:pic>
         <p:nvPicPr>
-          <p:cNvPr id="92" name="Shape 92"/>
+          <p:cNvPr id="93" name="Shape 93"/>
           <p:cNvPicPr preferRelativeResize="0"/>
           <p:nvPr/>
         </p:nvPicPr>
@@ -7263,7 +7228,7 @@
   <p:cSld>
     <p:spTree>
       <p:nvGrpSpPr>
-        <p:cNvPr id="1" name="Shape 96"/>
+        <p:cNvPr id="1" name="Shape 97"/>
         <p:cNvGrpSpPr/>
         <p:nvPr/>
       </p:nvGrpSpPr>
@@ -7277,7 +7242,7 @@
       </p:grpSpPr>
       <p:sp>
         <p:nvSpPr>
-          <p:cNvPr id="97" name="Shape 97"/>
+          <p:cNvPr id="98" name="Shape 98"/>
           <p:cNvSpPr txBox="1">
             <a:spLocks noGrp="1"/>
           </p:cNvSpPr>
@@ -7300,7 +7265,7 @@
           </a:bodyPr>
           <a:lstStyle/>
           <a:p>
-            <a:pPr>
+            <a:pPr lvl="0">
               <a:spcBef>
                 <a:spcPts val="0"/>
               </a:spcBef>
@@ -7315,7 +7280,7 @@
       </p:sp>
       <p:sp>
         <p:nvSpPr>
-          <p:cNvPr id="98" name="Shape 98"/>
+          <p:cNvPr id="99" name="Shape 99"/>
           <p:cNvSpPr txBox="1">
             <a:spLocks noGrp="1"/>
           </p:cNvSpPr>
@@ -7356,52 +7321,16 @@
               <a:buChar char="●"/>
             </a:pPr>
             <a:r>
-              <a:rPr lang="pt-BR" sz="1400" dirty="0">
+              <a:rPr lang="pt-BR" sz="1400">
                 <a:solidFill>
                   <a:srgbClr val="434343"/>
                 </a:solidFill>
-                <a:latin typeface="Open Sans" charset="0"/>
-                <a:ea typeface="Open Sans" charset="0"/>
-                <a:cs typeface="Open Sans" charset="0"/>
+                <a:latin typeface="Arial"/>
+                <a:ea typeface="Arial"/>
+                <a:cs typeface="Arial"/>
                 <a:sym typeface="Arial"/>
               </a:rPr>
-              <a:t>Registrar eventuais problemas na relação entre discentes e docentes, bem como as medidas </a:t>
-            </a:r>
-            <a:r>
-              <a:rPr lang="pt-BR" sz="1400" dirty="0" err="1" smtClean="0">
-                <a:solidFill>
-                  <a:srgbClr val="434343"/>
-                </a:solidFill>
-                <a:latin typeface="Open Sans" charset="0"/>
-                <a:ea typeface="Open Sans" charset="0"/>
-                <a:cs typeface="Open Sans" charset="0"/>
-                <a:sym typeface="Arial"/>
-              </a:rPr>
-              <a:t>psicopedagógicas</a:t>
-            </a:r>
-            <a:r>
-              <a:rPr lang="pt-BR" sz="1400" dirty="0" smtClean="0">
-                <a:solidFill>
-                  <a:srgbClr val="434343"/>
-                </a:solidFill>
-                <a:latin typeface="Open Sans" charset="0"/>
-                <a:ea typeface="Open Sans" charset="0"/>
-                <a:cs typeface="Open Sans" charset="0"/>
-                <a:sym typeface="Arial"/>
-              </a:rPr>
-              <a:t> </a:t>
-            </a:r>
-            <a:r>
-              <a:rPr lang="pt-BR" sz="1400" dirty="0">
-                <a:solidFill>
-                  <a:srgbClr val="434343"/>
-                </a:solidFill>
-                <a:latin typeface="Open Sans" charset="0"/>
-                <a:ea typeface="Open Sans" charset="0"/>
-                <a:cs typeface="Open Sans" charset="0"/>
-                <a:sym typeface="Arial"/>
-              </a:rPr>
-              <a:t>recomendadas pelo departamento;</a:t>
+              <a:t>Registrar eventuais problemas na relação entre discentes e docentes, bem como as medidas psicopedagógicas recomendadas pelo departamento;</a:t>
             </a:r>
           </a:p>
           <a:p>
@@ -7423,60 +7352,32 @@
               <a:buChar char="●"/>
             </a:pPr>
             <a:r>
-              <a:rPr lang="pt-BR" sz="1400" dirty="0">
+              <a:rPr lang="pt-BR" sz="1400">
                 <a:solidFill>
                   <a:srgbClr val="434343"/>
                 </a:solidFill>
-                <a:latin typeface="Open Sans" charset="0"/>
-                <a:ea typeface="Open Sans" charset="0"/>
-                <a:cs typeface="Open Sans" charset="0"/>
+                <a:latin typeface="Arial"/>
+                <a:ea typeface="Arial"/>
+                <a:cs typeface="Arial"/>
                 <a:sym typeface="Arial"/>
               </a:rPr>
-              <a:t>Gerar relatórios de desempenho individual de discentes, do desempenho de turmas (médias dos alunos nas disciplinas </a:t>
+              <a:t>Gerar relatórios de desempenho individual de discentes, do desempenho de turmas (médias dos alunos nas disciplinas cursantes, com proporções de desempenho numa escala de avaliação que vai de péssimo à ótimo), das atividades realizadas pela equipe pedagógica, durante determinado período.</a:t>
             </a:r>
-            <a:r>
-              <a:rPr lang="pt-BR" sz="1400" dirty="0" err="1">
-                <a:solidFill>
-                  <a:srgbClr val="434343"/>
-                </a:solidFill>
-                <a:latin typeface="Open Sans" charset="0"/>
-                <a:ea typeface="Open Sans" charset="0"/>
-                <a:cs typeface="Open Sans" charset="0"/>
-                <a:sym typeface="Arial"/>
-              </a:rPr>
-              <a:t>cursantes</a:t>
-            </a:r>
-            <a:r>
-              <a:rPr lang="pt-BR" sz="1400" dirty="0">
-                <a:solidFill>
-                  <a:srgbClr val="434343"/>
-                </a:solidFill>
-                <a:latin typeface="Open Sans" charset="0"/>
-                <a:ea typeface="Open Sans" charset="0"/>
-                <a:cs typeface="Open Sans" charset="0"/>
-                <a:sym typeface="Arial"/>
-              </a:rPr>
-              <a:t>, com proporções de desempenho numa escala de avaliação que vai de péssimo à ótimo), das atividades realizadas pela equipe pedagógica, durante determinado período.</a:t>
-            </a:r>
-          </a:p>
-          <a:p>
-            <a:pPr>
+          </a:p>
+          <a:p>
+            <a:pPr lvl="0">
               <a:spcBef>
                 <a:spcPts val="0"/>
               </a:spcBef>
               <a:buNone/>
             </a:pPr>
-            <a:endParaRPr>
-              <a:latin typeface="Open Sans" charset="0"/>
-              <a:ea typeface="Open Sans" charset="0"/>
-              <a:cs typeface="Open Sans" charset="0"/>
-            </a:endParaRPr>
+            <a:endParaRPr/>
           </a:p>
         </p:txBody>
       </p:sp>
       <p:pic>
         <p:nvPicPr>
-          <p:cNvPr id="99" name="Shape 99"/>
+          <p:cNvPr id="100" name="Shape 100"/>
           <p:cNvPicPr preferRelativeResize="0"/>
           <p:nvPr/>
         </p:nvPicPr>
@@ -7504,7 +7405,7 @@
       </p:pic>
       <p:pic>
         <p:nvPicPr>
-          <p:cNvPr id="100" name="Shape 100"/>
+          <p:cNvPr id="101" name="Shape 101"/>
           <p:cNvPicPr preferRelativeResize="0"/>
           <p:nvPr/>
         </p:nvPicPr>
@@ -7545,7 +7446,7 @@
   <p:cSld>
     <p:spTree>
       <p:nvGrpSpPr>
-        <p:cNvPr id="1" name="Shape 104"/>
+        <p:cNvPr id="1" name="Shape 105"/>
         <p:cNvGrpSpPr/>
         <p:nvPr/>
       </p:nvGrpSpPr>
@@ -7559,7 +7460,7 @@
       </p:grpSpPr>
       <p:sp>
         <p:nvSpPr>
-          <p:cNvPr id="105" name="Shape 105"/>
+          <p:cNvPr id="106" name="Shape 106"/>
           <p:cNvSpPr txBox="1">
             <a:spLocks noGrp="1"/>
           </p:cNvSpPr>
@@ -7582,7 +7483,7 @@
           </a:bodyPr>
           <a:lstStyle/>
           <a:p>
-            <a:pPr>
+            <a:pPr lvl="0">
               <a:spcBef>
                 <a:spcPts val="0"/>
               </a:spcBef>
@@ -7597,7 +7498,7 @@
       </p:sp>
       <p:sp>
         <p:nvSpPr>
-          <p:cNvPr id="106" name="Shape 106"/>
+          <p:cNvPr id="107" name="Shape 107"/>
           <p:cNvSpPr txBox="1">
             <a:spLocks noGrp="1"/>
           </p:cNvSpPr>
@@ -7633,6 +7534,7 @@
               <a:buClr>
                 <a:srgbClr val="000000"/>
               </a:buClr>
+              <a:buSzPct val="25000"/>
               <a:buFont typeface="Calibri"/>
               <a:buNone/>
             </a:pPr>
@@ -7647,7 +7549,7 @@
             </a:endParaRPr>
           </a:p>
           <a:p>
-            <a:pPr>
+            <a:pPr lvl="0">
               <a:spcBef>
                 <a:spcPts val="0"/>
               </a:spcBef>
@@ -7659,7 +7561,7 @@
       </p:sp>
       <p:graphicFrame>
         <p:nvGraphicFramePr>
-          <p:cNvPr id="107" name="Shape 107"/>
+          <p:cNvPr id="108" name="Shape 108"/>
           <p:cNvGraphicFramePr/>
           <p:nvPr/>
         </p:nvGraphicFramePr>
@@ -7672,7 +7574,7 @@
             <a:tbl>
               <a:tblPr>
                 <a:noFill/>
-                <a:tableStyleId>{0CD7C6E1-07FA-43AB-BBB2-82301F84A2AB}</a:tableStyleId>
+                <a:tableStyleId>{96AFE8F4-BAE3-4390-BF48-82C78FCAA1F5}</a:tableStyleId>
               </a:tblPr>
               <a:tblGrid>
                 <a:gridCol w="2413150"/>
@@ -7692,18 +7594,13 @@
                         <a:buNone/>
                       </a:pPr>
                       <a:r>
-                        <a:rPr lang="pt-BR" b="1" dirty="0" err="1">
+                        <a:rPr lang="pt-BR" b="1">
                           <a:solidFill>
                             <a:srgbClr val="434343"/>
                           </a:solidFill>
                         </a:rPr>
                         <a:t>Stakeholders</a:t>
                       </a:r>
-                      <a:endParaRPr lang="pt-BR" b="1" dirty="0">
-                        <a:solidFill>
-                          <a:srgbClr val="434343"/>
-                        </a:solidFill>
-                      </a:endParaRPr>
                     </a:p>
                   </a:txBody>
                   <a:tcPr marL="91425" marR="91425" marT="91425" marB="91425">
@@ -7783,11 +7680,7 @@
                         <a:buNone/>
                       </a:pPr>
                       <a:r>
-                        <a:rPr lang="pt-BR" sz="1100">
-                          <a:solidFill>
-                            <a:schemeClr val="bg2"/>
-                          </a:solidFill>
-                        </a:rPr>
+                        <a:rPr lang="pt-BR" sz="1100"/>
                         <a:t>Equipe</a:t>
                       </a:r>
                     </a:p>
@@ -7810,11 +7703,7 @@
                         <a:buNone/>
                       </a:pPr>
                       <a:r>
-                        <a:rPr lang="pt-BR" sz="1100">
-                          <a:solidFill>
-                            <a:schemeClr val="bg2"/>
-                          </a:solidFill>
-                        </a:rPr>
+                        <a:rPr lang="pt-BR" sz="1100"/>
                         <a:t>Desenvolvedores</a:t>
                       </a:r>
                     </a:p>
@@ -7837,11 +7726,7 @@
                         <a:buNone/>
                       </a:pPr>
                       <a:r>
-                        <a:rPr lang="pt-BR" sz="1100">
-                          <a:solidFill>
-                            <a:schemeClr val="bg2"/>
-                          </a:solidFill>
-                        </a:rPr>
+                        <a:rPr lang="pt-BR" sz="1100"/>
                         <a:t>Desenvolver um sistema que atenda aos interesses dos demais Stakeholders.</a:t>
                       </a:r>
                     </a:p>
@@ -7869,28 +7754,8 @@
                         <a:buNone/>
                       </a:pPr>
                       <a:r>
-                        <a:rPr lang="pt-BR" sz="1100" dirty="0">
-                          <a:solidFill>
-                            <a:schemeClr val="bg2"/>
-                          </a:solidFill>
-                        </a:rPr>
-                        <a:t>Maria </a:t>
-                      </a:r>
-                      <a:r>
-                        <a:rPr lang="pt-BR" sz="1100" dirty="0" err="1">
-                          <a:solidFill>
-                            <a:schemeClr val="bg2"/>
-                          </a:solidFill>
-                        </a:rPr>
-                        <a:t>Elenice</a:t>
-                      </a:r>
-                      <a:r>
-                        <a:rPr lang="pt-BR" sz="1100" dirty="0">
-                          <a:solidFill>
-                            <a:schemeClr val="bg2"/>
-                          </a:solidFill>
-                        </a:rPr>
-                        <a:t> Pereira da Silva/Felipe Louise Pereira Ferreira</a:t>
+                        <a:rPr lang="pt-BR" sz="1100"/>
+                        <a:t>Maria Elenice Pereira da Silva/Felipe Louise Pereira Ferreira</a:t>
                       </a:r>
                     </a:p>
                   </a:txBody>
@@ -7912,11 +7777,7 @@
                         <a:buNone/>
                       </a:pPr>
                       <a:r>
-                        <a:rPr lang="pt-BR" sz="1100">
-                          <a:solidFill>
-                            <a:schemeClr val="bg2"/>
-                          </a:solidFill>
-                        </a:rPr>
+                        <a:rPr lang="pt-BR" sz="1100"/>
                         <a:t>Pedagogos/Usuários do SISAP</a:t>
                       </a:r>
                     </a:p>
@@ -7939,11 +7800,7 @@
                         <a:buNone/>
                       </a:pPr>
                       <a:r>
-                        <a:rPr lang="pt-BR" sz="1100" dirty="0">
-                          <a:solidFill>
-                            <a:schemeClr val="bg2"/>
-                          </a:solidFill>
-                        </a:rPr>
+                        <a:rPr lang="pt-BR" sz="1100"/>
                         <a:t>Gerenciar e manter as atividades realizadas no setor de pedagogia da COPAE. Melhorar qualidade e eficiência das atividades.</a:t>
                       </a:r>
                     </a:p>
@@ -7961,7 +7818,7 @@
                     <a:bodyPr/>
                     <a:lstStyle/>
                     <a:p>
-                      <a:pPr rtl="0">
+                      <a:pPr lvl="0" rtl="0">
                         <a:lnSpc>
                           <a:spcPct val="150000"/>
                         </a:lnSpc>
@@ -7971,11 +7828,7 @@
                         <a:buNone/>
                       </a:pPr>
                       <a:r>
-                        <a:rPr lang="pt-BR" sz="1100">
-                          <a:solidFill>
-                            <a:schemeClr val="bg2"/>
-                          </a:solidFill>
-                        </a:rPr>
+                        <a:rPr lang="pt-BR" sz="1100"/>
                         <a:t>Corpo Discente</a:t>
                       </a:r>
                     </a:p>
@@ -7991,18 +7844,14 @@
                     <a:bodyPr/>
                     <a:lstStyle/>
                     <a:p>
-                      <a:pPr rtl="0">
+                      <a:pPr lvl="0" rtl="0">
                         <a:spcBef>
                           <a:spcPts val="0"/>
                         </a:spcBef>
                         <a:buNone/>
                       </a:pPr>
                       <a:r>
-                        <a:rPr lang="pt-BR" sz="1100">
-                          <a:solidFill>
-                            <a:schemeClr val="bg2"/>
-                          </a:solidFill>
-                        </a:rPr>
+                        <a:rPr lang="pt-BR" sz="1100"/>
                         <a:t>Alunos</a:t>
                       </a:r>
                     </a:p>
@@ -8018,18 +7867,14 @@
                     <a:bodyPr/>
                     <a:lstStyle/>
                     <a:p>
-                      <a:pPr rtl="0">
+                      <a:pPr lvl="0" rtl="0">
                         <a:spcBef>
                           <a:spcPts val="0"/>
                         </a:spcBef>
                         <a:buNone/>
                       </a:pPr>
                       <a:r>
-                        <a:rPr lang="pt-BR" sz="1100">
-                          <a:solidFill>
-                            <a:schemeClr val="bg2"/>
-                          </a:solidFill>
-                        </a:rPr>
+                        <a:rPr lang="pt-BR" sz="1100"/>
                         <a:t>Melhoria no desempenho acadêmico ao longo do ano letivo.</a:t>
                       </a:r>
                     </a:p>
@@ -8057,11 +7902,7 @@
                         <a:buNone/>
                       </a:pPr>
                       <a:r>
-                        <a:rPr lang="pt-BR" sz="1100">
-                          <a:solidFill>
-                            <a:schemeClr val="bg2"/>
-                          </a:solidFill>
-                        </a:rPr>
+                        <a:rPr lang="pt-BR" sz="1100"/>
                         <a:t>Corpo Docente</a:t>
                       </a:r>
                     </a:p>
@@ -8084,11 +7925,7 @@
                         <a:buNone/>
                       </a:pPr>
                       <a:r>
-                        <a:rPr lang="pt-BR" sz="1100">
-                          <a:solidFill>
-                            <a:schemeClr val="bg2"/>
-                          </a:solidFill>
-                        </a:rPr>
+                        <a:rPr lang="pt-BR" sz="1100"/>
                         <a:t>Professores/Usuários do SISAP</a:t>
                       </a:r>
                     </a:p>
@@ -8111,11 +7948,7 @@
                         <a:buNone/>
                       </a:pPr>
                       <a:r>
-                        <a:rPr lang="pt-BR" sz="1100">
-                          <a:solidFill>
-                            <a:schemeClr val="bg2"/>
-                          </a:solidFill>
-                        </a:rPr>
+                        <a:rPr lang="pt-BR" sz="1100"/>
                         <a:t>Gerenciar e manter os núcleos de ensino aprendizagem. Melhorar qualidade e eficiência das atividades com relação aos núcleos.</a:t>
                       </a:r>
                     </a:p>
@@ -8133,7 +7966,7 @@
                     <a:bodyPr/>
                     <a:lstStyle/>
                     <a:p>
-                      <a:pPr rtl="0">
+                      <a:pPr lvl="0" rtl="0">
                         <a:lnSpc>
                           <a:spcPct val="150000"/>
                         </a:lnSpc>
@@ -8143,11 +7976,7 @@
                         <a:buNone/>
                       </a:pPr>
                       <a:r>
-                        <a:rPr lang="pt-BR" sz="1100">
-                          <a:solidFill>
-                            <a:schemeClr val="bg2"/>
-                          </a:solidFill>
-                        </a:rPr>
+                        <a:rPr lang="pt-BR" sz="1100"/>
                         <a:t>Pais/Responsáveis</a:t>
                       </a:r>
                     </a:p>
@@ -8163,18 +7992,14 @@
                     <a:bodyPr/>
                     <a:lstStyle/>
                     <a:p>
-                      <a:pPr rtl="0">
+                      <a:pPr lvl="0" rtl="0">
                         <a:spcBef>
                           <a:spcPts val="0"/>
                         </a:spcBef>
                         <a:buNone/>
                       </a:pPr>
                       <a:r>
-                        <a:rPr lang="pt-BR" sz="1100">
-                          <a:solidFill>
-                            <a:schemeClr val="bg2"/>
-                          </a:solidFill>
-                        </a:rPr>
+                        <a:rPr lang="pt-BR" sz="1100"/>
                         <a:t>Responsável de Discente</a:t>
                       </a:r>
                     </a:p>
@@ -8190,18 +8015,14 @@
                     <a:bodyPr/>
                     <a:lstStyle/>
                     <a:p>
-                      <a:pPr rtl="0">
+                      <a:pPr lvl="0" rtl="0">
                         <a:spcBef>
                           <a:spcPts val="0"/>
                         </a:spcBef>
                         <a:buNone/>
                       </a:pPr>
                       <a:r>
-                        <a:rPr lang="pt-BR" sz="1100">
-                          <a:solidFill>
-                            <a:schemeClr val="bg2"/>
-                          </a:solidFill>
-                        </a:rPr>
+                        <a:rPr lang="pt-BR" sz="1100"/>
                         <a:t>Acompanhar da melhor maneira possível e manter-se informados acerca do desempenho do(s) aluno(s) o qual se responsabiliza.</a:t>
                       </a:r>
                     </a:p>
@@ -8229,11 +8050,7 @@
                         <a:buNone/>
                       </a:pPr>
                       <a:r>
-                        <a:rPr lang="pt-BR" sz="1100">
-                          <a:solidFill>
-                            <a:schemeClr val="bg2"/>
-                          </a:solidFill>
-                        </a:rPr>
+                        <a:rPr lang="pt-BR" sz="1100"/>
                         <a:t>Ednaldo Dilorenzo</a:t>
                       </a:r>
                     </a:p>
@@ -8259,11 +8076,7 @@
                         <a:buNone/>
                       </a:pPr>
                       <a:r>
-                        <a:rPr lang="pt-BR" sz="1100">
-                          <a:solidFill>
-                            <a:schemeClr val="bg2"/>
-                          </a:solidFill>
-                        </a:rPr>
+                        <a:rPr lang="pt-BR" sz="1100"/>
                         <a:t>Orientador/Analista de Qualidade</a:t>
                       </a:r>
                     </a:p>
@@ -8286,11 +8099,7 @@
                         <a:buNone/>
                       </a:pPr>
                       <a:r>
-                        <a:rPr lang="pt-BR" sz="1100" dirty="0">
-                          <a:solidFill>
-                            <a:schemeClr val="bg2"/>
-                          </a:solidFill>
-                        </a:rPr>
+                        <a:rPr lang="pt-BR" sz="1100"/>
                         <a:t>Orientar a equipe de desenvolvimento durante a implementação do projeto como um todo. Instruir e cobrar da equipe a melhoria na qualidade do software.</a:t>
                       </a:r>
                     </a:p>
@@ -8322,7 +8131,7 @@
   <p:cSld>
     <p:spTree>
       <p:nvGrpSpPr>
-        <p:cNvPr id="1" name="Shape 111"/>
+        <p:cNvPr id="1" name="Shape 112"/>
         <p:cNvGrpSpPr/>
         <p:nvPr/>
       </p:nvGrpSpPr>
@@ -8336,7 +8145,7 @@
       </p:grpSpPr>
       <p:sp>
         <p:nvSpPr>
-          <p:cNvPr id="112" name="Shape 112"/>
+          <p:cNvPr id="113" name="Shape 113"/>
           <p:cNvSpPr txBox="1">
             <a:spLocks noGrp="1"/>
           </p:cNvSpPr>
@@ -8359,7 +8168,7 @@
           </a:bodyPr>
           <a:lstStyle/>
           <a:p>
-            <a:pPr>
+            <a:pPr lvl="0">
               <a:spcBef>
                 <a:spcPts val="0"/>
               </a:spcBef>
@@ -8374,7 +8183,7 @@
       </p:sp>
       <p:graphicFrame>
         <p:nvGraphicFramePr>
-          <p:cNvPr id="113" name="Shape 113"/>
+          <p:cNvPr id="114" name="Shape 114"/>
           <p:cNvGraphicFramePr/>
           <p:nvPr/>
         </p:nvGraphicFramePr>
@@ -8387,7 +8196,7 @@
             <a:tbl>
               <a:tblPr>
                 <a:noFill/>
-                <a:tableStyleId>{0CD7C6E1-07FA-43AB-BBB2-82301F84A2AB}</a:tableStyleId>
+                <a:tableStyleId>{96AFE8F4-BAE3-4390-BF48-82C78FCAA1F5}</a:tableStyleId>
               </a:tblPr>
               <a:tblGrid>
                 <a:gridCol w="2523775"/>
@@ -8400,14 +8209,14 @@
                     <a:bodyPr/>
                     <a:lstStyle/>
                     <a:p>
-                      <a:pPr>
+                      <a:pPr lvl="0">
                         <a:spcBef>
                           <a:spcPts val="0"/>
                         </a:spcBef>
                         <a:buNone/>
                       </a:pPr>
                       <a:r>
-                        <a:rPr lang="pt-BR" b="1" dirty="0">
+                        <a:rPr lang="pt-BR" b="1">
                           <a:solidFill>
                             <a:srgbClr val="434343"/>
                           </a:solidFill>
@@ -8427,7 +8236,7 @@
                     <a:bodyPr/>
                     <a:lstStyle/>
                     <a:p>
-                      <a:pPr>
+                      <a:pPr lvl="0">
                         <a:spcBef>
                           <a:spcPts val="0"/>
                         </a:spcBef>
@@ -8454,7 +8263,7 @@
                     <a:bodyPr/>
                     <a:lstStyle/>
                     <a:p>
-                      <a:pPr>
+                      <a:pPr lvl="0">
                         <a:spcBef>
                           <a:spcPts val="0"/>
                         </a:spcBef>
@@ -8483,7 +8292,7 @@
                     <a:bodyPr/>
                     <a:lstStyle/>
                     <a:p>
-                      <a:pPr algn="just" rtl="0">
+                      <a:pPr lvl="0" algn="just" rtl="0">
                         <a:lnSpc>
                           <a:spcPct val="150000"/>
                         </a:lnSpc>
@@ -8493,11 +8302,7 @@
                         <a:buNone/>
                       </a:pPr>
                       <a:r>
-                        <a:rPr lang="pt-BR" sz="1100">
-                          <a:solidFill>
-                            <a:schemeClr val="bg2"/>
-                          </a:solidFill>
-                        </a:rPr>
+                        <a:rPr lang="pt-BR" sz="1100"/>
                         <a:t>Deivid Azevedo de Lima</a:t>
                       </a:r>
                     </a:p>
@@ -8513,18 +8318,14 @@
                     <a:bodyPr/>
                     <a:lstStyle/>
                     <a:p>
-                      <a:pPr>
+                      <a:pPr lvl="0">
                         <a:spcBef>
                           <a:spcPts val="0"/>
                         </a:spcBef>
                         <a:buNone/>
                       </a:pPr>
                       <a:r>
-                        <a:rPr lang="pt-BR" sz="1100">
-                          <a:solidFill>
-                            <a:schemeClr val="bg2"/>
-                          </a:solidFill>
-                        </a:rPr>
+                        <a:rPr lang="pt-BR" sz="1100"/>
                         <a:t>Líder do Projeto</a:t>
                       </a:r>
                     </a:p>
@@ -8540,18 +8341,14 @@
                     <a:bodyPr/>
                     <a:lstStyle/>
                     <a:p>
-                      <a:pPr>
+                      <a:pPr lvl="0">
                         <a:spcBef>
                           <a:spcPts val="0"/>
                         </a:spcBef>
                         <a:buNone/>
                       </a:pPr>
                       <a:r>
-                        <a:rPr lang="pt-BR" sz="1100">
-                          <a:solidFill>
-                            <a:schemeClr val="bg2"/>
-                          </a:solidFill>
-                        </a:rPr>
+                        <a:rPr lang="pt-BR" sz="1100"/>
                         <a:t>Indy/Widancássio</a:t>
                       </a:r>
                     </a:p>
@@ -8569,7 +8366,7 @@
                     <a:bodyPr/>
                     <a:lstStyle/>
                     <a:p>
-                      <a:pPr algn="just" rtl="0">
+                      <a:pPr lvl="0" algn="just" rtl="0">
                         <a:lnSpc>
                           <a:spcPct val="150000"/>
                         </a:lnSpc>
@@ -8579,11 +8376,7 @@
                         <a:buNone/>
                       </a:pPr>
                       <a:r>
-                        <a:rPr lang="pt-BR" sz="1100">
-                          <a:solidFill>
-                            <a:schemeClr val="bg2"/>
-                          </a:solidFill>
-                        </a:rPr>
+                        <a:rPr lang="pt-BR" sz="1100"/>
                         <a:t>Indy Paula Soares Cordeiro e Silva</a:t>
                       </a:r>
                     </a:p>
@@ -8599,18 +8392,14 @@
                     <a:bodyPr/>
                     <a:lstStyle/>
                     <a:p>
-                      <a:pPr>
+                      <a:pPr lvl="0">
                         <a:spcBef>
                           <a:spcPts val="0"/>
                         </a:spcBef>
                         <a:buNone/>
                       </a:pPr>
                       <a:r>
-                        <a:rPr lang="pt-BR" sz="1100">
-                          <a:solidFill>
-                            <a:schemeClr val="bg2"/>
-                          </a:solidFill>
-                        </a:rPr>
+                        <a:rPr lang="pt-BR" sz="1100"/>
                         <a:t>Testador</a:t>
                       </a:r>
                     </a:p>
@@ -8626,18 +8415,14 @@
                     <a:bodyPr/>
                     <a:lstStyle/>
                     <a:p>
-                      <a:pPr>
+                      <a:pPr lvl="0">
                         <a:spcBef>
                           <a:spcPts val="0"/>
                         </a:spcBef>
                         <a:buNone/>
                       </a:pPr>
                       <a:r>
-                        <a:rPr lang="pt-BR" sz="1100">
-                          <a:solidFill>
-                            <a:schemeClr val="bg2"/>
-                          </a:solidFill>
-                        </a:rPr>
+                        <a:rPr lang="pt-BR" sz="1100"/>
                         <a:t>Deivid/Widancássio</a:t>
                       </a:r>
                     </a:p>
@@ -8655,7 +8440,7 @@
                     <a:bodyPr/>
                     <a:lstStyle/>
                     <a:p>
-                      <a:pPr algn="just" rtl="0">
+                      <a:pPr lvl="0" algn="just" rtl="0">
                         <a:lnSpc>
                           <a:spcPct val="150000"/>
                         </a:lnSpc>
@@ -8665,11 +8450,7 @@
                         <a:buNone/>
                       </a:pPr>
                       <a:r>
-                        <a:rPr lang="pt-BR" sz="1100">
-                          <a:solidFill>
-                            <a:schemeClr val="bg2"/>
-                          </a:solidFill>
-                        </a:rPr>
+                        <a:rPr lang="pt-BR" sz="1100"/>
                         <a:t>Widancássio Galindo da Silva</a:t>
                       </a:r>
                     </a:p>
@@ -8685,18 +8466,14 @@
                     <a:bodyPr/>
                     <a:lstStyle/>
                     <a:p>
-                      <a:pPr>
+                      <a:pPr lvl="0">
                         <a:spcBef>
                           <a:spcPts val="0"/>
                         </a:spcBef>
                         <a:buNone/>
                       </a:pPr>
                       <a:r>
-                        <a:rPr lang="pt-BR" sz="1100">
-                          <a:solidFill>
-                            <a:schemeClr val="bg2"/>
-                          </a:solidFill>
-                        </a:rPr>
+                        <a:rPr lang="pt-BR" sz="1100"/>
                         <a:t>Gerente de Configuração</a:t>
                       </a:r>
                     </a:p>
@@ -8712,18 +8489,14 @@
                     <a:bodyPr/>
                     <a:lstStyle/>
                     <a:p>
-                      <a:pPr>
+                      <a:pPr lvl="0">
                         <a:spcBef>
                           <a:spcPts val="0"/>
                         </a:spcBef>
                         <a:buNone/>
                       </a:pPr>
                       <a:r>
-                        <a:rPr lang="pt-BR" sz="1100">
-                          <a:solidFill>
-                            <a:schemeClr val="bg2"/>
-                          </a:solidFill>
-                        </a:rPr>
+                        <a:rPr lang="pt-BR" sz="1100"/>
                         <a:t>Indy/Deivid</a:t>
                       </a:r>
                     </a:p>
@@ -8741,7 +8514,7 @@
                     <a:bodyPr/>
                     <a:lstStyle/>
                     <a:p>
-                      <a:pPr algn="just" rtl="0">
+                      <a:pPr lvl="0" algn="just" rtl="0">
                         <a:lnSpc>
                           <a:spcPct val="150000"/>
                         </a:lnSpc>
@@ -8751,11 +8524,7 @@
                         <a:buNone/>
                       </a:pPr>
                       <a:r>
-                        <a:rPr lang="pt-BR" sz="1100">
-                          <a:solidFill>
-                            <a:schemeClr val="bg2"/>
-                          </a:solidFill>
-                        </a:rPr>
+                        <a:rPr lang="pt-BR" sz="1100"/>
                         <a:t>Membros da equipe</a:t>
                       </a:r>
                     </a:p>
@@ -8771,18 +8540,14 @@
                     <a:bodyPr/>
                     <a:lstStyle/>
                     <a:p>
-                      <a:pPr rtl="0">
+                      <a:pPr lvl="0" rtl="0">
                         <a:spcBef>
                           <a:spcPts val="0"/>
                         </a:spcBef>
                         <a:buNone/>
                       </a:pPr>
                       <a:r>
-                        <a:rPr lang="pt-BR" sz="1100" dirty="0">
-                          <a:solidFill>
-                            <a:schemeClr val="bg2"/>
-                          </a:solidFill>
-                        </a:rPr>
+                        <a:rPr lang="pt-BR" sz="1100"/>
                         <a:t>Desenvolvedor</a:t>
                       </a:r>
                     </a:p>
@@ -8798,18 +8563,14 @@
                     <a:bodyPr/>
                     <a:lstStyle/>
                     <a:p>
-                      <a:pPr rtl="0">
+                      <a:pPr lvl="0" rtl="0">
                         <a:spcBef>
                           <a:spcPts val="0"/>
                         </a:spcBef>
                         <a:buNone/>
                       </a:pPr>
                       <a:r>
-                        <a:rPr lang="pt-BR" sz="1100">
-                          <a:solidFill>
-                            <a:schemeClr val="bg2"/>
-                          </a:solidFill>
-                        </a:rPr>
+                        <a:rPr lang="pt-BR" sz="1100"/>
                         <a:t>-</a:t>
                       </a:r>
                     </a:p>
@@ -8827,7 +8588,7 @@
                     <a:bodyPr/>
                     <a:lstStyle/>
                     <a:p>
-                      <a:pPr rtl="0">
+                      <a:pPr lvl="0" rtl="0">
                         <a:lnSpc>
                           <a:spcPct val="150000"/>
                         </a:lnSpc>
@@ -8837,11 +8598,7 @@
                         <a:buNone/>
                       </a:pPr>
                       <a:r>
-                        <a:rPr lang="pt-BR" sz="1100">
-                          <a:solidFill>
-                            <a:schemeClr val="bg2"/>
-                          </a:solidFill>
-                        </a:rPr>
+                        <a:rPr lang="pt-BR" sz="1100"/>
                         <a:t>Maria Elenice Pereira da Silva</a:t>
                       </a:r>
                     </a:p>
@@ -8857,18 +8614,14 @@
                     <a:bodyPr/>
                     <a:lstStyle/>
                     <a:p>
-                      <a:pPr>
+                      <a:pPr lvl="0">
                         <a:spcBef>
                           <a:spcPts val="0"/>
                         </a:spcBef>
                         <a:buNone/>
                       </a:pPr>
                       <a:r>
-                        <a:rPr lang="pt-BR" sz="1100">
-                          <a:solidFill>
-                            <a:schemeClr val="bg2"/>
-                          </a:solidFill>
-                        </a:rPr>
+                        <a:rPr lang="pt-BR" sz="1100"/>
                         <a:t>Cliente</a:t>
                       </a:r>
                     </a:p>
@@ -8884,18 +8637,14 @@
                     <a:bodyPr/>
                     <a:lstStyle/>
                     <a:p>
-                      <a:pPr>
+                      <a:pPr lvl="0">
                         <a:spcBef>
                           <a:spcPts val="0"/>
                         </a:spcBef>
                         <a:buNone/>
                       </a:pPr>
                       <a:r>
-                        <a:rPr lang="pt-BR" sz="1100">
-                          <a:solidFill>
-                            <a:schemeClr val="bg2"/>
-                          </a:solidFill>
-                        </a:rPr>
+                        <a:rPr lang="pt-BR" sz="1100"/>
                         <a:t>-</a:t>
                       </a:r>
                     </a:p>
@@ -8913,7 +8662,7 @@
                     <a:bodyPr/>
                     <a:lstStyle/>
                     <a:p>
-                      <a:pPr rtl="0">
+                      <a:pPr lvl="0" rtl="0">
                         <a:lnSpc>
                           <a:spcPct val="150000"/>
                         </a:lnSpc>
@@ -8923,11 +8672,7 @@
                         <a:buNone/>
                       </a:pPr>
                       <a:r>
-                        <a:rPr lang="pt-BR" sz="1100">
-                          <a:solidFill>
-                            <a:schemeClr val="bg2"/>
-                          </a:solidFill>
-                        </a:rPr>
+                        <a:rPr lang="pt-BR" sz="1100"/>
                         <a:t>Felipe Louise Pereira Ferreira</a:t>
                       </a:r>
                     </a:p>
@@ -8943,18 +8688,14 @@
                     <a:bodyPr/>
                     <a:lstStyle/>
                     <a:p>
-                      <a:pPr>
+                      <a:pPr lvl="0">
                         <a:spcBef>
                           <a:spcPts val="0"/>
                         </a:spcBef>
                         <a:buNone/>
                       </a:pPr>
                       <a:r>
-                        <a:rPr lang="pt-BR" sz="1100">
-                          <a:solidFill>
-                            <a:schemeClr val="bg2"/>
-                          </a:solidFill>
-                        </a:rPr>
+                        <a:rPr lang="pt-BR" sz="1100"/>
                         <a:t>Cliente</a:t>
                       </a:r>
                     </a:p>
@@ -8970,18 +8711,14 @@
                     <a:bodyPr/>
                     <a:lstStyle/>
                     <a:p>
-                      <a:pPr>
+                      <a:pPr lvl="0">
                         <a:spcBef>
                           <a:spcPts val="0"/>
                         </a:spcBef>
                         <a:buNone/>
                       </a:pPr>
                       <a:r>
-                        <a:rPr lang="pt-BR" sz="1100">
-                          <a:solidFill>
-                            <a:schemeClr val="bg2"/>
-                          </a:solidFill>
-                        </a:rPr>
+                        <a:rPr lang="pt-BR" sz="1100"/>
                         <a:t>-</a:t>
                       </a:r>
                     </a:p>
@@ -8999,7 +8736,7 @@
                     <a:bodyPr/>
                     <a:lstStyle/>
                     <a:p>
-                      <a:pPr algn="just" rtl="0">
+                      <a:pPr lvl="0" algn="just" rtl="0">
                         <a:lnSpc>
                           <a:spcPct val="150000"/>
                         </a:lnSpc>
@@ -9009,11 +8746,7 @@
                         <a:buNone/>
                       </a:pPr>
                       <a:r>
-                        <a:rPr lang="pt-BR" sz="1100">
-                          <a:solidFill>
-                            <a:schemeClr val="bg2"/>
-                          </a:solidFill>
-                        </a:rPr>
+                        <a:rPr lang="pt-BR" sz="1100"/>
                         <a:t>Ednaldo Dilorenzo</a:t>
                       </a:r>
                     </a:p>
@@ -9039,11 +8772,7 @@
                         <a:buNone/>
                       </a:pPr>
                       <a:r>
-                        <a:rPr lang="pt-BR" sz="1100">
-                          <a:solidFill>
-                            <a:schemeClr val="bg2"/>
-                          </a:solidFill>
-                        </a:rPr>
+                        <a:rPr lang="pt-BR" sz="1100"/>
                         <a:t>Analista de Qualidade</a:t>
                       </a:r>
                     </a:p>
@@ -9059,18 +8788,14 @@
                     <a:bodyPr/>
                     <a:lstStyle/>
                     <a:p>
-                      <a:pPr>
+                      <a:pPr lvl="0">
                         <a:spcBef>
                           <a:spcPts val="0"/>
                         </a:spcBef>
                         <a:buNone/>
                       </a:pPr>
                       <a:r>
-                        <a:rPr lang="pt-BR" sz="1100" dirty="0">
-                          <a:solidFill>
-                            <a:schemeClr val="bg2"/>
-                          </a:solidFill>
-                        </a:rPr>
+                        <a:rPr lang="pt-BR" sz="1100"/>
                         <a:t>-</a:t>
                       </a:r>
                     </a:p>
@@ -9102,7 +8827,7 @@
   <p:cSld>
     <p:spTree>
       <p:nvGrpSpPr>
-        <p:cNvPr id="1" name="Shape 117"/>
+        <p:cNvPr id="1" name="Shape 118"/>
         <p:cNvGrpSpPr/>
         <p:nvPr/>
       </p:nvGrpSpPr>
@@ -9116,7 +8841,7 @@
       </p:grpSpPr>
       <p:sp>
         <p:nvSpPr>
-          <p:cNvPr id="118" name="Shape 118"/>
+          <p:cNvPr id="119" name="Shape 119"/>
           <p:cNvSpPr txBox="1">
             <a:spLocks noGrp="1"/>
           </p:cNvSpPr>
@@ -9139,7 +8864,7 @@
           </a:bodyPr>
           <a:lstStyle/>
           <a:p>
-            <a:pPr>
+            <a:pPr lvl="0">
               <a:spcBef>
                 <a:spcPts val="0"/>
               </a:spcBef>
@@ -9154,7 +8879,7 @@
       </p:sp>
       <p:sp>
         <p:nvSpPr>
-          <p:cNvPr id="119" name="Shape 119"/>
+          <p:cNvPr id="120" name="Shape 120"/>
           <p:cNvSpPr txBox="1">
             <a:spLocks noGrp="1"/>
           </p:cNvSpPr>
@@ -9183,23 +8908,15 @@
               </a:spcBef>
             </a:pPr>
             <a:r>
-              <a:rPr lang="pt-BR" dirty="0"/>
-              <a:t>Verificar Planilha dos Itens de </a:t>
-            </a:r>
-            <a:r>
-              <a:rPr lang="pt-BR" dirty="0" err="1"/>
-              <a:t>backlog</a:t>
-            </a:r>
-            <a:r>
-              <a:rPr lang="pt-BR" dirty="0"/>
-              <a:t>;</a:t>
+              <a:rPr lang="pt-BR"/>
+              <a:t>Verificar Planilha dos Itens de backlog;</a:t>
             </a:r>
           </a:p>
         </p:txBody>
       </p:sp>
       <p:pic>
         <p:nvPicPr>
-          <p:cNvPr id="120" name="Shape 120"/>
+          <p:cNvPr id="121" name="Shape 121"/>
           <p:cNvPicPr preferRelativeResize="0"/>
           <p:nvPr/>
         </p:nvPicPr>
@@ -9227,7 +8944,7 @@
       </p:pic>
       <p:pic>
         <p:nvPicPr>
-          <p:cNvPr id="121" name="Shape 121"/>
+          <p:cNvPr id="122" name="Shape 122"/>
           <p:cNvPicPr preferRelativeResize="0"/>
           <p:nvPr/>
         </p:nvPicPr>
@@ -9268,7 +8985,7 @@
   <p:cSld>
     <p:spTree>
       <p:nvGrpSpPr>
-        <p:cNvPr id="1" name="Shape 125"/>
+        <p:cNvPr id="1" name="Shape 126"/>
         <p:cNvGrpSpPr/>
         <p:nvPr/>
       </p:nvGrpSpPr>
@@ -9282,7 +8999,7 @@
       </p:grpSpPr>
       <p:sp>
         <p:nvSpPr>
-          <p:cNvPr id="126" name="Shape 126"/>
+          <p:cNvPr id="127" name="Shape 127"/>
           <p:cNvSpPr txBox="1">
             <a:spLocks noGrp="1"/>
           </p:cNvSpPr>
@@ -9305,7 +9022,7 @@
           </a:bodyPr>
           <a:lstStyle/>
           <a:p>
-            <a:pPr>
+            <a:pPr lvl="0">
               <a:spcBef>
                 <a:spcPts val="0"/>
               </a:spcBef>
@@ -9320,7 +9037,7 @@
       </p:sp>
       <p:sp>
         <p:nvSpPr>
-          <p:cNvPr id="127" name="Shape 127"/>
+          <p:cNvPr id="128" name="Shape 128"/>
           <p:cNvSpPr txBox="1">
             <a:spLocks noGrp="1"/>
           </p:cNvSpPr>
@@ -9349,7 +9066,7 @@
               </a:spcBef>
             </a:pPr>
             <a:r>
-              <a:rPr lang="pt-BR" dirty="0"/>
+              <a:rPr lang="pt-BR"/>
               <a:t>Disponibilidade dos Clientes;</a:t>
             </a:r>
           </a:p>
@@ -9360,7 +9077,7 @@
               </a:spcBef>
             </a:pPr>
             <a:r>
-              <a:rPr lang="pt-BR" dirty="0"/>
+              <a:rPr lang="pt-BR"/>
               <a:t>Professores atualizarem as atividades frequentemente;</a:t>
             </a:r>
           </a:p>
@@ -9371,15 +9088,15 @@
               </a:spcBef>
             </a:pPr>
             <a:r>
-              <a:rPr lang="pt-BR" dirty="0"/>
+              <a:rPr lang="pt-BR"/>
               <a:t>SUAP estar </a:t>
             </a:r>
             <a:r>
-              <a:rPr lang="pt-BR" i="1" dirty="0"/>
+              <a:rPr lang="pt-BR" i="1"/>
               <a:t>online</a:t>
             </a:r>
             <a:r>
-              <a:rPr lang="pt-BR" dirty="0"/>
+              <a:rPr lang="pt-BR"/>
               <a:t>;</a:t>
             </a:r>
           </a:p>
@@ -9390,7 +9107,7 @@
               </a:spcBef>
             </a:pPr>
             <a:r>
-              <a:rPr lang="pt-BR" dirty="0"/>
+              <a:rPr lang="pt-BR"/>
               <a:t>Liberação dos dados pelo sistema acadêmico;</a:t>
             </a:r>
           </a:p>
@@ -9401,7 +9118,7 @@
               </a:spcBef>
             </a:pPr>
             <a:r>
-              <a:rPr lang="pt-BR" dirty="0"/>
+              <a:rPr lang="pt-BR"/>
               <a:t>Cliente não pode desistir do projeto;</a:t>
             </a:r>
           </a:p>
@@ -9412,7 +9129,7 @@
               </a:spcBef>
             </a:pPr>
             <a:r>
-              <a:rPr lang="pt-BR" dirty="0"/>
+              <a:rPr lang="pt-BR"/>
               <a:t>Computador/Servidor disponível e com acesso á Internet;</a:t>
             </a:r>
           </a:p>
@@ -9429,7 +9146,7 @@
       </p:sp>
       <p:pic>
         <p:nvPicPr>
-          <p:cNvPr id="128" name="Shape 128"/>
+          <p:cNvPr id="129" name="Shape 129"/>
           <p:cNvPicPr preferRelativeResize="0"/>
           <p:nvPr/>
         </p:nvPicPr>
@@ -9457,7 +9174,7 @@
       </p:pic>
       <p:pic>
         <p:nvPicPr>
-          <p:cNvPr id="129" name="Shape 129"/>
+          <p:cNvPr id="130" name="Shape 130"/>
           <p:cNvPicPr preferRelativeResize="0"/>
           <p:nvPr/>
         </p:nvPicPr>
